--- a/4_Jquery.pptx
+++ b/4_Jquery.pptx
@@ -4,6 +4,9 @@
   <p:sldMasterIdLst>
     <p:sldMasterId id="2147483735" r:id="rId1"/>
   </p:sldMasterIdLst>
+  <p:notesMasterIdLst>
+    <p:notesMasterId r:id="rId83"/>
+  </p:notesMasterIdLst>
   <p:sldIdLst>
     <p:sldId id="256" r:id="rId2"/>
     <p:sldId id="259" r:id="rId3"/>
@@ -60,19 +63,32 @@
     <p:sldId id="312" r:id="rId54"/>
     <p:sldId id="313" r:id="rId55"/>
     <p:sldId id="314" r:id="rId56"/>
-    <p:sldId id="326" r:id="rId57"/>
-    <p:sldId id="316" r:id="rId58"/>
-    <p:sldId id="317" r:id="rId59"/>
-    <p:sldId id="315" r:id="rId60"/>
-    <p:sldId id="318" r:id="rId61"/>
-    <p:sldId id="319" r:id="rId62"/>
-    <p:sldId id="320" r:id="rId63"/>
-    <p:sldId id="321" r:id="rId64"/>
-    <p:sldId id="322" r:id="rId65"/>
-    <p:sldId id="323" r:id="rId66"/>
-    <p:sldId id="324" r:id="rId67"/>
-    <p:sldId id="325" r:id="rId68"/>
-    <p:sldId id="262" r:id="rId69"/>
+    <p:sldId id="331" r:id="rId57"/>
+    <p:sldId id="328" r:id="rId58"/>
+    <p:sldId id="332" r:id="rId59"/>
+    <p:sldId id="333" r:id="rId60"/>
+    <p:sldId id="334" r:id="rId61"/>
+    <p:sldId id="335" r:id="rId62"/>
+    <p:sldId id="329" r:id="rId63"/>
+    <p:sldId id="336" r:id="rId64"/>
+    <p:sldId id="330" r:id="rId65"/>
+    <p:sldId id="337" r:id="rId66"/>
+    <p:sldId id="316" r:id="rId67"/>
+    <p:sldId id="317" r:id="rId68"/>
+    <p:sldId id="315" r:id="rId69"/>
+    <p:sldId id="318" r:id="rId70"/>
+    <p:sldId id="319" r:id="rId71"/>
+    <p:sldId id="338" r:id="rId72"/>
+    <p:sldId id="339" r:id="rId73"/>
+    <p:sldId id="320" r:id="rId74"/>
+    <p:sldId id="321" r:id="rId75"/>
+    <p:sldId id="322" r:id="rId76"/>
+    <p:sldId id="323" r:id="rId77"/>
+    <p:sldId id="324" r:id="rId78"/>
+    <p:sldId id="340" r:id="rId79"/>
+    <p:sldId id="341" r:id="rId80"/>
+    <p:sldId id="325" r:id="rId81"/>
+    <p:sldId id="262" r:id="rId82"/>
   </p:sldIdLst>
   <p:sldSz cx="9144000" cy="6858000" type="screen4x3"/>
   <p:notesSz cx="6858000" cy="9144000"/>
@@ -177,6 +193,4197 @@
     </p:ext>
   </p:extLst>
 </p:presentation>
+</file>
+
+<file path=ppt/diagrams/colors1.xml><?xml version="1.0" encoding="utf-8"?>
+<dgm:colorsDef xmlns:dgm="http://schemas.openxmlformats.org/drawingml/2006/diagram" xmlns:a="http://schemas.openxmlformats.org/drawingml/2006/main" uniqueId="urn:microsoft.com/office/officeart/2005/8/colors/colorful1">
+  <dgm:title val=""/>
+  <dgm:desc val=""/>
+  <dgm:catLst>
+    <dgm:cat type="colorful" pri="10100"/>
+  </dgm:catLst>
+  <dgm:styleLbl name="node0">
+    <dgm:fillClrLst meth="repeat">
+      <a:schemeClr val="accent1"/>
+    </dgm:fillClrLst>
+    <dgm:linClrLst meth="repeat">
+      <a:schemeClr val="lt1"/>
+    </dgm:linClrLst>
+    <dgm:effectClrLst/>
+    <dgm:txLinClrLst/>
+    <dgm:txFillClrLst/>
+    <dgm:txEffectClrLst/>
+  </dgm:styleLbl>
+  <dgm:styleLbl name="node1">
+    <dgm:fillClrLst meth="repeat">
+      <a:schemeClr val="accent2"/>
+      <a:schemeClr val="accent3"/>
+      <a:schemeClr val="accent4"/>
+      <a:schemeClr val="accent5"/>
+      <a:schemeClr val="accent6"/>
+    </dgm:fillClrLst>
+    <dgm:linClrLst meth="repeat">
+      <a:schemeClr val="lt1"/>
+    </dgm:linClrLst>
+    <dgm:effectClrLst/>
+    <dgm:txLinClrLst/>
+    <dgm:txFillClrLst/>
+    <dgm:txEffectClrLst/>
+  </dgm:styleLbl>
+  <dgm:styleLbl name="alignNode1">
+    <dgm:fillClrLst meth="repeat">
+      <a:schemeClr val="accent2"/>
+      <a:schemeClr val="accent3"/>
+      <a:schemeClr val="accent4"/>
+      <a:schemeClr val="accent5"/>
+      <a:schemeClr val="accent6"/>
+    </dgm:fillClrLst>
+    <dgm:linClrLst meth="repeat">
+      <a:schemeClr val="accent2"/>
+      <a:schemeClr val="accent3"/>
+      <a:schemeClr val="accent4"/>
+      <a:schemeClr val="accent5"/>
+      <a:schemeClr val="accent6"/>
+    </dgm:linClrLst>
+    <dgm:effectClrLst/>
+    <dgm:txLinClrLst/>
+    <dgm:txFillClrLst/>
+    <dgm:txEffectClrLst/>
+  </dgm:styleLbl>
+  <dgm:styleLbl name="lnNode1">
+    <dgm:fillClrLst meth="repeat">
+      <a:schemeClr val="accent2"/>
+      <a:schemeClr val="accent3"/>
+      <a:schemeClr val="accent4"/>
+      <a:schemeClr val="accent5"/>
+      <a:schemeClr val="accent6"/>
+    </dgm:fillClrLst>
+    <dgm:linClrLst meth="repeat">
+      <a:schemeClr val="lt1"/>
+    </dgm:linClrLst>
+    <dgm:effectClrLst/>
+    <dgm:txLinClrLst/>
+    <dgm:txFillClrLst/>
+    <dgm:txEffectClrLst/>
+  </dgm:styleLbl>
+  <dgm:styleLbl name="vennNode1">
+    <dgm:fillClrLst meth="repeat">
+      <a:schemeClr val="accent2">
+        <a:alpha val="50000"/>
+      </a:schemeClr>
+      <a:schemeClr val="accent3">
+        <a:alpha val="50000"/>
+      </a:schemeClr>
+      <a:schemeClr val="accent4">
+        <a:alpha val="50000"/>
+      </a:schemeClr>
+      <a:schemeClr val="accent5">
+        <a:alpha val="50000"/>
+      </a:schemeClr>
+      <a:schemeClr val="accent6">
+        <a:alpha val="50000"/>
+      </a:schemeClr>
+    </dgm:fillClrLst>
+    <dgm:linClrLst meth="repeat">
+      <a:schemeClr val="lt1"/>
+    </dgm:linClrLst>
+    <dgm:effectClrLst/>
+    <dgm:txLinClrLst/>
+    <dgm:txFillClrLst/>
+    <dgm:txEffectClrLst/>
+  </dgm:styleLbl>
+  <dgm:styleLbl name="node2">
+    <dgm:fillClrLst>
+      <a:schemeClr val="accent2"/>
+    </dgm:fillClrLst>
+    <dgm:linClrLst meth="repeat">
+      <a:schemeClr val="lt1"/>
+    </dgm:linClrLst>
+    <dgm:effectClrLst/>
+    <dgm:txLinClrLst/>
+    <dgm:txFillClrLst/>
+    <dgm:txEffectClrLst/>
+  </dgm:styleLbl>
+  <dgm:styleLbl name="node3">
+    <dgm:fillClrLst>
+      <a:schemeClr val="accent3"/>
+    </dgm:fillClrLst>
+    <dgm:linClrLst meth="repeat">
+      <a:schemeClr val="lt1"/>
+    </dgm:linClrLst>
+    <dgm:effectClrLst/>
+    <dgm:txLinClrLst/>
+    <dgm:txFillClrLst/>
+    <dgm:txEffectClrLst/>
+  </dgm:styleLbl>
+  <dgm:styleLbl name="node4">
+    <dgm:fillClrLst>
+      <a:schemeClr val="accent4"/>
+    </dgm:fillClrLst>
+    <dgm:linClrLst meth="repeat">
+      <a:schemeClr val="lt1"/>
+    </dgm:linClrLst>
+    <dgm:effectClrLst/>
+    <dgm:txLinClrLst/>
+    <dgm:txFillClrLst/>
+    <dgm:txEffectClrLst/>
+  </dgm:styleLbl>
+  <dgm:styleLbl name="fgImgPlace1">
+    <dgm:fillClrLst meth="repeat">
+      <a:schemeClr val="accent2">
+        <a:tint val="50000"/>
+      </a:schemeClr>
+      <a:schemeClr val="accent3">
+        <a:tint val="50000"/>
+      </a:schemeClr>
+      <a:schemeClr val="accent4">
+        <a:tint val="50000"/>
+      </a:schemeClr>
+      <a:schemeClr val="accent5">
+        <a:tint val="50000"/>
+      </a:schemeClr>
+      <a:schemeClr val="accent6">
+        <a:tint val="50000"/>
+      </a:schemeClr>
+    </dgm:fillClrLst>
+    <dgm:linClrLst meth="repeat">
+      <a:schemeClr val="lt1"/>
+    </dgm:linClrLst>
+    <dgm:effectClrLst/>
+    <dgm:txLinClrLst/>
+    <dgm:txFillClrLst meth="repeat">
+      <a:schemeClr val="lt1"/>
+    </dgm:txFillClrLst>
+    <dgm:txEffectClrLst/>
+  </dgm:styleLbl>
+  <dgm:styleLbl name="alignImgPlace1">
+    <dgm:fillClrLst>
+      <a:schemeClr val="accent1">
+        <a:tint val="50000"/>
+      </a:schemeClr>
+      <a:schemeClr val="accent2">
+        <a:tint val="20000"/>
+      </a:schemeClr>
+    </dgm:fillClrLst>
+    <dgm:linClrLst meth="repeat">
+      <a:schemeClr val="lt1"/>
+    </dgm:linClrLst>
+    <dgm:effectClrLst/>
+    <dgm:txLinClrLst/>
+    <dgm:txFillClrLst meth="repeat">
+      <a:schemeClr val="lt1"/>
+    </dgm:txFillClrLst>
+    <dgm:txEffectClrLst/>
+  </dgm:styleLbl>
+  <dgm:styleLbl name="bgImgPlace1">
+    <dgm:fillClrLst>
+      <a:schemeClr val="accent1">
+        <a:tint val="50000"/>
+      </a:schemeClr>
+      <a:schemeClr val="accent2">
+        <a:tint val="20000"/>
+      </a:schemeClr>
+    </dgm:fillClrLst>
+    <dgm:linClrLst meth="repeat">
+      <a:schemeClr val="lt1"/>
+    </dgm:linClrLst>
+    <dgm:effectClrLst/>
+    <dgm:txLinClrLst/>
+    <dgm:txFillClrLst meth="repeat">
+      <a:schemeClr val="lt1"/>
+    </dgm:txFillClrLst>
+    <dgm:txEffectClrLst/>
+  </dgm:styleLbl>
+  <dgm:styleLbl name="sibTrans2D1">
+    <dgm:fillClrLst meth="repeat">
+      <a:schemeClr val="accent2"/>
+      <a:schemeClr val="accent3"/>
+      <a:schemeClr val="accent4"/>
+      <a:schemeClr val="accent5"/>
+      <a:schemeClr val="accent6"/>
+    </dgm:fillClrLst>
+    <dgm:linClrLst meth="cycle">
+      <a:schemeClr val="lt1"/>
+    </dgm:linClrLst>
+    <dgm:effectClrLst/>
+    <dgm:txLinClrLst/>
+    <dgm:txFillClrLst/>
+    <dgm:txEffectClrLst/>
+  </dgm:styleLbl>
+  <dgm:styleLbl name="fgSibTrans2D1">
+    <dgm:fillClrLst meth="repeat">
+      <a:schemeClr val="accent2"/>
+      <a:schemeClr val="accent3"/>
+      <a:schemeClr val="accent4"/>
+      <a:schemeClr val="accent5"/>
+      <a:schemeClr val="accent6"/>
+    </dgm:fillClrLst>
+    <dgm:linClrLst meth="cycle">
+      <a:schemeClr val="lt1"/>
+    </dgm:linClrLst>
+    <dgm:effectClrLst/>
+    <dgm:txLinClrLst/>
+    <dgm:txFillClrLst meth="repeat">
+      <a:schemeClr val="lt1"/>
+    </dgm:txFillClrLst>
+    <dgm:txEffectClrLst/>
+  </dgm:styleLbl>
+  <dgm:styleLbl name="bgSibTrans2D1">
+    <dgm:fillClrLst meth="repeat">
+      <a:schemeClr val="accent2"/>
+      <a:schemeClr val="accent3"/>
+      <a:schemeClr val="accent4"/>
+      <a:schemeClr val="accent5"/>
+      <a:schemeClr val="accent6"/>
+    </dgm:fillClrLst>
+    <dgm:linClrLst meth="cycle">
+      <a:schemeClr val="lt1"/>
+    </dgm:linClrLst>
+    <dgm:effectClrLst/>
+    <dgm:txLinClrLst/>
+    <dgm:txFillClrLst meth="repeat">
+      <a:schemeClr val="lt1"/>
+    </dgm:txFillClrLst>
+    <dgm:txEffectClrLst/>
+  </dgm:styleLbl>
+  <dgm:styleLbl name="sibTrans1D1">
+    <dgm:fillClrLst meth="repeat">
+      <a:schemeClr val="accent2"/>
+      <a:schemeClr val="accent3"/>
+      <a:schemeClr val="accent4"/>
+      <a:schemeClr val="accent5"/>
+      <a:schemeClr val="accent6"/>
+    </dgm:fillClrLst>
+    <dgm:linClrLst meth="repeat">
+      <a:schemeClr val="accent2"/>
+      <a:schemeClr val="accent3"/>
+      <a:schemeClr val="accent4"/>
+      <a:schemeClr val="accent5"/>
+      <a:schemeClr val="accent6"/>
+    </dgm:linClrLst>
+    <dgm:effectClrLst/>
+    <dgm:txLinClrLst/>
+    <dgm:txFillClrLst meth="repeat">
+      <a:schemeClr val="tx1"/>
+    </dgm:txFillClrLst>
+    <dgm:txEffectClrLst/>
+  </dgm:styleLbl>
+  <dgm:styleLbl name="callout">
+    <dgm:fillClrLst meth="repeat">
+      <a:schemeClr val="accent2"/>
+    </dgm:fillClrLst>
+    <dgm:linClrLst meth="repeat">
+      <a:schemeClr val="accent2">
+        <a:tint val="50000"/>
+      </a:schemeClr>
+    </dgm:linClrLst>
+    <dgm:effectClrLst/>
+    <dgm:txLinClrLst/>
+    <dgm:txFillClrLst meth="repeat">
+      <a:schemeClr val="tx1"/>
+    </dgm:txFillClrLst>
+    <dgm:txEffectClrLst/>
+  </dgm:styleLbl>
+  <dgm:styleLbl name="asst0">
+    <dgm:fillClrLst meth="repeat">
+      <a:schemeClr val="accent1"/>
+    </dgm:fillClrLst>
+    <dgm:linClrLst meth="repeat">
+      <a:schemeClr val="lt1"/>
+    </dgm:linClrLst>
+    <dgm:effectClrLst/>
+    <dgm:txLinClrLst/>
+    <dgm:txFillClrLst/>
+    <dgm:txEffectClrLst/>
+  </dgm:styleLbl>
+  <dgm:styleLbl name="asst1">
+    <dgm:fillClrLst meth="repeat">
+      <a:schemeClr val="accent2"/>
+    </dgm:fillClrLst>
+    <dgm:linClrLst meth="repeat">
+      <a:schemeClr val="lt1"/>
+    </dgm:linClrLst>
+    <dgm:effectClrLst/>
+    <dgm:txLinClrLst/>
+    <dgm:txFillClrLst/>
+    <dgm:txEffectClrLst/>
+  </dgm:styleLbl>
+  <dgm:styleLbl name="asst2">
+    <dgm:fillClrLst>
+      <a:schemeClr val="accent3"/>
+    </dgm:fillClrLst>
+    <dgm:linClrLst meth="repeat">
+      <a:schemeClr val="lt1"/>
+    </dgm:linClrLst>
+    <dgm:effectClrLst/>
+    <dgm:txLinClrLst/>
+    <dgm:txFillClrLst/>
+    <dgm:txEffectClrLst/>
+  </dgm:styleLbl>
+  <dgm:styleLbl name="asst3">
+    <dgm:fillClrLst>
+      <a:schemeClr val="accent4"/>
+    </dgm:fillClrLst>
+    <dgm:linClrLst meth="repeat">
+      <a:schemeClr val="lt1"/>
+    </dgm:linClrLst>
+    <dgm:effectClrLst/>
+    <dgm:txLinClrLst/>
+    <dgm:txFillClrLst/>
+    <dgm:txEffectClrLst/>
+  </dgm:styleLbl>
+  <dgm:styleLbl name="asst4">
+    <dgm:fillClrLst>
+      <a:schemeClr val="accent5"/>
+    </dgm:fillClrLst>
+    <dgm:linClrLst meth="repeat">
+      <a:schemeClr val="lt1"/>
+    </dgm:linClrLst>
+    <dgm:effectClrLst/>
+    <dgm:txLinClrLst/>
+    <dgm:txFillClrLst/>
+    <dgm:txEffectClrLst/>
+  </dgm:styleLbl>
+  <dgm:styleLbl name="parChTrans2D1">
+    <dgm:fillClrLst meth="repeat">
+      <a:schemeClr val="accent2"/>
+    </dgm:fillClrLst>
+    <dgm:linClrLst meth="repeat">
+      <a:schemeClr val="lt1"/>
+    </dgm:linClrLst>
+    <dgm:effectClrLst/>
+    <dgm:txLinClrLst/>
+    <dgm:txFillClrLst meth="repeat">
+      <a:schemeClr val="lt1"/>
+    </dgm:txFillClrLst>
+    <dgm:txEffectClrLst/>
+  </dgm:styleLbl>
+  <dgm:styleLbl name="parChTrans2D2">
+    <dgm:fillClrLst meth="repeat">
+      <a:schemeClr val="accent3"/>
+    </dgm:fillClrLst>
+    <dgm:linClrLst meth="repeat">
+      <a:schemeClr val="lt1"/>
+    </dgm:linClrLst>
+    <dgm:effectClrLst/>
+    <dgm:txLinClrLst/>
+    <dgm:txFillClrLst/>
+    <dgm:txEffectClrLst/>
+  </dgm:styleLbl>
+  <dgm:styleLbl name="parChTrans2D3">
+    <dgm:fillClrLst meth="repeat">
+      <a:schemeClr val="accent4"/>
+    </dgm:fillClrLst>
+    <dgm:linClrLst meth="repeat">
+      <a:schemeClr val="lt1"/>
+    </dgm:linClrLst>
+    <dgm:effectClrLst/>
+    <dgm:txLinClrLst/>
+    <dgm:txFillClrLst/>
+    <dgm:txEffectClrLst/>
+  </dgm:styleLbl>
+  <dgm:styleLbl name="parChTrans2D4">
+    <dgm:fillClrLst meth="repeat">
+      <a:schemeClr val="accent5"/>
+    </dgm:fillClrLst>
+    <dgm:linClrLst meth="repeat">
+      <a:schemeClr val="lt1"/>
+    </dgm:linClrLst>
+    <dgm:effectClrLst/>
+    <dgm:txLinClrLst/>
+    <dgm:txFillClrLst meth="repeat">
+      <a:schemeClr val="lt1"/>
+    </dgm:txFillClrLst>
+    <dgm:txEffectClrLst/>
+  </dgm:styleLbl>
+  <dgm:styleLbl name="parChTrans1D1">
+    <dgm:fillClrLst meth="repeat">
+      <a:schemeClr val="accent2"/>
+    </dgm:fillClrLst>
+    <dgm:linClrLst meth="repeat">
+      <a:schemeClr val="accent1"/>
+    </dgm:linClrLst>
+    <dgm:effectClrLst/>
+    <dgm:txLinClrLst/>
+    <dgm:txFillClrLst meth="repeat">
+      <a:schemeClr val="tx1"/>
+    </dgm:txFillClrLst>
+    <dgm:txEffectClrLst/>
+  </dgm:styleLbl>
+  <dgm:styleLbl name="parChTrans1D2">
+    <dgm:fillClrLst meth="repeat">
+      <a:schemeClr val="accent3">
+        <a:tint val="90000"/>
+      </a:schemeClr>
+    </dgm:fillClrLst>
+    <dgm:linClrLst meth="repeat">
+      <a:schemeClr val="accent2"/>
+    </dgm:linClrLst>
+    <dgm:effectClrLst/>
+    <dgm:txLinClrLst/>
+    <dgm:txFillClrLst meth="repeat">
+      <a:schemeClr val="tx1"/>
+    </dgm:txFillClrLst>
+    <dgm:txEffectClrLst/>
+  </dgm:styleLbl>
+  <dgm:styleLbl name="parChTrans1D3">
+    <dgm:fillClrLst meth="repeat">
+      <a:schemeClr val="accent4">
+        <a:tint val="70000"/>
+      </a:schemeClr>
+    </dgm:fillClrLst>
+    <dgm:linClrLst meth="repeat">
+      <a:schemeClr val="accent3"/>
+    </dgm:linClrLst>
+    <dgm:effectClrLst/>
+    <dgm:txLinClrLst/>
+    <dgm:txFillClrLst meth="repeat">
+      <a:schemeClr val="tx1"/>
+    </dgm:txFillClrLst>
+    <dgm:txEffectClrLst/>
+  </dgm:styleLbl>
+  <dgm:styleLbl name="parChTrans1D4">
+    <dgm:fillClrLst meth="repeat">
+      <a:schemeClr val="accent5">
+        <a:tint val="50000"/>
+      </a:schemeClr>
+    </dgm:fillClrLst>
+    <dgm:linClrLst meth="repeat">
+      <a:schemeClr val="accent4"/>
+    </dgm:linClrLst>
+    <dgm:effectClrLst/>
+    <dgm:txLinClrLst/>
+    <dgm:txFillClrLst meth="repeat">
+      <a:schemeClr val="tx1"/>
+    </dgm:txFillClrLst>
+    <dgm:txEffectClrLst/>
+  </dgm:styleLbl>
+  <dgm:styleLbl name="fgAcc1">
+    <dgm:fillClrLst meth="repeat">
+      <a:schemeClr val="lt1">
+        <a:alpha val="90000"/>
+      </a:schemeClr>
+    </dgm:fillClrLst>
+    <dgm:linClrLst meth="repeat">
+      <a:schemeClr val="accent2"/>
+      <a:schemeClr val="accent3"/>
+      <a:schemeClr val="accent4"/>
+      <a:schemeClr val="accent5"/>
+      <a:schemeClr val="accent6"/>
+    </dgm:linClrLst>
+    <dgm:effectClrLst/>
+    <dgm:txLinClrLst/>
+    <dgm:txFillClrLst meth="repeat">
+      <a:schemeClr val="dk1"/>
+    </dgm:txFillClrLst>
+    <dgm:txEffectClrLst/>
+  </dgm:styleLbl>
+  <dgm:styleLbl name="conFgAcc1">
+    <dgm:fillClrLst meth="repeat">
+      <a:schemeClr val="lt1">
+        <a:alpha val="90000"/>
+      </a:schemeClr>
+    </dgm:fillClrLst>
+    <dgm:linClrLst meth="repeat">
+      <a:schemeClr val="accent2"/>
+      <a:schemeClr val="accent3"/>
+      <a:schemeClr val="accent4"/>
+      <a:schemeClr val="accent5"/>
+      <a:schemeClr val="accent6"/>
+    </dgm:linClrLst>
+    <dgm:effectClrLst/>
+    <dgm:txLinClrLst/>
+    <dgm:txFillClrLst meth="repeat">
+      <a:schemeClr val="dk1"/>
+    </dgm:txFillClrLst>
+    <dgm:txEffectClrLst/>
+  </dgm:styleLbl>
+  <dgm:styleLbl name="alignAcc1">
+    <dgm:fillClrLst meth="repeat">
+      <a:schemeClr val="lt1">
+        <a:alpha val="90000"/>
+      </a:schemeClr>
+    </dgm:fillClrLst>
+    <dgm:linClrLst meth="repeat">
+      <a:schemeClr val="accent2"/>
+      <a:schemeClr val="accent3"/>
+      <a:schemeClr val="accent4"/>
+      <a:schemeClr val="accent5"/>
+      <a:schemeClr val="accent6"/>
+    </dgm:linClrLst>
+    <dgm:effectClrLst/>
+    <dgm:txLinClrLst/>
+    <dgm:txFillClrLst meth="repeat">
+      <a:schemeClr val="dk1"/>
+    </dgm:txFillClrLst>
+    <dgm:txEffectClrLst/>
+  </dgm:styleLbl>
+  <dgm:styleLbl name="trAlignAcc1">
+    <dgm:fillClrLst meth="repeat">
+      <a:schemeClr val="lt1">
+        <a:alpha val="40000"/>
+      </a:schemeClr>
+    </dgm:fillClrLst>
+    <dgm:linClrLst meth="repeat">
+      <a:schemeClr val="accent1"/>
+    </dgm:linClrLst>
+    <dgm:effectClrLst/>
+    <dgm:txLinClrLst/>
+    <dgm:txFillClrLst meth="repeat">
+      <a:schemeClr val="dk1"/>
+    </dgm:txFillClrLst>
+    <dgm:txEffectClrLst/>
+  </dgm:styleLbl>
+  <dgm:styleLbl name="bgAcc1">
+    <dgm:fillClrLst meth="repeat">
+      <a:schemeClr val="lt1">
+        <a:alpha val="90000"/>
+      </a:schemeClr>
+    </dgm:fillClrLst>
+    <dgm:linClrLst meth="repeat">
+      <a:schemeClr val="accent2"/>
+      <a:schemeClr val="accent3"/>
+      <a:schemeClr val="accent4"/>
+      <a:schemeClr val="accent5"/>
+      <a:schemeClr val="accent6"/>
+    </dgm:linClrLst>
+    <dgm:effectClrLst/>
+    <dgm:txLinClrLst/>
+    <dgm:txFillClrLst meth="repeat">
+      <a:schemeClr val="dk1"/>
+    </dgm:txFillClrLst>
+    <dgm:txEffectClrLst/>
+  </dgm:styleLbl>
+  <dgm:styleLbl name="solidFgAcc1">
+    <dgm:fillClrLst meth="repeat">
+      <a:schemeClr val="lt1"/>
+    </dgm:fillClrLst>
+    <dgm:linClrLst meth="repeat">
+      <a:schemeClr val="accent2"/>
+      <a:schemeClr val="accent3"/>
+      <a:schemeClr val="accent4"/>
+      <a:schemeClr val="accent5"/>
+      <a:schemeClr val="accent6"/>
+    </dgm:linClrLst>
+    <dgm:effectClrLst/>
+    <dgm:txLinClrLst/>
+    <dgm:txFillClrLst meth="repeat">
+      <a:schemeClr val="dk1"/>
+    </dgm:txFillClrLst>
+    <dgm:txEffectClrLst/>
+  </dgm:styleLbl>
+  <dgm:styleLbl name="solidAlignAcc1">
+    <dgm:fillClrLst meth="repeat">
+      <a:schemeClr val="lt1"/>
+    </dgm:fillClrLst>
+    <dgm:linClrLst meth="repeat">
+      <a:schemeClr val="accent2"/>
+      <a:schemeClr val="accent3"/>
+      <a:schemeClr val="accent4"/>
+      <a:schemeClr val="accent5"/>
+      <a:schemeClr val="accent6"/>
+    </dgm:linClrLst>
+    <dgm:effectClrLst/>
+    <dgm:txLinClrLst/>
+    <dgm:txFillClrLst meth="repeat">
+      <a:schemeClr val="dk1"/>
+    </dgm:txFillClrLst>
+    <dgm:txEffectClrLst/>
+  </dgm:styleLbl>
+  <dgm:styleLbl name="solidBgAcc1">
+    <dgm:fillClrLst meth="repeat">
+      <a:schemeClr val="lt1"/>
+    </dgm:fillClrLst>
+    <dgm:linClrLst meth="repeat">
+      <a:schemeClr val="accent2"/>
+      <a:schemeClr val="accent3"/>
+      <a:schemeClr val="accent4"/>
+      <a:schemeClr val="accent5"/>
+      <a:schemeClr val="accent6"/>
+    </dgm:linClrLst>
+    <dgm:effectClrLst/>
+    <dgm:txLinClrLst/>
+    <dgm:txFillClrLst meth="repeat">
+      <a:schemeClr val="dk1"/>
+    </dgm:txFillClrLst>
+    <dgm:txEffectClrLst/>
+  </dgm:styleLbl>
+  <dgm:styleLbl name="fgAccFollowNode1">
+    <dgm:fillClrLst meth="repeat">
+      <a:schemeClr val="accent2">
+        <a:tint val="40000"/>
+        <a:alpha val="90000"/>
+      </a:schemeClr>
+      <a:schemeClr val="accent3">
+        <a:tint val="40000"/>
+        <a:alpha val="90000"/>
+      </a:schemeClr>
+      <a:schemeClr val="accent4">
+        <a:tint val="40000"/>
+        <a:alpha val="90000"/>
+      </a:schemeClr>
+      <a:schemeClr val="accent5">
+        <a:tint val="40000"/>
+        <a:alpha val="90000"/>
+      </a:schemeClr>
+      <a:schemeClr val="accent6">
+        <a:tint val="40000"/>
+        <a:alpha val="90000"/>
+      </a:schemeClr>
+    </dgm:fillClrLst>
+    <dgm:linClrLst meth="repeat">
+      <a:schemeClr val="accent2">
+        <a:tint val="40000"/>
+        <a:alpha val="90000"/>
+      </a:schemeClr>
+      <a:schemeClr val="accent3">
+        <a:tint val="40000"/>
+        <a:alpha val="90000"/>
+      </a:schemeClr>
+      <a:schemeClr val="accent4">
+        <a:tint val="40000"/>
+        <a:alpha val="90000"/>
+      </a:schemeClr>
+      <a:schemeClr val="accent5">
+        <a:tint val="40000"/>
+        <a:alpha val="90000"/>
+      </a:schemeClr>
+      <a:schemeClr val="accent6">
+        <a:tint val="40000"/>
+        <a:alpha val="90000"/>
+      </a:schemeClr>
+    </dgm:linClrLst>
+    <dgm:effectClrLst/>
+    <dgm:txLinClrLst/>
+    <dgm:txFillClrLst meth="repeat">
+      <a:schemeClr val="dk1"/>
+    </dgm:txFillClrLst>
+    <dgm:txEffectClrLst/>
+  </dgm:styleLbl>
+  <dgm:styleLbl name="alignAccFollowNode1">
+    <dgm:fillClrLst meth="repeat">
+      <a:schemeClr val="accent2">
+        <a:tint val="40000"/>
+        <a:alpha val="90000"/>
+      </a:schemeClr>
+      <a:schemeClr val="accent3">
+        <a:tint val="40000"/>
+        <a:alpha val="90000"/>
+      </a:schemeClr>
+      <a:schemeClr val="accent4">
+        <a:tint val="40000"/>
+        <a:alpha val="90000"/>
+      </a:schemeClr>
+      <a:schemeClr val="accent5">
+        <a:tint val="40000"/>
+        <a:alpha val="90000"/>
+      </a:schemeClr>
+      <a:schemeClr val="accent6">
+        <a:tint val="40000"/>
+        <a:alpha val="90000"/>
+      </a:schemeClr>
+    </dgm:fillClrLst>
+    <dgm:linClrLst meth="repeat">
+      <a:schemeClr val="accent2">
+        <a:tint val="40000"/>
+        <a:alpha val="90000"/>
+      </a:schemeClr>
+      <a:schemeClr val="accent3">
+        <a:tint val="40000"/>
+        <a:alpha val="90000"/>
+      </a:schemeClr>
+      <a:schemeClr val="accent4">
+        <a:tint val="40000"/>
+        <a:alpha val="90000"/>
+      </a:schemeClr>
+      <a:schemeClr val="accent5">
+        <a:tint val="40000"/>
+        <a:alpha val="90000"/>
+      </a:schemeClr>
+      <a:schemeClr val="accent6">
+        <a:tint val="40000"/>
+        <a:alpha val="90000"/>
+      </a:schemeClr>
+    </dgm:linClrLst>
+    <dgm:effectClrLst/>
+    <dgm:txLinClrLst/>
+    <dgm:txFillClrLst meth="repeat">
+      <a:schemeClr val="dk1"/>
+    </dgm:txFillClrLst>
+    <dgm:txEffectClrLst/>
+  </dgm:styleLbl>
+  <dgm:styleLbl name="bgAccFollowNode1">
+    <dgm:fillClrLst meth="repeat">
+      <a:schemeClr val="accent2">
+        <a:tint val="40000"/>
+        <a:alpha val="90000"/>
+      </a:schemeClr>
+      <a:schemeClr val="accent3">
+        <a:tint val="40000"/>
+        <a:alpha val="90000"/>
+      </a:schemeClr>
+      <a:schemeClr val="accent4">
+        <a:tint val="40000"/>
+        <a:alpha val="90000"/>
+      </a:schemeClr>
+      <a:schemeClr val="accent5">
+        <a:tint val="40000"/>
+        <a:alpha val="90000"/>
+      </a:schemeClr>
+      <a:schemeClr val="accent6">
+        <a:tint val="40000"/>
+        <a:alpha val="90000"/>
+      </a:schemeClr>
+    </dgm:fillClrLst>
+    <dgm:linClrLst meth="repeat">
+      <a:schemeClr val="accent2">
+        <a:tint val="40000"/>
+        <a:alpha val="90000"/>
+      </a:schemeClr>
+      <a:schemeClr val="accent3">
+        <a:tint val="40000"/>
+        <a:alpha val="90000"/>
+      </a:schemeClr>
+      <a:schemeClr val="accent4">
+        <a:tint val="40000"/>
+        <a:alpha val="90000"/>
+      </a:schemeClr>
+      <a:schemeClr val="accent5">
+        <a:tint val="40000"/>
+        <a:alpha val="90000"/>
+      </a:schemeClr>
+      <a:schemeClr val="accent6">
+        <a:tint val="40000"/>
+        <a:alpha val="90000"/>
+      </a:schemeClr>
+    </dgm:linClrLst>
+    <dgm:effectClrLst/>
+    <dgm:txLinClrLst/>
+    <dgm:txFillClrLst meth="repeat">
+      <a:schemeClr val="dk1"/>
+    </dgm:txFillClrLst>
+    <dgm:txEffectClrLst/>
+  </dgm:styleLbl>
+  <dgm:styleLbl name="fgAcc0">
+    <dgm:fillClrLst meth="repeat">
+      <a:schemeClr val="lt1">
+        <a:alpha val="90000"/>
+      </a:schemeClr>
+    </dgm:fillClrLst>
+    <dgm:linClrLst>
+      <a:schemeClr val="accent1"/>
+    </dgm:linClrLst>
+    <dgm:effectClrLst/>
+    <dgm:txLinClrLst/>
+    <dgm:txFillClrLst meth="repeat">
+      <a:schemeClr val="dk1"/>
+    </dgm:txFillClrLst>
+    <dgm:txEffectClrLst/>
+  </dgm:styleLbl>
+  <dgm:styleLbl name="fgAcc2">
+    <dgm:fillClrLst meth="repeat">
+      <a:schemeClr val="lt1">
+        <a:alpha val="90000"/>
+      </a:schemeClr>
+    </dgm:fillClrLst>
+    <dgm:linClrLst>
+      <a:schemeClr val="accent2"/>
+    </dgm:linClrLst>
+    <dgm:effectClrLst/>
+    <dgm:txLinClrLst/>
+    <dgm:txFillClrLst meth="repeat">
+      <a:schemeClr val="dk1"/>
+    </dgm:txFillClrLst>
+    <dgm:txEffectClrLst/>
+  </dgm:styleLbl>
+  <dgm:styleLbl name="fgAcc3">
+    <dgm:fillClrLst meth="repeat">
+      <a:schemeClr val="lt1">
+        <a:alpha val="90000"/>
+      </a:schemeClr>
+    </dgm:fillClrLst>
+    <dgm:linClrLst>
+      <a:schemeClr val="accent3"/>
+    </dgm:linClrLst>
+    <dgm:effectClrLst/>
+    <dgm:txLinClrLst/>
+    <dgm:txFillClrLst meth="repeat">
+      <a:schemeClr val="dk1"/>
+    </dgm:txFillClrLst>
+    <dgm:txEffectClrLst/>
+  </dgm:styleLbl>
+  <dgm:styleLbl name="fgAcc4">
+    <dgm:fillClrLst meth="repeat">
+      <a:schemeClr val="lt1">
+        <a:alpha val="90000"/>
+      </a:schemeClr>
+    </dgm:fillClrLst>
+    <dgm:linClrLst>
+      <a:schemeClr val="accent4"/>
+    </dgm:linClrLst>
+    <dgm:effectClrLst/>
+    <dgm:txLinClrLst/>
+    <dgm:txFillClrLst meth="repeat">
+      <a:schemeClr val="dk1"/>
+    </dgm:txFillClrLst>
+    <dgm:txEffectClrLst/>
+  </dgm:styleLbl>
+  <dgm:styleLbl name="bgShp">
+    <dgm:fillClrLst meth="repeat">
+      <a:schemeClr val="accent2">
+        <a:tint val="40000"/>
+      </a:schemeClr>
+    </dgm:fillClrLst>
+    <dgm:linClrLst meth="repeat">
+      <a:schemeClr val="dk1"/>
+    </dgm:linClrLst>
+    <dgm:effectClrLst/>
+    <dgm:txLinClrLst/>
+    <dgm:txFillClrLst meth="repeat">
+      <a:schemeClr val="dk1"/>
+    </dgm:txFillClrLst>
+    <dgm:txEffectClrLst/>
+  </dgm:styleLbl>
+  <dgm:styleLbl name="dkBgShp">
+    <dgm:fillClrLst meth="repeat">
+      <a:schemeClr val="accent2">
+        <a:shade val="90000"/>
+      </a:schemeClr>
+    </dgm:fillClrLst>
+    <dgm:linClrLst meth="repeat">
+      <a:schemeClr val="dk1"/>
+    </dgm:linClrLst>
+    <dgm:effectClrLst/>
+    <dgm:txLinClrLst/>
+    <dgm:txFillClrLst meth="repeat">
+      <a:schemeClr val="lt1"/>
+    </dgm:txFillClrLst>
+    <dgm:txEffectClrLst/>
+  </dgm:styleLbl>
+  <dgm:styleLbl name="trBgShp">
+    <dgm:fillClrLst meth="repeat">
+      <a:schemeClr val="accent1">
+        <a:tint val="50000"/>
+        <a:alpha val="40000"/>
+      </a:schemeClr>
+    </dgm:fillClrLst>
+    <dgm:linClrLst meth="repeat">
+      <a:schemeClr val="accent2"/>
+    </dgm:linClrLst>
+    <dgm:effectClrLst/>
+    <dgm:txLinClrLst/>
+    <dgm:txFillClrLst meth="repeat">
+      <a:schemeClr val="lt1"/>
+    </dgm:txFillClrLst>
+    <dgm:txEffectClrLst/>
+  </dgm:styleLbl>
+  <dgm:styleLbl name="fgShp">
+    <dgm:fillClrLst meth="repeat">
+      <a:schemeClr val="accent2">
+        <a:tint val="40000"/>
+      </a:schemeClr>
+    </dgm:fillClrLst>
+    <dgm:linClrLst meth="repeat">
+      <a:schemeClr val="lt1"/>
+    </dgm:linClrLst>
+    <dgm:effectClrLst/>
+    <dgm:txLinClrLst/>
+    <dgm:txFillClrLst meth="repeat">
+      <a:schemeClr val="dk1"/>
+    </dgm:txFillClrLst>
+    <dgm:txEffectClrLst/>
+  </dgm:styleLbl>
+  <dgm:styleLbl name="revTx">
+    <dgm:fillClrLst meth="repeat">
+      <a:schemeClr val="lt1">
+        <a:alpha val="0"/>
+      </a:schemeClr>
+    </dgm:fillClrLst>
+    <dgm:linClrLst meth="repeat">
+      <a:schemeClr val="dk1">
+        <a:alpha val="0"/>
+      </a:schemeClr>
+    </dgm:linClrLst>
+    <dgm:effectClrLst/>
+    <dgm:txLinClrLst/>
+    <dgm:txFillClrLst meth="repeat">
+      <a:schemeClr val="tx1"/>
+    </dgm:txFillClrLst>
+    <dgm:txEffectClrLst/>
+  </dgm:styleLbl>
+</dgm:colorsDef>
+</file>
+
+<file path=ppt/diagrams/data1.xml><?xml version="1.0" encoding="utf-8"?>
+<dgm:dataModel xmlns:dgm="http://schemas.openxmlformats.org/drawingml/2006/diagram" xmlns:a="http://schemas.openxmlformats.org/drawingml/2006/main">
+  <dgm:ptLst>
+    <dgm:pt modelId="{76E5DFB0-E730-42BA-A01F-F0BFEF3C2D8C}" type="doc">
+      <dgm:prSet loTypeId="urn:microsoft.com/office/officeart/2005/8/layout/process4" loCatId="process" qsTypeId="urn:microsoft.com/office/officeart/2005/8/quickstyle/simple1" qsCatId="simple" csTypeId="urn:microsoft.com/office/officeart/2005/8/colors/colorful1" csCatId="colorful" phldr="1"/>
+      <dgm:spPr/>
+      <dgm:t>
+        <a:bodyPr/>
+        <a:lstStyle/>
+        <a:p>
+          <a:endParaRPr lang="zh-TW" altLang="en-US"/>
+        </a:p>
+      </dgm:t>
+    </dgm:pt>
+    <dgm:pt modelId="{29970F8A-0C52-4196-A3DE-ADE4AF8596E4}">
+      <dgm:prSet phldrT="[文字]" custT="1"/>
+      <dgm:spPr/>
+      <dgm:t>
+        <a:bodyPr/>
+        <a:lstStyle/>
+        <a:p>
+          <a:r>
+            <a:rPr lang="en-US" sz="2000" b="1" i="0" dirty="0" err="1" smtClean="0"/>
+            <a:t>ajaxStart</a:t>
+          </a:r>
+          <a:r>
+            <a:rPr lang="en-US" sz="2000" b="0" i="0" dirty="0" smtClean="0"/>
+            <a:t> (Global Event)</a:t>
+          </a:r>
+          <a:endParaRPr lang="zh-TW" altLang="en-US" sz="2000" dirty="0"/>
+        </a:p>
+      </dgm:t>
+    </dgm:pt>
+    <dgm:pt modelId="{E6C88775-4284-4328-8A88-10F39A9C25A3}" type="parTrans" cxnId="{49C581E8-D912-480B-86FE-39FFDF9DDF73}">
+      <dgm:prSet/>
+      <dgm:spPr/>
+      <dgm:t>
+        <a:bodyPr/>
+        <a:lstStyle/>
+        <a:p>
+          <a:endParaRPr lang="zh-TW" altLang="en-US"/>
+        </a:p>
+      </dgm:t>
+    </dgm:pt>
+    <dgm:pt modelId="{2B0C33F2-D544-4848-BED9-943DECE3E49A}" type="sibTrans" cxnId="{49C581E8-D912-480B-86FE-39FFDF9DDF73}">
+      <dgm:prSet/>
+      <dgm:spPr/>
+      <dgm:t>
+        <a:bodyPr/>
+        <a:lstStyle/>
+        <a:p>
+          <a:endParaRPr lang="zh-TW" altLang="en-US"/>
+        </a:p>
+      </dgm:t>
+    </dgm:pt>
+    <dgm:pt modelId="{9AECA9C6-7A8B-4B06-B3EC-AF79F2F1D515}">
+      <dgm:prSet phldrT="[文字]" custT="1"/>
+      <dgm:spPr/>
+      <dgm:t>
+        <a:bodyPr/>
+        <a:lstStyle/>
+        <a:p>
+          <a:r>
+            <a:rPr lang="en-US" sz="2000" b="1" i="0" dirty="0" err="1" smtClean="0"/>
+            <a:t>beforeSend</a:t>
+          </a:r>
+          <a:r>
+            <a:rPr lang="en-US" sz="2000" b="0" i="0" dirty="0" smtClean="0"/>
+            <a:t> (Local Event)</a:t>
+          </a:r>
+          <a:endParaRPr lang="zh-TW" altLang="en-US" sz="2000" dirty="0"/>
+        </a:p>
+      </dgm:t>
+    </dgm:pt>
+    <dgm:pt modelId="{2EDABFBC-71AD-4E8C-BC09-FC865A4EEABD}" type="parTrans" cxnId="{1C21195E-61A6-40C7-8472-72E3A85AF05F}">
+      <dgm:prSet/>
+      <dgm:spPr/>
+      <dgm:t>
+        <a:bodyPr/>
+        <a:lstStyle/>
+        <a:p>
+          <a:endParaRPr lang="zh-TW" altLang="en-US"/>
+        </a:p>
+      </dgm:t>
+    </dgm:pt>
+    <dgm:pt modelId="{AEDD72F7-290A-4639-AF6D-25EAED8B2A44}" type="sibTrans" cxnId="{1C21195E-61A6-40C7-8472-72E3A85AF05F}">
+      <dgm:prSet/>
+      <dgm:spPr/>
+      <dgm:t>
+        <a:bodyPr/>
+        <a:lstStyle/>
+        <a:p>
+          <a:endParaRPr lang="zh-TW" altLang="en-US"/>
+        </a:p>
+      </dgm:t>
+    </dgm:pt>
+    <dgm:pt modelId="{C19DA738-A88F-4512-9D43-5BE441214BF2}">
+      <dgm:prSet phldrT="[文字]" custT="1"/>
+      <dgm:spPr/>
+      <dgm:t>
+        <a:bodyPr/>
+        <a:lstStyle/>
+        <a:p>
+          <a:r>
+            <a:rPr lang="en-US" sz="2000" b="1" i="0" dirty="0" err="1" smtClean="0"/>
+            <a:t>ajaxSend</a:t>
+          </a:r>
+          <a:r>
+            <a:rPr lang="en-US" sz="2000" b="0" i="0" dirty="0" smtClean="0"/>
+            <a:t> (Global Event) </a:t>
+          </a:r>
+          <a:endParaRPr lang="zh-TW" altLang="en-US" sz="2000" dirty="0"/>
+        </a:p>
+      </dgm:t>
+    </dgm:pt>
+    <dgm:pt modelId="{0308B4F8-68C9-4EB9-BE17-0C8F5F36C81A}" type="parTrans" cxnId="{02411187-793E-4339-8F62-2724AD13A059}">
+      <dgm:prSet/>
+      <dgm:spPr/>
+      <dgm:t>
+        <a:bodyPr/>
+        <a:lstStyle/>
+        <a:p>
+          <a:endParaRPr lang="zh-TW" altLang="en-US"/>
+        </a:p>
+      </dgm:t>
+    </dgm:pt>
+    <dgm:pt modelId="{3014AF09-0DB7-4615-B17D-C4E22608BBA6}" type="sibTrans" cxnId="{02411187-793E-4339-8F62-2724AD13A059}">
+      <dgm:prSet/>
+      <dgm:spPr/>
+      <dgm:t>
+        <a:bodyPr/>
+        <a:lstStyle/>
+        <a:p>
+          <a:endParaRPr lang="zh-TW" altLang="en-US"/>
+        </a:p>
+      </dgm:t>
+    </dgm:pt>
+    <dgm:pt modelId="{6D7F98BA-D801-4F60-ADA7-4B1CB3135AED}">
+      <dgm:prSet phldrT="[文字]" custT="1"/>
+      <dgm:spPr/>
+      <dgm:t>
+        <a:bodyPr/>
+        <a:lstStyle/>
+        <a:p>
+          <a:r>
+            <a:rPr lang="en-US" sz="1200" b="1" i="0" dirty="0" smtClean="0"/>
+            <a:t>success</a:t>
+          </a:r>
+          <a:r>
+            <a:rPr lang="en-US" sz="1200" b="0" i="0" dirty="0" smtClean="0"/>
+            <a:t> (Local Event)</a:t>
+          </a:r>
+          <a:endParaRPr lang="zh-TW" altLang="en-US" sz="1200" dirty="0"/>
+        </a:p>
+      </dgm:t>
+    </dgm:pt>
+    <dgm:pt modelId="{AB4B1943-0DD8-49B1-95B7-0AB07EF2833E}" type="parTrans" cxnId="{3B39FF7C-24CB-46D8-8386-5F7F27EE41EC}">
+      <dgm:prSet/>
+      <dgm:spPr/>
+      <dgm:t>
+        <a:bodyPr/>
+        <a:lstStyle/>
+        <a:p>
+          <a:endParaRPr lang="zh-TW" altLang="en-US"/>
+        </a:p>
+      </dgm:t>
+    </dgm:pt>
+    <dgm:pt modelId="{56A331EF-EC78-4E1B-8593-150A1178C80D}" type="sibTrans" cxnId="{3B39FF7C-24CB-46D8-8386-5F7F27EE41EC}">
+      <dgm:prSet/>
+      <dgm:spPr/>
+      <dgm:t>
+        <a:bodyPr/>
+        <a:lstStyle/>
+        <a:p>
+          <a:endParaRPr lang="zh-TW" altLang="en-US"/>
+        </a:p>
+      </dgm:t>
+    </dgm:pt>
+    <dgm:pt modelId="{A281B389-1667-4A55-BD58-092071C5FE09}">
+      <dgm:prSet phldrT="[文字]" custT="1"/>
+      <dgm:spPr/>
+      <dgm:t>
+        <a:bodyPr/>
+        <a:lstStyle/>
+        <a:p>
+          <a:r>
+            <a:rPr lang="en-US" sz="1200" b="1" i="0" dirty="0" err="1" smtClean="0"/>
+            <a:t>ajaxSuccess</a:t>
+          </a:r>
+          <a:r>
+            <a:rPr lang="en-US" sz="1200" b="0" i="0" dirty="0" smtClean="0"/>
+            <a:t> (Global Event)</a:t>
+          </a:r>
+          <a:endParaRPr lang="zh-TW" altLang="en-US" sz="1200" dirty="0"/>
+        </a:p>
+      </dgm:t>
+    </dgm:pt>
+    <dgm:pt modelId="{611A890A-7FC5-4A78-8173-78A146564008}" type="parTrans" cxnId="{371EF19D-7B7D-4FE4-B961-B4518DAA96A0}">
+      <dgm:prSet/>
+      <dgm:spPr/>
+      <dgm:t>
+        <a:bodyPr/>
+        <a:lstStyle/>
+        <a:p>
+          <a:endParaRPr lang="zh-TW" altLang="en-US"/>
+        </a:p>
+      </dgm:t>
+    </dgm:pt>
+    <dgm:pt modelId="{95BD7FAB-AB1E-44CF-B670-795C410A9B2A}" type="sibTrans" cxnId="{371EF19D-7B7D-4FE4-B961-B4518DAA96A0}">
+      <dgm:prSet/>
+      <dgm:spPr/>
+      <dgm:t>
+        <a:bodyPr/>
+        <a:lstStyle/>
+        <a:p>
+          <a:endParaRPr lang="zh-TW" altLang="en-US"/>
+        </a:p>
+      </dgm:t>
+    </dgm:pt>
+    <dgm:pt modelId="{E8352088-9995-4DA8-8752-A146C982808C}">
+      <dgm:prSet phldrT="[文字]" custT="1"/>
+      <dgm:spPr/>
+      <dgm:t>
+        <a:bodyPr/>
+        <a:lstStyle/>
+        <a:p>
+          <a:r>
+            <a:rPr lang="en-US" sz="1200" b="1" i="0" dirty="0" smtClean="0"/>
+            <a:t>error</a:t>
+          </a:r>
+          <a:r>
+            <a:rPr lang="en-US" sz="1200" b="0" i="0" dirty="0" smtClean="0"/>
+            <a:t> (Local Event)</a:t>
+          </a:r>
+          <a:endParaRPr lang="zh-TW" altLang="en-US" sz="1200" dirty="0"/>
+        </a:p>
+      </dgm:t>
+    </dgm:pt>
+    <dgm:pt modelId="{E026AA32-E98D-4305-AB4E-9525F63358A7}" type="parTrans" cxnId="{7BAE7EE7-3D94-4A80-BA33-FA81E6FACA8D}">
+      <dgm:prSet/>
+      <dgm:spPr/>
+      <dgm:t>
+        <a:bodyPr/>
+        <a:lstStyle/>
+        <a:p>
+          <a:endParaRPr lang="zh-TW" altLang="en-US"/>
+        </a:p>
+      </dgm:t>
+    </dgm:pt>
+    <dgm:pt modelId="{FEA62B55-B628-4BF9-ABD0-3E80060D2A0E}" type="sibTrans" cxnId="{7BAE7EE7-3D94-4A80-BA33-FA81E6FACA8D}">
+      <dgm:prSet/>
+      <dgm:spPr/>
+      <dgm:t>
+        <a:bodyPr/>
+        <a:lstStyle/>
+        <a:p>
+          <a:endParaRPr lang="zh-TW" altLang="en-US"/>
+        </a:p>
+      </dgm:t>
+    </dgm:pt>
+    <dgm:pt modelId="{D2BC07BA-039B-4DBA-8DF6-47A8C1A99412}">
+      <dgm:prSet phldrT="[文字]" custT="1"/>
+      <dgm:spPr/>
+      <dgm:t>
+        <a:bodyPr/>
+        <a:lstStyle/>
+        <a:p>
+          <a:r>
+            <a:rPr lang="en-US" sz="1200" b="1" i="0" dirty="0" err="1" smtClean="0"/>
+            <a:t>ajaxError</a:t>
+          </a:r>
+          <a:r>
+            <a:rPr lang="en-US" sz="1200" b="0" i="0" dirty="0" smtClean="0"/>
+            <a:t> (Global Event)</a:t>
+          </a:r>
+          <a:endParaRPr lang="zh-TW" altLang="en-US" sz="1200" dirty="0"/>
+        </a:p>
+      </dgm:t>
+    </dgm:pt>
+    <dgm:pt modelId="{61EB159E-3BCC-48CF-8D56-9FA8255B8E45}" type="parTrans" cxnId="{AEDCFDEE-A813-48D5-85E7-B55FCEBB645C}">
+      <dgm:prSet/>
+      <dgm:spPr/>
+      <dgm:t>
+        <a:bodyPr/>
+        <a:lstStyle/>
+        <a:p>
+          <a:endParaRPr lang="zh-TW" altLang="en-US"/>
+        </a:p>
+      </dgm:t>
+    </dgm:pt>
+    <dgm:pt modelId="{44649CB2-D576-4086-ACAF-A97220E76FEF}" type="sibTrans" cxnId="{AEDCFDEE-A813-48D5-85E7-B55FCEBB645C}">
+      <dgm:prSet/>
+      <dgm:spPr/>
+      <dgm:t>
+        <a:bodyPr/>
+        <a:lstStyle/>
+        <a:p>
+          <a:endParaRPr lang="zh-TW" altLang="en-US"/>
+        </a:p>
+      </dgm:t>
+    </dgm:pt>
+    <dgm:pt modelId="{8CB669FB-6BB8-49EF-A56A-8A16A35C6842}">
+      <dgm:prSet phldrT="[文字]" custT="1"/>
+      <dgm:spPr/>
+      <dgm:t>
+        <a:bodyPr/>
+        <a:lstStyle/>
+        <a:p>
+          <a:r>
+            <a:rPr lang="en-US" sz="2000" b="1" i="0" dirty="0" smtClean="0"/>
+            <a:t>complete</a:t>
+          </a:r>
+          <a:r>
+            <a:rPr lang="en-US" sz="2000" b="0" i="0" dirty="0" smtClean="0"/>
+            <a:t> (Local Event)</a:t>
+          </a:r>
+          <a:endParaRPr lang="zh-TW" altLang="en-US" sz="2000" dirty="0"/>
+        </a:p>
+      </dgm:t>
+    </dgm:pt>
+    <dgm:pt modelId="{9C057A80-ABE1-4976-8AF8-0CBEA00BA182}" type="parTrans" cxnId="{C4239A0D-A046-4596-B9EA-095914DB4BA2}">
+      <dgm:prSet/>
+      <dgm:spPr/>
+      <dgm:t>
+        <a:bodyPr/>
+        <a:lstStyle/>
+        <a:p>
+          <a:endParaRPr lang="zh-TW" altLang="en-US"/>
+        </a:p>
+      </dgm:t>
+    </dgm:pt>
+    <dgm:pt modelId="{8AF4534D-FD94-4FB5-9F53-175533B3D717}" type="sibTrans" cxnId="{C4239A0D-A046-4596-B9EA-095914DB4BA2}">
+      <dgm:prSet/>
+      <dgm:spPr/>
+      <dgm:t>
+        <a:bodyPr/>
+        <a:lstStyle/>
+        <a:p>
+          <a:endParaRPr lang="zh-TW" altLang="en-US"/>
+        </a:p>
+      </dgm:t>
+    </dgm:pt>
+    <dgm:pt modelId="{E8F98DD9-5067-4C7C-A873-85F1F12B1BF6}">
+      <dgm:prSet phldrT="[文字]" custT="1"/>
+      <dgm:spPr/>
+      <dgm:t>
+        <a:bodyPr/>
+        <a:lstStyle/>
+        <a:p>
+          <a:r>
+            <a:rPr lang="en-US" sz="2000" b="1" i="0" dirty="0" err="1" smtClean="0"/>
+            <a:t>ajaxComplete</a:t>
+          </a:r>
+          <a:r>
+            <a:rPr lang="en-US" sz="2000" b="0" i="0" dirty="0" smtClean="0"/>
+            <a:t> (Global Event)</a:t>
+          </a:r>
+          <a:endParaRPr lang="zh-TW" altLang="en-US" sz="2000" dirty="0"/>
+        </a:p>
+      </dgm:t>
+    </dgm:pt>
+    <dgm:pt modelId="{A5DB4336-D746-4E8E-B9C9-596BAB5A9423}" type="parTrans" cxnId="{3CC15BFD-7DAF-493B-A822-AF58BE9685FA}">
+      <dgm:prSet/>
+      <dgm:spPr/>
+      <dgm:t>
+        <a:bodyPr/>
+        <a:lstStyle/>
+        <a:p>
+          <a:endParaRPr lang="zh-TW" altLang="en-US"/>
+        </a:p>
+      </dgm:t>
+    </dgm:pt>
+    <dgm:pt modelId="{32C4C8AC-839F-443A-AA3C-6706D8EFFCA8}" type="sibTrans" cxnId="{3CC15BFD-7DAF-493B-A822-AF58BE9685FA}">
+      <dgm:prSet/>
+      <dgm:spPr/>
+      <dgm:t>
+        <a:bodyPr/>
+        <a:lstStyle/>
+        <a:p>
+          <a:endParaRPr lang="zh-TW" altLang="en-US"/>
+        </a:p>
+      </dgm:t>
+    </dgm:pt>
+    <dgm:pt modelId="{469CF4A4-63CE-4612-B08E-ED0AC63C5DCE}">
+      <dgm:prSet phldrT="[文字]" custT="1"/>
+      <dgm:spPr/>
+      <dgm:t>
+        <a:bodyPr/>
+        <a:lstStyle/>
+        <a:p>
+          <a:r>
+            <a:rPr lang="en-US" sz="2000" b="1" i="0" dirty="0" err="1" smtClean="0"/>
+            <a:t>ajaxStop</a:t>
+          </a:r>
+          <a:r>
+            <a:rPr lang="en-US" sz="2000" b="0" i="0" dirty="0" smtClean="0"/>
+            <a:t> (Global Event)</a:t>
+          </a:r>
+          <a:endParaRPr lang="zh-TW" altLang="en-US" sz="2000" dirty="0"/>
+        </a:p>
+      </dgm:t>
+    </dgm:pt>
+    <dgm:pt modelId="{6F6F7819-1123-4348-B07E-A54AA6CD1A6B}" type="parTrans" cxnId="{F2CB0D6B-C40D-472C-B221-CB6DBD39B4BB}">
+      <dgm:prSet/>
+      <dgm:spPr/>
+      <dgm:t>
+        <a:bodyPr/>
+        <a:lstStyle/>
+        <a:p>
+          <a:endParaRPr lang="zh-TW" altLang="en-US"/>
+        </a:p>
+      </dgm:t>
+    </dgm:pt>
+    <dgm:pt modelId="{D1ED5E32-0A3B-4A79-8ED5-DA9D4BF2763A}" type="sibTrans" cxnId="{F2CB0D6B-C40D-472C-B221-CB6DBD39B4BB}">
+      <dgm:prSet/>
+      <dgm:spPr/>
+      <dgm:t>
+        <a:bodyPr/>
+        <a:lstStyle/>
+        <a:p>
+          <a:endParaRPr lang="zh-TW" altLang="en-US"/>
+        </a:p>
+      </dgm:t>
+    </dgm:pt>
+    <dgm:pt modelId="{E1BE5AC6-1D76-418E-8871-54BBD115283E}" type="pres">
+      <dgm:prSet presAssocID="{76E5DFB0-E730-42BA-A01F-F0BFEF3C2D8C}" presName="Name0" presStyleCnt="0">
+        <dgm:presLayoutVars>
+          <dgm:dir/>
+          <dgm:animLvl val="lvl"/>
+          <dgm:resizeHandles val="exact"/>
+        </dgm:presLayoutVars>
+      </dgm:prSet>
+      <dgm:spPr/>
+    </dgm:pt>
+    <dgm:pt modelId="{110B3954-BEEE-4687-9A15-A2DE8E6C9DDF}" type="pres">
+      <dgm:prSet presAssocID="{469CF4A4-63CE-4612-B08E-ED0AC63C5DCE}" presName="boxAndChildren" presStyleCnt="0"/>
+      <dgm:spPr/>
+    </dgm:pt>
+    <dgm:pt modelId="{02DB1174-BE16-4CEF-A381-A48B96E4D08B}" type="pres">
+      <dgm:prSet presAssocID="{469CF4A4-63CE-4612-B08E-ED0AC63C5DCE}" presName="parentTextBox" presStyleLbl="node1" presStyleIdx="0" presStyleCnt="4"/>
+      <dgm:spPr/>
+    </dgm:pt>
+    <dgm:pt modelId="{898696CE-928E-41B6-AB07-A1AA7B71F1C7}" type="pres">
+      <dgm:prSet presAssocID="{8AF4534D-FD94-4FB5-9F53-175533B3D717}" presName="sp" presStyleCnt="0"/>
+      <dgm:spPr/>
+    </dgm:pt>
+    <dgm:pt modelId="{EE713138-A3B0-4059-819B-56EA36286082}" type="pres">
+      <dgm:prSet presAssocID="{8CB669FB-6BB8-49EF-A56A-8A16A35C6842}" presName="arrowAndChildren" presStyleCnt="0"/>
+      <dgm:spPr/>
+    </dgm:pt>
+    <dgm:pt modelId="{EAC51551-D9E4-4BDD-8208-AD9035674C33}" type="pres">
+      <dgm:prSet presAssocID="{8CB669FB-6BB8-49EF-A56A-8A16A35C6842}" presName="parentTextArrow" presStyleLbl="node1" presStyleIdx="0" presStyleCnt="4"/>
+      <dgm:spPr/>
+      <dgm:t>
+        <a:bodyPr/>
+        <a:lstStyle/>
+        <a:p>
+          <a:endParaRPr lang="zh-TW" altLang="en-US"/>
+        </a:p>
+      </dgm:t>
+    </dgm:pt>
+    <dgm:pt modelId="{71B381FF-7479-4BFC-96C6-D8623DCE6FB1}" type="pres">
+      <dgm:prSet presAssocID="{8CB669FB-6BB8-49EF-A56A-8A16A35C6842}" presName="arrow" presStyleLbl="node1" presStyleIdx="1" presStyleCnt="4"/>
+      <dgm:spPr/>
+    </dgm:pt>
+    <dgm:pt modelId="{6A13C6F5-F92E-4477-9CC8-9CE4865A4F17}" type="pres">
+      <dgm:prSet presAssocID="{8CB669FB-6BB8-49EF-A56A-8A16A35C6842}" presName="descendantArrow" presStyleCnt="0"/>
+      <dgm:spPr/>
+    </dgm:pt>
+    <dgm:pt modelId="{D0302168-AB7B-4969-92B3-F457CBA68CA7}" type="pres">
+      <dgm:prSet presAssocID="{E8F98DD9-5067-4C7C-A873-85F1F12B1BF6}" presName="childTextArrow" presStyleLbl="fgAccFollowNode1" presStyleIdx="0" presStyleCnt="6">
+        <dgm:presLayoutVars>
+          <dgm:bulletEnabled val="1"/>
+        </dgm:presLayoutVars>
+      </dgm:prSet>
+      <dgm:spPr/>
+    </dgm:pt>
+    <dgm:pt modelId="{19420E38-63F1-4BA1-8EA7-09ECBAD746EB}" type="pres">
+      <dgm:prSet presAssocID="{3014AF09-0DB7-4615-B17D-C4E22608BBA6}" presName="sp" presStyleCnt="0"/>
+      <dgm:spPr/>
+    </dgm:pt>
+    <dgm:pt modelId="{DC74C872-BD07-4DC0-B645-2AAADB630D47}" type="pres">
+      <dgm:prSet presAssocID="{C19DA738-A88F-4512-9D43-5BE441214BF2}" presName="arrowAndChildren" presStyleCnt="0"/>
+      <dgm:spPr/>
+    </dgm:pt>
+    <dgm:pt modelId="{E5AFF95B-2E9F-4958-84AA-9C2BA26C582D}" type="pres">
+      <dgm:prSet presAssocID="{C19DA738-A88F-4512-9D43-5BE441214BF2}" presName="parentTextArrow" presStyleLbl="node1" presStyleIdx="1" presStyleCnt="4"/>
+      <dgm:spPr/>
+    </dgm:pt>
+    <dgm:pt modelId="{33722230-82AD-4E8E-8334-18E6611A88E9}" type="pres">
+      <dgm:prSet presAssocID="{C19DA738-A88F-4512-9D43-5BE441214BF2}" presName="arrow" presStyleLbl="node1" presStyleIdx="2" presStyleCnt="4"/>
+      <dgm:spPr/>
+    </dgm:pt>
+    <dgm:pt modelId="{3CA034A1-A396-4C09-8896-9A429144D529}" type="pres">
+      <dgm:prSet presAssocID="{C19DA738-A88F-4512-9D43-5BE441214BF2}" presName="descendantArrow" presStyleCnt="0"/>
+      <dgm:spPr/>
+    </dgm:pt>
+    <dgm:pt modelId="{5C6306A4-C4A9-40C5-87DD-05B75172C466}" type="pres">
+      <dgm:prSet presAssocID="{6D7F98BA-D801-4F60-ADA7-4B1CB3135AED}" presName="childTextArrow" presStyleLbl="fgAccFollowNode1" presStyleIdx="1" presStyleCnt="6">
+        <dgm:presLayoutVars>
+          <dgm:bulletEnabled val="1"/>
+        </dgm:presLayoutVars>
+      </dgm:prSet>
+      <dgm:spPr/>
+    </dgm:pt>
+    <dgm:pt modelId="{F9E43528-B754-43B5-8649-76FC1188A4DE}" type="pres">
+      <dgm:prSet presAssocID="{A281B389-1667-4A55-BD58-092071C5FE09}" presName="childTextArrow" presStyleLbl="fgAccFollowNode1" presStyleIdx="2" presStyleCnt="6">
+        <dgm:presLayoutVars>
+          <dgm:bulletEnabled val="1"/>
+        </dgm:presLayoutVars>
+      </dgm:prSet>
+      <dgm:spPr/>
+    </dgm:pt>
+    <dgm:pt modelId="{5D7BB0EB-7A31-48CD-81F0-EE0515B1FE63}" type="pres">
+      <dgm:prSet presAssocID="{E8352088-9995-4DA8-8752-A146C982808C}" presName="childTextArrow" presStyleLbl="fgAccFollowNode1" presStyleIdx="3" presStyleCnt="6">
+        <dgm:presLayoutVars>
+          <dgm:bulletEnabled val="1"/>
+        </dgm:presLayoutVars>
+      </dgm:prSet>
+      <dgm:spPr/>
+    </dgm:pt>
+    <dgm:pt modelId="{EDD16DFC-A762-4AAC-BF39-070B632F8E3E}" type="pres">
+      <dgm:prSet presAssocID="{D2BC07BA-039B-4DBA-8DF6-47A8C1A99412}" presName="childTextArrow" presStyleLbl="fgAccFollowNode1" presStyleIdx="4" presStyleCnt="6">
+        <dgm:presLayoutVars>
+          <dgm:bulletEnabled val="1"/>
+        </dgm:presLayoutVars>
+      </dgm:prSet>
+      <dgm:spPr/>
+    </dgm:pt>
+    <dgm:pt modelId="{88319653-76F3-40E8-9FD8-27287858E521}" type="pres">
+      <dgm:prSet presAssocID="{2B0C33F2-D544-4848-BED9-943DECE3E49A}" presName="sp" presStyleCnt="0"/>
+      <dgm:spPr/>
+    </dgm:pt>
+    <dgm:pt modelId="{B7F32C5C-7A45-4C01-B544-43A03FA80143}" type="pres">
+      <dgm:prSet presAssocID="{29970F8A-0C52-4196-A3DE-ADE4AF8596E4}" presName="arrowAndChildren" presStyleCnt="0"/>
+      <dgm:spPr/>
+    </dgm:pt>
+    <dgm:pt modelId="{D535D68E-9AFB-4103-8D6F-14A63C0860A8}" type="pres">
+      <dgm:prSet presAssocID="{29970F8A-0C52-4196-A3DE-ADE4AF8596E4}" presName="parentTextArrow" presStyleLbl="node1" presStyleIdx="2" presStyleCnt="4"/>
+      <dgm:spPr/>
+    </dgm:pt>
+    <dgm:pt modelId="{932D4569-B469-4EFD-BD4A-F6E9C5D8E760}" type="pres">
+      <dgm:prSet presAssocID="{29970F8A-0C52-4196-A3DE-ADE4AF8596E4}" presName="arrow" presStyleLbl="node1" presStyleIdx="3" presStyleCnt="4"/>
+      <dgm:spPr/>
+    </dgm:pt>
+    <dgm:pt modelId="{96B745C4-8945-4CBD-BF93-C908327BBE58}" type="pres">
+      <dgm:prSet presAssocID="{29970F8A-0C52-4196-A3DE-ADE4AF8596E4}" presName="descendantArrow" presStyleCnt="0"/>
+      <dgm:spPr/>
+    </dgm:pt>
+    <dgm:pt modelId="{C689D0F2-F118-42A4-9086-904093CFC0A7}" type="pres">
+      <dgm:prSet presAssocID="{9AECA9C6-7A8B-4B06-B3EC-AF79F2F1D515}" presName="childTextArrow" presStyleLbl="fgAccFollowNode1" presStyleIdx="5" presStyleCnt="6">
+        <dgm:presLayoutVars>
+          <dgm:bulletEnabled val="1"/>
+        </dgm:presLayoutVars>
+      </dgm:prSet>
+      <dgm:spPr/>
+    </dgm:pt>
+  </dgm:ptLst>
+  <dgm:cxnLst>
+    <dgm:cxn modelId="{AB908C1F-0E1C-4AD6-9670-37D9C9F85783}" type="presOf" srcId="{C19DA738-A88F-4512-9D43-5BE441214BF2}" destId="{E5AFF95B-2E9F-4958-84AA-9C2BA26C582D}" srcOrd="0" destOrd="0" presId="urn:microsoft.com/office/officeart/2005/8/layout/process4"/>
+    <dgm:cxn modelId="{AEDCFDEE-A813-48D5-85E7-B55FCEBB645C}" srcId="{C19DA738-A88F-4512-9D43-5BE441214BF2}" destId="{D2BC07BA-039B-4DBA-8DF6-47A8C1A99412}" srcOrd="3" destOrd="0" parTransId="{61EB159E-3BCC-48CF-8D56-9FA8255B8E45}" sibTransId="{44649CB2-D576-4086-ACAF-A97220E76FEF}"/>
+    <dgm:cxn modelId="{3B39FF7C-24CB-46D8-8386-5F7F27EE41EC}" srcId="{C19DA738-A88F-4512-9D43-5BE441214BF2}" destId="{6D7F98BA-D801-4F60-ADA7-4B1CB3135AED}" srcOrd="0" destOrd="0" parTransId="{AB4B1943-0DD8-49B1-95B7-0AB07EF2833E}" sibTransId="{56A331EF-EC78-4E1B-8593-150A1178C80D}"/>
+    <dgm:cxn modelId="{49C581E8-D912-480B-86FE-39FFDF9DDF73}" srcId="{76E5DFB0-E730-42BA-A01F-F0BFEF3C2D8C}" destId="{29970F8A-0C52-4196-A3DE-ADE4AF8596E4}" srcOrd="0" destOrd="0" parTransId="{E6C88775-4284-4328-8A88-10F39A9C25A3}" sibTransId="{2B0C33F2-D544-4848-BED9-943DECE3E49A}"/>
+    <dgm:cxn modelId="{3B8F91E6-E153-4202-9E80-70ED09C0CA4F}" type="presOf" srcId="{C19DA738-A88F-4512-9D43-5BE441214BF2}" destId="{33722230-82AD-4E8E-8334-18E6611A88E9}" srcOrd="1" destOrd="0" presId="urn:microsoft.com/office/officeart/2005/8/layout/process4"/>
+    <dgm:cxn modelId="{4B8C8EC8-F4F8-4F5B-B972-818C6235A0B7}" type="presOf" srcId="{A281B389-1667-4A55-BD58-092071C5FE09}" destId="{F9E43528-B754-43B5-8649-76FC1188A4DE}" srcOrd="0" destOrd="0" presId="urn:microsoft.com/office/officeart/2005/8/layout/process4"/>
+    <dgm:cxn modelId="{3CC15BFD-7DAF-493B-A822-AF58BE9685FA}" srcId="{8CB669FB-6BB8-49EF-A56A-8A16A35C6842}" destId="{E8F98DD9-5067-4C7C-A873-85F1F12B1BF6}" srcOrd="0" destOrd="0" parTransId="{A5DB4336-D746-4E8E-B9C9-596BAB5A9423}" sibTransId="{32C4C8AC-839F-443A-AA3C-6706D8EFFCA8}"/>
+    <dgm:cxn modelId="{C4239A0D-A046-4596-B9EA-095914DB4BA2}" srcId="{76E5DFB0-E730-42BA-A01F-F0BFEF3C2D8C}" destId="{8CB669FB-6BB8-49EF-A56A-8A16A35C6842}" srcOrd="2" destOrd="0" parTransId="{9C057A80-ABE1-4976-8AF8-0CBEA00BA182}" sibTransId="{8AF4534D-FD94-4FB5-9F53-175533B3D717}"/>
+    <dgm:cxn modelId="{74744671-BC7A-4052-9E61-34B4822B5105}" type="presOf" srcId="{76E5DFB0-E730-42BA-A01F-F0BFEF3C2D8C}" destId="{E1BE5AC6-1D76-418E-8871-54BBD115283E}" srcOrd="0" destOrd="0" presId="urn:microsoft.com/office/officeart/2005/8/layout/process4"/>
+    <dgm:cxn modelId="{2C36DC13-2EF8-4A2D-BA73-5DA1D76068FF}" type="presOf" srcId="{29970F8A-0C52-4196-A3DE-ADE4AF8596E4}" destId="{932D4569-B469-4EFD-BD4A-F6E9C5D8E760}" srcOrd="1" destOrd="0" presId="urn:microsoft.com/office/officeart/2005/8/layout/process4"/>
+    <dgm:cxn modelId="{1C21195E-61A6-40C7-8472-72E3A85AF05F}" srcId="{29970F8A-0C52-4196-A3DE-ADE4AF8596E4}" destId="{9AECA9C6-7A8B-4B06-B3EC-AF79F2F1D515}" srcOrd="0" destOrd="0" parTransId="{2EDABFBC-71AD-4E8C-BC09-FC865A4EEABD}" sibTransId="{AEDD72F7-290A-4639-AF6D-25EAED8B2A44}"/>
+    <dgm:cxn modelId="{41ECEE18-F6CE-4E32-A3A6-31AB912B9FC8}" type="presOf" srcId="{9AECA9C6-7A8B-4B06-B3EC-AF79F2F1D515}" destId="{C689D0F2-F118-42A4-9086-904093CFC0A7}" srcOrd="0" destOrd="0" presId="urn:microsoft.com/office/officeart/2005/8/layout/process4"/>
+    <dgm:cxn modelId="{7BAE7EE7-3D94-4A80-BA33-FA81E6FACA8D}" srcId="{C19DA738-A88F-4512-9D43-5BE441214BF2}" destId="{E8352088-9995-4DA8-8752-A146C982808C}" srcOrd="2" destOrd="0" parTransId="{E026AA32-E98D-4305-AB4E-9525F63358A7}" sibTransId="{FEA62B55-B628-4BF9-ABD0-3E80060D2A0E}"/>
+    <dgm:cxn modelId="{02411187-793E-4339-8F62-2724AD13A059}" srcId="{76E5DFB0-E730-42BA-A01F-F0BFEF3C2D8C}" destId="{C19DA738-A88F-4512-9D43-5BE441214BF2}" srcOrd="1" destOrd="0" parTransId="{0308B4F8-68C9-4EB9-BE17-0C8F5F36C81A}" sibTransId="{3014AF09-0DB7-4615-B17D-C4E22608BBA6}"/>
+    <dgm:cxn modelId="{659DEB6D-AB8D-4074-A4A4-4CCD498517DA}" type="presOf" srcId="{29970F8A-0C52-4196-A3DE-ADE4AF8596E4}" destId="{D535D68E-9AFB-4103-8D6F-14A63C0860A8}" srcOrd="0" destOrd="0" presId="urn:microsoft.com/office/officeart/2005/8/layout/process4"/>
+    <dgm:cxn modelId="{B8636AF0-308C-481C-8B70-72FB23F0A5D3}" type="presOf" srcId="{E8352088-9995-4DA8-8752-A146C982808C}" destId="{5D7BB0EB-7A31-48CD-81F0-EE0515B1FE63}" srcOrd="0" destOrd="0" presId="urn:microsoft.com/office/officeart/2005/8/layout/process4"/>
+    <dgm:cxn modelId="{01706C71-7234-4459-97F5-0120C4B775C6}" type="presOf" srcId="{D2BC07BA-039B-4DBA-8DF6-47A8C1A99412}" destId="{EDD16DFC-A762-4AAC-BF39-070B632F8E3E}" srcOrd="0" destOrd="0" presId="urn:microsoft.com/office/officeart/2005/8/layout/process4"/>
+    <dgm:cxn modelId="{371EF19D-7B7D-4FE4-B961-B4518DAA96A0}" srcId="{C19DA738-A88F-4512-9D43-5BE441214BF2}" destId="{A281B389-1667-4A55-BD58-092071C5FE09}" srcOrd="1" destOrd="0" parTransId="{611A890A-7FC5-4A78-8173-78A146564008}" sibTransId="{95BD7FAB-AB1E-44CF-B670-795C410A9B2A}"/>
+    <dgm:cxn modelId="{6EFAF7F5-795D-4A3F-B4D1-52594BCCE436}" type="presOf" srcId="{8CB669FB-6BB8-49EF-A56A-8A16A35C6842}" destId="{71B381FF-7479-4BFC-96C6-D8623DCE6FB1}" srcOrd="1" destOrd="0" presId="urn:microsoft.com/office/officeart/2005/8/layout/process4"/>
+    <dgm:cxn modelId="{CDBBEF48-C9A4-4EEB-B2E1-59EE12C1B089}" type="presOf" srcId="{469CF4A4-63CE-4612-B08E-ED0AC63C5DCE}" destId="{02DB1174-BE16-4CEF-A381-A48B96E4D08B}" srcOrd="0" destOrd="0" presId="urn:microsoft.com/office/officeart/2005/8/layout/process4"/>
+    <dgm:cxn modelId="{F2CB0D6B-C40D-472C-B221-CB6DBD39B4BB}" srcId="{76E5DFB0-E730-42BA-A01F-F0BFEF3C2D8C}" destId="{469CF4A4-63CE-4612-B08E-ED0AC63C5DCE}" srcOrd="3" destOrd="0" parTransId="{6F6F7819-1123-4348-B07E-A54AA6CD1A6B}" sibTransId="{D1ED5E32-0A3B-4A79-8ED5-DA9D4BF2763A}"/>
+    <dgm:cxn modelId="{6E12574B-A114-4806-B9E8-A96441EA8308}" type="presOf" srcId="{8CB669FB-6BB8-49EF-A56A-8A16A35C6842}" destId="{EAC51551-D9E4-4BDD-8208-AD9035674C33}" srcOrd="0" destOrd="0" presId="urn:microsoft.com/office/officeart/2005/8/layout/process4"/>
+    <dgm:cxn modelId="{6B34D678-99FF-49CB-8B0E-49AC9BA6520A}" type="presOf" srcId="{E8F98DD9-5067-4C7C-A873-85F1F12B1BF6}" destId="{D0302168-AB7B-4969-92B3-F457CBA68CA7}" srcOrd="0" destOrd="0" presId="urn:microsoft.com/office/officeart/2005/8/layout/process4"/>
+    <dgm:cxn modelId="{C2DF7B2A-5D95-47CB-B719-9AA3BCCEB3F7}" type="presOf" srcId="{6D7F98BA-D801-4F60-ADA7-4B1CB3135AED}" destId="{5C6306A4-C4A9-40C5-87DD-05B75172C466}" srcOrd="0" destOrd="0" presId="urn:microsoft.com/office/officeart/2005/8/layout/process4"/>
+    <dgm:cxn modelId="{307F6F0C-D64B-4DF7-BDF7-74A6443F54F2}" type="presParOf" srcId="{E1BE5AC6-1D76-418E-8871-54BBD115283E}" destId="{110B3954-BEEE-4687-9A15-A2DE8E6C9DDF}" srcOrd="0" destOrd="0" presId="urn:microsoft.com/office/officeart/2005/8/layout/process4"/>
+    <dgm:cxn modelId="{5D32350C-0738-4452-A24A-102469CB909E}" type="presParOf" srcId="{110B3954-BEEE-4687-9A15-A2DE8E6C9DDF}" destId="{02DB1174-BE16-4CEF-A381-A48B96E4D08B}" srcOrd="0" destOrd="0" presId="urn:microsoft.com/office/officeart/2005/8/layout/process4"/>
+    <dgm:cxn modelId="{46A28C0C-FB67-46BD-BF4B-527B189FF1F7}" type="presParOf" srcId="{E1BE5AC6-1D76-418E-8871-54BBD115283E}" destId="{898696CE-928E-41B6-AB07-A1AA7B71F1C7}" srcOrd="1" destOrd="0" presId="urn:microsoft.com/office/officeart/2005/8/layout/process4"/>
+    <dgm:cxn modelId="{5CAE6105-934C-47E5-83D8-730D753A0B69}" type="presParOf" srcId="{E1BE5AC6-1D76-418E-8871-54BBD115283E}" destId="{EE713138-A3B0-4059-819B-56EA36286082}" srcOrd="2" destOrd="0" presId="urn:microsoft.com/office/officeart/2005/8/layout/process4"/>
+    <dgm:cxn modelId="{CC7E5E21-3996-4B5C-81A0-39F6804AA3A0}" type="presParOf" srcId="{EE713138-A3B0-4059-819B-56EA36286082}" destId="{EAC51551-D9E4-4BDD-8208-AD9035674C33}" srcOrd="0" destOrd="0" presId="urn:microsoft.com/office/officeart/2005/8/layout/process4"/>
+    <dgm:cxn modelId="{EB9E639E-ED03-419E-A478-EE328E290060}" type="presParOf" srcId="{EE713138-A3B0-4059-819B-56EA36286082}" destId="{71B381FF-7479-4BFC-96C6-D8623DCE6FB1}" srcOrd="1" destOrd="0" presId="urn:microsoft.com/office/officeart/2005/8/layout/process4"/>
+    <dgm:cxn modelId="{4F0BAC10-6256-42DE-9C85-68588C2EC1BF}" type="presParOf" srcId="{EE713138-A3B0-4059-819B-56EA36286082}" destId="{6A13C6F5-F92E-4477-9CC8-9CE4865A4F17}" srcOrd="2" destOrd="0" presId="urn:microsoft.com/office/officeart/2005/8/layout/process4"/>
+    <dgm:cxn modelId="{8F07A9AB-3496-4EF8-89E1-A7B055103770}" type="presParOf" srcId="{6A13C6F5-F92E-4477-9CC8-9CE4865A4F17}" destId="{D0302168-AB7B-4969-92B3-F457CBA68CA7}" srcOrd="0" destOrd="0" presId="urn:microsoft.com/office/officeart/2005/8/layout/process4"/>
+    <dgm:cxn modelId="{BA51EDED-BF36-4432-B011-E001BEF57A88}" type="presParOf" srcId="{E1BE5AC6-1D76-418E-8871-54BBD115283E}" destId="{19420E38-63F1-4BA1-8EA7-09ECBAD746EB}" srcOrd="3" destOrd="0" presId="urn:microsoft.com/office/officeart/2005/8/layout/process4"/>
+    <dgm:cxn modelId="{5786781F-D884-49B9-ACFE-19D67D4C643D}" type="presParOf" srcId="{E1BE5AC6-1D76-418E-8871-54BBD115283E}" destId="{DC74C872-BD07-4DC0-B645-2AAADB630D47}" srcOrd="4" destOrd="0" presId="urn:microsoft.com/office/officeart/2005/8/layout/process4"/>
+    <dgm:cxn modelId="{F021EC2A-A3D9-4E52-A84E-AA842DA66D4C}" type="presParOf" srcId="{DC74C872-BD07-4DC0-B645-2AAADB630D47}" destId="{E5AFF95B-2E9F-4958-84AA-9C2BA26C582D}" srcOrd="0" destOrd="0" presId="urn:microsoft.com/office/officeart/2005/8/layout/process4"/>
+    <dgm:cxn modelId="{0EA4AD33-33F7-4E5F-A5A0-CB819FDC9824}" type="presParOf" srcId="{DC74C872-BD07-4DC0-B645-2AAADB630D47}" destId="{33722230-82AD-4E8E-8334-18E6611A88E9}" srcOrd="1" destOrd="0" presId="urn:microsoft.com/office/officeart/2005/8/layout/process4"/>
+    <dgm:cxn modelId="{B5C945F2-AAC1-4117-96D5-A33B4534AC0B}" type="presParOf" srcId="{DC74C872-BD07-4DC0-B645-2AAADB630D47}" destId="{3CA034A1-A396-4C09-8896-9A429144D529}" srcOrd="2" destOrd="0" presId="urn:microsoft.com/office/officeart/2005/8/layout/process4"/>
+    <dgm:cxn modelId="{4F7A1DD1-C95D-435A-970E-380F673D66B3}" type="presParOf" srcId="{3CA034A1-A396-4C09-8896-9A429144D529}" destId="{5C6306A4-C4A9-40C5-87DD-05B75172C466}" srcOrd="0" destOrd="0" presId="urn:microsoft.com/office/officeart/2005/8/layout/process4"/>
+    <dgm:cxn modelId="{226142B8-8B08-4C3F-8AC3-FEE378ADF600}" type="presParOf" srcId="{3CA034A1-A396-4C09-8896-9A429144D529}" destId="{F9E43528-B754-43B5-8649-76FC1188A4DE}" srcOrd="1" destOrd="0" presId="urn:microsoft.com/office/officeart/2005/8/layout/process4"/>
+    <dgm:cxn modelId="{F9A84C9E-7489-4045-96DA-F2700975DB97}" type="presParOf" srcId="{3CA034A1-A396-4C09-8896-9A429144D529}" destId="{5D7BB0EB-7A31-48CD-81F0-EE0515B1FE63}" srcOrd="2" destOrd="0" presId="urn:microsoft.com/office/officeart/2005/8/layout/process4"/>
+    <dgm:cxn modelId="{81AD681D-738F-4DCD-9CC8-F3DDDE7BF7CE}" type="presParOf" srcId="{3CA034A1-A396-4C09-8896-9A429144D529}" destId="{EDD16DFC-A762-4AAC-BF39-070B632F8E3E}" srcOrd="3" destOrd="0" presId="urn:microsoft.com/office/officeart/2005/8/layout/process4"/>
+    <dgm:cxn modelId="{9C9EC49E-D148-4A49-9238-396759F9F3B4}" type="presParOf" srcId="{E1BE5AC6-1D76-418E-8871-54BBD115283E}" destId="{88319653-76F3-40E8-9FD8-27287858E521}" srcOrd="5" destOrd="0" presId="urn:microsoft.com/office/officeart/2005/8/layout/process4"/>
+    <dgm:cxn modelId="{4603AC4A-801C-4D05-B95C-C7F8C91D9EFA}" type="presParOf" srcId="{E1BE5AC6-1D76-418E-8871-54BBD115283E}" destId="{B7F32C5C-7A45-4C01-B544-43A03FA80143}" srcOrd="6" destOrd="0" presId="urn:microsoft.com/office/officeart/2005/8/layout/process4"/>
+    <dgm:cxn modelId="{C46A5F57-9AD7-4342-BF2F-7A3CD2E70D6B}" type="presParOf" srcId="{B7F32C5C-7A45-4C01-B544-43A03FA80143}" destId="{D535D68E-9AFB-4103-8D6F-14A63C0860A8}" srcOrd="0" destOrd="0" presId="urn:microsoft.com/office/officeart/2005/8/layout/process4"/>
+    <dgm:cxn modelId="{6A86B74E-472B-4595-AD69-1E403E6BE73B}" type="presParOf" srcId="{B7F32C5C-7A45-4C01-B544-43A03FA80143}" destId="{932D4569-B469-4EFD-BD4A-F6E9C5D8E760}" srcOrd="1" destOrd="0" presId="urn:microsoft.com/office/officeart/2005/8/layout/process4"/>
+    <dgm:cxn modelId="{F3B3F3C8-3558-4F09-A260-6E8954CF8FF2}" type="presParOf" srcId="{B7F32C5C-7A45-4C01-B544-43A03FA80143}" destId="{96B745C4-8945-4CBD-BF93-C908327BBE58}" srcOrd="2" destOrd="0" presId="urn:microsoft.com/office/officeart/2005/8/layout/process4"/>
+    <dgm:cxn modelId="{6FC522F1-98E3-4C8B-ABF6-DAE7D9383E09}" type="presParOf" srcId="{96B745C4-8945-4CBD-BF93-C908327BBE58}" destId="{C689D0F2-F118-42A4-9086-904093CFC0A7}" srcOrd="0" destOrd="0" presId="urn:microsoft.com/office/officeart/2005/8/layout/process4"/>
+  </dgm:cxnLst>
+  <dgm:bg/>
+  <dgm:whole/>
+  <dgm:extLst>
+    <a:ext uri="http://schemas.microsoft.com/office/drawing/2008/diagram">
+      <dsp:dataModelExt xmlns:dsp="http://schemas.microsoft.com/office/drawing/2008/diagram" relId="rId6" minVer="http://schemas.openxmlformats.org/drawingml/2006/diagram"/>
+    </a:ext>
+  </dgm:extLst>
+</dgm:dataModel>
+</file>
+
+<file path=ppt/diagrams/drawing1.xml><?xml version="1.0" encoding="utf-8"?>
+<dsp:drawing xmlns:dgm="http://schemas.openxmlformats.org/drawingml/2006/diagram" xmlns:dsp="http://schemas.microsoft.com/office/drawing/2008/diagram" xmlns:a="http://schemas.openxmlformats.org/drawingml/2006/main">
+  <dsp:spTree>
+    <dsp:nvGrpSpPr>
+      <dsp:cNvPr id="0" name=""/>
+      <dsp:cNvGrpSpPr/>
+    </dsp:nvGrpSpPr>
+    <dsp:grpSpPr/>
+    <dsp:sp modelId="{02DB1174-BE16-4CEF-A381-A48B96E4D08B}">
+      <dsp:nvSpPr>
+        <dsp:cNvPr id="0" name=""/>
+        <dsp:cNvSpPr/>
+      </dsp:nvSpPr>
+      <dsp:spPr>
+        <a:xfrm>
+          <a:off x="0" y="3135627"/>
+          <a:ext cx="7950925" cy="685998"/>
+        </a:xfrm>
+        <a:prstGeom prst="rect">
+          <a:avLst/>
+        </a:prstGeom>
+        <a:solidFill>
+          <a:schemeClr val="accent2">
+            <a:hueOff val="0"/>
+            <a:satOff val="0"/>
+            <a:lumOff val="0"/>
+            <a:alphaOff val="0"/>
+          </a:schemeClr>
+        </a:solidFill>
+        <a:ln w="15875" cap="rnd" cmpd="sng" algn="ctr">
+          <a:solidFill>
+            <a:schemeClr val="lt1">
+              <a:hueOff val="0"/>
+              <a:satOff val="0"/>
+              <a:lumOff val="0"/>
+              <a:alphaOff val="0"/>
+            </a:schemeClr>
+          </a:solidFill>
+          <a:prstDash val="solid"/>
+        </a:ln>
+        <a:effectLst/>
+      </dsp:spPr>
+      <dsp:style>
+        <a:lnRef idx="2">
+          <a:scrgbClr r="0" g="0" b="0"/>
+        </a:lnRef>
+        <a:fillRef idx="1">
+          <a:scrgbClr r="0" g="0" b="0"/>
+        </a:fillRef>
+        <a:effectRef idx="0">
+          <a:scrgbClr r="0" g="0" b="0"/>
+        </a:effectRef>
+        <a:fontRef idx="minor">
+          <a:schemeClr val="lt1"/>
+        </a:fontRef>
+      </dsp:style>
+      <dsp:txBody>
+        <a:bodyPr spcFirstLastPara="0" vert="horz" wrap="square" lIns="142240" tIns="142240" rIns="142240" bIns="142240" numCol="1" spcCol="1270" anchor="ctr" anchorCtr="0">
+          <a:noAutofit/>
+        </a:bodyPr>
+        <a:lstStyle/>
+        <a:p>
+          <a:pPr lvl="0" algn="ctr" defTabSz="889000">
+            <a:lnSpc>
+              <a:spcPct val="90000"/>
+            </a:lnSpc>
+            <a:spcBef>
+              <a:spcPct val="0"/>
+            </a:spcBef>
+            <a:spcAft>
+              <a:spcPct val="35000"/>
+            </a:spcAft>
+          </a:pPr>
+          <a:r>
+            <a:rPr lang="en-US" sz="2000" b="1" i="0" kern="1200" dirty="0" err="1" smtClean="0"/>
+            <a:t>ajaxStop</a:t>
+          </a:r>
+          <a:r>
+            <a:rPr lang="en-US" sz="2000" b="0" i="0" kern="1200" dirty="0" smtClean="0"/>
+            <a:t> (Global Event)</a:t>
+          </a:r>
+          <a:endParaRPr lang="zh-TW" altLang="en-US" sz="2000" kern="1200" dirty="0"/>
+        </a:p>
+      </dsp:txBody>
+      <dsp:txXfrm>
+        <a:off x="0" y="3135627"/>
+        <a:ext cx="7950925" cy="685998"/>
+      </dsp:txXfrm>
+    </dsp:sp>
+    <dsp:sp modelId="{71B381FF-7479-4BFC-96C6-D8623DCE6FB1}">
+      <dsp:nvSpPr>
+        <dsp:cNvPr id="0" name=""/>
+        <dsp:cNvSpPr/>
+      </dsp:nvSpPr>
+      <dsp:spPr>
+        <a:xfrm rot="10800000">
+          <a:off x="0" y="2090851"/>
+          <a:ext cx="7950925" cy="1055065"/>
+        </a:xfrm>
+        <a:prstGeom prst="upArrowCallout">
+          <a:avLst/>
+        </a:prstGeom>
+        <a:solidFill>
+          <a:schemeClr val="accent3">
+            <a:hueOff val="0"/>
+            <a:satOff val="0"/>
+            <a:lumOff val="0"/>
+            <a:alphaOff val="0"/>
+          </a:schemeClr>
+        </a:solidFill>
+        <a:ln w="15875" cap="rnd" cmpd="sng" algn="ctr">
+          <a:solidFill>
+            <a:schemeClr val="lt1">
+              <a:hueOff val="0"/>
+              <a:satOff val="0"/>
+              <a:lumOff val="0"/>
+              <a:alphaOff val="0"/>
+            </a:schemeClr>
+          </a:solidFill>
+          <a:prstDash val="solid"/>
+        </a:ln>
+        <a:effectLst/>
+      </dsp:spPr>
+      <dsp:style>
+        <a:lnRef idx="2">
+          <a:scrgbClr r="0" g="0" b="0"/>
+        </a:lnRef>
+        <a:fillRef idx="1">
+          <a:scrgbClr r="0" g="0" b="0"/>
+        </a:fillRef>
+        <a:effectRef idx="0">
+          <a:scrgbClr r="0" g="0" b="0"/>
+        </a:effectRef>
+        <a:fontRef idx="minor">
+          <a:schemeClr val="lt1"/>
+        </a:fontRef>
+      </dsp:style>
+      <dsp:txBody>
+        <a:bodyPr spcFirstLastPara="0" vert="horz" wrap="square" lIns="142240" tIns="142240" rIns="142240" bIns="142240" numCol="1" spcCol="1270" anchor="ctr" anchorCtr="0">
+          <a:noAutofit/>
+        </a:bodyPr>
+        <a:lstStyle/>
+        <a:p>
+          <a:pPr lvl="0" algn="ctr" defTabSz="889000">
+            <a:lnSpc>
+              <a:spcPct val="90000"/>
+            </a:lnSpc>
+            <a:spcBef>
+              <a:spcPct val="0"/>
+            </a:spcBef>
+            <a:spcAft>
+              <a:spcPct val="35000"/>
+            </a:spcAft>
+          </a:pPr>
+          <a:r>
+            <a:rPr lang="en-US" sz="2000" b="1" i="0" kern="1200" dirty="0" smtClean="0"/>
+            <a:t>complete</a:t>
+          </a:r>
+          <a:r>
+            <a:rPr lang="en-US" sz="2000" b="0" i="0" kern="1200" dirty="0" smtClean="0"/>
+            <a:t> (Local Event)</a:t>
+          </a:r>
+          <a:endParaRPr lang="zh-TW" altLang="en-US" sz="2000" kern="1200" dirty="0"/>
+        </a:p>
+      </dsp:txBody>
+      <dsp:txXfrm rot="-10800000">
+        <a:off x="0" y="2090851"/>
+        <a:ext cx="7950925" cy="370328"/>
+      </dsp:txXfrm>
+    </dsp:sp>
+    <dsp:sp modelId="{D0302168-AB7B-4969-92B3-F457CBA68CA7}">
+      <dsp:nvSpPr>
+        <dsp:cNvPr id="0" name=""/>
+        <dsp:cNvSpPr/>
+      </dsp:nvSpPr>
+      <dsp:spPr>
+        <a:xfrm>
+          <a:off x="0" y="2461179"/>
+          <a:ext cx="7950925" cy="315464"/>
+        </a:xfrm>
+        <a:prstGeom prst="rect">
+          <a:avLst/>
+        </a:prstGeom>
+        <a:solidFill>
+          <a:schemeClr val="accent2">
+            <a:tint val="40000"/>
+            <a:alpha val="90000"/>
+            <a:hueOff val="0"/>
+            <a:satOff val="0"/>
+            <a:lumOff val="0"/>
+            <a:alphaOff val="0"/>
+          </a:schemeClr>
+        </a:solidFill>
+        <a:ln w="15875" cap="rnd" cmpd="sng" algn="ctr">
+          <a:solidFill>
+            <a:schemeClr val="accent2">
+              <a:tint val="40000"/>
+              <a:alpha val="90000"/>
+              <a:hueOff val="0"/>
+              <a:satOff val="0"/>
+              <a:lumOff val="0"/>
+              <a:alphaOff val="0"/>
+            </a:schemeClr>
+          </a:solidFill>
+          <a:prstDash val="solid"/>
+        </a:ln>
+        <a:effectLst/>
+      </dsp:spPr>
+      <dsp:style>
+        <a:lnRef idx="2">
+          <a:scrgbClr r="0" g="0" b="0"/>
+        </a:lnRef>
+        <a:fillRef idx="1">
+          <a:scrgbClr r="0" g="0" b="0"/>
+        </a:fillRef>
+        <a:effectRef idx="0">
+          <a:scrgbClr r="0" g="0" b="0"/>
+        </a:effectRef>
+        <a:fontRef idx="minor"/>
+      </dsp:style>
+      <dsp:txBody>
+        <a:bodyPr spcFirstLastPara="0" vert="horz" wrap="square" lIns="142240" tIns="25400" rIns="142240" bIns="25400" numCol="1" spcCol="1270" anchor="ctr" anchorCtr="0">
+          <a:noAutofit/>
+        </a:bodyPr>
+        <a:lstStyle/>
+        <a:p>
+          <a:pPr lvl="0" algn="ctr" defTabSz="889000">
+            <a:lnSpc>
+              <a:spcPct val="90000"/>
+            </a:lnSpc>
+            <a:spcBef>
+              <a:spcPct val="0"/>
+            </a:spcBef>
+            <a:spcAft>
+              <a:spcPct val="35000"/>
+            </a:spcAft>
+          </a:pPr>
+          <a:r>
+            <a:rPr lang="en-US" sz="2000" b="1" i="0" kern="1200" dirty="0" err="1" smtClean="0"/>
+            <a:t>ajaxComplete</a:t>
+          </a:r>
+          <a:r>
+            <a:rPr lang="en-US" sz="2000" b="0" i="0" kern="1200" dirty="0" smtClean="0"/>
+            <a:t> (Global Event)</a:t>
+          </a:r>
+          <a:endParaRPr lang="zh-TW" altLang="en-US" sz="2000" kern="1200" dirty="0"/>
+        </a:p>
+      </dsp:txBody>
+      <dsp:txXfrm>
+        <a:off x="0" y="2461179"/>
+        <a:ext cx="7950925" cy="315464"/>
+      </dsp:txXfrm>
+    </dsp:sp>
+    <dsp:sp modelId="{33722230-82AD-4E8E-8334-18E6611A88E9}">
+      <dsp:nvSpPr>
+        <dsp:cNvPr id="0" name=""/>
+        <dsp:cNvSpPr/>
+      </dsp:nvSpPr>
+      <dsp:spPr>
+        <a:xfrm rot="10800000">
+          <a:off x="0" y="1046075"/>
+          <a:ext cx="7950925" cy="1055065"/>
+        </a:xfrm>
+        <a:prstGeom prst="upArrowCallout">
+          <a:avLst/>
+        </a:prstGeom>
+        <a:solidFill>
+          <a:schemeClr val="accent4">
+            <a:hueOff val="0"/>
+            <a:satOff val="0"/>
+            <a:lumOff val="0"/>
+            <a:alphaOff val="0"/>
+          </a:schemeClr>
+        </a:solidFill>
+        <a:ln w="15875" cap="rnd" cmpd="sng" algn="ctr">
+          <a:solidFill>
+            <a:schemeClr val="lt1">
+              <a:hueOff val="0"/>
+              <a:satOff val="0"/>
+              <a:lumOff val="0"/>
+              <a:alphaOff val="0"/>
+            </a:schemeClr>
+          </a:solidFill>
+          <a:prstDash val="solid"/>
+        </a:ln>
+        <a:effectLst/>
+      </dsp:spPr>
+      <dsp:style>
+        <a:lnRef idx="2">
+          <a:scrgbClr r="0" g="0" b="0"/>
+        </a:lnRef>
+        <a:fillRef idx="1">
+          <a:scrgbClr r="0" g="0" b="0"/>
+        </a:fillRef>
+        <a:effectRef idx="0">
+          <a:scrgbClr r="0" g="0" b="0"/>
+        </a:effectRef>
+        <a:fontRef idx="minor">
+          <a:schemeClr val="lt1"/>
+        </a:fontRef>
+      </dsp:style>
+      <dsp:txBody>
+        <a:bodyPr spcFirstLastPara="0" vert="horz" wrap="square" lIns="142240" tIns="142240" rIns="142240" bIns="142240" numCol="1" spcCol="1270" anchor="ctr" anchorCtr="0">
+          <a:noAutofit/>
+        </a:bodyPr>
+        <a:lstStyle/>
+        <a:p>
+          <a:pPr lvl="0" algn="ctr" defTabSz="889000">
+            <a:lnSpc>
+              <a:spcPct val="90000"/>
+            </a:lnSpc>
+            <a:spcBef>
+              <a:spcPct val="0"/>
+            </a:spcBef>
+            <a:spcAft>
+              <a:spcPct val="35000"/>
+            </a:spcAft>
+          </a:pPr>
+          <a:r>
+            <a:rPr lang="en-US" sz="2000" b="1" i="0" kern="1200" dirty="0" err="1" smtClean="0"/>
+            <a:t>ajaxSend</a:t>
+          </a:r>
+          <a:r>
+            <a:rPr lang="en-US" sz="2000" b="0" i="0" kern="1200" dirty="0" smtClean="0"/>
+            <a:t> (Global Event) </a:t>
+          </a:r>
+          <a:endParaRPr lang="zh-TW" altLang="en-US" sz="2000" kern="1200" dirty="0"/>
+        </a:p>
+      </dsp:txBody>
+      <dsp:txXfrm rot="-10800000">
+        <a:off x="0" y="1046075"/>
+        <a:ext cx="7950925" cy="370328"/>
+      </dsp:txXfrm>
+    </dsp:sp>
+    <dsp:sp modelId="{5C6306A4-C4A9-40C5-87DD-05B75172C466}">
+      <dsp:nvSpPr>
+        <dsp:cNvPr id="0" name=""/>
+        <dsp:cNvSpPr/>
+      </dsp:nvSpPr>
+      <dsp:spPr>
+        <a:xfrm>
+          <a:off x="0" y="1416403"/>
+          <a:ext cx="1987731" cy="315464"/>
+        </a:xfrm>
+        <a:prstGeom prst="rect">
+          <a:avLst/>
+        </a:prstGeom>
+        <a:solidFill>
+          <a:schemeClr val="accent3">
+            <a:tint val="40000"/>
+            <a:alpha val="90000"/>
+            <a:hueOff val="0"/>
+            <a:satOff val="0"/>
+            <a:lumOff val="0"/>
+            <a:alphaOff val="0"/>
+          </a:schemeClr>
+        </a:solidFill>
+        <a:ln w="15875" cap="rnd" cmpd="sng" algn="ctr">
+          <a:solidFill>
+            <a:schemeClr val="accent3">
+              <a:tint val="40000"/>
+              <a:alpha val="90000"/>
+              <a:hueOff val="0"/>
+              <a:satOff val="0"/>
+              <a:lumOff val="0"/>
+              <a:alphaOff val="0"/>
+            </a:schemeClr>
+          </a:solidFill>
+          <a:prstDash val="solid"/>
+        </a:ln>
+        <a:effectLst/>
+      </dsp:spPr>
+      <dsp:style>
+        <a:lnRef idx="2">
+          <a:scrgbClr r="0" g="0" b="0"/>
+        </a:lnRef>
+        <a:fillRef idx="1">
+          <a:scrgbClr r="0" g="0" b="0"/>
+        </a:fillRef>
+        <a:effectRef idx="0">
+          <a:scrgbClr r="0" g="0" b="0"/>
+        </a:effectRef>
+        <a:fontRef idx="minor"/>
+      </dsp:style>
+      <dsp:txBody>
+        <a:bodyPr spcFirstLastPara="0" vert="horz" wrap="square" lIns="85344" tIns="15240" rIns="85344" bIns="15240" numCol="1" spcCol="1270" anchor="ctr" anchorCtr="0">
+          <a:noAutofit/>
+        </a:bodyPr>
+        <a:lstStyle/>
+        <a:p>
+          <a:pPr lvl="0" algn="ctr" defTabSz="533400">
+            <a:lnSpc>
+              <a:spcPct val="90000"/>
+            </a:lnSpc>
+            <a:spcBef>
+              <a:spcPct val="0"/>
+            </a:spcBef>
+            <a:spcAft>
+              <a:spcPct val="35000"/>
+            </a:spcAft>
+          </a:pPr>
+          <a:r>
+            <a:rPr lang="en-US" sz="1200" b="1" i="0" kern="1200" dirty="0" smtClean="0"/>
+            <a:t>success</a:t>
+          </a:r>
+          <a:r>
+            <a:rPr lang="en-US" sz="1200" b="0" i="0" kern="1200" dirty="0" smtClean="0"/>
+            <a:t> (Local Event)</a:t>
+          </a:r>
+          <a:endParaRPr lang="zh-TW" altLang="en-US" sz="1200" kern="1200" dirty="0"/>
+        </a:p>
+      </dsp:txBody>
+      <dsp:txXfrm>
+        <a:off x="0" y="1416403"/>
+        <a:ext cx="1987731" cy="315464"/>
+      </dsp:txXfrm>
+    </dsp:sp>
+    <dsp:sp modelId="{F9E43528-B754-43B5-8649-76FC1188A4DE}">
+      <dsp:nvSpPr>
+        <dsp:cNvPr id="0" name=""/>
+        <dsp:cNvSpPr/>
+      </dsp:nvSpPr>
+      <dsp:spPr>
+        <a:xfrm>
+          <a:off x="1987731" y="1416403"/>
+          <a:ext cx="1987731" cy="315464"/>
+        </a:xfrm>
+        <a:prstGeom prst="rect">
+          <a:avLst/>
+        </a:prstGeom>
+        <a:solidFill>
+          <a:schemeClr val="accent4">
+            <a:tint val="40000"/>
+            <a:alpha val="90000"/>
+            <a:hueOff val="0"/>
+            <a:satOff val="0"/>
+            <a:lumOff val="0"/>
+            <a:alphaOff val="0"/>
+          </a:schemeClr>
+        </a:solidFill>
+        <a:ln w="15875" cap="rnd" cmpd="sng" algn="ctr">
+          <a:solidFill>
+            <a:schemeClr val="accent4">
+              <a:tint val="40000"/>
+              <a:alpha val="90000"/>
+              <a:hueOff val="0"/>
+              <a:satOff val="0"/>
+              <a:lumOff val="0"/>
+              <a:alphaOff val="0"/>
+            </a:schemeClr>
+          </a:solidFill>
+          <a:prstDash val="solid"/>
+        </a:ln>
+        <a:effectLst/>
+      </dsp:spPr>
+      <dsp:style>
+        <a:lnRef idx="2">
+          <a:scrgbClr r="0" g="0" b="0"/>
+        </a:lnRef>
+        <a:fillRef idx="1">
+          <a:scrgbClr r="0" g="0" b="0"/>
+        </a:fillRef>
+        <a:effectRef idx="0">
+          <a:scrgbClr r="0" g="0" b="0"/>
+        </a:effectRef>
+        <a:fontRef idx="minor"/>
+      </dsp:style>
+      <dsp:txBody>
+        <a:bodyPr spcFirstLastPara="0" vert="horz" wrap="square" lIns="85344" tIns="15240" rIns="85344" bIns="15240" numCol="1" spcCol="1270" anchor="ctr" anchorCtr="0">
+          <a:noAutofit/>
+        </a:bodyPr>
+        <a:lstStyle/>
+        <a:p>
+          <a:pPr lvl="0" algn="ctr" defTabSz="533400">
+            <a:lnSpc>
+              <a:spcPct val="90000"/>
+            </a:lnSpc>
+            <a:spcBef>
+              <a:spcPct val="0"/>
+            </a:spcBef>
+            <a:spcAft>
+              <a:spcPct val="35000"/>
+            </a:spcAft>
+          </a:pPr>
+          <a:r>
+            <a:rPr lang="en-US" sz="1200" b="1" i="0" kern="1200" dirty="0" err="1" smtClean="0"/>
+            <a:t>ajaxSuccess</a:t>
+          </a:r>
+          <a:r>
+            <a:rPr lang="en-US" sz="1200" b="0" i="0" kern="1200" dirty="0" smtClean="0"/>
+            <a:t> (Global Event)</a:t>
+          </a:r>
+          <a:endParaRPr lang="zh-TW" altLang="en-US" sz="1200" kern="1200" dirty="0"/>
+        </a:p>
+      </dsp:txBody>
+      <dsp:txXfrm>
+        <a:off x="1987731" y="1416403"/>
+        <a:ext cx="1987731" cy="315464"/>
+      </dsp:txXfrm>
+    </dsp:sp>
+    <dsp:sp modelId="{5D7BB0EB-7A31-48CD-81F0-EE0515B1FE63}">
+      <dsp:nvSpPr>
+        <dsp:cNvPr id="0" name=""/>
+        <dsp:cNvSpPr/>
+      </dsp:nvSpPr>
+      <dsp:spPr>
+        <a:xfrm>
+          <a:off x="3975462" y="1416403"/>
+          <a:ext cx="1987731" cy="315464"/>
+        </a:xfrm>
+        <a:prstGeom prst="rect">
+          <a:avLst/>
+        </a:prstGeom>
+        <a:solidFill>
+          <a:schemeClr val="accent5">
+            <a:tint val="40000"/>
+            <a:alpha val="90000"/>
+            <a:hueOff val="0"/>
+            <a:satOff val="0"/>
+            <a:lumOff val="0"/>
+            <a:alphaOff val="0"/>
+          </a:schemeClr>
+        </a:solidFill>
+        <a:ln w="15875" cap="rnd" cmpd="sng" algn="ctr">
+          <a:solidFill>
+            <a:schemeClr val="accent5">
+              <a:tint val="40000"/>
+              <a:alpha val="90000"/>
+              <a:hueOff val="0"/>
+              <a:satOff val="0"/>
+              <a:lumOff val="0"/>
+              <a:alphaOff val="0"/>
+            </a:schemeClr>
+          </a:solidFill>
+          <a:prstDash val="solid"/>
+        </a:ln>
+        <a:effectLst/>
+      </dsp:spPr>
+      <dsp:style>
+        <a:lnRef idx="2">
+          <a:scrgbClr r="0" g="0" b="0"/>
+        </a:lnRef>
+        <a:fillRef idx="1">
+          <a:scrgbClr r="0" g="0" b="0"/>
+        </a:fillRef>
+        <a:effectRef idx="0">
+          <a:scrgbClr r="0" g="0" b="0"/>
+        </a:effectRef>
+        <a:fontRef idx="minor"/>
+      </dsp:style>
+      <dsp:txBody>
+        <a:bodyPr spcFirstLastPara="0" vert="horz" wrap="square" lIns="85344" tIns="15240" rIns="85344" bIns="15240" numCol="1" spcCol="1270" anchor="ctr" anchorCtr="0">
+          <a:noAutofit/>
+        </a:bodyPr>
+        <a:lstStyle/>
+        <a:p>
+          <a:pPr lvl="0" algn="ctr" defTabSz="533400">
+            <a:lnSpc>
+              <a:spcPct val="90000"/>
+            </a:lnSpc>
+            <a:spcBef>
+              <a:spcPct val="0"/>
+            </a:spcBef>
+            <a:spcAft>
+              <a:spcPct val="35000"/>
+            </a:spcAft>
+          </a:pPr>
+          <a:r>
+            <a:rPr lang="en-US" sz="1200" b="1" i="0" kern="1200" dirty="0" smtClean="0"/>
+            <a:t>error</a:t>
+          </a:r>
+          <a:r>
+            <a:rPr lang="en-US" sz="1200" b="0" i="0" kern="1200" dirty="0" smtClean="0"/>
+            <a:t> (Local Event)</a:t>
+          </a:r>
+          <a:endParaRPr lang="zh-TW" altLang="en-US" sz="1200" kern="1200" dirty="0"/>
+        </a:p>
+      </dsp:txBody>
+      <dsp:txXfrm>
+        <a:off x="3975462" y="1416403"/>
+        <a:ext cx="1987731" cy="315464"/>
+      </dsp:txXfrm>
+    </dsp:sp>
+    <dsp:sp modelId="{EDD16DFC-A762-4AAC-BF39-070B632F8E3E}">
+      <dsp:nvSpPr>
+        <dsp:cNvPr id="0" name=""/>
+        <dsp:cNvSpPr/>
+      </dsp:nvSpPr>
+      <dsp:spPr>
+        <a:xfrm>
+          <a:off x="5963193" y="1416403"/>
+          <a:ext cx="1987731" cy="315464"/>
+        </a:xfrm>
+        <a:prstGeom prst="rect">
+          <a:avLst/>
+        </a:prstGeom>
+        <a:solidFill>
+          <a:schemeClr val="accent6">
+            <a:tint val="40000"/>
+            <a:alpha val="90000"/>
+            <a:hueOff val="0"/>
+            <a:satOff val="0"/>
+            <a:lumOff val="0"/>
+            <a:alphaOff val="0"/>
+          </a:schemeClr>
+        </a:solidFill>
+        <a:ln w="15875" cap="rnd" cmpd="sng" algn="ctr">
+          <a:solidFill>
+            <a:schemeClr val="accent6">
+              <a:tint val="40000"/>
+              <a:alpha val="90000"/>
+              <a:hueOff val="0"/>
+              <a:satOff val="0"/>
+              <a:lumOff val="0"/>
+              <a:alphaOff val="0"/>
+            </a:schemeClr>
+          </a:solidFill>
+          <a:prstDash val="solid"/>
+        </a:ln>
+        <a:effectLst/>
+      </dsp:spPr>
+      <dsp:style>
+        <a:lnRef idx="2">
+          <a:scrgbClr r="0" g="0" b="0"/>
+        </a:lnRef>
+        <a:fillRef idx="1">
+          <a:scrgbClr r="0" g="0" b="0"/>
+        </a:fillRef>
+        <a:effectRef idx="0">
+          <a:scrgbClr r="0" g="0" b="0"/>
+        </a:effectRef>
+        <a:fontRef idx="minor"/>
+      </dsp:style>
+      <dsp:txBody>
+        <a:bodyPr spcFirstLastPara="0" vert="horz" wrap="square" lIns="85344" tIns="15240" rIns="85344" bIns="15240" numCol="1" spcCol="1270" anchor="ctr" anchorCtr="0">
+          <a:noAutofit/>
+        </a:bodyPr>
+        <a:lstStyle/>
+        <a:p>
+          <a:pPr lvl="0" algn="ctr" defTabSz="533400">
+            <a:lnSpc>
+              <a:spcPct val="90000"/>
+            </a:lnSpc>
+            <a:spcBef>
+              <a:spcPct val="0"/>
+            </a:spcBef>
+            <a:spcAft>
+              <a:spcPct val="35000"/>
+            </a:spcAft>
+          </a:pPr>
+          <a:r>
+            <a:rPr lang="en-US" sz="1200" b="1" i="0" kern="1200" dirty="0" err="1" smtClean="0"/>
+            <a:t>ajaxError</a:t>
+          </a:r>
+          <a:r>
+            <a:rPr lang="en-US" sz="1200" b="0" i="0" kern="1200" dirty="0" smtClean="0"/>
+            <a:t> (Global Event)</a:t>
+          </a:r>
+          <a:endParaRPr lang="zh-TW" altLang="en-US" sz="1200" kern="1200" dirty="0"/>
+        </a:p>
+      </dsp:txBody>
+      <dsp:txXfrm>
+        <a:off x="5963193" y="1416403"/>
+        <a:ext cx="1987731" cy="315464"/>
+      </dsp:txXfrm>
+    </dsp:sp>
+    <dsp:sp modelId="{932D4569-B469-4EFD-BD4A-F6E9C5D8E760}">
+      <dsp:nvSpPr>
+        <dsp:cNvPr id="0" name=""/>
+        <dsp:cNvSpPr/>
+      </dsp:nvSpPr>
+      <dsp:spPr>
+        <a:xfrm rot="10800000">
+          <a:off x="0" y="1299"/>
+          <a:ext cx="7950925" cy="1055065"/>
+        </a:xfrm>
+        <a:prstGeom prst="upArrowCallout">
+          <a:avLst/>
+        </a:prstGeom>
+        <a:solidFill>
+          <a:schemeClr val="accent5">
+            <a:hueOff val="0"/>
+            <a:satOff val="0"/>
+            <a:lumOff val="0"/>
+            <a:alphaOff val="0"/>
+          </a:schemeClr>
+        </a:solidFill>
+        <a:ln w="15875" cap="rnd" cmpd="sng" algn="ctr">
+          <a:solidFill>
+            <a:schemeClr val="lt1">
+              <a:hueOff val="0"/>
+              <a:satOff val="0"/>
+              <a:lumOff val="0"/>
+              <a:alphaOff val="0"/>
+            </a:schemeClr>
+          </a:solidFill>
+          <a:prstDash val="solid"/>
+        </a:ln>
+        <a:effectLst/>
+      </dsp:spPr>
+      <dsp:style>
+        <a:lnRef idx="2">
+          <a:scrgbClr r="0" g="0" b="0"/>
+        </a:lnRef>
+        <a:fillRef idx="1">
+          <a:scrgbClr r="0" g="0" b="0"/>
+        </a:fillRef>
+        <a:effectRef idx="0">
+          <a:scrgbClr r="0" g="0" b="0"/>
+        </a:effectRef>
+        <a:fontRef idx="minor">
+          <a:schemeClr val="lt1"/>
+        </a:fontRef>
+      </dsp:style>
+      <dsp:txBody>
+        <a:bodyPr spcFirstLastPara="0" vert="horz" wrap="square" lIns="142240" tIns="142240" rIns="142240" bIns="142240" numCol="1" spcCol="1270" anchor="ctr" anchorCtr="0">
+          <a:noAutofit/>
+        </a:bodyPr>
+        <a:lstStyle/>
+        <a:p>
+          <a:pPr lvl="0" algn="ctr" defTabSz="889000">
+            <a:lnSpc>
+              <a:spcPct val="90000"/>
+            </a:lnSpc>
+            <a:spcBef>
+              <a:spcPct val="0"/>
+            </a:spcBef>
+            <a:spcAft>
+              <a:spcPct val="35000"/>
+            </a:spcAft>
+          </a:pPr>
+          <a:r>
+            <a:rPr lang="en-US" sz="2000" b="1" i="0" kern="1200" dirty="0" err="1" smtClean="0"/>
+            <a:t>ajaxStart</a:t>
+          </a:r>
+          <a:r>
+            <a:rPr lang="en-US" sz="2000" b="0" i="0" kern="1200" dirty="0" smtClean="0"/>
+            <a:t> (Global Event)</a:t>
+          </a:r>
+          <a:endParaRPr lang="zh-TW" altLang="en-US" sz="2000" kern="1200" dirty="0"/>
+        </a:p>
+      </dsp:txBody>
+      <dsp:txXfrm rot="-10800000">
+        <a:off x="0" y="1299"/>
+        <a:ext cx="7950925" cy="370328"/>
+      </dsp:txXfrm>
+    </dsp:sp>
+    <dsp:sp modelId="{C689D0F2-F118-42A4-9086-904093CFC0A7}">
+      <dsp:nvSpPr>
+        <dsp:cNvPr id="0" name=""/>
+        <dsp:cNvSpPr/>
+      </dsp:nvSpPr>
+      <dsp:spPr>
+        <a:xfrm>
+          <a:off x="0" y="371627"/>
+          <a:ext cx="7950925" cy="315464"/>
+        </a:xfrm>
+        <a:prstGeom prst="rect">
+          <a:avLst/>
+        </a:prstGeom>
+        <a:solidFill>
+          <a:schemeClr val="accent2">
+            <a:tint val="40000"/>
+            <a:alpha val="90000"/>
+            <a:hueOff val="0"/>
+            <a:satOff val="0"/>
+            <a:lumOff val="0"/>
+            <a:alphaOff val="0"/>
+          </a:schemeClr>
+        </a:solidFill>
+        <a:ln w="15875" cap="rnd" cmpd="sng" algn="ctr">
+          <a:solidFill>
+            <a:schemeClr val="accent2">
+              <a:tint val="40000"/>
+              <a:alpha val="90000"/>
+              <a:hueOff val="0"/>
+              <a:satOff val="0"/>
+              <a:lumOff val="0"/>
+              <a:alphaOff val="0"/>
+            </a:schemeClr>
+          </a:solidFill>
+          <a:prstDash val="solid"/>
+        </a:ln>
+        <a:effectLst/>
+      </dsp:spPr>
+      <dsp:style>
+        <a:lnRef idx="2">
+          <a:scrgbClr r="0" g="0" b="0"/>
+        </a:lnRef>
+        <a:fillRef idx="1">
+          <a:scrgbClr r="0" g="0" b="0"/>
+        </a:fillRef>
+        <a:effectRef idx="0">
+          <a:scrgbClr r="0" g="0" b="0"/>
+        </a:effectRef>
+        <a:fontRef idx="minor"/>
+      </dsp:style>
+      <dsp:txBody>
+        <a:bodyPr spcFirstLastPara="0" vert="horz" wrap="square" lIns="142240" tIns="25400" rIns="142240" bIns="25400" numCol="1" spcCol="1270" anchor="ctr" anchorCtr="0">
+          <a:noAutofit/>
+        </a:bodyPr>
+        <a:lstStyle/>
+        <a:p>
+          <a:pPr lvl="0" algn="ctr" defTabSz="889000">
+            <a:lnSpc>
+              <a:spcPct val="90000"/>
+            </a:lnSpc>
+            <a:spcBef>
+              <a:spcPct val="0"/>
+            </a:spcBef>
+            <a:spcAft>
+              <a:spcPct val="35000"/>
+            </a:spcAft>
+          </a:pPr>
+          <a:r>
+            <a:rPr lang="en-US" sz="2000" b="1" i="0" kern="1200" dirty="0" err="1" smtClean="0"/>
+            <a:t>beforeSend</a:t>
+          </a:r>
+          <a:r>
+            <a:rPr lang="en-US" sz="2000" b="0" i="0" kern="1200" dirty="0" smtClean="0"/>
+            <a:t> (Local Event)</a:t>
+          </a:r>
+          <a:endParaRPr lang="zh-TW" altLang="en-US" sz="2000" kern="1200" dirty="0"/>
+        </a:p>
+      </dsp:txBody>
+      <dsp:txXfrm>
+        <a:off x="0" y="371627"/>
+        <a:ext cx="7950925" cy="315464"/>
+      </dsp:txXfrm>
+    </dsp:sp>
+  </dsp:spTree>
+</dsp:drawing>
+</file>
+
+<file path=ppt/diagrams/layout1.xml><?xml version="1.0" encoding="utf-8"?>
+<dgm:layoutDef xmlns:dgm="http://schemas.openxmlformats.org/drawingml/2006/diagram" xmlns:a="http://schemas.openxmlformats.org/drawingml/2006/main" uniqueId="urn:microsoft.com/office/officeart/2005/8/layout/process4">
+  <dgm:title val=""/>
+  <dgm:desc val=""/>
+  <dgm:catLst>
+    <dgm:cat type="process" pri="16000"/>
+    <dgm:cat type="list" pri="20000"/>
+  </dgm:catLst>
+  <dgm:sampData>
+    <dgm:dataModel>
+      <dgm:ptLst>
+        <dgm:pt modelId="0" type="doc"/>
+        <dgm:pt modelId="1">
+          <dgm:prSet phldr="1"/>
+        </dgm:pt>
+        <dgm:pt modelId="11">
+          <dgm:prSet phldr="1"/>
+        </dgm:pt>
+        <dgm:pt modelId="12">
+          <dgm:prSet phldr="1"/>
+        </dgm:pt>
+        <dgm:pt modelId="2">
+          <dgm:prSet phldr="1"/>
+        </dgm:pt>
+        <dgm:pt modelId="21">
+          <dgm:prSet phldr="1"/>
+        </dgm:pt>
+        <dgm:pt modelId="22">
+          <dgm:prSet phldr="1"/>
+        </dgm:pt>
+        <dgm:pt modelId="3">
+          <dgm:prSet phldr="1"/>
+        </dgm:pt>
+        <dgm:pt modelId="31">
+          <dgm:prSet phldr="1"/>
+        </dgm:pt>
+        <dgm:pt modelId="32">
+          <dgm:prSet phldr="1"/>
+        </dgm:pt>
+      </dgm:ptLst>
+      <dgm:cxnLst>
+        <dgm:cxn modelId="4" srcId="0" destId="1" srcOrd="0" destOrd="0"/>
+        <dgm:cxn modelId="5" srcId="0" destId="2" srcOrd="1" destOrd="0"/>
+        <dgm:cxn modelId="6" srcId="0" destId="3" srcOrd="2" destOrd="0"/>
+        <dgm:cxn modelId="13" srcId="1" destId="11" srcOrd="0" destOrd="0"/>
+        <dgm:cxn modelId="14" srcId="1" destId="12" srcOrd="1" destOrd="0"/>
+        <dgm:cxn modelId="23" srcId="2" destId="21" srcOrd="0" destOrd="0"/>
+        <dgm:cxn modelId="24" srcId="2" destId="22" srcOrd="1" destOrd="0"/>
+        <dgm:cxn modelId="33" srcId="3" destId="31" srcOrd="0" destOrd="0"/>
+        <dgm:cxn modelId="34" srcId="3" destId="32" srcOrd="1" destOrd="0"/>
+      </dgm:cxnLst>
+      <dgm:bg/>
+      <dgm:whole/>
+    </dgm:dataModel>
+  </dgm:sampData>
+  <dgm:styleData>
+    <dgm:dataModel>
+      <dgm:ptLst>
+        <dgm:pt modelId="0" type="doc"/>
+        <dgm:pt modelId="1"/>
+        <dgm:pt modelId="11"/>
+        <dgm:pt modelId="2"/>
+        <dgm:pt modelId="21"/>
+      </dgm:ptLst>
+      <dgm:cxnLst>
+        <dgm:cxn modelId="4" srcId="0" destId="1" srcOrd="0" destOrd="0"/>
+        <dgm:cxn modelId="5" srcId="0" destId="2" srcOrd="1" destOrd="0"/>
+        <dgm:cxn modelId="13" srcId="1" destId="11" srcOrd="0" destOrd="0"/>
+        <dgm:cxn modelId="23" srcId="2" destId="21" srcOrd="0" destOrd="0"/>
+      </dgm:cxnLst>
+      <dgm:bg/>
+      <dgm:whole/>
+    </dgm:dataModel>
+  </dgm:styleData>
+  <dgm:clrData>
+    <dgm:dataModel>
+      <dgm:ptLst>
+        <dgm:pt modelId="0" type="doc"/>
+        <dgm:pt modelId="1"/>
+        <dgm:pt modelId="11"/>
+        <dgm:pt modelId="2"/>
+        <dgm:pt modelId="21"/>
+        <dgm:pt modelId="3"/>
+        <dgm:pt modelId="31"/>
+        <dgm:pt modelId="4"/>
+        <dgm:pt modelId="41"/>
+      </dgm:ptLst>
+      <dgm:cxnLst>
+        <dgm:cxn modelId="5" srcId="0" destId="1" srcOrd="0" destOrd="0"/>
+        <dgm:cxn modelId="6" srcId="0" destId="2" srcOrd="1" destOrd="0"/>
+        <dgm:cxn modelId="7" srcId="0" destId="3" srcOrd="2" destOrd="0"/>
+        <dgm:cxn modelId="8" srcId="0" destId="4" srcOrd="3" destOrd="0"/>
+        <dgm:cxn modelId="13" srcId="1" destId="11" srcOrd="0" destOrd="0"/>
+        <dgm:cxn modelId="23" srcId="2" destId="21" srcOrd="0" destOrd="0"/>
+        <dgm:cxn modelId="33" srcId="3" destId="31" srcOrd="0" destOrd="0"/>
+        <dgm:cxn modelId="43" srcId="4" destId="41" srcOrd="0" destOrd="0"/>
+      </dgm:cxnLst>
+      <dgm:bg/>
+      <dgm:whole/>
+    </dgm:dataModel>
+  </dgm:clrData>
+  <dgm:layoutNode name="Name0">
+    <dgm:varLst>
+      <dgm:dir/>
+      <dgm:animLvl val="lvl"/>
+      <dgm:resizeHandles val="exact"/>
+    </dgm:varLst>
+    <dgm:alg type="lin">
+      <dgm:param type="linDir" val="fromB"/>
+    </dgm:alg>
+    <dgm:shape xmlns:r="http://schemas.openxmlformats.org/officeDocument/2006/relationships" r:blip="">
+      <dgm:adjLst/>
+    </dgm:shape>
+    <dgm:presOf/>
+    <dgm:constrLst>
+      <dgm:constr type="h" for="ch" forName="boxAndChildren" refType="h"/>
+      <dgm:constr type="h" for="ch" forName="arrowAndChildren" refType="h" refFor="ch" refForName="boxAndChildren" op="equ" fact="1.538"/>
+      <dgm:constr type="w" for="ch" forName="arrowAndChildren" refType="w"/>
+      <dgm:constr type="w" for="ch" forName="boxAndChildren" refType="w"/>
+      <dgm:constr type="h" for="ch" forName="sp" refType="h" fact="-0.015"/>
+      <dgm:constr type="primFontSz" for="des" forName="parentTextBox" val="65"/>
+      <dgm:constr type="primFontSz" for="des" forName="parentTextArrow" refType="primFontSz" refFor="des" refForName="parentTextBox" op="equ"/>
+      <dgm:constr type="primFontSz" for="des" forName="childTextArrow" val="65"/>
+      <dgm:constr type="primFontSz" for="des" forName="childTextBox" refType="primFontSz" refFor="des" refForName="childTextArrow" op="equ"/>
+    </dgm:constrLst>
+    <dgm:ruleLst/>
+    <dgm:forEach name="Name1" axis="ch" ptType="node" st="-1" step="-1">
+      <dgm:choose name="Name2">
+        <dgm:if name="Name3" axis="self" ptType="node" func="revPos" op="equ" val="1">
+          <dgm:layoutNode name="boxAndChildren">
+            <dgm:alg type="composite"/>
+            <dgm:shape xmlns:r="http://schemas.openxmlformats.org/officeDocument/2006/relationships" r:blip="">
+              <dgm:adjLst/>
+            </dgm:shape>
+            <dgm:presOf/>
+            <dgm:choose name="Name4">
+              <dgm:if name="Name5" axis="ch" ptType="node" func="cnt" op="gte" val="1">
+                <dgm:constrLst>
+                  <dgm:constr type="w" for="ch" forName="parentTextBox" refType="w"/>
+                  <dgm:constr type="h" for="ch" forName="parentTextBox" refType="h" fact="0.54"/>
+                  <dgm:constr type="t" for="ch" forName="parentTextBox"/>
+                  <dgm:constr type="w" for="ch" forName="entireBox" refType="w"/>
+                  <dgm:constr type="h" for="ch" forName="entireBox" refType="h"/>
+                  <dgm:constr type="w" for="ch" forName="descendantBox" refType="w"/>
+                  <dgm:constr type="b" for="ch" forName="descendantBox" refType="h" fact="0.98"/>
+                  <dgm:constr type="h" for="ch" forName="descendantBox" refType="h" fact="0.46"/>
+                </dgm:constrLst>
+              </dgm:if>
+              <dgm:else name="Name6">
+                <dgm:constrLst>
+                  <dgm:constr type="w" for="ch" forName="parentTextBox" refType="w"/>
+                  <dgm:constr type="h" for="ch" forName="parentTextBox" refType="h"/>
+                </dgm:constrLst>
+              </dgm:else>
+            </dgm:choose>
+            <dgm:ruleLst/>
+            <dgm:layoutNode name="parentTextBox">
+              <dgm:alg type="tx"/>
+              <dgm:choose name="Name7">
+                <dgm:if name="Name8" axis="ch" ptType="node" func="cnt" op="gte" val="1">
+                  <dgm:shape xmlns:r="http://schemas.openxmlformats.org/officeDocument/2006/relationships" type="rect" r:blip="" zOrderOff="1" hideGeom="1">
+                    <dgm:adjLst/>
+                  </dgm:shape>
+                </dgm:if>
+                <dgm:else name="Name9">
+                  <dgm:shape xmlns:r="http://schemas.openxmlformats.org/officeDocument/2006/relationships" type="rect" r:blip="">
+                    <dgm:adjLst/>
+                  </dgm:shape>
+                </dgm:else>
+              </dgm:choose>
+              <dgm:presOf axis="self"/>
+              <dgm:constrLst/>
+              <dgm:ruleLst>
+                <dgm:rule type="primFontSz" val="5" fact="NaN" max="NaN"/>
+              </dgm:ruleLst>
+            </dgm:layoutNode>
+            <dgm:choose name="Name10">
+              <dgm:if name="Name11" axis="ch" ptType="node" func="cnt" op="gte" val="1">
+                <dgm:layoutNode name="entireBox">
+                  <dgm:alg type="sp"/>
+                  <dgm:shape xmlns:r="http://schemas.openxmlformats.org/officeDocument/2006/relationships" type="rect" r:blip="">
+                    <dgm:adjLst/>
+                  </dgm:shape>
+                  <dgm:presOf axis="self"/>
+                  <dgm:constrLst/>
+                  <dgm:ruleLst/>
+                </dgm:layoutNode>
+                <dgm:layoutNode name="descendantBox" styleLbl="fgAccFollowNode1">
+                  <dgm:choose name="Name12">
+                    <dgm:if name="Name13" func="var" arg="dir" op="equ" val="norm">
+                      <dgm:alg type="lin"/>
+                    </dgm:if>
+                    <dgm:else name="Name14">
+                      <dgm:alg type="lin">
+                        <dgm:param type="linDir" val="fromR"/>
+                      </dgm:alg>
+                    </dgm:else>
+                  </dgm:choose>
+                  <dgm:shape xmlns:r="http://schemas.openxmlformats.org/officeDocument/2006/relationships" r:blip="">
+                    <dgm:adjLst/>
+                  </dgm:shape>
+                  <dgm:presOf/>
+                  <dgm:constrLst>
+                    <dgm:constr type="w" for="ch" forName="childTextBox" refType="w"/>
+                    <dgm:constr type="h" for="ch" forName="childTextBox" refType="h"/>
+                  </dgm:constrLst>
+                  <dgm:ruleLst/>
+                  <dgm:forEach name="Name15" axis="ch" ptType="node">
+                    <dgm:layoutNode name="childTextBox" styleLbl="fgAccFollowNode1">
+                      <dgm:varLst>
+                        <dgm:bulletEnabled val="1"/>
+                      </dgm:varLst>
+                      <dgm:alg type="tx"/>
+                      <dgm:shape xmlns:r="http://schemas.openxmlformats.org/officeDocument/2006/relationships" type="rect" r:blip="">
+                        <dgm:adjLst/>
+                      </dgm:shape>
+                      <dgm:presOf axis="desOrSelf" ptType="node"/>
+                      <dgm:constrLst>
+                        <dgm:constr type="tMarg" refType="primFontSz" fact="0.1"/>
+                        <dgm:constr type="bMarg" refType="primFontSz" fact="0.1"/>
+                      </dgm:constrLst>
+                      <dgm:ruleLst>
+                        <dgm:rule type="primFontSz" val="5" fact="NaN" max="NaN"/>
+                      </dgm:ruleLst>
+                    </dgm:layoutNode>
+                  </dgm:forEach>
+                </dgm:layoutNode>
+              </dgm:if>
+              <dgm:else name="Name16"/>
+            </dgm:choose>
+          </dgm:layoutNode>
+        </dgm:if>
+        <dgm:else name="Name17">
+          <dgm:layoutNode name="arrowAndChildren">
+            <dgm:alg type="composite"/>
+            <dgm:shape xmlns:r="http://schemas.openxmlformats.org/officeDocument/2006/relationships" r:blip="">
+              <dgm:adjLst/>
+            </dgm:shape>
+            <dgm:presOf/>
+            <dgm:choose name="Name18">
+              <dgm:if name="Name19" axis="ch" ptType="node" func="cnt" op="gte" val="1">
+                <dgm:constrLst>
+                  <dgm:constr type="w" for="ch" forName="parentTextArrow" refType="w"/>
+                  <dgm:constr type="t" for="ch" forName="parentTextArrow"/>
+                  <dgm:constr type="h" for="ch" forName="parentTextArrow" refType="h" fact="0.351"/>
+                  <dgm:constr type="w" for="ch" forName="arrow" refType="w"/>
+                  <dgm:constr type="h" for="ch" forName="arrow" refType="h"/>
+                  <dgm:constr type="w" for="ch" forName="descendantArrow" refType="w"/>
+                  <dgm:constr type="b" for="ch" forName="descendantArrow" refType="h" fact="0.65"/>
+                  <dgm:constr type="h" for="ch" forName="descendantArrow" refType="h" fact="0.299"/>
+                </dgm:constrLst>
+              </dgm:if>
+              <dgm:else name="Name20">
+                <dgm:constrLst>
+                  <dgm:constr type="w" for="ch" forName="parentTextArrow" refType="w"/>
+                  <dgm:constr type="h" for="ch" forName="parentTextArrow" refType="h"/>
+                </dgm:constrLst>
+              </dgm:else>
+            </dgm:choose>
+            <dgm:ruleLst/>
+            <dgm:layoutNode name="parentTextArrow">
+              <dgm:alg type="tx"/>
+              <dgm:choose name="Name21">
+                <dgm:if name="Name22" axis="ch" ptType="node" func="cnt" op="gte" val="1">
+                  <dgm:shape xmlns:r="http://schemas.openxmlformats.org/officeDocument/2006/relationships" type="rect" r:blip="" zOrderOff="1" hideGeom="1">
+                    <dgm:adjLst/>
+                  </dgm:shape>
+                </dgm:if>
+                <dgm:else name="Name23">
+                  <dgm:shape xmlns:r="http://schemas.openxmlformats.org/officeDocument/2006/relationships" rot="180" type="upArrowCallout" r:blip="">
+                    <dgm:adjLst/>
+                  </dgm:shape>
+                </dgm:else>
+              </dgm:choose>
+              <dgm:presOf axis="self"/>
+              <dgm:constrLst/>
+              <dgm:ruleLst>
+                <dgm:rule type="primFontSz" val="5" fact="NaN" max="NaN"/>
+              </dgm:ruleLst>
+            </dgm:layoutNode>
+            <dgm:choose name="Name24">
+              <dgm:if name="Name25" axis="ch" ptType="node" func="cnt" op="gte" val="1">
+                <dgm:layoutNode name="arrow">
+                  <dgm:alg type="sp"/>
+                  <dgm:shape xmlns:r="http://schemas.openxmlformats.org/officeDocument/2006/relationships" rot="180" type="upArrowCallout" r:blip="">
+                    <dgm:adjLst/>
+                  </dgm:shape>
+                  <dgm:presOf axis="self"/>
+                  <dgm:constrLst/>
+                  <dgm:ruleLst/>
+                </dgm:layoutNode>
+                <dgm:layoutNode name="descendantArrow">
+                  <dgm:choose name="Name26">
+                    <dgm:if name="Name27" func="var" arg="dir" op="equ" val="norm">
+                      <dgm:alg type="lin"/>
+                    </dgm:if>
+                    <dgm:else name="Name28">
+                      <dgm:alg type="lin">
+                        <dgm:param type="linDir" val="fromR"/>
+                      </dgm:alg>
+                    </dgm:else>
+                  </dgm:choose>
+                  <dgm:shape xmlns:r="http://schemas.openxmlformats.org/officeDocument/2006/relationships" r:blip="">
+                    <dgm:adjLst/>
+                  </dgm:shape>
+                  <dgm:presOf/>
+                  <dgm:constrLst>
+                    <dgm:constr type="w" for="ch" forName="childTextArrow" refType="w"/>
+                    <dgm:constr type="h" for="ch" forName="childTextArrow" refType="h"/>
+                  </dgm:constrLst>
+                  <dgm:ruleLst/>
+                  <dgm:forEach name="Name29" axis="ch" ptType="node">
+                    <dgm:layoutNode name="childTextArrow" styleLbl="fgAccFollowNode1">
+                      <dgm:varLst>
+                        <dgm:bulletEnabled val="1"/>
+                      </dgm:varLst>
+                      <dgm:alg type="tx"/>
+                      <dgm:shape xmlns:r="http://schemas.openxmlformats.org/officeDocument/2006/relationships" type="rect" r:blip="">
+                        <dgm:adjLst/>
+                      </dgm:shape>
+                      <dgm:presOf axis="desOrSelf" ptType="node"/>
+                      <dgm:constrLst>
+                        <dgm:constr type="tMarg" refType="primFontSz" fact="0.1"/>
+                        <dgm:constr type="bMarg" refType="primFontSz" fact="0.1"/>
+                      </dgm:constrLst>
+                      <dgm:ruleLst>
+                        <dgm:rule type="primFontSz" val="5" fact="NaN" max="NaN"/>
+                      </dgm:ruleLst>
+                    </dgm:layoutNode>
+                  </dgm:forEach>
+                </dgm:layoutNode>
+              </dgm:if>
+              <dgm:else name="Name30"/>
+            </dgm:choose>
+          </dgm:layoutNode>
+        </dgm:else>
+      </dgm:choose>
+      <dgm:forEach name="Name31" axis="precedSib" ptType="sibTrans" st="-1" cnt="1">
+        <dgm:layoutNode name="sp">
+          <dgm:alg type="sp"/>
+          <dgm:shape xmlns:r="http://schemas.openxmlformats.org/officeDocument/2006/relationships" r:blip="">
+            <dgm:adjLst/>
+          </dgm:shape>
+          <dgm:presOf axis="self"/>
+          <dgm:constrLst/>
+          <dgm:ruleLst/>
+        </dgm:layoutNode>
+      </dgm:forEach>
+    </dgm:forEach>
+  </dgm:layoutNode>
+</dgm:layoutDef>
+</file>
+
+<file path=ppt/diagrams/quickStyle1.xml><?xml version="1.0" encoding="utf-8"?>
+<dgm:styleDef xmlns:dgm="http://schemas.openxmlformats.org/drawingml/2006/diagram" xmlns:a="http://schemas.openxmlformats.org/drawingml/2006/main" uniqueId="urn:microsoft.com/office/officeart/2005/8/quickstyle/simple1">
+  <dgm:title val=""/>
+  <dgm:desc val=""/>
+  <dgm:catLst>
+    <dgm:cat type="simple" pri="10100"/>
+  </dgm:catLst>
+  <dgm:scene3d>
+    <a:camera prst="orthographicFront"/>
+    <a:lightRig rig="threePt" dir="t"/>
+  </dgm:scene3d>
+  <dgm:styleLbl name="node0">
+    <dgm:scene3d>
+      <a:camera prst="orthographicFront"/>
+      <a:lightRig rig="threePt" dir="t"/>
+    </dgm:scene3d>
+    <dgm:sp3d/>
+    <dgm:txPr/>
+    <dgm:style>
+      <a:lnRef idx="2">
+        <a:scrgbClr r="0" g="0" b="0"/>
+      </a:lnRef>
+      <a:fillRef idx="1">
+        <a:scrgbClr r="0" g="0" b="0"/>
+      </a:fillRef>
+      <a:effectRef idx="0">
+        <a:scrgbClr r="0" g="0" b="0"/>
+      </a:effectRef>
+      <a:fontRef idx="minor">
+        <a:schemeClr val="lt1"/>
+      </a:fontRef>
+    </dgm:style>
+  </dgm:styleLbl>
+  <dgm:styleLbl name="lnNode1">
+    <dgm:scene3d>
+      <a:camera prst="orthographicFront"/>
+      <a:lightRig rig="threePt" dir="t"/>
+    </dgm:scene3d>
+    <dgm:sp3d/>
+    <dgm:txPr/>
+    <dgm:style>
+      <a:lnRef idx="2">
+        <a:scrgbClr r="0" g="0" b="0"/>
+      </a:lnRef>
+      <a:fillRef idx="1">
+        <a:scrgbClr r="0" g="0" b="0"/>
+      </a:fillRef>
+      <a:effectRef idx="0">
+        <a:scrgbClr r="0" g="0" b="0"/>
+      </a:effectRef>
+      <a:fontRef idx="minor">
+        <a:schemeClr val="lt1"/>
+      </a:fontRef>
+    </dgm:style>
+  </dgm:styleLbl>
+  <dgm:styleLbl name="vennNode1">
+    <dgm:scene3d>
+      <a:camera prst="orthographicFront"/>
+      <a:lightRig rig="threePt" dir="t"/>
+    </dgm:scene3d>
+    <dgm:sp3d/>
+    <dgm:txPr/>
+    <dgm:style>
+      <a:lnRef idx="2">
+        <a:scrgbClr r="0" g="0" b="0"/>
+      </a:lnRef>
+      <a:fillRef idx="1">
+        <a:scrgbClr r="0" g="0" b="0"/>
+      </a:fillRef>
+      <a:effectRef idx="0">
+        <a:scrgbClr r="0" g="0" b="0"/>
+      </a:effectRef>
+      <a:fontRef idx="minor">
+        <a:schemeClr val="tx1"/>
+      </a:fontRef>
+    </dgm:style>
+  </dgm:styleLbl>
+  <dgm:styleLbl name="alignNode1">
+    <dgm:scene3d>
+      <a:camera prst="orthographicFront"/>
+      <a:lightRig rig="threePt" dir="t"/>
+    </dgm:scene3d>
+    <dgm:sp3d/>
+    <dgm:txPr/>
+    <dgm:style>
+      <a:lnRef idx="2">
+        <a:scrgbClr r="0" g="0" b="0"/>
+      </a:lnRef>
+      <a:fillRef idx="1">
+        <a:scrgbClr r="0" g="0" b="0"/>
+      </a:fillRef>
+      <a:effectRef idx="0">
+        <a:scrgbClr r="0" g="0" b="0"/>
+      </a:effectRef>
+      <a:fontRef idx="minor">
+        <a:schemeClr val="lt1"/>
+      </a:fontRef>
+    </dgm:style>
+  </dgm:styleLbl>
+  <dgm:styleLbl name="node1">
+    <dgm:scene3d>
+      <a:camera prst="orthographicFront"/>
+      <a:lightRig rig="threePt" dir="t"/>
+    </dgm:scene3d>
+    <dgm:sp3d/>
+    <dgm:txPr/>
+    <dgm:style>
+      <a:lnRef idx="2">
+        <a:scrgbClr r="0" g="0" b="0"/>
+      </a:lnRef>
+      <a:fillRef idx="1">
+        <a:scrgbClr r="0" g="0" b="0"/>
+      </a:fillRef>
+      <a:effectRef idx="0">
+        <a:scrgbClr r="0" g="0" b="0"/>
+      </a:effectRef>
+      <a:fontRef idx="minor">
+        <a:schemeClr val="lt1"/>
+      </a:fontRef>
+    </dgm:style>
+  </dgm:styleLbl>
+  <dgm:styleLbl name="node2">
+    <dgm:scene3d>
+      <a:camera prst="orthographicFront"/>
+      <a:lightRig rig="threePt" dir="t"/>
+    </dgm:scene3d>
+    <dgm:sp3d/>
+    <dgm:txPr/>
+    <dgm:style>
+      <a:lnRef idx="2">
+        <a:scrgbClr r="0" g="0" b="0"/>
+      </a:lnRef>
+      <a:fillRef idx="1">
+        <a:scrgbClr r="0" g="0" b="0"/>
+      </a:fillRef>
+      <a:effectRef idx="0">
+        <a:scrgbClr r="0" g="0" b="0"/>
+      </a:effectRef>
+      <a:fontRef idx="minor">
+        <a:schemeClr val="lt1"/>
+      </a:fontRef>
+    </dgm:style>
+  </dgm:styleLbl>
+  <dgm:styleLbl name="node3">
+    <dgm:scene3d>
+      <a:camera prst="orthographicFront"/>
+      <a:lightRig rig="threePt" dir="t"/>
+    </dgm:scene3d>
+    <dgm:sp3d/>
+    <dgm:txPr/>
+    <dgm:style>
+      <a:lnRef idx="2">
+        <a:scrgbClr r="0" g="0" b="0"/>
+      </a:lnRef>
+      <a:fillRef idx="1">
+        <a:scrgbClr r="0" g="0" b="0"/>
+      </a:fillRef>
+      <a:effectRef idx="0">
+        <a:scrgbClr r="0" g="0" b="0"/>
+      </a:effectRef>
+      <a:fontRef idx="minor">
+        <a:schemeClr val="lt1"/>
+      </a:fontRef>
+    </dgm:style>
+  </dgm:styleLbl>
+  <dgm:styleLbl name="node4">
+    <dgm:scene3d>
+      <a:camera prst="orthographicFront"/>
+      <a:lightRig rig="threePt" dir="t"/>
+    </dgm:scene3d>
+    <dgm:sp3d/>
+    <dgm:txPr/>
+    <dgm:style>
+      <a:lnRef idx="2">
+        <a:scrgbClr r="0" g="0" b="0"/>
+      </a:lnRef>
+      <a:fillRef idx="1">
+        <a:scrgbClr r="0" g="0" b="0"/>
+      </a:fillRef>
+      <a:effectRef idx="0">
+        <a:scrgbClr r="0" g="0" b="0"/>
+      </a:effectRef>
+      <a:fontRef idx="minor">
+        <a:schemeClr val="lt1"/>
+      </a:fontRef>
+    </dgm:style>
+  </dgm:styleLbl>
+  <dgm:styleLbl name="fgImgPlace1">
+    <dgm:scene3d>
+      <a:camera prst="orthographicFront"/>
+      <a:lightRig rig="threePt" dir="t"/>
+    </dgm:scene3d>
+    <dgm:sp3d/>
+    <dgm:txPr/>
+    <dgm:style>
+      <a:lnRef idx="2">
+        <a:scrgbClr r="0" g="0" b="0"/>
+      </a:lnRef>
+      <a:fillRef idx="1">
+        <a:scrgbClr r="0" g="0" b="0"/>
+      </a:fillRef>
+      <a:effectRef idx="0">
+        <a:scrgbClr r="0" g="0" b="0"/>
+      </a:effectRef>
+      <a:fontRef idx="minor"/>
+    </dgm:style>
+  </dgm:styleLbl>
+  <dgm:styleLbl name="alignImgPlace1">
+    <dgm:scene3d>
+      <a:camera prst="orthographicFront"/>
+      <a:lightRig rig="threePt" dir="t"/>
+    </dgm:scene3d>
+    <dgm:sp3d/>
+    <dgm:txPr/>
+    <dgm:style>
+      <a:lnRef idx="2">
+        <a:scrgbClr r="0" g="0" b="0"/>
+      </a:lnRef>
+      <a:fillRef idx="1">
+        <a:scrgbClr r="0" g="0" b="0"/>
+      </a:fillRef>
+      <a:effectRef idx="0">
+        <a:scrgbClr r="0" g="0" b="0"/>
+      </a:effectRef>
+      <a:fontRef idx="minor"/>
+    </dgm:style>
+  </dgm:styleLbl>
+  <dgm:styleLbl name="bgImgPlace1">
+    <dgm:scene3d>
+      <a:camera prst="orthographicFront"/>
+      <a:lightRig rig="threePt" dir="t"/>
+    </dgm:scene3d>
+    <dgm:sp3d/>
+    <dgm:txPr/>
+    <dgm:style>
+      <a:lnRef idx="2">
+        <a:scrgbClr r="0" g="0" b="0"/>
+      </a:lnRef>
+      <a:fillRef idx="1">
+        <a:scrgbClr r="0" g="0" b="0"/>
+      </a:fillRef>
+      <a:effectRef idx="0">
+        <a:scrgbClr r="0" g="0" b="0"/>
+      </a:effectRef>
+      <a:fontRef idx="minor"/>
+    </dgm:style>
+  </dgm:styleLbl>
+  <dgm:styleLbl name="sibTrans2D1">
+    <dgm:scene3d>
+      <a:camera prst="orthographicFront"/>
+      <a:lightRig rig="threePt" dir="t"/>
+    </dgm:scene3d>
+    <dgm:sp3d/>
+    <dgm:txPr/>
+    <dgm:style>
+      <a:lnRef idx="0">
+        <a:scrgbClr r="0" g="0" b="0"/>
+      </a:lnRef>
+      <a:fillRef idx="1">
+        <a:scrgbClr r="0" g="0" b="0"/>
+      </a:fillRef>
+      <a:effectRef idx="0">
+        <a:scrgbClr r="0" g="0" b="0"/>
+      </a:effectRef>
+      <a:fontRef idx="minor">
+        <a:schemeClr val="lt1"/>
+      </a:fontRef>
+    </dgm:style>
+  </dgm:styleLbl>
+  <dgm:styleLbl name="fgSibTrans2D1">
+    <dgm:scene3d>
+      <a:camera prst="orthographicFront"/>
+      <a:lightRig rig="threePt" dir="t"/>
+    </dgm:scene3d>
+    <dgm:sp3d/>
+    <dgm:txPr/>
+    <dgm:style>
+      <a:lnRef idx="0">
+        <a:scrgbClr r="0" g="0" b="0"/>
+      </a:lnRef>
+      <a:fillRef idx="1">
+        <a:scrgbClr r="0" g="0" b="0"/>
+      </a:fillRef>
+      <a:effectRef idx="0">
+        <a:scrgbClr r="0" g="0" b="0"/>
+      </a:effectRef>
+      <a:fontRef idx="minor">
+        <a:schemeClr val="lt1"/>
+      </a:fontRef>
+    </dgm:style>
+  </dgm:styleLbl>
+  <dgm:styleLbl name="bgSibTrans2D1">
+    <dgm:scene3d>
+      <a:camera prst="orthographicFront"/>
+      <a:lightRig rig="threePt" dir="t"/>
+    </dgm:scene3d>
+    <dgm:sp3d/>
+    <dgm:txPr/>
+    <dgm:style>
+      <a:lnRef idx="0">
+        <a:scrgbClr r="0" g="0" b="0"/>
+      </a:lnRef>
+      <a:fillRef idx="1">
+        <a:scrgbClr r="0" g="0" b="0"/>
+      </a:fillRef>
+      <a:effectRef idx="0">
+        <a:scrgbClr r="0" g="0" b="0"/>
+      </a:effectRef>
+      <a:fontRef idx="minor">
+        <a:schemeClr val="lt1"/>
+      </a:fontRef>
+    </dgm:style>
+  </dgm:styleLbl>
+  <dgm:styleLbl name="sibTrans1D1">
+    <dgm:scene3d>
+      <a:camera prst="orthographicFront"/>
+      <a:lightRig rig="threePt" dir="t"/>
+    </dgm:scene3d>
+    <dgm:sp3d/>
+    <dgm:txPr/>
+    <dgm:style>
+      <a:lnRef idx="1">
+        <a:scrgbClr r="0" g="0" b="0"/>
+      </a:lnRef>
+      <a:fillRef idx="0">
+        <a:scrgbClr r="0" g="0" b="0"/>
+      </a:fillRef>
+      <a:effectRef idx="0">
+        <a:scrgbClr r="0" g="0" b="0"/>
+      </a:effectRef>
+      <a:fontRef idx="minor"/>
+    </dgm:style>
+  </dgm:styleLbl>
+  <dgm:styleLbl name="callout">
+    <dgm:scene3d>
+      <a:camera prst="orthographicFront"/>
+      <a:lightRig rig="threePt" dir="t"/>
+    </dgm:scene3d>
+    <dgm:sp3d/>
+    <dgm:txPr/>
+    <dgm:style>
+      <a:lnRef idx="2">
+        <a:scrgbClr r="0" g="0" b="0"/>
+      </a:lnRef>
+      <a:fillRef idx="1">
+        <a:scrgbClr r="0" g="0" b="0"/>
+      </a:fillRef>
+      <a:effectRef idx="0">
+        <a:scrgbClr r="0" g="0" b="0"/>
+      </a:effectRef>
+      <a:fontRef idx="minor"/>
+    </dgm:style>
+  </dgm:styleLbl>
+  <dgm:styleLbl name="asst0">
+    <dgm:scene3d>
+      <a:camera prst="orthographicFront"/>
+      <a:lightRig rig="threePt" dir="t"/>
+    </dgm:scene3d>
+    <dgm:sp3d/>
+    <dgm:txPr/>
+    <dgm:style>
+      <a:lnRef idx="2">
+        <a:scrgbClr r="0" g="0" b="0"/>
+      </a:lnRef>
+      <a:fillRef idx="1">
+        <a:scrgbClr r="0" g="0" b="0"/>
+      </a:fillRef>
+      <a:effectRef idx="0">
+        <a:scrgbClr r="0" g="0" b="0"/>
+      </a:effectRef>
+      <a:fontRef idx="minor">
+        <a:schemeClr val="lt1"/>
+      </a:fontRef>
+    </dgm:style>
+  </dgm:styleLbl>
+  <dgm:styleLbl name="asst1">
+    <dgm:scene3d>
+      <a:camera prst="orthographicFront"/>
+      <a:lightRig rig="threePt" dir="t"/>
+    </dgm:scene3d>
+    <dgm:sp3d/>
+    <dgm:txPr/>
+    <dgm:style>
+      <a:lnRef idx="2">
+        <a:scrgbClr r="0" g="0" b="0"/>
+      </a:lnRef>
+      <a:fillRef idx="1">
+        <a:scrgbClr r="0" g="0" b="0"/>
+      </a:fillRef>
+      <a:effectRef idx="0">
+        <a:scrgbClr r="0" g="0" b="0"/>
+      </a:effectRef>
+      <a:fontRef idx="minor">
+        <a:schemeClr val="lt1"/>
+      </a:fontRef>
+    </dgm:style>
+  </dgm:styleLbl>
+  <dgm:styleLbl name="asst2">
+    <dgm:scene3d>
+      <a:camera prst="orthographicFront"/>
+      <a:lightRig rig="threePt" dir="t"/>
+    </dgm:scene3d>
+    <dgm:sp3d/>
+    <dgm:txPr/>
+    <dgm:style>
+      <a:lnRef idx="2">
+        <a:scrgbClr r="0" g="0" b="0"/>
+      </a:lnRef>
+      <a:fillRef idx="1">
+        <a:scrgbClr r="0" g="0" b="0"/>
+      </a:fillRef>
+      <a:effectRef idx="0">
+        <a:scrgbClr r="0" g="0" b="0"/>
+      </a:effectRef>
+      <a:fontRef idx="minor">
+        <a:schemeClr val="lt1"/>
+      </a:fontRef>
+    </dgm:style>
+  </dgm:styleLbl>
+  <dgm:styleLbl name="asst3">
+    <dgm:scene3d>
+      <a:camera prst="orthographicFront"/>
+      <a:lightRig rig="threePt" dir="t"/>
+    </dgm:scene3d>
+    <dgm:sp3d/>
+    <dgm:txPr/>
+    <dgm:style>
+      <a:lnRef idx="2">
+        <a:scrgbClr r="0" g="0" b="0"/>
+      </a:lnRef>
+      <a:fillRef idx="1">
+        <a:scrgbClr r="0" g="0" b="0"/>
+      </a:fillRef>
+      <a:effectRef idx="0">
+        <a:scrgbClr r="0" g="0" b="0"/>
+      </a:effectRef>
+      <a:fontRef idx="minor">
+        <a:schemeClr val="lt1"/>
+      </a:fontRef>
+    </dgm:style>
+  </dgm:styleLbl>
+  <dgm:styleLbl name="asst4">
+    <dgm:scene3d>
+      <a:camera prst="orthographicFront"/>
+      <a:lightRig rig="threePt" dir="t"/>
+    </dgm:scene3d>
+    <dgm:sp3d/>
+    <dgm:txPr/>
+    <dgm:style>
+      <a:lnRef idx="2">
+        <a:scrgbClr r="0" g="0" b="0"/>
+      </a:lnRef>
+      <a:fillRef idx="1">
+        <a:scrgbClr r="0" g="0" b="0"/>
+      </a:fillRef>
+      <a:effectRef idx="0">
+        <a:scrgbClr r="0" g="0" b="0"/>
+      </a:effectRef>
+      <a:fontRef idx="minor">
+        <a:schemeClr val="lt1"/>
+      </a:fontRef>
+    </dgm:style>
+  </dgm:styleLbl>
+  <dgm:styleLbl name="parChTrans2D1">
+    <dgm:scene3d>
+      <a:camera prst="orthographicFront"/>
+      <a:lightRig rig="threePt" dir="t"/>
+    </dgm:scene3d>
+    <dgm:sp3d/>
+    <dgm:txPr/>
+    <dgm:style>
+      <a:lnRef idx="2">
+        <a:scrgbClr r="0" g="0" b="0"/>
+      </a:lnRef>
+      <a:fillRef idx="1">
+        <a:scrgbClr r="0" g="0" b="0"/>
+      </a:fillRef>
+      <a:effectRef idx="0">
+        <a:scrgbClr r="0" g="0" b="0"/>
+      </a:effectRef>
+      <a:fontRef idx="minor">
+        <a:schemeClr val="lt1"/>
+      </a:fontRef>
+    </dgm:style>
+  </dgm:styleLbl>
+  <dgm:styleLbl name="parChTrans2D2">
+    <dgm:scene3d>
+      <a:camera prst="orthographicFront"/>
+      <a:lightRig rig="threePt" dir="t"/>
+    </dgm:scene3d>
+    <dgm:sp3d/>
+    <dgm:txPr/>
+    <dgm:style>
+      <a:lnRef idx="2">
+        <a:scrgbClr r="0" g="0" b="0"/>
+      </a:lnRef>
+      <a:fillRef idx="1">
+        <a:scrgbClr r="0" g="0" b="0"/>
+      </a:fillRef>
+      <a:effectRef idx="0">
+        <a:scrgbClr r="0" g="0" b="0"/>
+      </a:effectRef>
+      <a:fontRef idx="minor">
+        <a:schemeClr val="lt1"/>
+      </a:fontRef>
+    </dgm:style>
+  </dgm:styleLbl>
+  <dgm:styleLbl name="parChTrans2D3">
+    <dgm:scene3d>
+      <a:camera prst="orthographicFront"/>
+      <a:lightRig rig="threePt" dir="t"/>
+    </dgm:scene3d>
+    <dgm:sp3d/>
+    <dgm:txPr/>
+    <dgm:style>
+      <a:lnRef idx="2">
+        <a:scrgbClr r="0" g="0" b="0"/>
+      </a:lnRef>
+      <a:fillRef idx="1">
+        <a:scrgbClr r="0" g="0" b="0"/>
+      </a:fillRef>
+      <a:effectRef idx="0">
+        <a:scrgbClr r="0" g="0" b="0"/>
+      </a:effectRef>
+      <a:fontRef idx="minor">
+        <a:schemeClr val="lt1"/>
+      </a:fontRef>
+    </dgm:style>
+  </dgm:styleLbl>
+  <dgm:styleLbl name="parChTrans2D4">
+    <dgm:scene3d>
+      <a:camera prst="orthographicFront"/>
+      <a:lightRig rig="threePt" dir="t"/>
+    </dgm:scene3d>
+    <dgm:sp3d/>
+    <dgm:txPr/>
+    <dgm:style>
+      <a:lnRef idx="2">
+        <a:scrgbClr r="0" g="0" b="0"/>
+      </a:lnRef>
+      <a:fillRef idx="1">
+        <a:scrgbClr r="0" g="0" b="0"/>
+      </a:fillRef>
+      <a:effectRef idx="0">
+        <a:scrgbClr r="0" g="0" b="0"/>
+      </a:effectRef>
+      <a:fontRef idx="minor">
+        <a:schemeClr val="lt1"/>
+      </a:fontRef>
+    </dgm:style>
+  </dgm:styleLbl>
+  <dgm:styleLbl name="parChTrans1D1">
+    <dgm:scene3d>
+      <a:camera prst="orthographicFront"/>
+      <a:lightRig rig="threePt" dir="t"/>
+    </dgm:scene3d>
+    <dgm:sp3d/>
+    <dgm:txPr/>
+    <dgm:style>
+      <a:lnRef idx="2">
+        <a:scrgbClr r="0" g="0" b="0"/>
+      </a:lnRef>
+      <a:fillRef idx="0">
+        <a:scrgbClr r="0" g="0" b="0"/>
+      </a:fillRef>
+      <a:effectRef idx="0">
+        <a:scrgbClr r="0" g="0" b="0"/>
+      </a:effectRef>
+      <a:fontRef idx="minor"/>
+    </dgm:style>
+  </dgm:styleLbl>
+  <dgm:styleLbl name="parChTrans1D2">
+    <dgm:scene3d>
+      <a:camera prst="orthographicFront"/>
+      <a:lightRig rig="threePt" dir="t"/>
+    </dgm:scene3d>
+    <dgm:sp3d/>
+    <dgm:txPr/>
+    <dgm:style>
+      <a:lnRef idx="2">
+        <a:scrgbClr r="0" g="0" b="0"/>
+      </a:lnRef>
+      <a:fillRef idx="0">
+        <a:scrgbClr r="0" g="0" b="0"/>
+      </a:fillRef>
+      <a:effectRef idx="0">
+        <a:scrgbClr r="0" g="0" b="0"/>
+      </a:effectRef>
+      <a:fontRef idx="minor"/>
+    </dgm:style>
+  </dgm:styleLbl>
+  <dgm:styleLbl name="parChTrans1D3">
+    <dgm:scene3d>
+      <a:camera prst="orthographicFront"/>
+      <a:lightRig rig="threePt" dir="t"/>
+    </dgm:scene3d>
+    <dgm:sp3d/>
+    <dgm:txPr/>
+    <dgm:style>
+      <a:lnRef idx="2">
+        <a:scrgbClr r="0" g="0" b="0"/>
+      </a:lnRef>
+      <a:fillRef idx="0">
+        <a:scrgbClr r="0" g="0" b="0"/>
+      </a:fillRef>
+      <a:effectRef idx="0">
+        <a:scrgbClr r="0" g="0" b="0"/>
+      </a:effectRef>
+      <a:fontRef idx="minor"/>
+    </dgm:style>
+  </dgm:styleLbl>
+  <dgm:styleLbl name="parChTrans1D4">
+    <dgm:scene3d>
+      <a:camera prst="orthographicFront"/>
+      <a:lightRig rig="threePt" dir="t"/>
+    </dgm:scene3d>
+    <dgm:sp3d/>
+    <dgm:txPr/>
+    <dgm:style>
+      <a:lnRef idx="2">
+        <a:scrgbClr r="0" g="0" b="0"/>
+      </a:lnRef>
+      <a:fillRef idx="0">
+        <a:scrgbClr r="0" g="0" b="0"/>
+      </a:fillRef>
+      <a:effectRef idx="0">
+        <a:scrgbClr r="0" g="0" b="0"/>
+      </a:effectRef>
+      <a:fontRef idx="minor"/>
+    </dgm:style>
+  </dgm:styleLbl>
+  <dgm:styleLbl name="fgAcc1">
+    <dgm:scene3d>
+      <a:camera prst="orthographicFront"/>
+      <a:lightRig rig="threePt" dir="t"/>
+    </dgm:scene3d>
+    <dgm:sp3d/>
+    <dgm:txPr/>
+    <dgm:style>
+      <a:lnRef idx="2">
+        <a:scrgbClr r="0" g="0" b="0"/>
+      </a:lnRef>
+      <a:fillRef idx="1">
+        <a:scrgbClr r="0" g="0" b="0"/>
+      </a:fillRef>
+      <a:effectRef idx="0">
+        <a:scrgbClr r="0" g="0" b="0"/>
+      </a:effectRef>
+      <a:fontRef idx="minor"/>
+    </dgm:style>
+  </dgm:styleLbl>
+  <dgm:styleLbl name="conFgAcc1">
+    <dgm:scene3d>
+      <a:camera prst="orthographicFront"/>
+      <a:lightRig rig="threePt" dir="t"/>
+    </dgm:scene3d>
+    <dgm:sp3d/>
+    <dgm:txPr/>
+    <dgm:style>
+      <a:lnRef idx="2">
+        <a:scrgbClr r="0" g="0" b="0"/>
+      </a:lnRef>
+      <a:fillRef idx="1">
+        <a:scrgbClr r="0" g="0" b="0"/>
+      </a:fillRef>
+      <a:effectRef idx="0">
+        <a:scrgbClr r="0" g="0" b="0"/>
+      </a:effectRef>
+      <a:fontRef idx="minor"/>
+    </dgm:style>
+  </dgm:styleLbl>
+  <dgm:styleLbl name="alignAcc1">
+    <dgm:scene3d>
+      <a:camera prst="orthographicFront"/>
+      <a:lightRig rig="threePt" dir="t"/>
+    </dgm:scene3d>
+    <dgm:sp3d/>
+    <dgm:txPr/>
+    <dgm:style>
+      <a:lnRef idx="2">
+        <a:scrgbClr r="0" g="0" b="0"/>
+      </a:lnRef>
+      <a:fillRef idx="1">
+        <a:scrgbClr r="0" g="0" b="0"/>
+      </a:fillRef>
+      <a:effectRef idx="0">
+        <a:scrgbClr r="0" g="0" b="0"/>
+      </a:effectRef>
+      <a:fontRef idx="minor"/>
+    </dgm:style>
+  </dgm:styleLbl>
+  <dgm:styleLbl name="trAlignAcc1">
+    <dgm:scene3d>
+      <a:camera prst="orthographicFront"/>
+      <a:lightRig rig="threePt" dir="t"/>
+    </dgm:scene3d>
+    <dgm:sp3d/>
+    <dgm:txPr/>
+    <dgm:style>
+      <a:lnRef idx="1">
+        <a:scrgbClr r="0" g="0" b="0"/>
+      </a:lnRef>
+      <a:fillRef idx="1">
+        <a:scrgbClr r="0" g="0" b="0"/>
+      </a:fillRef>
+      <a:effectRef idx="0">
+        <a:scrgbClr r="0" g="0" b="0"/>
+      </a:effectRef>
+      <a:fontRef idx="minor"/>
+    </dgm:style>
+  </dgm:styleLbl>
+  <dgm:styleLbl name="bgAcc1">
+    <dgm:scene3d>
+      <a:camera prst="orthographicFront"/>
+      <a:lightRig rig="threePt" dir="t"/>
+    </dgm:scene3d>
+    <dgm:sp3d/>
+    <dgm:txPr/>
+    <dgm:style>
+      <a:lnRef idx="2">
+        <a:scrgbClr r="0" g="0" b="0"/>
+      </a:lnRef>
+      <a:fillRef idx="1">
+        <a:scrgbClr r="0" g="0" b="0"/>
+      </a:fillRef>
+      <a:effectRef idx="0">
+        <a:scrgbClr r="0" g="0" b="0"/>
+      </a:effectRef>
+      <a:fontRef idx="minor"/>
+    </dgm:style>
+  </dgm:styleLbl>
+  <dgm:styleLbl name="solidFgAcc1">
+    <dgm:scene3d>
+      <a:camera prst="orthographicFront"/>
+      <a:lightRig rig="threePt" dir="t"/>
+    </dgm:scene3d>
+    <dgm:sp3d/>
+    <dgm:txPr/>
+    <dgm:style>
+      <a:lnRef idx="2">
+        <a:scrgbClr r="0" g="0" b="0"/>
+      </a:lnRef>
+      <a:fillRef idx="1">
+        <a:scrgbClr r="0" g="0" b="0"/>
+      </a:fillRef>
+      <a:effectRef idx="0">
+        <a:scrgbClr r="0" g="0" b="0"/>
+      </a:effectRef>
+      <a:fontRef idx="minor"/>
+    </dgm:style>
+  </dgm:styleLbl>
+  <dgm:styleLbl name="solidAlignAcc1">
+    <dgm:scene3d>
+      <a:camera prst="orthographicFront"/>
+      <a:lightRig rig="threePt" dir="t"/>
+    </dgm:scene3d>
+    <dgm:sp3d/>
+    <dgm:txPr/>
+    <dgm:style>
+      <a:lnRef idx="2">
+        <a:scrgbClr r="0" g="0" b="0"/>
+      </a:lnRef>
+      <a:fillRef idx="1">
+        <a:scrgbClr r="0" g="0" b="0"/>
+      </a:fillRef>
+      <a:effectRef idx="0">
+        <a:scrgbClr r="0" g="0" b="0"/>
+      </a:effectRef>
+      <a:fontRef idx="minor"/>
+    </dgm:style>
+  </dgm:styleLbl>
+  <dgm:styleLbl name="solidBgAcc1">
+    <dgm:scene3d>
+      <a:camera prst="orthographicFront"/>
+      <a:lightRig rig="threePt" dir="t"/>
+    </dgm:scene3d>
+    <dgm:sp3d/>
+    <dgm:txPr/>
+    <dgm:style>
+      <a:lnRef idx="2">
+        <a:scrgbClr r="0" g="0" b="0"/>
+      </a:lnRef>
+      <a:fillRef idx="1">
+        <a:scrgbClr r="0" g="0" b="0"/>
+      </a:fillRef>
+      <a:effectRef idx="0">
+        <a:scrgbClr r="0" g="0" b="0"/>
+      </a:effectRef>
+      <a:fontRef idx="minor"/>
+    </dgm:style>
+  </dgm:styleLbl>
+  <dgm:styleLbl name="fgAccFollowNode1">
+    <dgm:scene3d>
+      <a:camera prst="orthographicFront"/>
+      <a:lightRig rig="threePt" dir="t"/>
+    </dgm:scene3d>
+    <dgm:sp3d/>
+    <dgm:txPr/>
+    <dgm:style>
+      <a:lnRef idx="2">
+        <a:scrgbClr r="0" g="0" b="0"/>
+      </a:lnRef>
+      <a:fillRef idx="1">
+        <a:scrgbClr r="0" g="0" b="0"/>
+      </a:fillRef>
+      <a:effectRef idx="0">
+        <a:scrgbClr r="0" g="0" b="0"/>
+      </a:effectRef>
+      <a:fontRef idx="minor"/>
+    </dgm:style>
+  </dgm:styleLbl>
+  <dgm:styleLbl name="alignAccFollowNode1">
+    <dgm:scene3d>
+      <a:camera prst="orthographicFront"/>
+      <a:lightRig rig="threePt" dir="t"/>
+    </dgm:scene3d>
+    <dgm:sp3d/>
+    <dgm:txPr/>
+    <dgm:style>
+      <a:lnRef idx="2">
+        <a:scrgbClr r="0" g="0" b="0"/>
+      </a:lnRef>
+      <a:fillRef idx="1">
+        <a:scrgbClr r="0" g="0" b="0"/>
+      </a:fillRef>
+      <a:effectRef idx="0">
+        <a:scrgbClr r="0" g="0" b="0"/>
+      </a:effectRef>
+      <a:fontRef idx="minor"/>
+    </dgm:style>
+  </dgm:styleLbl>
+  <dgm:styleLbl name="bgAccFollowNode1">
+    <dgm:scene3d>
+      <a:camera prst="orthographicFront"/>
+      <a:lightRig rig="threePt" dir="t"/>
+    </dgm:scene3d>
+    <dgm:sp3d/>
+    <dgm:txPr/>
+    <dgm:style>
+      <a:lnRef idx="2">
+        <a:scrgbClr r="0" g="0" b="0"/>
+      </a:lnRef>
+      <a:fillRef idx="1">
+        <a:scrgbClr r="0" g="0" b="0"/>
+      </a:fillRef>
+      <a:effectRef idx="0">
+        <a:scrgbClr r="0" g="0" b="0"/>
+      </a:effectRef>
+      <a:fontRef idx="minor"/>
+    </dgm:style>
+  </dgm:styleLbl>
+  <dgm:styleLbl name="fgAcc0">
+    <dgm:scene3d>
+      <a:camera prst="orthographicFront"/>
+      <a:lightRig rig="threePt" dir="t"/>
+    </dgm:scene3d>
+    <dgm:sp3d/>
+    <dgm:txPr/>
+    <dgm:style>
+      <a:lnRef idx="2">
+        <a:scrgbClr r="0" g="0" b="0"/>
+      </a:lnRef>
+      <a:fillRef idx="1">
+        <a:scrgbClr r="0" g="0" b="0"/>
+      </a:fillRef>
+      <a:effectRef idx="0">
+        <a:scrgbClr r="0" g="0" b="0"/>
+      </a:effectRef>
+      <a:fontRef idx="minor"/>
+    </dgm:style>
+  </dgm:styleLbl>
+  <dgm:styleLbl name="fgAcc2">
+    <dgm:scene3d>
+      <a:camera prst="orthographicFront"/>
+      <a:lightRig rig="threePt" dir="t"/>
+    </dgm:scene3d>
+    <dgm:sp3d/>
+    <dgm:txPr/>
+    <dgm:style>
+      <a:lnRef idx="2">
+        <a:scrgbClr r="0" g="0" b="0"/>
+      </a:lnRef>
+      <a:fillRef idx="1">
+        <a:scrgbClr r="0" g="0" b="0"/>
+      </a:fillRef>
+      <a:effectRef idx="0">
+        <a:scrgbClr r="0" g="0" b="0"/>
+      </a:effectRef>
+      <a:fontRef idx="minor"/>
+    </dgm:style>
+  </dgm:styleLbl>
+  <dgm:styleLbl name="fgAcc3">
+    <dgm:scene3d>
+      <a:camera prst="orthographicFront"/>
+      <a:lightRig rig="threePt" dir="t"/>
+    </dgm:scene3d>
+    <dgm:sp3d/>
+    <dgm:txPr/>
+    <dgm:style>
+      <a:lnRef idx="2">
+        <a:scrgbClr r="0" g="0" b="0"/>
+      </a:lnRef>
+      <a:fillRef idx="1">
+        <a:scrgbClr r="0" g="0" b="0"/>
+      </a:fillRef>
+      <a:effectRef idx="0">
+        <a:scrgbClr r="0" g="0" b="0"/>
+      </a:effectRef>
+      <a:fontRef idx="minor"/>
+    </dgm:style>
+  </dgm:styleLbl>
+  <dgm:styleLbl name="fgAcc4">
+    <dgm:scene3d>
+      <a:camera prst="orthographicFront"/>
+      <a:lightRig rig="threePt" dir="t"/>
+    </dgm:scene3d>
+    <dgm:sp3d/>
+    <dgm:txPr/>
+    <dgm:style>
+      <a:lnRef idx="2">
+        <a:scrgbClr r="0" g="0" b="0"/>
+      </a:lnRef>
+      <a:fillRef idx="1">
+        <a:scrgbClr r="0" g="0" b="0"/>
+      </a:fillRef>
+      <a:effectRef idx="0">
+        <a:scrgbClr r="0" g="0" b="0"/>
+      </a:effectRef>
+      <a:fontRef idx="minor"/>
+    </dgm:style>
+  </dgm:styleLbl>
+  <dgm:styleLbl name="bgShp">
+    <dgm:scene3d>
+      <a:camera prst="orthographicFront"/>
+      <a:lightRig rig="threePt" dir="t"/>
+    </dgm:scene3d>
+    <dgm:sp3d/>
+    <dgm:txPr/>
+    <dgm:style>
+      <a:lnRef idx="0">
+        <a:scrgbClr r="0" g="0" b="0"/>
+      </a:lnRef>
+      <a:fillRef idx="1">
+        <a:scrgbClr r="0" g="0" b="0"/>
+      </a:fillRef>
+      <a:effectRef idx="0">
+        <a:scrgbClr r="0" g="0" b="0"/>
+      </a:effectRef>
+      <a:fontRef idx="minor"/>
+    </dgm:style>
+  </dgm:styleLbl>
+  <dgm:styleLbl name="dkBgShp">
+    <dgm:scene3d>
+      <a:camera prst="orthographicFront"/>
+      <a:lightRig rig="threePt" dir="t"/>
+    </dgm:scene3d>
+    <dgm:sp3d/>
+    <dgm:txPr/>
+    <dgm:style>
+      <a:lnRef idx="0">
+        <a:scrgbClr r="0" g="0" b="0"/>
+      </a:lnRef>
+      <a:fillRef idx="1">
+        <a:scrgbClr r="0" g="0" b="0"/>
+      </a:fillRef>
+      <a:effectRef idx="0">
+        <a:scrgbClr r="0" g="0" b="0"/>
+      </a:effectRef>
+      <a:fontRef idx="minor"/>
+    </dgm:style>
+  </dgm:styleLbl>
+  <dgm:styleLbl name="trBgShp">
+    <dgm:scene3d>
+      <a:camera prst="orthographicFront"/>
+      <a:lightRig rig="threePt" dir="t"/>
+    </dgm:scene3d>
+    <dgm:sp3d/>
+    <dgm:txPr/>
+    <dgm:style>
+      <a:lnRef idx="0">
+        <a:scrgbClr r="0" g="0" b="0"/>
+      </a:lnRef>
+      <a:fillRef idx="1">
+        <a:scrgbClr r="0" g="0" b="0"/>
+      </a:fillRef>
+      <a:effectRef idx="0">
+        <a:scrgbClr r="0" g="0" b="0"/>
+      </a:effectRef>
+      <a:fontRef idx="minor"/>
+    </dgm:style>
+  </dgm:styleLbl>
+  <dgm:styleLbl name="fgShp">
+    <dgm:scene3d>
+      <a:camera prst="orthographicFront"/>
+      <a:lightRig rig="threePt" dir="t"/>
+    </dgm:scene3d>
+    <dgm:sp3d/>
+    <dgm:txPr/>
+    <dgm:style>
+      <a:lnRef idx="2">
+        <a:scrgbClr r="0" g="0" b="0"/>
+      </a:lnRef>
+      <a:fillRef idx="1">
+        <a:scrgbClr r="0" g="0" b="0"/>
+      </a:fillRef>
+      <a:effectRef idx="0">
+        <a:scrgbClr r="0" g="0" b="0"/>
+      </a:effectRef>
+      <a:fontRef idx="minor"/>
+    </dgm:style>
+  </dgm:styleLbl>
+  <dgm:styleLbl name="revTx">
+    <dgm:scene3d>
+      <a:camera prst="orthographicFront"/>
+      <a:lightRig rig="threePt" dir="t"/>
+    </dgm:scene3d>
+    <dgm:sp3d/>
+    <dgm:txPr/>
+    <dgm:style>
+      <a:lnRef idx="0">
+        <a:scrgbClr r="0" g="0" b="0"/>
+      </a:lnRef>
+      <a:fillRef idx="0">
+        <a:scrgbClr r="0" g="0" b="0"/>
+      </a:fillRef>
+      <a:effectRef idx="0">
+        <a:scrgbClr r="0" g="0" b="0"/>
+      </a:effectRef>
+      <a:fontRef idx="minor"/>
+    </dgm:style>
+  </dgm:styleLbl>
+</dgm:styleDef>
+</file>
+
+<file path=ppt/notesMasters/notesMaster1.xml><?xml version="1.0" encoding="utf-8"?>
+<p:notesMaster xmlns:a="http://schemas.openxmlformats.org/drawingml/2006/main" xmlns:r="http://schemas.openxmlformats.org/officeDocument/2006/relationships" xmlns:p="http://schemas.openxmlformats.org/presentationml/2006/main">
+  <p:cSld>
+    <p:bg>
+      <p:bgRef idx="1001">
+        <a:schemeClr val="bg1"/>
+      </p:bgRef>
+    </p:bg>
+    <p:spTree>
+      <p:nvGrpSpPr>
+        <p:cNvPr id="1" name=""/>
+        <p:cNvGrpSpPr/>
+        <p:nvPr/>
+      </p:nvGrpSpPr>
+      <p:grpSpPr>
+        <a:xfrm>
+          <a:off x="0" y="0"/>
+          <a:ext cx="0" cy="0"/>
+          <a:chOff x="0" y="0"/>
+          <a:chExt cx="0" cy="0"/>
+        </a:xfrm>
+      </p:grpSpPr>
+      <p:sp>
+        <p:nvSpPr>
+          <p:cNvPr id="2" name="頁首版面配置區 1"/>
+          <p:cNvSpPr>
+            <a:spLocks noGrp="1"/>
+          </p:cNvSpPr>
+          <p:nvPr>
+            <p:ph type="hdr" sz="quarter"/>
+          </p:nvPr>
+        </p:nvSpPr>
+        <p:spPr>
+          <a:xfrm>
+            <a:off x="0" y="0"/>
+            <a:ext cx="2971800" cy="458788"/>
+          </a:xfrm>
+          <a:prstGeom prst="rect">
+            <a:avLst/>
+          </a:prstGeom>
+        </p:spPr>
+        <p:txBody>
+          <a:bodyPr vert="horz" lIns="91440" tIns="45720" rIns="91440" bIns="45720" rtlCol="0"/>
+          <a:lstStyle>
+            <a:lvl1pPr algn="l">
+              <a:defRPr sz="1200"/>
+            </a:lvl1pPr>
+          </a:lstStyle>
+          <a:p>
+            <a:endParaRPr lang="zh-TW" altLang="en-US"/>
+          </a:p>
+        </p:txBody>
+      </p:sp>
+      <p:sp>
+        <p:nvSpPr>
+          <p:cNvPr id="3" name="日期版面配置區 2"/>
+          <p:cNvSpPr>
+            <a:spLocks noGrp="1"/>
+          </p:cNvSpPr>
+          <p:nvPr>
+            <p:ph type="dt" idx="1"/>
+          </p:nvPr>
+        </p:nvSpPr>
+        <p:spPr>
+          <a:xfrm>
+            <a:off x="3884613" y="0"/>
+            <a:ext cx="2971800" cy="458788"/>
+          </a:xfrm>
+          <a:prstGeom prst="rect">
+            <a:avLst/>
+          </a:prstGeom>
+        </p:spPr>
+        <p:txBody>
+          <a:bodyPr vert="horz" lIns="91440" tIns="45720" rIns="91440" bIns="45720" rtlCol="0"/>
+          <a:lstStyle>
+            <a:lvl1pPr algn="r">
+              <a:defRPr sz="1200"/>
+            </a:lvl1pPr>
+          </a:lstStyle>
+          <a:p>
+            <a:fld id="{103CAA42-0380-4BCD-AAE4-39F202EA8A4E}" type="datetimeFigureOut">
+              <a:rPr lang="zh-TW" altLang="en-US" smtClean="0"/>
+              <a:t>2015/11/9</a:t>
+            </a:fld>
+            <a:endParaRPr lang="zh-TW" altLang="en-US"/>
+          </a:p>
+        </p:txBody>
+      </p:sp>
+      <p:sp>
+        <p:nvSpPr>
+          <p:cNvPr id="4" name="投影片圖像版面配置區 3"/>
+          <p:cNvSpPr>
+            <a:spLocks noGrp="1" noRot="1" noChangeAspect="1"/>
+          </p:cNvSpPr>
+          <p:nvPr>
+            <p:ph type="sldImg" idx="2"/>
+          </p:nvPr>
+        </p:nvSpPr>
+        <p:spPr>
+          <a:xfrm>
+            <a:off x="1371600" y="1143000"/>
+            <a:ext cx="4114800" cy="3086100"/>
+          </a:xfrm>
+          <a:prstGeom prst="rect">
+            <a:avLst/>
+          </a:prstGeom>
+          <a:noFill/>
+          <a:ln w="12700">
+            <a:solidFill>
+              <a:prstClr val="black"/>
+            </a:solidFill>
+          </a:ln>
+        </p:spPr>
+        <p:txBody>
+          <a:bodyPr vert="horz" lIns="91440" tIns="45720" rIns="91440" bIns="45720" rtlCol="0" anchor="ctr"/>
+          <a:lstStyle/>
+          <a:p>
+            <a:endParaRPr lang="zh-TW" altLang="en-US"/>
+          </a:p>
+        </p:txBody>
+      </p:sp>
+      <p:sp>
+        <p:nvSpPr>
+          <p:cNvPr id="5" name="備忘稿版面配置區 4"/>
+          <p:cNvSpPr>
+            <a:spLocks noGrp="1"/>
+          </p:cNvSpPr>
+          <p:nvPr>
+            <p:ph type="body" sz="quarter" idx="3"/>
+          </p:nvPr>
+        </p:nvSpPr>
+        <p:spPr>
+          <a:xfrm>
+            <a:off x="685800" y="4400550"/>
+            <a:ext cx="5486400" cy="3600450"/>
+          </a:xfrm>
+          <a:prstGeom prst="rect">
+            <a:avLst/>
+          </a:prstGeom>
+        </p:spPr>
+        <p:txBody>
+          <a:bodyPr vert="horz" lIns="91440" tIns="45720" rIns="91440" bIns="45720" rtlCol="0"/>
+          <a:lstStyle/>
+          <a:p>
+            <a:pPr lvl="0"/>
+            <a:r>
+              <a:rPr lang="zh-TW" altLang="en-US" smtClean="0"/>
+              <a:t>按一下以編輯母片文字樣式</a:t>
+            </a:r>
+          </a:p>
+          <a:p>
+            <a:pPr lvl="1"/>
+            <a:r>
+              <a:rPr lang="zh-TW" altLang="en-US" smtClean="0"/>
+              <a:t>第二層</a:t>
+            </a:r>
+          </a:p>
+          <a:p>
+            <a:pPr lvl="2"/>
+            <a:r>
+              <a:rPr lang="zh-TW" altLang="en-US" smtClean="0"/>
+              <a:t>第三層</a:t>
+            </a:r>
+          </a:p>
+          <a:p>
+            <a:pPr lvl="3"/>
+            <a:r>
+              <a:rPr lang="zh-TW" altLang="en-US" smtClean="0"/>
+              <a:t>第四層</a:t>
+            </a:r>
+          </a:p>
+          <a:p>
+            <a:pPr lvl="4"/>
+            <a:r>
+              <a:rPr lang="zh-TW" altLang="en-US" smtClean="0"/>
+              <a:t>第五層</a:t>
+            </a:r>
+            <a:endParaRPr lang="zh-TW" altLang="en-US"/>
+          </a:p>
+        </p:txBody>
+      </p:sp>
+      <p:sp>
+        <p:nvSpPr>
+          <p:cNvPr id="6" name="頁尾版面配置區 5"/>
+          <p:cNvSpPr>
+            <a:spLocks noGrp="1"/>
+          </p:cNvSpPr>
+          <p:nvPr>
+            <p:ph type="ftr" sz="quarter" idx="4"/>
+          </p:nvPr>
+        </p:nvSpPr>
+        <p:spPr>
+          <a:xfrm>
+            <a:off x="0" y="8685213"/>
+            <a:ext cx="2971800" cy="458787"/>
+          </a:xfrm>
+          <a:prstGeom prst="rect">
+            <a:avLst/>
+          </a:prstGeom>
+        </p:spPr>
+        <p:txBody>
+          <a:bodyPr vert="horz" lIns="91440" tIns="45720" rIns="91440" bIns="45720" rtlCol="0" anchor="b"/>
+          <a:lstStyle>
+            <a:lvl1pPr algn="l">
+              <a:defRPr sz="1200"/>
+            </a:lvl1pPr>
+          </a:lstStyle>
+          <a:p>
+            <a:endParaRPr lang="zh-TW" altLang="en-US"/>
+          </a:p>
+        </p:txBody>
+      </p:sp>
+      <p:sp>
+        <p:nvSpPr>
+          <p:cNvPr id="7" name="投影片編號版面配置區 6"/>
+          <p:cNvSpPr>
+            <a:spLocks noGrp="1"/>
+          </p:cNvSpPr>
+          <p:nvPr>
+            <p:ph type="sldNum" sz="quarter" idx="5"/>
+          </p:nvPr>
+        </p:nvSpPr>
+        <p:spPr>
+          <a:xfrm>
+            <a:off x="3884613" y="8685213"/>
+            <a:ext cx="2971800" cy="458787"/>
+          </a:xfrm>
+          <a:prstGeom prst="rect">
+            <a:avLst/>
+          </a:prstGeom>
+        </p:spPr>
+        <p:txBody>
+          <a:bodyPr vert="horz" lIns="91440" tIns="45720" rIns="91440" bIns="45720" rtlCol="0" anchor="b"/>
+          <a:lstStyle>
+            <a:lvl1pPr algn="r">
+              <a:defRPr sz="1200"/>
+            </a:lvl1pPr>
+          </a:lstStyle>
+          <a:p>
+            <a:fld id="{0DA4B803-6235-4DD9-AFD1-10B0DF522CCB}" type="slidenum">
+              <a:rPr lang="zh-TW" altLang="en-US" smtClean="0"/>
+              <a:t>‹#›</a:t>
+            </a:fld>
+            <a:endParaRPr lang="zh-TW" altLang="en-US"/>
+          </a:p>
+        </p:txBody>
+      </p:sp>
+    </p:spTree>
+    <p:extLst>
+      <p:ext uri="{BB962C8B-B14F-4D97-AF65-F5344CB8AC3E}">
+        <p14:creationId xmlns:p14="http://schemas.microsoft.com/office/powerpoint/2010/main" val="3676040371"/>
+      </p:ext>
+    </p:extLst>
+  </p:cSld>
+  <p:clrMap bg1="lt1" tx1="dk1" bg2="lt2" tx2="dk2" accent1="accent1" accent2="accent2" accent3="accent3" accent4="accent4" accent5="accent5" accent6="accent6" hlink="hlink" folHlink="folHlink"/>
+  <p:notesStyle>
+    <a:lvl1pPr marL="0" algn="l" defTabSz="914400" rtl="0" eaLnBrk="1" latinLnBrk="0" hangingPunct="1">
+      <a:defRPr sz="1200" kern="1200">
+        <a:solidFill>
+          <a:schemeClr val="tx1"/>
+        </a:solidFill>
+        <a:latin typeface="+mn-lt"/>
+        <a:ea typeface="+mn-ea"/>
+        <a:cs typeface="+mn-cs"/>
+      </a:defRPr>
+    </a:lvl1pPr>
+    <a:lvl2pPr marL="457200" algn="l" defTabSz="914400" rtl="0" eaLnBrk="1" latinLnBrk="0" hangingPunct="1">
+      <a:defRPr sz="1200" kern="1200">
+        <a:solidFill>
+          <a:schemeClr val="tx1"/>
+        </a:solidFill>
+        <a:latin typeface="+mn-lt"/>
+        <a:ea typeface="+mn-ea"/>
+        <a:cs typeface="+mn-cs"/>
+      </a:defRPr>
+    </a:lvl2pPr>
+    <a:lvl3pPr marL="914400" algn="l" defTabSz="914400" rtl="0" eaLnBrk="1" latinLnBrk="0" hangingPunct="1">
+      <a:defRPr sz="1200" kern="1200">
+        <a:solidFill>
+          <a:schemeClr val="tx1"/>
+        </a:solidFill>
+        <a:latin typeface="+mn-lt"/>
+        <a:ea typeface="+mn-ea"/>
+        <a:cs typeface="+mn-cs"/>
+      </a:defRPr>
+    </a:lvl3pPr>
+    <a:lvl4pPr marL="1371600" algn="l" defTabSz="914400" rtl="0" eaLnBrk="1" latinLnBrk="0" hangingPunct="1">
+      <a:defRPr sz="1200" kern="1200">
+        <a:solidFill>
+          <a:schemeClr val="tx1"/>
+        </a:solidFill>
+        <a:latin typeface="+mn-lt"/>
+        <a:ea typeface="+mn-ea"/>
+        <a:cs typeface="+mn-cs"/>
+      </a:defRPr>
+    </a:lvl4pPr>
+    <a:lvl5pPr marL="1828800" algn="l" defTabSz="914400" rtl="0" eaLnBrk="1" latinLnBrk="0" hangingPunct="1">
+      <a:defRPr sz="1200" kern="1200">
+        <a:solidFill>
+          <a:schemeClr val="tx1"/>
+        </a:solidFill>
+        <a:latin typeface="+mn-lt"/>
+        <a:ea typeface="+mn-ea"/>
+        <a:cs typeface="+mn-cs"/>
+      </a:defRPr>
+    </a:lvl5pPr>
+    <a:lvl6pPr marL="2286000" algn="l" defTabSz="914400" rtl="0" eaLnBrk="1" latinLnBrk="0" hangingPunct="1">
+      <a:defRPr sz="1200" kern="1200">
+        <a:solidFill>
+          <a:schemeClr val="tx1"/>
+        </a:solidFill>
+        <a:latin typeface="+mn-lt"/>
+        <a:ea typeface="+mn-ea"/>
+        <a:cs typeface="+mn-cs"/>
+      </a:defRPr>
+    </a:lvl6pPr>
+    <a:lvl7pPr marL="2743200" algn="l" defTabSz="914400" rtl="0" eaLnBrk="1" latinLnBrk="0" hangingPunct="1">
+      <a:defRPr sz="1200" kern="1200">
+        <a:solidFill>
+          <a:schemeClr val="tx1"/>
+        </a:solidFill>
+        <a:latin typeface="+mn-lt"/>
+        <a:ea typeface="+mn-ea"/>
+        <a:cs typeface="+mn-cs"/>
+      </a:defRPr>
+    </a:lvl7pPr>
+    <a:lvl8pPr marL="3200400" algn="l" defTabSz="914400" rtl="0" eaLnBrk="1" latinLnBrk="0" hangingPunct="1">
+      <a:defRPr sz="1200" kern="1200">
+        <a:solidFill>
+          <a:schemeClr val="tx1"/>
+        </a:solidFill>
+        <a:latin typeface="+mn-lt"/>
+        <a:ea typeface="+mn-ea"/>
+        <a:cs typeface="+mn-cs"/>
+      </a:defRPr>
+    </a:lvl8pPr>
+    <a:lvl9pPr marL="3657600" algn="l" defTabSz="914400" rtl="0" eaLnBrk="1" latinLnBrk="0" hangingPunct="1">
+      <a:defRPr sz="1200" kern="1200">
+        <a:solidFill>
+          <a:schemeClr val="tx1"/>
+        </a:solidFill>
+        <a:latin typeface="+mn-lt"/>
+        <a:ea typeface="+mn-ea"/>
+        <a:cs typeface="+mn-cs"/>
+      </a:defRPr>
+    </a:lvl9pPr>
+  </p:notesStyle>
+</p:notesMaster>
+</file>
+
+<file path=ppt/notesSlides/notesSlide1.xml><?xml version="1.0" encoding="utf-8"?>
+<p:notes xmlns:a="http://schemas.openxmlformats.org/drawingml/2006/main" xmlns:r="http://schemas.openxmlformats.org/officeDocument/2006/relationships" xmlns:p="http://schemas.openxmlformats.org/presentationml/2006/main">
+  <p:cSld>
+    <p:spTree>
+      <p:nvGrpSpPr>
+        <p:cNvPr id="1" name=""/>
+        <p:cNvGrpSpPr/>
+        <p:nvPr/>
+      </p:nvGrpSpPr>
+      <p:grpSpPr>
+        <a:xfrm>
+          <a:off x="0" y="0"/>
+          <a:ext cx="0" cy="0"/>
+          <a:chOff x="0" y="0"/>
+          <a:chExt cx="0" cy="0"/>
+        </a:xfrm>
+      </p:grpSpPr>
+      <p:sp>
+        <p:nvSpPr>
+          <p:cNvPr id="2" name="投影片圖像版面配置區 1"/>
+          <p:cNvSpPr>
+            <a:spLocks noGrp="1" noRot="1" noChangeAspect="1"/>
+          </p:cNvSpPr>
+          <p:nvPr>
+            <p:ph type="sldImg"/>
+          </p:nvPr>
+        </p:nvSpPr>
+        <p:spPr/>
+      </p:sp>
+      <p:sp>
+        <p:nvSpPr>
+          <p:cNvPr id="3" name="備忘稿版面配置區 2"/>
+          <p:cNvSpPr>
+            <a:spLocks noGrp="1"/>
+          </p:cNvSpPr>
+          <p:nvPr>
+            <p:ph type="body" idx="1"/>
+          </p:nvPr>
+        </p:nvSpPr>
+        <p:spPr/>
+        <p:txBody>
+          <a:bodyPr/>
+          <a:lstStyle/>
+          <a:p>
+            <a:endParaRPr lang="zh-TW" altLang="en-US"/>
+          </a:p>
+        </p:txBody>
+      </p:sp>
+      <p:sp>
+        <p:nvSpPr>
+          <p:cNvPr id="4" name="投影片編號版面配置區 3"/>
+          <p:cNvSpPr>
+            <a:spLocks noGrp="1"/>
+          </p:cNvSpPr>
+          <p:nvPr>
+            <p:ph type="sldNum" sz="quarter" idx="10"/>
+          </p:nvPr>
+        </p:nvSpPr>
+        <p:spPr/>
+        <p:txBody>
+          <a:bodyPr/>
+          <a:lstStyle/>
+          <a:p>
+            <a:fld id="{0DA4B803-6235-4DD9-AFD1-10B0DF522CCB}" type="slidenum">
+              <a:rPr lang="zh-TW" altLang="en-US" smtClean="0"/>
+              <a:t>1</a:t>
+            </a:fld>
+            <a:endParaRPr lang="zh-TW" altLang="en-US"/>
+          </a:p>
+        </p:txBody>
+      </p:sp>
+    </p:spTree>
+    <p:extLst>
+      <p:ext uri="{BB962C8B-B14F-4D97-AF65-F5344CB8AC3E}">
+        <p14:creationId xmlns:p14="http://schemas.microsoft.com/office/powerpoint/2010/main" val="2687672237"/>
+      </p:ext>
+    </p:extLst>
+  </p:cSld>
+  <p:clrMapOvr>
+    <a:masterClrMapping/>
+  </p:clrMapOvr>
+</p:notes>
 </file>
 
 <file path=ppt/slideLayouts/slideLayout1.xml><?xml version="1.0" encoding="utf-8"?>
@@ -510,7 +4717,7 @@
           <a:p>
             <a:fld id="{BE6F4D5A-5EAC-4F0F-8C93-1420106ED9FC}" type="datetimeFigureOut">
               <a:rPr lang="zh-TW" altLang="en-US" smtClean="0"/>
-              <a:t>2015/11/8</a:t>
+              <a:t>2015/11/9</a:t>
             </a:fld>
             <a:endParaRPr lang="zh-TW" altLang="en-US"/>
           </a:p>
@@ -834,7 +5041,7 @@
           <a:p>
             <a:fld id="{BE6F4D5A-5EAC-4F0F-8C93-1420106ED9FC}" type="datetimeFigureOut">
               <a:rPr lang="zh-TW" altLang="en-US" smtClean="0"/>
-              <a:t>2015/11/8</a:t>
+              <a:t>2015/11/9</a:t>
             </a:fld>
             <a:endParaRPr lang="zh-TW" altLang="en-US"/>
           </a:p>
@@ -1082,7 +5289,7 @@
           <a:p>
             <a:fld id="{BE6F4D5A-5EAC-4F0F-8C93-1420106ED9FC}" type="datetimeFigureOut">
               <a:rPr lang="zh-TW" altLang="en-US" smtClean="0"/>
-              <a:t>2015/11/8</a:t>
+              <a:t>2015/11/9</a:t>
             </a:fld>
             <a:endParaRPr lang="zh-TW" altLang="en-US"/>
           </a:p>
@@ -1421,7 +5628,7 @@
           <a:p>
             <a:fld id="{BE6F4D5A-5EAC-4F0F-8C93-1420106ED9FC}" type="datetimeFigureOut">
               <a:rPr lang="zh-TW" altLang="en-US" smtClean="0"/>
-              <a:t>2015/11/8</a:t>
+              <a:t>2015/11/9</a:t>
             </a:fld>
             <a:endParaRPr lang="zh-TW" altLang="en-US"/>
           </a:p>
@@ -1768,7 +5975,7 @@
           <a:p>
             <a:fld id="{BE6F4D5A-5EAC-4F0F-8C93-1420106ED9FC}" type="datetimeFigureOut">
               <a:rPr lang="zh-TW" altLang="en-US" smtClean="0"/>
-              <a:t>2015/11/8</a:t>
+              <a:t>2015/11/9</a:t>
             </a:fld>
             <a:endParaRPr lang="zh-TW" altLang="en-US"/>
           </a:p>
@@ -2142,7 +6349,7 @@
           <a:p>
             <a:fld id="{BE6F4D5A-5EAC-4F0F-8C93-1420106ED9FC}" type="datetimeFigureOut">
               <a:rPr lang="zh-TW" altLang="en-US" smtClean="0"/>
-              <a:t>2015/11/8</a:t>
+              <a:t>2015/11/9</a:t>
             </a:fld>
             <a:endParaRPr lang="zh-TW" altLang="en-US"/>
           </a:p>
@@ -2612,7 +6819,7 @@
           <a:p>
             <a:fld id="{BE6F4D5A-5EAC-4F0F-8C93-1420106ED9FC}" type="datetimeFigureOut">
               <a:rPr lang="zh-TW" altLang="en-US" smtClean="0"/>
-              <a:t>2015/11/8</a:t>
+              <a:t>2015/11/9</a:t>
             </a:fld>
             <a:endParaRPr lang="zh-TW" altLang="en-US"/>
           </a:p>
@@ -2822,7 +7029,7 @@
           <a:p>
             <a:fld id="{BE6F4D5A-5EAC-4F0F-8C93-1420106ED9FC}" type="datetimeFigureOut">
               <a:rPr lang="zh-TW" altLang="en-US" smtClean="0"/>
-              <a:t>2015/11/8</a:t>
+              <a:t>2015/11/9</a:t>
             </a:fld>
             <a:endParaRPr lang="zh-TW" altLang="en-US"/>
           </a:p>
@@ -3033,7 +7240,7 @@
           <a:p>
             <a:fld id="{BE6F4D5A-5EAC-4F0F-8C93-1420106ED9FC}" type="datetimeFigureOut">
               <a:rPr lang="zh-TW" altLang="en-US" smtClean="0"/>
-              <a:t>2015/11/8</a:t>
+              <a:t>2015/11/9</a:t>
             </a:fld>
             <a:endParaRPr lang="zh-TW" altLang="en-US"/>
           </a:p>
@@ -3265,7 +7472,7 @@
           <a:p>
             <a:fld id="{BE6F4D5A-5EAC-4F0F-8C93-1420106ED9FC}" type="datetimeFigureOut">
               <a:rPr lang="zh-TW" altLang="en-US" smtClean="0"/>
-              <a:t>2015/11/8</a:t>
+              <a:t>2015/11/9</a:t>
             </a:fld>
             <a:endParaRPr lang="zh-TW" altLang="en-US"/>
           </a:p>
@@ -3513,7 +7720,7 @@
           <a:p>
             <a:fld id="{BE6F4D5A-5EAC-4F0F-8C93-1420106ED9FC}" type="datetimeFigureOut">
               <a:rPr lang="zh-TW" altLang="en-US" smtClean="0"/>
-              <a:t>2015/11/8</a:t>
+              <a:t>2015/11/9</a:t>
             </a:fld>
             <a:endParaRPr lang="zh-TW" altLang="en-US"/>
           </a:p>
@@ -3816,7 +8023,7 @@
           <a:p>
             <a:fld id="{BE6F4D5A-5EAC-4F0F-8C93-1420106ED9FC}" type="datetimeFigureOut">
               <a:rPr lang="zh-TW" altLang="en-US" smtClean="0"/>
-              <a:t>2015/11/8</a:t>
+              <a:t>2015/11/9</a:t>
             </a:fld>
             <a:endParaRPr lang="zh-TW" altLang="en-US"/>
           </a:p>
@@ -4198,7 +8405,7 @@
           <a:p>
             <a:fld id="{BE6F4D5A-5EAC-4F0F-8C93-1420106ED9FC}" type="datetimeFigureOut">
               <a:rPr lang="zh-TW" altLang="en-US" smtClean="0"/>
-              <a:t>2015/11/8</a:t>
+              <a:t>2015/11/9</a:t>
             </a:fld>
             <a:endParaRPr lang="zh-TW" altLang="en-US"/>
           </a:p>
@@ -4352,7 +8559,7 @@
           <a:p>
             <a:fld id="{BE6F4D5A-5EAC-4F0F-8C93-1420106ED9FC}" type="datetimeFigureOut">
               <a:rPr lang="zh-TW" altLang="en-US" smtClean="0"/>
-              <a:t>2015/11/8</a:t>
+              <a:t>2015/11/9</a:t>
             </a:fld>
             <a:endParaRPr lang="zh-TW" altLang="en-US"/>
           </a:p>
@@ -4478,7 +8685,7 @@
           <a:p>
             <a:fld id="{BE6F4D5A-5EAC-4F0F-8C93-1420106ED9FC}" type="datetimeFigureOut">
               <a:rPr lang="zh-TW" altLang="en-US" smtClean="0"/>
-              <a:t>2015/11/8</a:t>
+              <a:t>2015/11/9</a:t>
             </a:fld>
             <a:endParaRPr lang="zh-TW" altLang="en-US"/>
           </a:p>
@@ -4733,7 +8940,7 @@
           <a:p>
             <a:fld id="{BE6F4D5A-5EAC-4F0F-8C93-1420106ED9FC}" type="datetimeFigureOut">
               <a:rPr lang="zh-TW" altLang="en-US" smtClean="0"/>
-              <a:t>2015/11/8</a:t>
+              <a:t>2015/11/9</a:t>
             </a:fld>
             <a:endParaRPr lang="zh-TW" altLang="en-US"/>
           </a:p>
@@ -5047,7 +9254,7 @@
           <a:p>
             <a:fld id="{BE6F4D5A-5EAC-4F0F-8C93-1420106ED9FC}" type="datetimeFigureOut">
               <a:rPr lang="zh-TW" altLang="en-US" smtClean="0"/>
-              <a:t>2015/11/8</a:t>
+              <a:t>2015/11/9</a:t>
             </a:fld>
             <a:endParaRPr lang="zh-TW" altLang="en-US"/>
           </a:p>
@@ -5398,7 +9605,7 @@
           <a:p>
             <a:fld id="{BE6F4D5A-5EAC-4F0F-8C93-1420106ED9FC}" type="datetimeFigureOut">
               <a:rPr lang="zh-TW" altLang="en-US" smtClean="0"/>
-              <a:t>2015/11/8</a:t>
+              <a:t>2015/11/9</a:t>
             </a:fld>
             <a:endParaRPr lang="zh-TW" altLang="en-US"/>
           </a:p>
@@ -17389,7 +21596,7 @@
       </p:grpSpPr>
       <p:sp>
         <p:nvSpPr>
-          <p:cNvPr id="2" name="標題 1"/>
+          <p:cNvPr id="5" name="標題 4"/>
           <p:cNvSpPr>
             <a:spLocks noGrp="1"/>
           </p:cNvSpPr>
@@ -17403,12 +21610,16 @@
           <a:lstStyle/>
           <a:p>
             <a:r>
-              <a:rPr lang="en-US" altLang="zh-TW" b="1" dirty="0"/>
-              <a:t>.bind</a:t>
-            </a:r>
-            <a:r>
-              <a:rPr lang="en-US" altLang="zh-TW" b="1" dirty="0" smtClean="0"/>
-              <a:t>()</a:t>
+              <a:rPr lang="zh-TW" altLang="en-US" dirty="0"/>
+              <a:t>基礎事件</a:t>
+            </a:r>
+            <a:r>
+              <a:rPr lang="en-US" altLang="zh-TW" dirty="0" smtClean="0"/>
+              <a:t>-</a:t>
+            </a:r>
+            <a:r>
+              <a:rPr lang="zh-TW" altLang="en-US" dirty="0" smtClean="0"/>
+              <a:t>輸入參數</a:t>
             </a:r>
             <a:endParaRPr lang="zh-TW" altLang="en-US" dirty="0"/>
           </a:p>
@@ -17416,7 +21627,7 @@
       </p:sp>
       <p:sp>
         <p:nvSpPr>
-          <p:cNvPr id="3" name="內容版面配置區 2"/>
+          <p:cNvPr id="6" name="內容版面配置區 5"/>
           <p:cNvSpPr>
             <a:spLocks noGrp="1"/>
           </p:cNvSpPr>
@@ -17424,108 +21635,95 @@
             <p:ph idx="1"/>
           </p:nvPr>
         </p:nvSpPr>
-        <p:spPr>
-          <a:xfrm>
-            <a:off x="775064" y="2490135"/>
-            <a:ext cx="7541622" cy="3444997"/>
-          </a:xfrm>
-        </p:spPr>
+        <p:spPr/>
         <p:txBody>
           <a:bodyPr/>
           <a:lstStyle/>
           <a:p>
             <a:r>
-              <a:rPr lang="en-US" altLang="zh-TW" b="1" dirty="0">
-                <a:hlinkClick r:id="rId2"/>
-              </a:rPr>
-              <a:t>.bind( </a:t>
-            </a:r>
-            <a:r>
-              <a:rPr lang="en-US" altLang="zh-TW" b="1" dirty="0" err="1">
-                <a:hlinkClick r:id="rId2"/>
-              </a:rPr>
-              <a:t>eventType</a:t>
-            </a:r>
-            <a:r>
-              <a:rPr lang="en-US" altLang="zh-TW" b="1" dirty="0">
-                <a:hlinkClick r:id="rId2"/>
-              </a:rPr>
-              <a:t> [, </a:t>
-            </a:r>
-            <a:r>
-              <a:rPr lang="en-US" altLang="zh-TW" b="1" dirty="0" err="1">
-                <a:hlinkClick r:id="rId2"/>
-              </a:rPr>
+              <a:rPr lang="en-US" altLang="zh-TW" dirty="0" smtClean="0"/>
+              <a:t>Method([</a:t>
+            </a:r>
+            <a:r>
+              <a:rPr lang="en-US" altLang="zh-TW" dirty="0" err="1" smtClean="0"/>
               <a:t>eventData</a:t>
             </a:r>
             <a:r>
-              <a:rPr lang="en-US" altLang="zh-TW" b="1" dirty="0">
-                <a:hlinkClick r:id="rId2"/>
-              </a:rPr>
-              <a:t> ], handler </a:t>
-            </a:r>
-            <a:r>
-              <a:rPr lang="en-US" altLang="zh-TW" b="1" dirty="0" smtClean="0">
-                <a:hlinkClick r:id="rId2"/>
-              </a:rPr>
-              <a:t>)</a:t>
+              <a:rPr lang="en-US" altLang="zh-TW" dirty="0" smtClean="0"/>
+              <a:t> </a:t>
+            </a:r>
+            <a:r>
+              <a:rPr lang="en-US" altLang="zh-TW" dirty="0"/>
+              <a:t>], </a:t>
+            </a:r>
+            <a:r>
+              <a:rPr lang="en-US" altLang="zh-TW" dirty="0" smtClean="0"/>
+              <a:t>handler </a:t>
+            </a:r>
+            <a:r>
+              <a:rPr lang="en-US" altLang="zh-TW" dirty="0"/>
+              <a:t>(</a:t>
+            </a:r>
+            <a:r>
+              <a:rPr lang="en-US" altLang="zh-TW" dirty="0" err="1"/>
+              <a:t>eventObject</a:t>
+            </a:r>
+            <a:r>
+              <a:rPr lang="en-US" altLang="zh-TW" dirty="0" smtClean="0"/>
+              <a:t>))</a:t>
+            </a:r>
+          </a:p>
+          <a:p>
+            <a:r>
+              <a:rPr lang="en-US" altLang="zh-TW" dirty="0" err="1" smtClean="0"/>
+              <a:t>eventData</a:t>
+            </a:r>
+            <a:r>
+              <a:rPr lang="en-US" altLang="zh-TW" dirty="0" smtClean="0"/>
+              <a:t> : </a:t>
+            </a:r>
+            <a:r>
+              <a:rPr lang="en-US" altLang="zh-TW" b="1" dirty="0" smtClean="0"/>
+              <a:t>Anything </a:t>
+            </a:r>
+            <a:r>
+              <a:rPr lang="zh-TW" altLang="en-US" b="1" dirty="0" smtClean="0"/>
+              <a:t>可選</a:t>
             </a:r>
             <a:endParaRPr lang="en-US" altLang="zh-TW" b="1" dirty="0" smtClean="0"/>
           </a:p>
           <a:p>
             <a:r>
-              <a:rPr lang="en-US" altLang="zh-TW" b="1" dirty="0">
-                <a:hlinkClick r:id="rId3"/>
-              </a:rPr>
-              <a:t>.bind( </a:t>
-            </a:r>
-            <a:r>
-              <a:rPr lang="en-US" altLang="zh-TW" b="1" dirty="0" err="1">
-                <a:hlinkClick r:id="rId3"/>
-              </a:rPr>
-              <a:t>eventType</a:t>
-            </a:r>
-            <a:r>
-              <a:rPr lang="en-US" altLang="zh-TW" b="1" dirty="0">
-                <a:hlinkClick r:id="rId3"/>
-              </a:rPr>
-              <a:t> [, </a:t>
-            </a:r>
-            <a:r>
-              <a:rPr lang="en-US" altLang="zh-TW" b="1" dirty="0" err="1">
-                <a:hlinkClick r:id="rId3"/>
-              </a:rPr>
-              <a:t>eventData</a:t>
-            </a:r>
-            <a:r>
-              <a:rPr lang="en-US" altLang="zh-TW" b="1" dirty="0">
-                <a:hlinkClick r:id="rId3"/>
-              </a:rPr>
-              <a:t> ] [, </a:t>
-            </a:r>
-            <a:r>
-              <a:rPr lang="en-US" altLang="zh-TW" b="1" dirty="0" err="1">
-                <a:hlinkClick r:id="rId3"/>
-              </a:rPr>
-              <a:t>preventBubble</a:t>
-            </a:r>
-            <a:r>
-              <a:rPr lang="en-US" altLang="zh-TW" b="1" dirty="0">
-                <a:hlinkClick r:id="rId3"/>
-              </a:rPr>
-              <a:t> ] )</a:t>
-            </a:r>
-            <a:endParaRPr lang="en-US" altLang="zh-TW" b="1" dirty="0"/>
-          </a:p>
-          <a:p>
-            <a:endParaRPr lang="en-US" altLang="zh-TW" b="1" dirty="0"/>
+              <a:rPr lang="en-US" altLang="zh-TW" dirty="0" smtClean="0"/>
+              <a:t>handler:</a:t>
+            </a:r>
+            <a:r>
+              <a:rPr lang="en-US" altLang="zh-TW" b="1" dirty="0"/>
+              <a:t> </a:t>
+            </a:r>
+            <a:r>
+              <a:rPr lang="en-US" altLang="zh-TW" b="1" dirty="0" smtClean="0"/>
+              <a:t>Function</a:t>
+            </a:r>
+            <a:endParaRPr lang="en-US" altLang="zh-TW" dirty="0"/>
+          </a:p>
+          <a:p>
+            <a:r>
+              <a:rPr lang="en-US" altLang="zh-TW" dirty="0" err="1" smtClean="0"/>
+              <a:t>eventObject</a:t>
+            </a:r>
+            <a:r>
+              <a:rPr lang="en-US" altLang="zh-TW" dirty="0" smtClean="0"/>
+              <a:t>):jQuery Event</a:t>
+            </a:r>
+            <a:endParaRPr lang="zh-TW" altLang="en-US" dirty="0"/>
           </a:p>
         </p:txBody>
       </p:sp>
     </p:spTree>
     <p:extLst>
       <p:ext uri="{BB962C8B-B14F-4D97-AF65-F5344CB8AC3E}">
-        <p14:creationId xmlns:p14="http://schemas.microsoft.com/office/powerpoint/2010/main" val="2228675393"/>
+        <p14:creationId xmlns:p14="http://schemas.microsoft.com/office/powerpoint/2010/main" val="3612070410"/>
       </p:ext>
     </p:extLst>
   </p:cSld>
@@ -17561,7 +21759,7 @@
       </p:grpSpPr>
       <p:sp>
         <p:nvSpPr>
-          <p:cNvPr id="2" name="標題 1"/>
+          <p:cNvPr id="5" name="標題 4"/>
           <p:cNvSpPr>
             <a:spLocks noGrp="1"/>
           </p:cNvSpPr>
@@ -17574,33 +21772,96 @@
           <a:bodyPr/>
           <a:lstStyle/>
           <a:p>
-            <a:endParaRPr lang="zh-TW" altLang="en-US"/>
+            <a:r>
+              <a:rPr lang="zh-TW" altLang="en-US" dirty="0"/>
+              <a:t>基礎</a:t>
+            </a:r>
+            <a:r>
+              <a:rPr lang="zh-TW" altLang="en-US" dirty="0" smtClean="0"/>
+              <a:t>事件</a:t>
+            </a:r>
+            <a:r>
+              <a:rPr lang="en-US" altLang="zh-TW" dirty="0" smtClean="0"/>
+              <a:t>-</a:t>
+            </a:r>
+            <a:r>
+              <a:rPr lang="zh-TW" altLang="en-US" dirty="0" smtClean="0"/>
+              <a:t>瀏覽器事件</a:t>
+            </a:r>
+            <a:endParaRPr lang="zh-TW" altLang="en-US" dirty="0"/>
           </a:p>
         </p:txBody>
       </p:sp>
       <p:sp>
         <p:nvSpPr>
-          <p:cNvPr id="3" name="文字版面配置區 2"/>
+          <p:cNvPr id="6" name="內容版面配置區 5"/>
           <p:cNvSpPr>
             <a:spLocks noGrp="1"/>
           </p:cNvSpPr>
           <p:nvPr>
-            <p:ph type="body" idx="1"/>
+            <p:ph idx="1"/>
           </p:nvPr>
         </p:nvSpPr>
-        <p:spPr/>
+        <p:spPr>
+          <a:xfrm>
+            <a:off x="731520" y="2490135"/>
+            <a:ext cx="7637417" cy="3444997"/>
+          </a:xfrm>
+        </p:spPr>
         <p:txBody>
           <a:bodyPr/>
           <a:lstStyle/>
           <a:p>
-            <a:endParaRPr lang="zh-TW" altLang="en-US"/>
+            <a:r>
+              <a:rPr lang="en-US" altLang="zh-TW" dirty="0"/>
+              <a:t>.error</a:t>
+            </a:r>
+            <a:r>
+              <a:rPr lang="en-US" altLang="zh-TW" dirty="0" smtClean="0"/>
+              <a:t>():</a:t>
+            </a:r>
+            <a:r>
+              <a:rPr lang="zh-TW" altLang="en-US" dirty="0" smtClean="0"/>
+              <a:t>發生錯誤的時候觸發。</a:t>
+            </a:r>
+            <a:endParaRPr lang="en-US" altLang="zh-TW" dirty="0" smtClean="0"/>
+          </a:p>
+          <a:p>
+            <a:r>
+              <a:rPr lang="en-US" altLang="zh-TW" dirty="0"/>
+              <a:t>.resize</a:t>
+            </a:r>
+            <a:r>
+              <a:rPr lang="en-US" altLang="zh-TW" dirty="0" smtClean="0"/>
+              <a:t>():</a:t>
+            </a:r>
+            <a:r>
+              <a:rPr lang="zh-TW" altLang="en-US" dirty="0" smtClean="0"/>
+              <a:t>螢幕解析度改變時觸發。</a:t>
+            </a:r>
+            <a:endParaRPr lang="en-US" altLang="zh-TW" dirty="0" smtClean="0"/>
+          </a:p>
+          <a:p>
+            <a:r>
+              <a:rPr lang="en-US" altLang="zh-TW" dirty="0"/>
+              <a:t>.scroll</a:t>
+            </a:r>
+            <a:r>
+              <a:rPr lang="en-US" altLang="zh-TW" dirty="0" smtClean="0"/>
+              <a:t>():</a:t>
+            </a:r>
+            <a:r>
+              <a:rPr lang="zh-TW" altLang="en-US" dirty="0" smtClean="0"/>
+              <a:t>卷軸滾動時觸發。</a:t>
+            </a:r>
+            <a:endParaRPr lang="zh-TW" altLang="en-US" dirty="0"/>
           </a:p>
         </p:txBody>
       </p:sp>
     </p:spTree>
     <p:extLst>
       <p:ext uri="{BB962C8B-B14F-4D97-AF65-F5344CB8AC3E}">
-        <p14:creationId xmlns:p14="http://schemas.microsoft.com/office/powerpoint/2010/main" val="1089585110"/>
+        <p14:creationId xmlns:p14="http://schemas.microsoft.com/office/powerpoint/2010/main" val="3088207573"/>
       </p:ext>
     </p:extLst>
   </p:cSld>
@@ -17649,18 +21910,30 @@
           <a:bodyPr/>
           <a:lstStyle/>
           <a:p>
-            <a:endParaRPr lang="zh-TW" altLang="en-US"/>
+            <a:r>
+              <a:rPr lang="zh-TW" altLang="en-US" dirty="0"/>
+              <a:t>基礎事件</a:t>
+            </a:r>
+            <a:r>
+              <a:rPr lang="en-US" altLang="zh-TW" dirty="0" smtClean="0"/>
+              <a:t>-</a:t>
+            </a:r>
+            <a:r>
+              <a:rPr lang="zh-TW" altLang="en-US" dirty="0" smtClean="0"/>
+              <a:t>載入文檔</a:t>
+            </a:r>
+            <a:endParaRPr lang="zh-TW" altLang="en-US" dirty="0"/>
           </a:p>
         </p:txBody>
       </p:sp>
       <p:sp>
         <p:nvSpPr>
-          <p:cNvPr id="3" name="文字版面配置區 2"/>
+          <p:cNvPr id="3" name="內容版面配置區 2"/>
           <p:cNvSpPr>
             <a:spLocks noGrp="1"/>
           </p:cNvSpPr>
           <p:nvPr>
-            <p:ph type="body" idx="1"/>
+            <p:ph idx="1"/>
           </p:nvPr>
         </p:nvSpPr>
         <p:spPr/>
@@ -17668,14 +21941,79 @@
           <a:bodyPr/>
           <a:lstStyle/>
           <a:p>
-            <a:endParaRPr lang="zh-TW" altLang="en-US"/>
+            <a:r>
+              <a:rPr lang="en-US" altLang="zh-TW" dirty="0"/>
+              <a:t>.load</a:t>
+            </a:r>
+            <a:r>
+              <a:rPr lang="en-US" altLang="zh-TW" dirty="0" smtClean="0"/>
+              <a:t>():</a:t>
+            </a:r>
+            <a:r>
+              <a:rPr lang="zh-TW" altLang="en-US" dirty="0" smtClean="0"/>
+              <a:t>載入</a:t>
+            </a:r>
+            <a:r>
+              <a:rPr lang="en-US" altLang="zh-TW" dirty="0"/>
+              <a:t>images, scripts, frames, iframes, </a:t>
+            </a:r>
+            <a:r>
+              <a:rPr lang="en-US" altLang="zh-TW" dirty="0" smtClean="0"/>
+              <a:t>window</a:t>
+            </a:r>
+            <a:r>
+              <a:rPr lang="zh-TW" altLang="en-US" dirty="0" smtClean="0"/>
+              <a:t>時觸發。</a:t>
+            </a:r>
+            <a:endParaRPr lang="en-US" altLang="zh-TW" dirty="0" smtClean="0"/>
+          </a:p>
+          <a:p>
+            <a:r>
+              <a:rPr lang="en-US" altLang="zh-TW" dirty="0"/>
+              <a:t>.ready</a:t>
+            </a:r>
+            <a:r>
+              <a:rPr lang="en-US" altLang="zh-TW" dirty="0" smtClean="0"/>
+              <a:t>():</a:t>
+            </a:r>
+            <a:r>
+              <a:rPr lang="zh-TW" altLang="en-US" dirty="0" smtClean="0"/>
+              <a:t>當</a:t>
+            </a:r>
+            <a:r>
+              <a:rPr lang="en-US" altLang="zh-TW" dirty="0" smtClean="0"/>
+              <a:t>DOM</a:t>
+            </a:r>
+            <a:r>
+              <a:rPr lang="zh-TW" altLang="en-US" dirty="0" smtClean="0"/>
+              <a:t>物件準備完畢觸發。</a:t>
+            </a:r>
+            <a:endParaRPr lang="en-US" altLang="zh-TW" dirty="0" smtClean="0"/>
+          </a:p>
+          <a:p>
+            <a:r>
+              <a:rPr lang="en-US" altLang="zh-TW" dirty="0"/>
+              <a:t>.unload</a:t>
+            </a:r>
+            <a:r>
+              <a:rPr lang="en-US" altLang="zh-TW" dirty="0" smtClean="0"/>
+              <a:t>():</a:t>
+            </a:r>
+            <a:r>
+              <a:rPr lang="zh-TW" altLang="en-US" dirty="0" smtClean="0"/>
+              <a:t>離開瀏覽頁面</a:t>
+            </a:r>
+            <a:r>
+              <a:rPr lang="zh-TW" altLang="en-US" dirty="0"/>
+              <a:t>觸發。</a:t>
+            </a:r>
           </a:p>
         </p:txBody>
       </p:sp>
     </p:spTree>
     <p:extLst>
       <p:ext uri="{BB962C8B-B14F-4D97-AF65-F5344CB8AC3E}">
-        <p14:creationId xmlns:p14="http://schemas.microsoft.com/office/powerpoint/2010/main" val="3596221663"/>
+        <p14:creationId xmlns:p14="http://schemas.microsoft.com/office/powerpoint/2010/main" val="4162203001"/>
       </p:ext>
     </p:extLst>
   </p:cSld>
@@ -17725,16 +22063,16 @@
           <a:lstStyle/>
           <a:p>
             <a:r>
-              <a:rPr lang="zh-TW" altLang="en-US" dirty="0" smtClean="0"/>
-              <a:t>人要衣裝，網頁要</a:t>
-            </a:r>
-            <a:r>
-              <a:rPr lang="en-US" altLang="zh-TW" dirty="0" smtClean="0"/>
-              <a:t>$</a:t>
-            </a:r>
-            <a:r>
-              <a:rPr lang="zh-TW" altLang="en-US" dirty="0" smtClean="0"/>
-              <a:t>裝</a:t>
+              <a:rPr lang="zh-TW" altLang="en-US" dirty="0"/>
+              <a:t>基礎事件</a:t>
+            </a:r>
+            <a:r>
+              <a:rPr lang="en-US" altLang="zh-TW" dirty="0" smtClean="0"/>
+              <a:t>-</a:t>
+            </a:r>
+            <a:r>
+              <a:rPr lang="zh-TW" altLang="en-US" dirty="0" smtClean="0"/>
+              <a:t>表單事件</a:t>
             </a:r>
             <a:endParaRPr lang="zh-TW" altLang="en-US" dirty="0"/>
           </a:p>
@@ -17742,44 +22080,114 @@
       </p:sp>
       <p:sp>
         <p:nvSpPr>
-          <p:cNvPr id="3" name="文字版面配置區 2"/>
+          <p:cNvPr id="3" name="內容版面配置區 2"/>
           <p:cNvSpPr>
             <a:spLocks noGrp="1"/>
           </p:cNvSpPr>
           <p:nvPr>
-            <p:ph type="body" idx="1"/>
+            <p:ph idx="1"/>
           </p:nvPr>
         </p:nvSpPr>
-        <p:spPr>
-          <a:xfrm>
-            <a:off x="1278465" y="3734859"/>
-            <a:ext cx="6595534" cy="2422101"/>
-          </a:xfrm>
-        </p:spPr>
+        <p:spPr/>
         <p:txBody>
-          <a:bodyPr>
-            <a:normAutofit/>
-          </a:bodyPr>
+          <a:bodyPr/>
           <a:lstStyle/>
           <a:p>
             <a:r>
-              <a:rPr lang="zh-TW" altLang="en-US" dirty="0" smtClean="0"/>
-              <a:t>簡單動畫</a:t>
+              <a:rPr lang="en-US" altLang="zh-TW" dirty="0"/>
+              <a:t>.blur</a:t>
+            </a:r>
+            <a:r>
+              <a:rPr lang="en-US" altLang="zh-TW" dirty="0" smtClean="0"/>
+              <a:t>()</a:t>
+            </a:r>
+            <a:r>
+              <a:rPr lang="zh-TW" altLang="en-US" dirty="0" smtClean="0"/>
+              <a:t>失去焦點的時候觸發。</a:t>
             </a:r>
             <a:endParaRPr lang="en-US" altLang="zh-TW" dirty="0" smtClean="0"/>
           </a:p>
           <a:p>
             <a:r>
-              <a:rPr lang="zh-TW" altLang="en-US" dirty="0" smtClean="0"/>
-              <a:t>自訂動畫</a:t>
+              <a:rPr lang="en-US" altLang="zh-TW" dirty="0"/>
+              <a:t>.focus</a:t>
+            </a:r>
+            <a:r>
+              <a:rPr lang="en-US" altLang="zh-TW" dirty="0" smtClean="0"/>
+              <a:t>()</a:t>
+            </a:r>
+            <a:r>
+              <a:rPr lang="zh-TW" altLang="en-US" dirty="0" smtClean="0"/>
+              <a:t>獲得</a:t>
+            </a:r>
+            <a:r>
+              <a:rPr lang="zh-TW" altLang="en-US" dirty="0"/>
+              <a:t>焦點的時候觸發</a:t>
+            </a:r>
+            <a:r>
+              <a:rPr lang="zh-TW" altLang="en-US" dirty="0" smtClean="0"/>
+              <a:t>。</a:t>
             </a:r>
             <a:endParaRPr lang="en-US" altLang="zh-TW" dirty="0" smtClean="0"/>
           </a:p>
           <a:p>
             <a:r>
-              <a:rPr lang="zh-TW" altLang="en-US" dirty="0" smtClean="0"/>
-              <a:t>取消、延遲、佇列</a:t>
-            </a:r>
+              <a:rPr lang="en-US" altLang="zh-TW" dirty="0" smtClean="0"/>
+              <a:t>.change()</a:t>
+            </a:r>
+            <a:r>
+              <a:rPr lang="zh-TW" altLang="en-US" dirty="0" smtClean="0"/>
+              <a:t>值改變的時候觸發。</a:t>
+            </a:r>
+            <a:endParaRPr lang="en-US" altLang="zh-TW" dirty="0" smtClean="0"/>
+          </a:p>
+          <a:p>
+            <a:r>
+              <a:rPr lang="en-US" altLang="zh-TW" dirty="0"/>
+              <a:t>.select</a:t>
+            </a:r>
+            <a:r>
+              <a:rPr lang="en-US" altLang="zh-TW" dirty="0" smtClean="0"/>
+              <a:t>()</a:t>
+            </a:r>
+            <a:r>
+              <a:rPr lang="zh-TW" altLang="en-US" dirty="0" smtClean="0"/>
+              <a:t>值被選取的時候觸發，只有</a:t>
+            </a:r>
+            <a:r>
+              <a:rPr lang="en-US" altLang="zh-TW" dirty="0" smtClean="0"/>
+              <a:t>text</a:t>
+            </a:r>
+            <a:r>
+              <a:rPr lang="zh-TW" altLang="en-US" dirty="0" smtClean="0"/>
+              <a:t>與</a:t>
+            </a:r>
+            <a:r>
+              <a:rPr lang="en-US" altLang="zh-TW" dirty="0" err="1" smtClean="0"/>
+              <a:t>textarea</a:t>
+            </a:r>
+            <a:r>
+              <a:rPr lang="zh-TW" altLang="en-US" dirty="0" smtClean="0"/>
+              <a:t>有用。</a:t>
+            </a:r>
+            <a:endParaRPr lang="en-US" altLang="zh-TW" dirty="0" smtClean="0"/>
+          </a:p>
+          <a:p>
+            <a:r>
+              <a:rPr lang="en-US" altLang="zh-TW" dirty="0"/>
+              <a:t>.submit</a:t>
+            </a:r>
+            <a:r>
+              <a:rPr lang="en-US" altLang="zh-TW" dirty="0" smtClean="0"/>
+              <a:t>()</a:t>
+            </a:r>
+            <a:r>
+              <a:rPr lang="zh-TW" altLang="en-US" dirty="0" smtClean="0"/>
+              <a:t>表單被送出的時候觸發。</a:t>
+            </a:r>
+            <a:endParaRPr lang="en-US" altLang="zh-TW" dirty="0" smtClean="0"/>
+          </a:p>
+          <a:p>
             <a:endParaRPr lang="zh-TW" altLang="en-US" dirty="0"/>
           </a:p>
         </p:txBody>
@@ -17787,7 +22195,7 @@
     </p:spTree>
     <p:extLst>
       <p:ext uri="{BB962C8B-B14F-4D97-AF65-F5344CB8AC3E}">
-        <p14:creationId xmlns:p14="http://schemas.microsoft.com/office/powerpoint/2010/main" val="1958093071"/>
+        <p14:creationId xmlns:p14="http://schemas.microsoft.com/office/powerpoint/2010/main" val="3372888713"/>
       </p:ext>
     </p:extLst>
   </p:cSld>
@@ -17922,18 +22330,34 @@
           <a:bodyPr/>
           <a:lstStyle/>
           <a:p>
-            <a:endParaRPr lang="zh-TW" altLang="en-US"/>
+            <a:r>
+              <a:rPr lang="zh-TW" altLang="en-US" dirty="0"/>
+              <a:t>基礎事件</a:t>
+            </a:r>
+            <a:r>
+              <a:rPr lang="en-US" altLang="zh-TW" dirty="0" smtClean="0"/>
+              <a:t>-</a:t>
+            </a:r>
+            <a:r>
+              <a:rPr lang="zh-TW" altLang="en-US" dirty="0"/>
+              <a:t>鍵盤</a:t>
+            </a:r>
+            <a:r>
+              <a:rPr lang="zh-TW" altLang="en-US" dirty="0" smtClean="0"/>
+              <a:t>事件</a:t>
+            </a:r>
+            <a:endParaRPr lang="zh-TW" altLang="en-US" dirty="0"/>
           </a:p>
         </p:txBody>
       </p:sp>
       <p:sp>
         <p:nvSpPr>
-          <p:cNvPr id="3" name="文字版面配置區 2"/>
+          <p:cNvPr id="3" name="內容版面配置區 2"/>
           <p:cNvSpPr>
             <a:spLocks noGrp="1"/>
           </p:cNvSpPr>
           <p:nvPr>
-            <p:ph type="body" idx="1"/>
+            <p:ph idx="1"/>
           </p:nvPr>
         </p:nvSpPr>
         <p:spPr/>
@@ -17941,14 +22365,113 @@
           <a:bodyPr/>
           <a:lstStyle/>
           <a:p>
-            <a:endParaRPr lang="zh-TW" altLang="en-US"/>
+            <a:r>
+              <a:rPr lang="en-US" altLang="zh-TW" dirty="0" smtClean="0"/>
+              <a:t>.</a:t>
+            </a:r>
+            <a:r>
+              <a:rPr lang="en-US" altLang="zh-TW" dirty="0" err="1" smtClean="0"/>
+              <a:t>focusin</a:t>
+            </a:r>
+            <a:r>
+              <a:rPr lang="en-US" altLang="zh-TW" dirty="0" smtClean="0"/>
+              <a:t>()</a:t>
+            </a:r>
+            <a:r>
+              <a:rPr lang="zh-TW" altLang="en-US" dirty="0" smtClean="0"/>
+              <a:t>獲得焦點</a:t>
+            </a:r>
+            <a:r>
+              <a:rPr lang="zh-TW" altLang="en-US" dirty="0"/>
+              <a:t>的時候觸發。</a:t>
+            </a:r>
+            <a:endParaRPr lang="en-US" altLang="zh-TW" dirty="0"/>
+          </a:p>
+          <a:p>
+            <a:r>
+              <a:rPr lang="en-US" altLang="zh-TW" dirty="0"/>
+              <a:t>.</a:t>
+            </a:r>
+            <a:r>
+              <a:rPr lang="en-US" altLang="zh-TW" dirty="0" err="1"/>
+              <a:t>focusout</a:t>
+            </a:r>
+            <a:r>
+              <a:rPr lang="en-US" altLang="zh-TW" dirty="0" smtClean="0"/>
+              <a:t>()</a:t>
+            </a:r>
+            <a:r>
+              <a:rPr lang="zh-TW" altLang="en-US" dirty="0"/>
+              <a:t>失去焦點的時候</a:t>
+            </a:r>
+            <a:r>
+              <a:rPr lang="zh-TW" altLang="en-US" dirty="0" smtClean="0"/>
+              <a:t>觸發。</a:t>
+            </a:r>
+            <a:endParaRPr lang="en-US" altLang="zh-TW" dirty="0" smtClean="0"/>
+          </a:p>
+          <a:p>
+            <a:r>
+              <a:rPr lang="en-US" altLang="zh-TW" dirty="0"/>
+              <a:t>.</a:t>
+            </a:r>
+            <a:r>
+              <a:rPr lang="en-US" altLang="zh-TW" dirty="0" err="1"/>
+              <a:t>keydown</a:t>
+            </a:r>
+            <a:r>
+              <a:rPr lang="en-US" altLang="zh-TW" dirty="0" smtClean="0"/>
+              <a:t>()</a:t>
+            </a:r>
+            <a:r>
+              <a:rPr lang="zh-TW" altLang="en-US" dirty="0" smtClean="0"/>
+              <a:t>壓下去的時候觸發。</a:t>
+            </a:r>
+            <a:endParaRPr lang="en-US" altLang="zh-TW" dirty="0" smtClean="0"/>
+          </a:p>
+          <a:p>
+            <a:r>
+              <a:rPr lang="en-US" altLang="zh-TW" dirty="0"/>
+              <a:t>.</a:t>
+            </a:r>
+            <a:r>
+              <a:rPr lang="en-US" altLang="zh-TW" dirty="0" err="1"/>
+              <a:t>keyup</a:t>
+            </a:r>
+            <a:r>
+              <a:rPr lang="en-US" altLang="zh-TW" dirty="0" smtClean="0"/>
+              <a:t>()</a:t>
+            </a:r>
+            <a:r>
+              <a:rPr lang="zh-TW" altLang="en-US" dirty="0" smtClean="0"/>
+              <a:t>放開的時候觸發。</a:t>
+            </a:r>
+            <a:endParaRPr lang="en-US" altLang="zh-TW" dirty="0" smtClean="0"/>
+          </a:p>
+          <a:p>
+            <a:r>
+              <a:rPr lang="en-US" altLang="zh-TW" dirty="0"/>
+              <a:t>.keypress</a:t>
+            </a:r>
+            <a:r>
+              <a:rPr lang="en-US" altLang="zh-TW" dirty="0" smtClean="0"/>
+              <a:t>()</a:t>
+            </a:r>
+            <a:r>
+              <a:rPr lang="zh-TW" altLang="en-US" dirty="0" smtClean="0"/>
+              <a:t>產生一個輸入字元的時候觸發。</a:t>
+            </a:r>
+            <a:endParaRPr lang="en-US" altLang="zh-TW" dirty="0" smtClean="0"/>
+          </a:p>
+          <a:p>
+            <a:endParaRPr lang="zh-TW" altLang="en-US" dirty="0"/>
           </a:p>
         </p:txBody>
       </p:sp>
     </p:spTree>
     <p:extLst>
       <p:ext uri="{BB962C8B-B14F-4D97-AF65-F5344CB8AC3E}">
-        <p14:creationId xmlns:p14="http://schemas.microsoft.com/office/powerpoint/2010/main" val="4021416156"/>
+        <p14:creationId xmlns:p14="http://schemas.microsoft.com/office/powerpoint/2010/main" val="888493248"/>
       </p:ext>
     </p:extLst>
   </p:cSld>
@@ -17997,33 +22520,201 @@
           <a:bodyPr/>
           <a:lstStyle/>
           <a:p>
-            <a:endParaRPr lang="zh-TW" altLang="en-US"/>
+            <a:r>
+              <a:rPr lang="zh-TW" altLang="en-US" dirty="0"/>
+              <a:t>基礎事件</a:t>
+            </a:r>
+            <a:r>
+              <a:rPr lang="en-US" altLang="zh-TW" dirty="0" smtClean="0"/>
+              <a:t>-</a:t>
+            </a:r>
+            <a:r>
+              <a:rPr lang="zh-TW" altLang="en-US" dirty="0"/>
+              <a:t>滑鼠</a:t>
+            </a:r>
           </a:p>
         </p:txBody>
       </p:sp>
       <p:sp>
         <p:nvSpPr>
-          <p:cNvPr id="3" name="文字版面配置區 2"/>
+          <p:cNvPr id="3" name="內容版面配置區 2"/>
           <p:cNvSpPr>
             <a:spLocks noGrp="1"/>
           </p:cNvSpPr>
           <p:nvPr>
-            <p:ph type="body" idx="1"/>
+            <p:ph idx="1"/>
           </p:nvPr>
         </p:nvSpPr>
         <p:spPr/>
         <p:txBody>
-          <a:bodyPr/>
+          <a:bodyPr>
+            <a:normAutofit fontScale="92500"/>
+          </a:bodyPr>
           <a:lstStyle/>
           <a:p>
-            <a:endParaRPr lang="zh-TW" altLang="en-US"/>
+            <a:r>
+              <a:rPr lang="en-US" altLang="zh-TW" dirty="0"/>
+              <a:t>.click</a:t>
+            </a:r>
+            <a:r>
+              <a:rPr lang="en-US" altLang="zh-TW" dirty="0" smtClean="0"/>
+              <a:t>()</a:t>
+            </a:r>
+            <a:r>
+              <a:rPr lang="zh-TW" altLang="en-US" dirty="0" smtClean="0"/>
+              <a:t>點滑鼠左鍵觸發。</a:t>
+            </a:r>
+            <a:endParaRPr lang="en-US" altLang="zh-TW" dirty="0" smtClean="0"/>
+          </a:p>
+          <a:p>
+            <a:r>
+              <a:rPr lang="en-US" altLang="zh-TW" dirty="0"/>
+              <a:t>.</a:t>
+            </a:r>
+            <a:r>
+              <a:rPr lang="en-US" altLang="zh-TW" dirty="0" err="1"/>
+              <a:t>contextmenu</a:t>
+            </a:r>
+            <a:r>
+              <a:rPr lang="en-US" altLang="zh-TW" dirty="0" smtClean="0"/>
+              <a:t>()</a:t>
+            </a:r>
+            <a:r>
+              <a:rPr lang="zh-TW" altLang="en-US" dirty="0"/>
+              <a:t>點</a:t>
+            </a:r>
+            <a:r>
+              <a:rPr lang="zh-TW" altLang="en-US" dirty="0" smtClean="0"/>
+              <a:t>滑鼠右鍵</a:t>
+            </a:r>
+            <a:r>
+              <a:rPr lang="zh-TW" altLang="en-US" dirty="0"/>
+              <a:t>觸發。</a:t>
+            </a:r>
+            <a:endParaRPr lang="en-US" altLang="zh-TW" dirty="0"/>
+          </a:p>
+          <a:p>
+            <a:r>
+              <a:rPr lang="en-US" altLang="zh-TW" dirty="0"/>
+              <a:t>.</a:t>
+            </a:r>
+            <a:r>
+              <a:rPr lang="en-US" altLang="zh-TW" dirty="0" err="1"/>
+              <a:t>dblclick</a:t>
+            </a:r>
+            <a:r>
+              <a:rPr lang="en-US" altLang="zh-TW" dirty="0" smtClean="0"/>
+              <a:t>()</a:t>
+            </a:r>
+            <a:r>
+              <a:rPr lang="zh-TW" altLang="en-US" dirty="0" smtClean="0"/>
+              <a:t>連點兩下</a:t>
+            </a:r>
+            <a:r>
+              <a:rPr lang="zh-TW" altLang="en-US" dirty="0"/>
+              <a:t>滑鼠</a:t>
+            </a:r>
+            <a:r>
+              <a:rPr lang="zh-TW" altLang="en-US" dirty="0" smtClean="0"/>
+              <a:t>左鍵觸發。</a:t>
+            </a:r>
+            <a:endParaRPr lang="en-US" altLang="zh-TW" dirty="0" smtClean="0"/>
+          </a:p>
+          <a:p>
+            <a:r>
+              <a:rPr lang="en-US" altLang="zh-TW" dirty="0"/>
+              <a:t>.</a:t>
+            </a:r>
+            <a:r>
+              <a:rPr lang="en-US" altLang="zh-TW" dirty="0" err="1"/>
+              <a:t>mousedown</a:t>
+            </a:r>
+            <a:r>
+              <a:rPr lang="en-US" altLang="zh-TW" dirty="0"/>
+              <a:t>()</a:t>
+            </a:r>
+            <a:r>
+              <a:rPr lang="zh-TW" altLang="en-US" dirty="0" smtClean="0"/>
+              <a:t>滑鼠壓下觸發。</a:t>
+            </a:r>
+            <a:endParaRPr lang="en-US" altLang="zh-TW" dirty="0" smtClean="0"/>
+          </a:p>
+          <a:p>
+            <a:r>
+              <a:rPr lang="en-US" altLang="zh-TW" dirty="0"/>
+              <a:t>.</a:t>
+            </a:r>
+            <a:r>
+              <a:rPr lang="en-US" altLang="zh-TW" dirty="0" err="1"/>
+              <a:t>mouseup</a:t>
+            </a:r>
+            <a:r>
+              <a:rPr lang="en-US" altLang="zh-TW" dirty="0"/>
+              <a:t>()</a:t>
+            </a:r>
+            <a:r>
+              <a:rPr lang="zh-TW" altLang="en-US" dirty="0" smtClean="0"/>
+              <a:t>滑鼠放開觸發</a:t>
+            </a:r>
+            <a:r>
+              <a:rPr lang="zh-TW" altLang="en-US" dirty="0"/>
+              <a:t>。</a:t>
+            </a:r>
+            <a:endParaRPr lang="en-US" altLang="zh-TW" dirty="0"/>
+          </a:p>
+          <a:p>
+            <a:r>
+              <a:rPr lang="en-US" altLang="zh-TW" dirty="0"/>
+              <a:t>.hover( </a:t>
+            </a:r>
+            <a:r>
+              <a:rPr lang="en-US" altLang="zh-TW" dirty="0" err="1"/>
+              <a:t>handlerIn</a:t>
+            </a:r>
+            <a:r>
+              <a:rPr lang="en-US" altLang="zh-TW" dirty="0"/>
+              <a:t>(</a:t>
+            </a:r>
+            <a:r>
+              <a:rPr lang="en-US" altLang="zh-TW" dirty="0" err="1"/>
+              <a:t>eventObject</a:t>
+            </a:r>
+            <a:r>
+              <a:rPr lang="en-US" altLang="zh-TW" dirty="0"/>
+              <a:t>), </a:t>
+            </a:r>
+            <a:r>
+              <a:rPr lang="en-US" altLang="zh-TW" dirty="0" err="1"/>
+              <a:t>handlerOut</a:t>
+            </a:r>
+            <a:r>
+              <a:rPr lang="en-US" altLang="zh-TW" dirty="0"/>
+              <a:t>(</a:t>
+            </a:r>
+            <a:r>
+              <a:rPr lang="en-US" altLang="zh-TW" dirty="0" err="1"/>
+              <a:t>eventObject</a:t>
+            </a:r>
+            <a:r>
+              <a:rPr lang="en-US" altLang="zh-TW" dirty="0"/>
+              <a:t>) </a:t>
+            </a:r>
+            <a:r>
+              <a:rPr lang="en-US" altLang="zh-TW" dirty="0" smtClean="0"/>
+              <a:t>)</a:t>
+            </a:r>
+            <a:r>
+              <a:rPr lang="zh-TW" altLang="en-US" dirty="0" smtClean="0"/>
+              <a:t>移入移出的時候各自觸發。</a:t>
+            </a:r>
+            <a:endParaRPr lang="zh-TW" altLang="en-US" dirty="0"/>
           </a:p>
         </p:txBody>
       </p:sp>
     </p:spTree>
     <p:extLst>
       <p:ext uri="{BB962C8B-B14F-4D97-AF65-F5344CB8AC3E}">
-        <p14:creationId xmlns:p14="http://schemas.microsoft.com/office/powerpoint/2010/main" val="3452386292"/>
+        <p14:creationId xmlns:p14="http://schemas.microsoft.com/office/powerpoint/2010/main" val="2596540271"/>
       </p:ext>
     </p:extLst>
   </p:cSld>
@@ -18069,16 +22760,18 @@
         </p:nvSpPr>
         <p:spPr/>
         <p:txBody>
-          <a:bodyPr/>
+          <a:bodyPr>
+            <a:normAutofit/>
+          </a:bodyPr>
           <a:lstStyle/>
           <a:p>
             <a:r>
-              <a:rPr lang="zh-TW" altLang="en-US" dirty="0" smtClean="0"/>
-              <a:t>檯面下交易</a:t>
-            </a:r>
-            <a:r>
-              <a:rPr lang="en-US" altLang="zh-TW" dirty="0" smtClean="0"/>
-              <a:t>$</a:t>
+              <a:rPr lang="en-US" altLang="zh-TW" dirty="0"/>
+              <a:t>jQuery </a:t>
+            </a:r>
+            <a:r>
+              <a:rPr lang="en-US" altLang="zh-TW" dirty="0" smtClean="0"/>
+              <a:t>Event</a:t>
             </a:r>
             <a:endParaRPr lang="zh-TW" altLang="en-US" dirty="0"/>
           </a:p>
@@ -18086,87 +22779,124 @@
       </p:sp>
       <p:sp>
         <p:nvSpPr>
-          <p:cNvPr id="3" name="文字版面配置區 2"/>
+          <p:cNvPr id="3" name="內容版面配置區 2"/>
           <p:cNvSpPr>
             <a:spLocks noGrp="1"/>
           </p:cNvSpPr>
           <p:nvPr>
-            <p:ph type="body" idx="1"/>
+            <p:ph idx="1"/>
           </p:nvPr>
         </p:nvSpPr>
-        <p:spPr>
-          <a:xfrm>
-            <a:off x="1278465" y="3734859"/>
-            <a:ext cx="6595534" cy="1934421"/>
-          </a:xfrm>
-        </p:spPr>
+        <p:spPr/>
         <p:txBody>
           <a:bodyPr>
-            <a:normAutofit lnSpcReduction="10000"/>
+            <a:normAutofit/>
           </a:bodyPr>
           <a:lstStyle/>
           <a:p>
             <a:r>
-              <a:rPr lang="en-US" altLang="zh-TW" dirty="0" smtClean="0"/>
-              <a:t>AJAX </a:t>
-            </a:r>
-            <a:r>
-              <a:rPr lang="zh-TW" altLang="en-US" dirty="0" smtClean="0"/>
-              <a:t>基礎事件</a:t>
-            </a:r>
-            <a:endParaRPr lang="en-US" altLang="zh-TW" dirty="0" smtClean="0"/>
-          </a:p>
-          <a:p>
-            <a:r>
-              <a:rPr lang="en-US" altLang="zh-TW" dirty="0" smtClean="0"/>
-              <a:t>AJAX</a:t>
-            </a:r>
-            <a:r>
-              <a:rPr lang="zh-TW" altLang="en-US" dirty="0" smtClean="0"/>
-              <a:t> 生命週期</a:t>
-            </a:r>
-            <a:endParaRPr lang="en-US" altLang="zh-TW" dirty="0" smtClean="0"/>
-          </a:p>
-          <a:p>
-            <a:r>
-              <a:rPr lang="zh-TW" altLang="en-US" dirty="0" smtClean="0"/>
-              <a:t>高級</a:t>
-            </a:r>
-            <a:r>
-              <a:rPr lang="en-US" altLang="zh-TW" dirty="0" smtClean="0"/>
-              <a:t>AJAX</a:t>
-            </a:r>
-            <a:r>
-              <a:rPr lang="zh-TW" altLang="en-US" dirty="0" smtClean="0"/>
-              <a:t>操作</a:t>
-            </a:r>
-            <a:endParaRPr lang="en-US" altLang="zh-TW" dirty="0" smtClean="0"/>
-          </a:p>
-          <a:p>
-            <a:r>
-              <a:rPr lang="zh-TW" altLang="en-US" dirty="0" smtClean="0"/>
-              <a:t>非同步事件管理</a:t>
-            </a:r>
-            <a:r>
-              <a:rPr lang="en-US" altLang="zh-TW" dirty="0" smtClean="0"/>
-              <a:t>(</a:t>
-            </a:r>
-            <a:r>
-              <a:rPr lang="zh-TW" altLang="en-US" dirty="0" smtClean="0"/>
-              <a:t>並行、串列</a:t>
-            </a:r>
-            <a:r>
-              <a:rPr lang="en-US" altLang="zh-TW" dirty="0" smtClean="0"/>
-              <a:t>)</a:t>
-            </a:r>
-            <a:endParaRPr lang="zh-TW" altLang="en-US" dirty="0"/>
+              <a:rPr lang="zh-TW" altLang="en-US" dirty="0" smtClean="0"/>
+              <a:t>標準化了下列的屬性</a:t>
+            </a:r>
+            <a:r>
+              <a:rPr lang="en-US" altLang="zh-TW" dirty="0" smtClean="0"/>
+              <a:t>:</a:t>
+            </a:r>
+          </a:p>
+          <a:p>
+            <a:r>
+              <a:rPr lang="en-US" altLang="zh-TW" dirty="0" smtClean="0"/>
+              <a:t>target : </a:t>
+            </a:r>
+            <a:r>
+              <a:rPr lang="zh-TW" altLang="en-US" dirty="0" smtClean="0"/>
+              <a:t>觸發事件的</a:t>
+            </a:r>
+            <a:r>
+              <a:rPr lang="en-US" altLang="zh-TW" dirty="0" smtClean="0"/>
+              <a:t>DOM</a:t>
+            </a:r>
+            <a:r>
+              <a:rPr lang="zh-TW" altLang="en-US" dirty="0" smtClean="0"/>
+              <a:t>元素</a:t>
+            </a:r>
+            <a:endParaRPr lang="en-US" altLang="zh-TW" dirty="0"/>
+          </a:p>
+          <a:p>
+            <a:r>
+              <a:rPr lang="en-US" altLang="zh-TW" dirty="0" err="1" smtClean="0"/>
+              <a:t>pageX</a:t>
+            </a:r>
+            <a:r>
+              <a:rPr lang="zh-TW" altLang="en-US" dirty="0" smtClean="0"/>
+              <a:t> </a:t>
+            </a:r>
+            <a:r>
+              <a:rPr lang="en-US" altLang="zh-TW" dirty="0" smtClean="0"/>
+              <a:t>:</a:t>
+            </a:r>
+            <a:r>
+              <a:rPr lang="zh-TW" altLang="en-US" dirty="0" smtClean="0"/>
+              <a:t> 事件發生的時候</a:t>
+            </a:r>
+            <a:r>
+              <a:rPr lang="en-US" altLang="zh-TW" dirty="0" smtClean="0"/>
+              <a:t>X</a:t>
+            </a:r>
+            <a:r>
+              <a:rPr lang="zh-TW" altLang="en-US" dirty="0" smtClean="0"/>
+              <a:t>值為何</a:t>
+            </a:r>
+            <a:endParaRPr lang="en-US" altLang="zh-TW" dirty="0"/>
+          </a:p>
+          <a:p>
+            <a:r>
+              <a:rPr lang="en-US" altLang="zh-TW" dirty="0" err="1" smtClean="0"/>
+              <a:t>pageY</a:t>
+            </a:r>
+            <a:r>
+              <a:rPr lang="en-US" altLang="zh-TW" dirty="0" smtClean="0"/>
+              <a:t>:</a:t>
+            </a:r>
+            <a:r>
+              <a:rPr lang="zh-TW" altLang="en-US" dirty="0" smtClean="0"/>
+              <a:t> 事件發生的時候</a:t>
+            </a:r>
+            <a:r>
+              <a:rPr lang="en-US" altLang="zh-TW" dirty="0" smtClean="0"/>
+              <a:t>Y</a:t>
+            </a:r>
+            <a:r>
+              <a:rPr lang="zh-TW" altLang="en-US" dirty="0" smtClean="0"/>
+              <a:t>值為何</a:t>
+            </a:r>
+            <a:endParaRPr lang="en-US" altLang="zh-TW" dirty="0"/>
+          </a:p>
+          <a:p>
+            <a:r>
+              <a:rPr lang="en-US" altLang="zh-TW" dirty="0" smtClean="0"/>
+              <a:t>which</a:t>
+            </a:r>
+            <a:r>
+              <a:rPr lang="zh-TW" altLang="en-US" dirty="0" smtClean="0"/>
+              <a:t> </a:t>
+            </a:r>
+            <a:r>
+              <a:rPr lang="en-US" altLang="zh-TW" dirty="0" smtClean="0"/>
+              <a:t>:</a:t>
+            </a:r>
+            <a:r>
+              <a:rPr lang="zh-TW" altLang="en-US" dirty="0" smtClean="0"/>
+              <a:t> 紀錄滑鼠跟鍵盤的哪一個按鍵被按。</a:t>
+            </a:r>
+            <a:endParaRPr lang="en-US" altLang="zh-TW" dirty="0"/>
           </a:p>
         </p:txBody>
       </p:sp>
     </p:spTree>
     <p:extLst>
       <p:ext uri="{BB962C8B-B14F-4D97-AF65-F5344CB8AC3E}">
-        <p14:creationId xmlns:p14="http://schemas.microsoft.com/office/powerpoint/2010/main" val="2453025245"/>
+        <p14:creationId xmlns:p14="http://schemas.microsoft.com/office/powerpoint/2010/main" val="812019263"/>
       </p:ext>
     </p:extLst>
   </p:cSld>
@@ -18212,36 +22942,91 @@
         </p:nvSpPr>
         <p:spPr/>
         <p:txBody>
-          <a:bodyPr/>
+          <a:bodyPr>
+            <a:normAutofit/>
+          </a:bodyPr>
           <a:lstStyle/>
           <a:p>
-            <a:endParaRPr lang="zh-TW" altLang="en-US"/>
+            <a:r>
+              <a:rPr lang="en-US" altLang="zh-TW" dirty="0"/>
+              <a:t>jQuery </a:t>
+            </a:r>
+            <a:r>
+              <a:rPr lang="en-US" altLang="zh-TW" dirty="0" smtClean="0"/>
+              <a:t>Event</a:t>
+            </a:r>
+            <a:endParaRPr lang="zh-TW" altLang="en-US" dirty="0"/>
           </a:p>
         </p:txBody>
       </p:sp>
       <p:sp>
         <p:nvSpPr>
-          <p:cNvPr id="3" name="文字版面配置區 2"/>
+          <p:cNvPr id="3" name="內容版面配置區 2"/>
           <p:cNvSpPr>
             <a:spLocks noGrp="1"/>
           </p:cNvSpPr>
           <p:nvPr>
-            <p:ph type="body" idx="1"/>
+            <p:ph idx="1"/>
           </p:nvPr>
         </p:nvSpPr>
         <p:spPr/>
         <p:txBody>
-          <a:bodyPr/>
+          <a:bodyPr>
+            <a:normAutofit/>
+          </a:bodyPr>
           <a:lstStyle/>
           <a:p>
-            <a:endParaRPr lang="zh-TW" altLang="en-US"/>
+            <a:r>
+              <a:rPr lang="en-US" altLang="zh-TW" dirty="0" err="1"/>
+              <a:t>event.preventDefault</a:t>
+            </a:r>
+            <a:r>
+              <a:rPr lang="en-US" altLang="zh-TW" dirty="0" smtClean="0"/>
+              <a:t>()</a:t>
+            </a:r>
+            <a:r>
+              <a:rPr lang="zh-TW" altLang="en-US" dirty="0" smtClean="0"/>
+              <a:t> </a:t>
+            </a:r>
+            <a:r>
+              <a:rPr lang="en-US" altLang="zh-TW" dirty="0" smtClean="0"/>
+              <a:t>: </a:t>
+            </a:r>
+            <a:r>
+              <a:rPr lang="zh-TW" altLang="en-US" dirty="0" smtClean="0"/>
+              <a:t>停止原本事件原本的行為。</a:t>
+            </a:r>
+            <a:endParaRPr lang="en-US" altLang="zh-TW" dirty="0" smtClean="0"/>
+          </a:p>
+          <a:p>
+            <a:r>
+              <a:rPr lang="en-US" altLang="zh-TW" dirty="0" err="1"/>
+              <a:t>event.stopPropagation</a:t>
+            </a:r>
+            <a:r>
+              <a:rPr lang="en-US" altLang="zh-TW" dirty="0" smtClean="0"/>
+              <a:t>()</a:t>
+            </a:r>
+            <a:r>
+              <a:rPr lang="zh-TW" altLang="en-US" dirty="0"/>
+              <a:t> </a:t>
+            </a:r>
+            <a:r>
+              <a:rPr lang="en-US" altLang="zh-TW" dirty="0"/>
+              <a:t>: </a:t>
+            </a:r>
+            <a:r>
+              <a:rPr lang="zh-TW" altLang="en-US" dirty="0" smtClean="0"/>
+              <a:t>停止事件再繼續冒泡。</a:t>
+            </a:r>
+            <a:endParaRPr lang="zh-TW" altLang="en-US" dirty="0"/>
           </a:p>
         </p:txBody>
       </p:sp>
     </p:spTree>
     <p:extLst>
       <p:ext uri="{BB962C8B-B14F-4D97-AF65-F5344CB8AC3E}">
-        <p14:creationId xmlns:p14="http://schemas.microsoft.com/office/powerpoint/2010/main" val="4065644842"/>
+        <p14:creationId xmlns:p14="http://schemas.microsoft.com/office/powerpoint/2010/main" val="2594288124"/>
       </p:ext>
     </p:extLst>
   </p:cSld>
@@ -18290,33 +23075,144 @@
           <a:bodyPr/>
           <a:lstStyle/>
           <a:p>
-            <a:endParaRPr lang="zh-TW" altLang="en-US"/>
+            <a:r>
+              <a:rPr lang="zh-TW" altLang="en-US" dirty="0" smtClean="0"/>
+              <a:t>自訂事件</a:t>
+            </a:r>
+            <a:endParaRPr lang="zh-TW" altLang="en-US" dirty="0"/>
           </a:p>
         </p:txBody>
       </p:sp>
       <p:sp>
         <p:nvSpPr>
-          <p:cNvPr id="3" name="文字版面配置區 2"/>
+          <p:cNvPr id="3" name="內容版面配置區 2"/>
           <p:cNvSpPr>
             <a:spLocks noGrp="1"/>
           </p:cNvSpPr>
           <p:nvPr>
-            <p:ph type="body" idx="1"/>
+            <p:ph idx="1"/>
           </p:nvPr>
         </p:nvSpPr>
-        <p:spPr/>
+        <p:spPr>
+          <a:xfrm>
+            <a:off x="1176866" y="2446593"/>
+            <a:ext cx="6798736" cy="3444997"/>
+          </a:xfrm>
+        </p:spPr>
         <p:txBody>
-          <a:bodyPr/>
+          <a:bodyPr>
+            <a:normAutofit fontScale="92500" lnSpcReduction="10000"/>
+          </a:bodyPr>
           <a:lstStyle/>
           <a:p>
-            <a:endParaRPr lang="zh-TW" altLang="en-US"/>
+            <a:pPr marL="0" indent="0">
+              <a:buNone/>
+            </a:pPr>
+            <a:r>
+              <a:rPr lang="zh-TW" altLang="en-US" dirty="0" smtClean="0"/>
+              <a:t>綁定事件</a:t>
+            </a:r>
+            <a:endParaRPr lang="en-US" altLang="zh-TW" dirty="0" smtClean="0"/>
+          </a:p>
+          <a:p>
+            <a:r>
+              <a:rPr lang="en-US" altLang="zh-TW" dirty="0"/>
+              <a:t>.on( events [, selector ] [, data ], </a:t>
+            </a:r>
+            <a:r>
+              <a:rPr lang="en-US" altLang="zh-TW" dirty="0" smtClean="0"/>
+              <a:t>handler(</a:t>
+            </a:r>
+            <a:r>
+              <a:rPr lang="en-US" altLang="zh-TW" dirty="0" err="1" smtClean="0"/>
+              <a:t>eventObject</a:t>
+            </a:r>
+            <a:r>
+              <a:rPr lang="en-US" altLang="zh-TW" b="1" dirty="0"/>
+              <a:t>  [, </a:t>
+            </a:r>
+            <a:r>
+              <a:rPr lang="en-US" altLang="zh-TW" b="1" dirty="0" err="1"/>
+              <a:t>extraParameters</a:t>
+            </a:r>
+            <a:r>
+              <a:rPr lang="en-US" altLang="zh-TW" b="1" dirty="0"/>
+              <a:t> ] </a:t>
+            </a:r>
+            <a:r>
+              <a:rPr lang="en-US" altLang="zh-TW" dirty="0" smtClean="0"/>
+              <a:t>) )</a:t>
+            </a:r>
+            <a:endParaRPr lang="en-US" altLang="zh-TW" dirty="0"/>
+          </a:p>
+          <a:p>
+            <a:pPr marL="0" indent="0">
+              <a:buNone/>
+            </a:pPr>
+            <a:r>
+              <a:rPr lang="zh-TW" altLang="en-US" dirty="0" smtClean="0"/>
+              <a:t>解除綁定</a:t>
+            </a:r>
+            <a:endParaRPr lang="en-US" altLang="zh-TW" dirty="0" smtClean="0"/>
+          </a:p>
+          <a:p>
+            <a:r>
+              <a:rPr lang="en-US" altLang="zh-TW" dirty="0"/>
+              <a:t>.off( events [, selector ] [, handler ] </a:t>
+            </a:r>
+            <a:r>
+              <a:rPr lang="en-US" altLang="zh-TW" dirty="0" smtClean="0"/>
+              <a:t>)</a:t>
+            </a:r>
+            <a:endParaRPr lang="en-US" altLang="zh-TW" dirty="0"/>
+          </a:p>
+          <a:p>
+            <a:pPr marL="0" indent="0">
+              <a:buNone/>
+            </a:pPr>
+            <a:r>
+              <a:rPr lang="zh-TW" altLang="en-US" dirty="0" smtClean="0"/>
+              <a:t>只工作一次</a:t>
+            </a:r>
+            <a:endParaRPr lang="en-US" altLang="zh-TW" dirty="0" smtClean="0"/>
+          </a:p>
+          <a:p>
+            <a:r>
+              <a:rPr lang="en-US" altLang="zh-TW" dirty="0"/>
+              <a:t>.one( events [, selector ] [, data ], </a:t>
+            </a:r>
+            <a:r>
+              <a:rPr lang="en-US" altLang="zh-TW" dirty="0" smtClean="0"/>
+              <a:t>handler(</a:t>
+            </a:r>
+            <a:r>
+              <a:rPr lang="en-US" altLang="zh-TW" dirty="0" err="1" smtClean="0"/>
+              <a:t>eventObject</a:t>
+            </a:r>
+            <a:r>
+              <a:rPr lang="en-US" altLang="zh-TW" b="1" dirty="0"/>
+              <a:t>  [, </a:t>
+            </a:r>
+            <a:r>
+              <a:rPr lang="en-US" altLang="zh-TW" b="1" dirty="0" err="1"/>
+              <a:t>extraParameters</a:t>
+            </a:r>
+            <a:r>
+              <a:rPr lang="en-US" altLang="zh-TW" b="1" dirty="0"/>
+              <a:t> ] </a:t>
+            </a:r>
+            <a:r>
+              <a:rPr lang="en-US" altLang="zh-TW" dirty="0" smtClean="0"/>
+              <a:t>) )</a:t>
+            </a:r>
+            <a:endParaRPr lang="en-US" altLang="zh-TW" dirty="0"/>
           </a:p>
         </p:txBody>
       </p:sp>
     </p:spTree>
     <p:extLst>
       <p:ext uri="{BB962C8B-B14F-4D97-AF65-F5344CB8AC3E}">
-        <p14:creationId xmlns:p14="http://schemas.microsoft.com/office/powerpoint/2010/main" val="635494550"/>
+        <p14:creationId xmlns:p14="http://schemas.microsoft.com/office/powerpoint/2010/main" val="1039190276"/>
       </p:ext>
     </p:extLst>
   </p:cSld>
@@ -18352,7 +23248,7 @@
       </p:grpSpPr>
       <p:sp>
         <p:nvSpPr>
-          <p:cNvPr id="2" name="標題 1"/>
+          <p:cNvPr id="4" name="標題 3"/>
           <p:cNvSpPr>
             <a:spLocks noGrp="1"/>
           </p:cNvSpPr>
@@ -18365,18 +23261,34 @@
           <a:bodyPr/>
           <a:lstStyle/>
           <a:p>
-            <a:endParaRPr lang="zh-TW" altLang="en-US"/>
+            <a:r>
+              <a:rPr lang="zh-TW" altLang="en-US" dirty="0"/>
+              <a:t>自訂</a:t>
+            </a:r>
+            <a:r>
+              <a:rPr lang="zh-TW" altLang="en-US" dirty="0" smtClean="0"/>
+              <a:t>事件</a:t>
+            </a:r>
+            <a:r>
+              <a:rPr lang="en-US" altLang="zh-TW" dirty="0" smtClean="0"/>
+              <a:t>-</a:t>
+            </a:r>
+            <a:r>
+              <a:rPr lang="zh-TW" altLang="en-US" dirty="0" smtClean="0"/>
+              <a:t>命名空間</a:t>
+            </a:r>
+            <a:endParaRPr lang="zh-TW" altLang="en-US" dirty="0"/>
           </a:p>
         </p:txBody>
       </p:sp>
       <p:sp>
         <p:nvSpPr>
-          <p:cNvPr id="3" name="文字版面配置區 2"/>
+          <p:cNvPr id="5" name="內容版面配置區 4"/>
           <p:cNvSpPr>
             <a:spLocks noGrp="1"/>
           </p:cNvSpPr>
           <p:nvPr>
-            <p:ph type="body" idx="1"/>
+            <p:ph idx="1"/>
           </p:nvPr>
         </p:nvSpPr>
         <p:spPr/>
@@ -18384,14 +23296,96 @@
           <a:bodyPr/>
           <a:lstStyle/>
           <a:p>
-            <a:endParaRPr lang="zh-TW" altLang="en-US"/>
+            <a:r>
+              <a:rPr lang="zh-TW" altLang="en-US" dirty="0" smtClean="0"/>
+              <a:t>可以使用</a:t>
+            </a:r>
+            <a:r>
+              <a:rPr lang="en-US" altLang="zh-TW" dirty="0" err="1" smtClean="0"/>
+              <a:t>click.myPlugin.simple</a:t>
+            </a:r>
+            <a:r>
+              <a:rPr lang="zh-TW" altLang="en-US" dirty="0" smtClean="0"/>
+              <a:t>這樣子的方式作為事件命名。</a:t>
+            </a:r>
+            <a:endParaRPr lang="en-US" altLang="zh-TW" dirty="0" smtClean="0"/>
+          </a:p>
+          <a:p>
+            <a:r>
+              <a:rPr lang="zh-TW" altLang="en-US" dirty="0" smtClean="0"/>
+              <a:t>可以使用</a:t>
+            </a:r>
+            <a:r>
+              <a:rPr lang="en-US" altLang="zh-TW" dirty="0"/>
+              <a:t>.off</a:t>
+            </a:r>
+            <a:r>
+              <a:rPr lang="en-US" altLang="zh-TW" dirty="0" smtClean="0"/>
+              <a:t>(“</a:t>
+            </a:r>
+            <a:r>
+              <a:rPr lang="en-US" altLang="zh-TW" dirty="0" err="1" smtClean="0"/>
+              <a:t>click.myPlugin</a:t>
+            </a:r>
+            <a:r>
+              <a:rPr lang="en-US" altLang="zh-TW" dirty="0" smtClean="0"/>
+              <a:t>”)</a:t>
+            </a:r>
+            <a:r>
+              <a:rPr lang="zh-TW" altLang="en-US" dirty="0" smtClean="0"/>
+              <a:t>或 </a:t>
+            </a:r>
+            <a:r>
+              <a:rPr lang="en-US" altLang="zh-TW" dirty="0"/>
+              <a:t>.off</a:t>
+            </a:r>
+            <a:r>
+              <a:rPr lang="en-US" altLang="zh-TW" dirty="0" smtClean="0"/>
+              <a:t>(“</a:t>
+            </a:r>
+            <a:r>
+              <a:rPr lang="en-US" altLang="zh-TW" dirty="0" err="1" smtClean="0"/>
+              <a:t>click.simple</a:t>
+            </a:r>
+            <a:r>
+              <a:rPr lang="en-US" altLang="zh-TW" dirty="0" smtClean="0"/>
+              <a:t>”)</a:t>
+            </a:r>
+            <a:r>
+              <a:rPr lang="zh-TW" altLang="en-US" dirty="0" smtClean="0"/>
+              <a:t>來刪除</a:t>
+            </a:r>
+            <a:r>
+              <a:rPr lang="en-US" altLang="zh-TW" dirty="0" err="1" smtClean="0"/>
+              <a:t>click.myPlugin.simple</a:t>
+            </a:r>
+            <a:r>
+              <a:rPr lang="zh-TW" altLang="en-US" dirty="0" smtClean="0"/>
+              <a:t>這個事件。</a:t>
+            </a:r>
+            <a:endParaRPr lang="en-US" altLang="zh-TW" dirty="0" smtClean="0"/>
+          </a:p>
+          <a:p>
+            <a:r>
+              <a:rPr lang="zh-TW" altLang="en-US" dirty="0" smtClean="0"/>
+              <a:t>不分</a:t>
+            </a:r>
+            <a:r>
+              <a:rPr lang="zh-TW" altLang="en-US" dirty="0"/>
+              <a:t>層</a:t>
+            </a:r>
+            <a:r>
+              <a:rPr lang="zh-TW" altLang="en-US" dirty="0" smtClean="0"/>
+              <a:t>次</a:t>
+            </a:r>
+            <a:endParaRPr lang="zh-TW" altLang="en-US" dirty="0"/>
           </a:p>
         </p:txBody>
       </p:sp>
     </p:spTree>
     <p:extLst>
       <p:ext uri="{BB962C8B-B14F-4D97-AF65-F5344CB8AC3E}">
-        <p14:creationId xmlns:p14="http://schemas.microsoft.com/office/powerpoint/2010/main" val="2132174776"/>
+        <p14:creationId xmlns:p14="http://schemas.microsoft.com/office/powerpoint/2010/main" val="1857067541"/>
       </p:ext>
     </p:extLst>
   </p:cSld>
@@ -18427,7 +23421,7 @@
       </p:grpSpPr>
       <p:sp>
         <p:nvSpPr>
-          <p:cNvPr id="2" name="標題 1"/>
+          <p:cNvPr id="4" name="標題 3"/>
           <p:cNvSpPr>
             <a:spLocks noGrp="1"/>
           </p:cNvSpPr>
@@ -18437,21 +23431,43 @@
         </p:nvSpPr>
         <p:spPr/>
         <p:txBody>
-          <a:bodyPr/>
+          <a:bodyPr>
+            <a:normAutofit/>
+          </a:bodyPr>
           <a:lstStyle/>
           <a:p>
-            <a:endParaRPr lang="zh-TW" altLang="en-US"/>
+            <a:r>
+              <a:rPr lang="zh-TW" altLang="en-US" dirty="0"/>
+              <a:t>自訂事件</a:t>
+            </a:r>
+            <a:r>
+              <a:rPr lang="en-US" altLang="zh-TW" dirty="0"/>
+              <a:t>-</a:t>
+            </a:r>
+            <a:r>
+              <a:rPr lang="zh-TW" altLang="en-US" dirty="0" smtClean="0"/>
+              <a:t>直接</a:t>
+            </a:r>
+            <a:r>
+              <a:rPr lang="zh-TW" altLang="en-US" dirty="0"/>
+              <a:t>和委托的</a:t>
+            </a:r>
+            <a:r>
+              <a:rPr lang="zh-TW" altLang="en-US" dirty="0" smtClean="0"/>
+              <a:t>事件</a:t>
+            </a:r>
+            <a:endParaRPr lang="zh-TW" altLang="en-US" dirty="0"/>
           </a:p>
         </p:txBody>
       </p:sp>
       <p:sp>
         <p:nvSpPr>
-          <p:cNvPr id="3" name="文字版面配置區 2"/>
+          <p:cNvPr id="5" name="內容版面配置區 4"/>
           <p:cNvSpPr>
             <a:spLocks noGrp="1"/>
           </p:cNvSpPr>
           <p:nvPr>
-            <p:ph type="body" idx="1"/>
+            <p:ph idx="1"/>
           </p:nvPr>
         </p:nvSpPr>
         <p:spPr/>
@@ -18459,14 +23475,87 @@
           <a:bodyPr/>
           <a:lstStyle/>
           <a:p>
-            <a:endParaRPr lang="zh-TW" altLang="en-US"/>
+            <a:r>
+              <a:rPr lang="zh-TW" altLang="en-US" dirty="0" smtClean="0"/>
+              <a:t>輸入的參數包括了</a:t>
+            </a:r>
+            <a:r>
+              <a:rPr lang="en-US" altLang="zh-TW" dirty="0" smtClean="0"/>
+              <a:t>events </a:t>
+            </a:r>
+            <a:r>
+              <a:rPr lang="en-US" altLang="zh-TW" dirty="0"/>
+              <a:t>[, selector ] [, data ], handler(</a:t>
+            </a:r>
+            <a:r>
+              <a:rPr lang="en-US" altLang="zh-TW" dirty="0" err="1"/>
+              <a:t>eventObject</a:t>
+            </a:r>
+            <a:r>
+              <a:rPr lang="en-US" altLang="zh-TW" dirty="0" smtClean="0"/>
+              <a:t>)</a:t>
+            </a:r>
+          </a:p>
+          <a:p>
+            <a:r>
+              <a:rPr lang="zh-TW" altLang="en-US" dirty="0" smtClean="0"/>
+              <a:t>如果有給</a:t>
+            </a:r>
+            <a:r>
+              <a:rPr lang="en-US" altLang="zh-TW" dirty="0" smtClean="0"/>
+              <a:t>selector</a:t>
+            </a:r>
+            <a:r>
+              <a:rPr lang="zh-TW" altLang="en-US" dirty="0" smtClean="0"/>
+              <a:t>變成委託事件，如果沒給</a:t>
+            </a:r>
+            <a:r>
+              <a:rPr lang="en-US" altLang="zh-TW" dirty="0" smtClean="0"/>
+              <a:t>selector</a:t>
+            </a:r>
+            <a:r>
+              <a:rPr lang="zh-TW" altLang="en-US" dirty="0" smtClean="0"/>
+              <a:t>就是直接事件。</a:t>
+            </a:r>
+            <a:endParaRPr lang="en-US" altLang="zh-TW" dirty="0" smtClean="0"/>
+          </a:p>
+          <a:p>
+            <a:r>
+              <a:rPr lang="zh-TW" altLang="en-US" dirty="0" smtClean="0"/>
+              <a:t>如果一個</a:t>
+            </a:r>
+            <a:r>
+              <a:rPr lang="en-US" altLang="zh-TW" dirty="0" smtClean="0"/>
+              <a:t>table</a:t>
+            </a:r>
+            <a:r>
+              <a:rPr lang="zh-TW" altLang="en-US" dirty="0" smtClean="0"/>
+              <a:t>有一百行，要對每一行綁定事件，只需要在</a:t>
+            </a:r>
+            <a:r>
+              <a:rPr lang="en-US" altLang="zh-TW" dirty="0" smtClean="0"/>
+              <a:t>table</a:t>
+            </a:r>
+            <a:r>
+              <a:rPr lang="zh-TW" altLang="en-US" dirty="0" smtClean="0"/>
+              <a:t>上面綁定一個事件，並給定</a:t>
+            </a:r>
+            <a:r>
+              <a:rPr lang="en-US" altLang="zh-TW" dirty="0" err="1" smtClean="0"/>
+              <a:t>tr</a:t>
+            </a:r>
+            <a:r>
+              <a:rPr lang="zh-TW" altLang="en-US" dirty="0" smtClean="0"/>
+              <a:t>作為選擇器，就可以避免綁定一百個事件。</a:t>
+            </a:r>
+            <a:endParaRPr lang="zh-TW" altLang="en-US" dirty="0"/>
           </a:p>
         </p:txBody>
       </p:sp>
     </p:spTree>
     <p:extLst>
       <p:ext uri="{BB962C8B-B14F-4D97-AF65-F5344CB8AC3E}">
-        <p14:creationId xmlns:p14="http://schemas.microsoft.com/office/powerpoint/2010/main" val="3520286523"/>
+        <p14:creationId xmlns:p14="http://schemas.microsoft.com/office/powerpoint/2010/main" val="1089585110"/>
       </p:ext>
     </p:extLst>
   </p:cSld>
@@ -18502,7 +23591,7 @@
       </p:grpSpPr>
       <p:sp>
         <p:nvSpPr>
-          <p:cNvPr id="2" name="標題 1"/>
+          <p:cNvPr id="4" name="標題 3"/>
           <p:cNvSpPr>
             <a:spLocks noGrp="1"/>
           </p:cNvSpPr>
@@ -18512,16 +23601,18 @@
         </p:nvSpPr>
         <p:spPr/>
         <p:txBody>
-          <a:bodyPr/>
+          <a:bodyPr>
+            <a:normAutofit/>
+          </a:bodyPr>
           <a:lstStyle/>
           <a:p>
             <a:r>
-              <a:rPr lang="en-US" altLang="zh-TW" dirty="0" smtClean="0"/>
-              <a:t>$</a:t>
-            </a:r>
-            <a:r>
-              <a:rPr lang="zh-TW" altLang="en-US" dirty="0" smtClean="0"/>
-              <a:t>工具箱</a:t>
+              <a:rPr lang="zh-TW" altLang="en-US" dirty="0"/>
+              <a:t>觸發</a:t>
+            </a:r>
+            <a:r>
+              <a:rPr lang="zh-TW" altLang="en-US" dirty="0" smtClean="0"/>
+              <a:t>事件</a:t>
             </a:r>
             <a:endParaRPr lang="zh-TW" altLang="en-US" dirty="0"/>
           </a:p>
@@ -18529,12 +23620,12 @@
       </p:sp>
       <p:sp>
         <p:nvSpPr>
-          <p:cNvPr id="3" name="文字版面配置區 2"/>
+          <p:cNvPr id="5" name="內容版面配置區 4"/>
           <p:cNvSpPr>
             <a:spLocks noGrp="1"/>
           </p:cNvSpPr>
           <p:nvPr>
-            <p:ph type="body" idx="1"/>
+            <p:ph idx="1"/>
           </p:nvPr>
         </p:nvSpPr>
         <p:spPr/>
@@ -18542,14 +23633,130 @@
           <a:bodyPr/>
           <a:lstStyle/>
           <a:p>
-            <a:endParaRPr lang="zh-TW" altLang="en-US"/>
+            <a:r>
+              <a:rPr lang="en-US" altLang="zh-TW" dirty="0"/>
+              <a:t>.trigger( event [, </a:t>
+            </a:r>
+            <a:r>
+              <a:rPr lang="en-US" altLang="zh-TW" dirty="0" err="1"/>
+              <a:t>extraParameters</a:t>
+            </a:r>
+            <a:r>
+              <a:rPr lang="en-US" altLang="zh-TW" dirty="0"/>
+              <a:t> ] )</a:t>
+            </a:r>
+          </a:p>
+          <a:p>
+            <a:r>
+              <a:rPr lang="en-US" altLang="zh-TW" dirty="0"/>
+              <a:t>.</a:t>
+            </a:r>
+            <a:r>
+              <a:rPr lang="en-US" altLang="zh-TW" dirty="0" err="1"/>
+              <a:t>triggerHandler</a:t>
+            </a:r>
+            <a:r>
+              <a:rPr lang="en-US" altLang="zh-TW" dirty="0"/>
+              <a:t>( event [, </a:t>
+            </a:r>
+            <a:r>
+              <a:rPr lang="en-US" altLang="zh-TW" dirty="0" err="1"/>
+              <a:t>extraParameters</a:t>
+            </a:r>
+            <a:r>
+              <a:rPr lang="en-US" altLang="zh-TW" dirty="0"/>
+              <a:t> ] </a:t>
+            </a:r>
+            <a:r>
+              <a:rPr lang="en-US" altLang="zh-TW" dirty="0" smtClean="0"/>
+              <a:t>)</a:t>
+            </a:r>
+          </a:p>
+          <a:p>
+            <a:r>
+              <a:rPr lang="zh-TW" altLang="en-US" dirty="0" smtClean="0"/>
+              <a:t>兩者有以下的差別</a:t>
+            </a:r>
+            <a:endParaRPr lang="en-US" altLang="zh-TW" dirty="0"/>
+          </a:p>
+          <a:p>
+            <a:pPr lvl="1"/>
+            <a:r>
+              <a:rPr lang="en-US" altLang="zh-TW" dirty="0"/>
+              <a:t>.</a:t>
+            </a:r>
+            <a:r>
+              <a:rPr lang="en-US" altLang="zh-TW" dirty="0" err="1"/>
+              <a:t>triggerHandler</a:t>
+            </a:r>
+            <a:r>
+              <a:rPr lang="en-US" altLang="zh-TW" dirty="0"/>
+              <a:t>() </a:t>
+            </a:r>
+            <a:r>
+              <a:rPr lang="zh-TW" altLang="en-US" dirty="0" smtClean="0"/>
+              <a:t>並不會觸發預設的行為。</a:t>
+            </a:r>
+            <a:endParaRPr lang="en-US" altLang="zh-TW" dirty="0" smtClean="0"/>
+          </a:p>
+          <a:p>
+            <a:pPr lvl="1"/>
+            <a:r>
+              <a:rPr lang="en-US" altLang="zh-TW" dirty="0"/>
+              <a:t>.trigger</a:t>
+            </a:r>
+            <a:r>
+              <a:rPr lang="en-US" altLang="zh-TW" dirty="0" smtClean="0"/>
+              <a:t>()</a:t>
+            </a:r>
+            <a:r>
+              <a:rPr lang="zh-TW" altLang="en-US" dirty="0" smtClean="0"/>
+              <a:t>會影響選到的元素，</a:t>
+            </a:r>
+            <a:r>
+              <a:rPr lang="en-US" altLang="zh-TW" dirty="0"/>
+              <a:t> .</a:t>
+            </a:r>
+            <a:r>
+              <a:rPr lang="en-US" altLang="zh-TW" dirty="0" err="1"/>
+              <a:t>triggerHandler</a:t>
+            </a:r>
+            <a:r>
+              <a:rPr lang="en-US" altLang="zh-TW" dirty="0" smtClean="0"/>
+              <a:t>()</a:t>
+            </a:r>
+            <a:r>
+              <a:rPr lang="zh-TW" altLang="en-US" dirty="0" smtClean="0"/>
+              <a:t>只會影響到第一個。</a:t>
+            </a:r>
+            <a:endParaRPr lang="en-US" altLang="zh-TW" dirty="0" smtClean="0"/>
+          </a:p>
+          <a:p>
+            <a:pPr lvl="1"/>
+            <a:r>
+              <a:rPr lang="en-US" altLang="zh-TW" dirty="0"/>
+              <a:t>.</a:t>
+            </a:r>
+            <a:r>
+              <a:rPr lang="en-US" altLang="zh-TW" dirty="0" err="1"/>
+              <a:t>triggerHandler</a:t>
+            </a:r>
+            <a:r>
+              <a:rPr lang="en-US" altLang="zh-TW" dirty="0" smtClean="0"/>
+              <a:t>()</a:t>
+            </a:r>
+            <a:r>
+              <a:rPr lang="zh-TW" altLang="en-US" dirty="0" smtClean="0"/>
+              <a:t>不會冒泡。</a:t>
+            </a:r>
+            <a:endParaRPr lang="zh-TW" altLang="en-US" dirty="0"/>
           </a:p>
         </p:txBody>
       </p:sp>
     </p:spTree>
     <p:extLst>
       <p:ext uri="{BB962C8B-B14F-4D97-AF65-F5344CB8AC3E}">
-        <p14:creationId xmlns:p14="http://schemas.microsoft.com/office/powerpoint/2010/main" val="2219662060"/>
+        <p14:creationId xmlns:p14="http://schemas.microsoft.com/office/powerpoint/2010/main" val="3596221663"/>
       </p:ext>
     </p:extLst>
   </p:cSld>
@@ -18599,19 +23806,134 @@
           <a:lstStyle/>
           <a:p>
             <a:r>
-              <a:rPr lang="en-US" altLang="zh-TW" b="1" dirty="0" err="1"/>
-              <a:t>jQuery.each</a:t>
-            </a:r>
-            <a:r>
-              <a:rPr lang="en-US" altLang="zh-TW" b="1" dirty="0"/>
-              <a:t>()</a:t>
-            </a:r>
+              <a:rPr lang="zh-TW" altLang="en-US" dirty="0" smtClean="0"/>
+              <a:t>人要衣裝，網頁要</a:t>
+            </a:r>
+            <a:r>
+              <a:rPr lang="en-US" altLang="zh-TW" dirty="0" smtClean="0"/>
+              <a:t>$</a:t>
+            </a:r>
+            <a:r>
+              <a:rPr lang="zh-TW" altLang="en-US" dirty="0" smtClean="0"/>
+              <a:t>裝</a:t>
+            </a:r>
+            <a:endParaRPr lang="zh-TW" altLang="en-US" dirty="0"/>
           </a:p>
         </p:txBody>
       </p:sp>
       <p:sp>
         <p:nvSpPr>
-          <p:cNvPr id="3" name="內容版面配置區 2"/>
+          <p:cNvPr id="3" name="文字版面配置區 2"/>
+          <p:cNvSpPr>
+            <a:spLocks noGrp="1"/>
+          </p:cNvSpPr>
+          <p:nvPr>
+            <p:ph type="body" idx="1"/>
+          </p:nvPr>
+        </p:nvSpPr>
+        <p:spPr>
+          <a:xfrm>
+            <a:off x="1278465" y="3734859"/>
+            <a:ext cx="6595534" cy="2422101"/>
+          </a:xfrm>
+        </p:spPr>
+        <p:txBody>
+          <a:bodyPr>
+            <a:normAutofit/>
+          </a:bodyPr>
+          <a:lstStyle/>
+          <a:p>
+            <a:r>
+              <a:rPr lang="zh-TW" altLang="en-US" dirty="0" smtClean="0"/>
+              <a:t>簡單動畫</a:t>
+            </a:r>
+            <a:endParaRPr lang="en-US" altLang="zh-TW" dirty="0" smtClean="0"/>
+          </a:p>
+          <a:p>
+            <a:r>
+              <a:rPr lang="zh-TW" altLang="en-US" dirty="0" smtClean="0"/>
+              <a:t>自訂動畫</a:t>
+            </a:r>
+            <a:endParaRPr lang="en-US" altLang="zh-TW" dirty="0" smtClean="0"/>
+          </a:p>
+          <a:p>
+            <a:r>
+              <a:rPr lang="zh-TW" altLang="en-US" dirty="0" smtClean="0"/>
+              <a:t>取消、延遲、佇列</a:t>
+            </a:r>
+            <a:endParaRPr lang="zh-TW" altLang="en-US" dirty="0"/>
+          </a:p>
+        </p:txBody>
+      </p:sp>
+    </p:spTree>
+    <p:extLst>
+      <p:ext uri="{BB962C8B-B14F-4D97-AF65-F5344CB8AC3E}">
+        <p14:creationId xmlns:p14="http://schemas.microsoft.com/office/powerpoint/2010/main" val="1958093071"/>
+      </p:ext>
+    </p:extLst>
+  </p:cSld>
+  <p:clrMapOvr>
+    <a:masterClrMapping/>
+  </p:clrMapOvr>
+  <p:timing>
+    <p:tnLst>
+      <p:par>
+        <p:cTn id="1" dur="indefinite" restart="never" nodeType="tmRoot"/>
+      </p:par>
+    </p:tnLst>
+  </p:timing>
+</p:sld>
+</file>
+
+<file path=ppt/slides/slide69.xml><?xml version="1.0" encoding="utf-8"?>
+<p:sld xmlns:a="http://schemas.openxmlformats.org/drawingml/2006/main" xmlns:r="http://schemas.openxmlformats.org/officeDocument/2006/relationships" xmlns:p="http://schemas.openxmlformats.org/presentationml/2006/main">
+  <p:cSld>
+    <p:spTree>
+      <p:nvGrpSpPr>
+        <p:cNvPr id="1" name=""/>
+        <p:cNvGrpSpPr/>
+        <p:nvPr/>
+      </p:nvGrpSpPr>
+      <p:grpSpPr>
+        <a:xfrm>
+          <a:off x="0" y="0"/>
+          <a:ext cx="0" cy="0"/>
+          <a:chOff x="0" y="0"/>
+          <a:chExt cx="0" cy="0"/>
+        </a:xfrm>
+      </p:grpSpPr>
+      <p:sp>
+        <p:nvSpPr>
+          <p:cNvPr id="4" name="標題 3"/>
+          <p:cNvSpPr>
+            <a:spLocks noGrp="1"/>
+          </p:cNvSpPr>
+          <p:nvPr>
+            <p:ph type="title"/>
+          </p:nvPr>
+        </p:nvSpPr>
+        <p:spPr/>
+        <p:txBody>
+          <a:bodyPr>
+            <a:normAutofit/>
+          </a:bodyPr>
+          <a:lstStyle/>
+          <a:p>
+            <a:r>
+              <a:rPr lang="zh-TW" altLang="en-US" dirty="0"/>
+              <a:t>簡單</a:t>
+            </a:r>
+            <a:r>
+              <a:rPr lang="zh-TW" altLang="en-US" dirty="0" smtClean="0"/>
+              <a:t>動畫</a:t>
+            </a:r>
+            <a:endParaRPr lang="zh-TW" altLang="en-US" dirty="0"/>
+          </a:p>
+        </p:txBody>
+      </p:sp>
+      <p:sp>
+        <p:nvSpPr>
+          <p:cNvPr id="5" name="內容版面配置區 4"/>
           <p:cNvSpPr>
             <a:spLocks noGrp="1"/>
           </p:cNvSpPr>
@@ -18625,33 +23947,164 @@
           <a:lstStyle/>
           <a:p>
             <a:r>
-              <a:rPr lang="en-US" altLang="zh-TW" b="1" dirty="0" err="1">
-                <a:hlinkClick r:id="rId2"/>
-              </a:rPr>
-              <a:t>jQuery.each</a:t>
-            </a:r>
-            <a:r>
-              <a:rPr lang="en-US" altLang="zh-TW" b="1" dirty="0">
-                <a:hlinkClick r:id="rId2"/>
-              </a:rPr>
-              <a:t>( array, callback )</a:t>
-            </a:r>
-            <a:endParaRPr lang="en-US" altLang="zh-TW" b="1" dirty="0"/>
-          </a:p>
-          <a:p>
-            <a:r>
-              <a:rPr lang="en-US" altLang="zh-TW" b="1" dirty="0" err="1">
-                <a:hlinkClick r:id="rId3"/>
-              </a:rPr>
-              <a:t>jQuery.each</a:t>
-            </a:r>
-            <a:r>
-              <a:rPr lang="en-US" altLang="zh-TW" b="1" dirty="0">
-                <a:hlinkClick r:id="rId3"/>
-              </a:rPr>
-              <a:t>( object, callback )</a:t>
-            </a:r>
-            <a:endParaRPr lang="en-US" altLang="zh-TW" b="1" dirty="0"/>
+              <a:rPr lang="zh-TW" altLang="en-US" dirty="0" smtClean="0"/>
+              <a:t>可見性</a:t>
+            </a:r>
+            <a:r>
+              <a:rPr lang="en-US" altLang="zh-TW" dirty="0" smtClean="0"/>
+              <a:t>:</a:t>
+            </a:r>
+            <a:r>
+              <a:rPr lang="zh-TW" altLang="en-US" dirty="0" smtClean="0"/>
+              <a:t> </a:t>
+            </a:r>
+            <a:r>
+              <a:rPr lang="en-US" altLang="zh-TW" dirty="0" smtClean="0"/>
+              <a:t>.</a:t>
+            </a:r>
+            <a:r>
+              <a:rPr lang="en-US" altLang="zh-TW" dirty="0"/>
+              <a:t>hide</a:t>
+            </a:r>
+            <a:r>
+              <a:rPr lang="en-US" altLang="zh-TW" dirty="0" smtClean="0"/>
+              <a:t>() / .</a:t>
+            </a:r>
+            <a:r>
+              <a:rPr lang="en-US" altLang="zh-TW" dirty="0"/>
+              <a:t>show</a:t>
+            </a:r>
+            <a:r>
+              <a:rPr lang="en-US" altLang="zh-TW" dirty="0" smtClean="0"/>
+              <a:t>()</a:t>
+            </a:r>
+            <a:r>
+              <a:rPr lang="zh-TW" altLang="en-US" dirty="0" smtClean="0"/>
+              <a:t> </a:t>
+            </a:r>
+            <a:r>
+              <a:rPr lang="en-US" altLang="zh-TW" dirty="0" smtClean="0"/>
+              <a:t>/.</a:t>
+            </a:r>
+            <a:r>
+              <a:rPr lang="en-US" altLang="zh-TW" dirty="0"/>
+              <a:t>toggle</a:t>
+            </a:r>
+            <a:r>
+              <a:rPr lang="en-US" altLang="zh-TW" dirty="0" smtClean="0"/>
+              <a:t>() </a:t>
+            </a:r>
+          </a:p>
+          <a:p>
+            <a:r>
+              <a:rPr lang="zh-TW" altLang="en-US" dirty="0" smtClean="0"/>
+              <a:t>透明度</a:t>
+            </a:r>
+            <a:r>
+              <a:rPr lang="en-US" altLang="zh-TW" dirty="0" smtClean="0"/>
+              <a:t>:</a:t>
+            </a:r>
+            <a:r>
+              <a:rPr lang="zh-TW" altLang="en-US" dirty="0" smtClean="0"/>
+              <a:t> </a:t>
+            </a:r>
+            <a:r>
+              <a:rPr lang="en-US" altLang="zh-TW" dirty="0" smtClean="0"/>
+              <a:t>.</a:t>
+            </a:r>
+            <a:r>
+              <a:rPr lang="en-US" altLang="zh-TW" dirty="0" err="1"/>
+              <a:t>fadeIn</a:t>
+            </a:r>
+            <a:r>
+              <a:rPr lang="en-US" altLang="zh-TW" dirty="0"/>
+              <a:t>()/.</a:t>
+            </a:r>
+            <a:r>
+              <a:rPr lang="en-US" altLang="zh-TW" dirty="0" err="1"/>
+              <a:t>fadeOut</a:t>
+            </a:r>
+            <a:r>
+              <a:rPr lang="en-US" altLang="zh-TW" dirty="0"/>
+              <a:t>()/.</a:t>
+            </a:r>
+            <a:r>
+              <a:rPr lang="en-US" altLang="zh-TW" dirty="0" err="1"/>
+              <a:t>fadeTo</a:t>
+            </a:r>
+            <a:r>
+              <a:rPr lang="en-US" altLang="zh-TW" dirty="0" smtClean="0"/>
+              <a:t>()</a:t>
+            </a:r>
+          </a:p>
+          <a:p>
+            <a:r>
+              <a:rPr lang="zh-TW" altLang="en-US" dirty="0" smtClean="0"/>
+              <a:t>滑動顯示</a:t>
+            </a:r>
+            <a:r>
+              <a:rPr lang="en-US" altLang="zh-TW" dirty="0"/>
+              <a:t>:.</a:t>
+            </a:r>
+            <a:r>
+              <a:rPr lang="en-US" altLang="zh-TW" dirty="0" err="1"/>
+              <a:t>slideDown</a:t>
+            </a:r>
+            <a:r>
+              <a:rPr lang="en-US" altLang="zh-TW" dirty="0"/>
+              <a:t>()/.</a:t>
+            </a:r>
+            <a:r>
+              <a:rPr lang="en-US" altLang="zh-TW" dirty="0" err="1"/>
+              <a:t>slideUp</a:t>
+            </a:r>
+            <a:r>
+              <a:rPr lang="en-US" altLang="zh-TW" dirty="0"/>
+              <a:t>()/.</a:t>
+            </a:r>
+            <a:r>
+              <a:rPr lang="en-US" altLang="zh-TW" dirty="0" err="1"/>
+              <a:t>slideToggle</a:t>
+            </a:r>
+            <a:r>
+              <a:rPr lang="en-US" altLang="zh-TW" dirty="0" smtClean="0"/>
+              <a:t>()</a:t>
+            </a:r>
+          </a:p>
+          <a:p>
+            <a:r>
+              <a:rPr lang="zh-TW" altLang="en-US" dirty="0" smtClean="0"/>
+              <a:t>輸入參數</a:t>
+            </a:r>
+            <a:endParaRPr lang="en-US" altLang="zh-TW" dirty="0" smtClean="0"/>
+          </a:p>
+          <a:p>
+            <a:pPr lvl="1"/>
+            <a:r>
+              <a:rPr lang="en-US" altLang="zh-TW" b="1" dirty="0" smtClean="0"/>
+              <a:t>[</a:t>
+            </a:r>
+            <a:r>
+              <a:rPr lang="en-US" altLang="zh-TW" b="1" dirty="0"/>
+              <a:t>duration ] [, easing ] [, complete ] </a:t>
+            </a:r>
+            <a:endParaRPr lang="en-US" altLang="zh-TW" b="1" dirty="0" smtClean="0"/>
+          </a:p>
+          <a:p>
+            <a:pPr lvl="1"/>
+            <a:r>
+              <a:rPr lang="en-US" altLang="zh-TW" b="1" dirty="0" err="1" smtClean="0"/>
+              <a:t>PlainObject</a:t>
+            </a:r>
+            <a:r>
+              <a:rPr lang="zh-TW" altLang="en-US" b="1" dirty="0"/>
+              <a:t> </a:t>
+            </a:r>
+            <a:r>
+              <a:rPr lang="en-US" altLang="zh-TW" dirty="0" smtClean="0"/>
+              <a:t>options</a:t>
+            </a:r>
+            <a:endParaRPr lang="en-US" altLang="zh-TW" dirty="0"/>
           </a:p>
           <a:p>
             <a:endParaRPr lang="zh-TW" altLang="en-US" dirty="0"/>
@@ -18661,7 +24114,7 @@
     </p:spTree>
     <p:extLst>
       <p:ext uri="{BB962C8B-B14F-4D97-AF65-F5344CB8AC3E}">
-        <p14:creationId xmlns:p14="http://schemas.microsoft.com/office/powerpoint/2010/main" val="1734939621"/>
+        <p14:creationId xmlns:p14="http://schemas.microsoft.com/office/powerpoint/2010/main" val="4021416156"/>
       </p:ext>
     </p:extLst>
   </p:cSld>
@@ -18919,6 +24372,2280 @@
 </p:sld>
 </file>
 
+<file path=ppt/slides/slide70.xml><?xml version="1.0" encoding="utf-8"?>
+<p:sld xmlns:a="http://schemas.openxmlformats.org/drawingml/2006/main" xmlns:r="http://schemas.openxmlformats.org/officeDocument/2006/relationships" xmlns:p="http://schemas.openxmlformats.org/presentationml/2006/main">
+  <p:cSld>
+    <p:spTree>
+      <p:nvGrpSpPr>
+        <p:cNvPr id="1" name=""/>
+        <p:cNvGrpSpPr/>
+        <p:nvPr/>
+      </p:nvGrpSpPr>
+      <p:grpSpPr>
+        <a:xfrm>
+          <a:off x="0" y="0"/>
+          <a:ext cx="0" cy="0"/>
+          <a:chOff x="0" y="0"/>
+          <a:chExt cx="0" cy="0"/>
+        </a:xfrm>
+      </p:grpSpPr>
+      <p:sp>
+        <p:nvSpPr>
+          <p:cNvPr id="4" name="標題 3"/>
+          <p:cNvSpPr>
+            <a:spLocks noGrp="1"/>
+          </p:cNvSpPr>
+          <p:nvPr>
+            <p:ph type="title"/>
+          </p:nvPr>
+        </p:nvSpPr>
+        <p:spPr/>
+        <p:txBody>
+          <a:bodyPr>
+            <a:normAutofit/>
+          </a:bodyPr>
+          <a:lstStyle/>
+          <a:p>
+            <a:r>
+              <a:rPr lang="zh-TW" altLang="en-US" dirty="0"/>
+              <a:t>自訂</a:t>
+            </a:r>
+            <a:r>
+              <a:rPr lang="zh-TW" altLang="en-US" dirty="0" smtClean="0"/>
+              <a:t>動畫</a:t>
+            </a:r>
+            <a:endParaRPr lang="zh-TW" altLang="en-US" dirty="0"/>
+          </a:p>
+        </p:txBody>
+      </p:sp>
+      <p:sp>
+        <p:nvSpPr>
+          <p:cNvPr id="5" name="內容版面配置區 4"/>
+          <p:cNvSpPr>
+            <a:spLocks noGrp="1"/>
+          </p:cNvSpPr>
+          <p:nvPr>
+            <p:ph idx="1"/>
+          </p:nvPr>
+        </p:nvSpPr>
+        <p:spPr/>
+        <p:txBody>
+          <a:bodyPr/>
+          <a:lstStyle/>
+          <a:p>
+            <a:r>
+              <a:rPr lang="zh-TW" altLang="en-US" dirty="0" smtClean="0"/>
+              <a:t>所謂動畫就是隨著時間改變ＣＳＳ上面的高度，寬度，透明度，位置，顏色</a:t>
+            </a:r>
+            <a:r>
+              <a:rPr lang="en-US" altLang="zh-TW" dirty="0" smtClean="0"/>
+              <a:t>….</a:t>
+            </a:r>
+            <a:r>
+              <a:rPr lang="zh-TW" altLang="en-US" dirty="0" smtClean="0"/>
+              <a:t>屬性。</a:t>
+            </a:r>
+            <a:endParaRPr lang="en-US" altLang="zh-TW" dirty="0" smtClean="0"/>
+          </a:p>
+          <a:p>
+            <a:r>
+              <a:rPr lang="zh-TW" altLang="en-US" dirty="0" smtClean="0"/>
+              <a:t>基本上屬性必須是數字類型。</a:t>
+            </a:r>
+            <a:endParaRPr lang="en-US" altLang="zh-TW" dirty="0" smtClean="0"/>
+          </a:p>
+          <a:p>
+            <a:r>
+              <a:rPr lang="zh-TW" altLang="en-US" dirty="0" smtClean="0"/>
+              <a:t>隨時間計算數值方式的稱為</a:t>
+            </a:r>
+            <a:r>
+              <a:rPr lang="en-US" altLang="zh-TW" dirty="0" smtClean="0"/>
+              <a:t>easing</a:t>
+            </a:r>
+          </a:p>
+          <a:p>
+            <a:r>
+              <a:rPr lang="en-US" altLang="zh-TW" dirty="0" smtClean="0"/>
+              <a:t>.</a:t>
+            </a:r>
+            <a:r>
+              <a:rPr lang="en-US" altLang="zh-TW" dirty="0"/>
+              <a:t>animate( properties [, duration ] [, easing ] [, complete ] )</a:t>
+            </a:r>
+          </a:p>
+          <a:p>
+            <a:endParaRPr lang="zh-TW" altLang="en-US" dirty="0"/>
+          </a:p>
+        </p:txBody>
+      </p:sp>
+    </p:spTree>
+    <p:extLst>
+      <p:ext uri="{BB962C8B-B14F-4D97-AF65-F5344CB8AC3E}">
+        <p14:creationId xmlns:p14="http://schemas.microsoft.com/office/powerpoint/2010/main" val="3452386292"/>
+      </p:ext>
+    </p:extLst>
+  </p:cSld>
+  <p:clrMapOvr>
+    <a:masterClrMapping/>
+  </p:clrMapOvr>
+  <p:timing>
+    <p:tnLst>
+      <p:par>
+        <p:cTn id="1" dur="indefinite" restart="never" nodeType="tmRoot"/>
+      </p:par>
+    </p:tnLst>
+  </p:timing>
+</p:sld>
+</file>
+
+<file path=ppt/slides/slide71.xml><?xml version="1.0" encoding="utf-8"?>
+<p:sld xmlns:a="http://schemas.openxmlformats.org/drawingml/2006/main" xmlns:r="http://schemas.openxmlformats.org/officeDocument/2006/relationships" xmlns:p="http://schemas.openxmlformats.org/presentationml/2006/main">
+  <p:cSld>
+    <p:spTree>
+      <p:nvGrpSpPr>
+        <p:cNvPr id="1" name=""/>
+        <p:cNvGrpSpPr/>
+        <p:nvPr/>
+      </p:nvGrpSpPr>
+      <p:grpSpPr>
+        <a:xfrm>
+          <a:off x="0" y="0"/>
+          <a:ext cx="0" cy="0"/>
+          <a:chOff x="0" y="0"/>
+          <a:chExt cx="0" cy="0"/>
+        </a:xfrm>
+      </p:grpSpPr>
+      <p:sp>
+        <p:nvSpPr>
+          <p:cNvPr id="2" name="標題 1"/>
+          <p:cNvSpPr>
+            <a:spLocks noGrp="1"/>
+          </p:cNvSpPr>
+          <p:nvPr>
+            <p:ph type="title"/>
+          </p:nvPr>
+        </p:nvSpPr>
+        <p:spPr/>
+        <p:txBody>
+          <a:bodyPr>
+            <a:normAutofit/>
+          </a:bodyPr>
+          <a:lstStyle/>
+          <a:p>
+            <a:r>
+              <a:rPr lang="zh-TW" altLang="en-US" dirty="0"/>
+              <a:t>取消、延遲、</a:t>
+            </a:r>
+            <a:r>
+              <a:rPr lang="zh-TW" altLang="en-US" dirty="0" smtClean="0"/>
+              <a:t>佇列</a:t>
+            </a:r>
+            <a:endParaRPr lang="zh-TW" altLang="en-US" dirty="0"/>
+          </a:p>
+        </p:txBody>
+      </p:sp>
+      <p:sp>
+        <p:nvSpPr>
+          <p:cNvPr id="3" name="內容版面配置區 2"/>
+          <p:cNvSpPr>
+            <a:spLocks noGrp="1"/>
+          </p:cNvSpPr>
+          <p:nvPr>
+            <p:ph idx="1"/>
+          </p:nvPr>
+        </p:nvSpPr>
+        <p:spPr/>
+        <p:txBody>
+          <a:bodyPr/>
+          <a:lstStyle/>
+          <a:p>
+            <a:r>
+              <a:rPr lang="en-US" altLang="zh-TW" dirty="0" err="1" smtClean="0"/>
+              <a:t>jQuery.fx.off</a:t>
+            </a:r>
+            <a:r>
+              <a:rPr lang="en-US" altLang="zh-TW" dirty="0"/>
+              <a:t> </a:t>
+            </a:r>
+            <a:r>
+              <a:rPr lang="en-US" altLang="zh-TW" dirty="0" smtClean="0"/>
+              <a:t>:</a:t>
+            </a:r>
+            <a:r>
+              <a:rPr lang="zh-TW" altLang="en-US" dirty="0" smtClean="0"/>
+              <a:t>等於</a:t>
+            </a:r>
+            <a:r>
+              <a:rPr lang="en-US" altLang="zh-TW" dirty="0" smtClean="0"/>
+              <a:t>True</a:t>
+            </a:r>
+            <a:r>
+              <a:rPr lang="zh-TW" altLang="en-US" dirty="0" smtClean="0"/>
+              <a:t>的時候關掉所有的動畫效果。</a:t>
+            </a:r>
+            <a:endParaRPr lang="en-US" altLang="zh-TW" dirty="0" smtClean="0"/>
+          </a:p>
+          <a:p>
+            <a:r>
+              <a:rPr lang="en-US" altLang="zh-TW" dirty="0" smtClean="0"/>
+              <a:t>.stop() : </a:t>
+            </a:r>
+            <a:r>
+              <a:rPr lang="zh-TW" altLang="en-US" dirty="0" smtClean="0"/>
+              <a:t>停止正在執行中的動畫。</a:t>
+            </a:r>
+            <a:endParaRPr lang="en-US" altLang="zh-TW" dirty="0" smtClean="0"/>
+          </a:p>
+          <a:p>
+            <a:r>
+              <a:rPr lang="en-US" altLang="zh-TW" dirty="0" smtClean="0"/>
+              <a:t>.delay(duration):</a:t>
+            </a:r>
+            <a:r>
+              <a:rPr lang="zh-TW" altLang="en-US" dirty="0" smtClean="0"/>
+              <a:t>延遲多少毫秒後開始動作。</a:t>
+            </a:r>
+            <a:endParaRPr lang="en-US" altLang="zh-TW" dirty="0" smtClean="0"/>
+          </a:p>
+          <a:p>
+            <a:endParaRPr lang="zh-TW" altLang="en-US" b="1" dirty="0"/>
+          </a:p>
+        </p:txBody>
+      </p:sp>
+    </p:spTree>
+    <p:extLst>
+      <p:ext uri="{BB962C8B-B14F-4D97-AF65-F5344CB8AC3E}">
+        <p14:creationId xmlns:p14="http://schemas.microsoft.com/office/powerpoint/2010/main" val="3662403628"/>
+      </p:ext>
+    </p:extLst>
+  </p:cSld>
+  <p:clrMapOvr>
+    <a:masterClrMapping/>
+  </p:clrMapOvr>
+  <p:timing>
+    <p:tnLst>
+      <p:par>
+        <p:cTn id="1" dur="indefinite" restart="never" nodeType="tmRoot"/>
+      </p:par>
+    </p:tnLst>
+  </p:timing>
+</p:sld>
+</file>
+
+<file path=ppt/slides/slide72.xml><?xml version="1.0" encoding="utf-8"?>
+<p:sld xmlns:a="http://schemas.openxmlformats.org/drawingml/2006/main" xmlns:r="http://schemas.openxmlformats.org/officeDocument/2006/relationships" xmlns:p="http://schemas.openxmlformats.org/presentationml/2006/main">
+  <p:cSld>
+    <p:spTree>
+      <p:nvGrpSpPr>
+        <p:cNvPr id="1" name=""/>
+        <p:cNvGrpSpPr/>
+        <p:nvPr/>
+      </p:nvGrpSpPr>
+      <p:grpSpPr>
+        <a:xfrm>
+          <a:off x="0" y="0"/>
+          <a:ext cx="0" cy="0"/>
+          <a:chOff x="0" y="0"/>
+          <a:chExt cx="0" cy="0"/>
+        </a:xfrm>
+      </p:grpSpPr>
+      <p:sp>
+        <p:nvSpPr>
+          <p:cNvPr id="9" name="標題 8"/>
+          <p:cNvSpPr>
+            <a:spLocks noGrp="1"/>
+          </p:cNvSpPr>
+          <p:nvPr>
+            <p:ph type="title"/>
+          </p:nvPr>
+        </p:nvSpPr>
+        <p:spPr/>
+        <p:txBody>
+          <a:bodyPr/>
+          <a:lstStyle/>
+          <a:p>
+            <a:r>
+              <a:rPr lang="zh-TW" altLang="en-US" dirty="0"/>
+              <a:t>取消、延遲、佇列</a:t>
+            </a:r>
+          </a:p>
+        </p:txBody>
+      </p:sp>
+      <p:pic>
+        <p:nvPicPr>
+          <p:cNvPr id="12" name="內容版面配置區 11"/>
+          <p:cNvPicPr>
+            <a:picLocks noGrp="1" noChangeAspect="1"/>
+          </p:cNvPicPr>
+          <p:nvPr>
+            <p:ph sz="half" idx="1"/>
+          </p:nvPr>
+        </p:nvPicPr>
+        <p:blipFill>
+          <a:blip r:embed="rId2"/>
+          <a:stretch>
+            <a:fillRect/>
+          </a:stretch>
+        </p:blipFill>
+        <p:spPr>
+          <a:xfrm>
+            <a:off x="1176338" y="3485699"/>
+            <a:ext cx="3338512" cy="1450290"/>
+          </a:xfrm>
+          <a:prstGeom prst="rect">
+            <a:avLst/>
+          </a:prstGeom>
+        </p:spPr>
+      </p:pic>
+      <p:sp>
+        <p:nvSpPr>
+          <p:cNvPr id="11" name="內容版面配置區 10"/>
+          <p:cNvSpPr>
+            <a:spLocks noGrp="1"/>
+          </p:cNvSpPr>
+          <p:nvPr>
+            <p:ph sz="half" idx="2"/>
+          </p:nvPr>
+        </p:nvSpPr>
+        <p:spPr/>
+        <p:txBody>
+          <a:bodyPr/>
+          <a:lstStyle/>
+          <a:p>
+            <a:r>
+              <a:rPr lang="en-US" altLang="zh-TW" dirty="0"/>
+              <a:t>.queue( [</a:t>
+            </a:r>
+            <a:r>
+              <a:rPr lang="en-US" altLang="zh-TW" dirty="0" err="1"/>
+              <a:t>queueName</a:t>
+            </a:r>
+            <a:r>
+              <a:rPr lang="en-US" altLang="zh-TW" dirty="0"/>
+              <a:t> ] </a:t>
+            </a:r>
+            <a:r>
+              <a:rPr lang="en-US" altLang="zh-TW" dirty="0" smtClean="0"/>
+              <a:t>)</a:t>
+            </a:r>
+            <a:r>
+              <a:rPr lang="zh-TW" altLang="en-US" dirty="0" smtClean="0"/>
+              <a:t>取得佇列</a:t>
+            </a:r>
+            <a:endParaRPr lang="en-US" altLang="zh-TW" dirty="0"/>
+          </a:p>
+          <a:p>
+            <a:r>
+              <a:rPr lang="en-US" altLang="zh-TW" dirty="0"/>
+              <a:t>.</a:t>
+            </a:r>
+            <a:r>
+              <a:rPr lang="en-US" altLang="zh-TW" dirty="0" err="1"/>
+              <a:t>dequeue</a:t>
+            </a:r>
+            <a:r>
+              <a:rPr lang="en-US" altLang="zh-TW" dirty="0"/>
+              <a:t>( [</a:t>
+            </a:r>
+            <a:r>
+              <a:rPr lang="en-US" altLang="zh-TW" dirty="0" err="1"/>
+              <a:t>queueName</a:t>
+            </a:r>
+            <a:r>
+              <a:rPr lang="en-US" altLang="zh-TW" dirty="0"/>
+              <a:t> ] </a:t>
+            </a:r>
+            <a:r>
+              <a:rPr lang="en-US" altLang="zh-TW" dirty="0" smtClean="0"/>
+              <a:t>)</a:t>
+            </a:r>
+            <a:r>
+              <a:rPr lang="zh-TW" altLang="en-US" dirty="0" smtClean="0"/>
+              <a:t>執行</a:t>
+            </a:r>
+            <a:r>
+              <a:rPr lang="zh-TW" altLang="en-US" dirty="0"/>
+              <a:t>佇列</a:t>
+            </a:r>
+            <a:endParaRPr lang="en-US" altLang="zh-TW" dirty="0"/>
+          </a:p>
+          <a:p>
+            <a:r>
+              <a:rPr lang="en-US" altLang="zh-TW" dirty="0" smtClean="0"/>
+              <a:t>.</a:t>
+            </a:r>
+            <a:r>
+              <a:rPr lang="en-US" altLang="zh-TW" dirty="0" err="1"/>
+              <a:t>clearQueue</a:t>
+            </a:r>
+            <a:r>
+              <a:rPr lang="en-US" altLang="zh-TW" dirty="0"/>
+              <a:t>( [</a:t>
+            </a:r>
+            <a:r>
+              <a:rPr lang="en-US" altLang="zh-TW" dirty="0" err="1"/>
+              <a:t>queueName</a:t>
+            </a:r>
+            <a:r>
+              <a:rPr lang="en-US" altLang="zh-TW" dirty="0"/>
+              <a:t> ] </a:t>
+            </a:r>
+            <a:r>
+              <a:rPr lang="en-US" altLang="zh-TW" dirty="0" smtClean="0"/>
+              <a:t>)</a:t>
+            </a:r>
+            <a:r>
+              <a:rPr lang="zh-TW" altLang="en-US" dirty="0" smtClean="0"/>
+              <a:t>清除</a:t>
+            </a:r>
+            <a:r>
+              <a:rPr lang="zh-TW" altLang="en-US" dirty="0"/>
+              <a:t>佇列</a:t>
+            </a:r>
+          </a:p>
+        </p:txBody>
+      </p:sp>
+    </p:spTree>
+    <p:extLst>
+      <p:ext uri="{BB962C8B-B14F-4D97-AF65-F5344CB8AC3E}">
+        <p14:creationId xmlns:p14="http://schemas.microsoft.com/office/powerpoint/2010/main" val="3317543044"/>
+      </p:ext>
+    </p:extLst>
+  </p:cSld>
+  <p:clrMapOvr>
+    <a:masterClrMapping/>
+  </p:clrMapOvr>
+  <p:timing>
+    <p:tnLst>
+      <p:par>
+        <p:cTn id="1" dur="indefinite" restart="never" nodeType="tmRoot"/>
+      </p:par>
+    </p:tnLst>
+  </p:timing>
+</p:sld>
+</file>
+
+<file path=ppt/slides/slide73.xml><?xml version="1.0" encoding="utf-8"?>
+<p:sld xmlns:a="http://schemas.openxmlformats.org/drawingml/2006/main" xmlns:r="http://schemas.openxmlformats.org/officeDocument/2006/relationships" xmlns:p="http://schemas.openxmlformats.org/presentationml/2006/main">
+  <p:cSld>
+    <p:spTree>
+      <p:nvGrpSpPr>
+        <p:cNvPr id="1" name=""/>
+        <p:cNvGrpSpPr/>
+        <p:nvPr/>
+      </p:nvGrpSpPr>
+      <p:grpSpPr>
+        <a:xfrm>
+          <a:off x="0" y="0"/>
+          <a:ext cx="0" cy="0"/>
+          <a:chOff x="0" y="0"/>
+          <a:chExt cx="0" cy="0"/>
+        </a:xfrm>
+      </p:grpSpPr>
+      <p:sp>
+        <p:nvSpPr>
+          <p:cNvPr id="2" name="標題 1"/>
+          <p:cNvSpPr>
+            <a:spLocks noGrp="1"/>
+          </p:cNvSpPr>
+          <p:nvPr>
+            <p:ph type="title"/>
+          </p:nvPr>
+        </p:nvSpPr>
+        <p:spPr/>
+        <p:txBody>
+          <a:bodyPr/>
+          <a:lstStyle/>
+          <a:p>
+            <a:r>
+              <a:rPr lang="zh-TW" altLang="en-US" dirty="0" smtClean="0"/>
+              <a:t>檯面下交易</a:t>
+            </a:r>
+            <a:r>
+              <a:rPr lang="en-US" altLang="zh-TW" dirty="0" smtClean="0"/>
+              <a:t>$</a:t>
+            </a:r>
+            <a:endParaRPr lang="zh-TW" altLang="en-US" dirty="0"/>
+          </a:p>
+        </p:txBody>
+      </p:sp>
+      <p:sp>
+        <p:nvSpPr>
+          <p:cNvPr id="3" name="文字版面配置區 2"/>
+          <p:cNvSpPr>
+            <a:spLocks noGrp="1"/>
+          </p:cNvSpPr>
+          <p:nvPr>
+            <p:ph type="body" idx="1"/>
+          </p:nvPr>
+        </p:nvSpPr>
+        <p:spPr>
+          <a:xfrm>
+            <a:off x="1278465" y="3734859"/>
+            <a:ext cx="6595534" cy="1934421"/>
+          </a:xfrm>
+        </p:spPr>
+        <p:txBody>
+          <a:bodyPr>
+            <a:normAutofit lnSpcReduction="10000"/>
+          </a:bodyPr>
+          <a:lstStyle/>
+          <a:p>
+            <a:r>
+              <a:rPr lang="en-US" altLang="zh-TW" dirty="0" smtClean="0"/>
+              <a:t>AJAX </a:t>
+            </a:r>
+            <a:r>
+              <a:rPr lang="zh-TW" altLang="en-US" dirty="0" smtClean="0"/>
+              <a:t>基礎事件</a:t>
+            </a:r>
+            <a:endParaRPr lang="en-US" altLang="zh-TW" dirty="0" smtClean="0"/>
+          </a:p>
+          <a:p>
+            <a:r>
+              <a:rPr lang="en-US" altLang="zh-TW" dirty="0" smtClean="0"/>
+              <a:t>AJAX</a:t>
+            </a:r>
+            <a:r>
+              <a:rPr lang="zh-TW" altLang="en-US" dirty="0" smtClean="0"/>
+              <a:t> 生命週期</a:t>
+            </a:r>
+            <a:endParaRPr lang="en-US" altLang="zh-TW" dirty="0" smtClean="0"/>
+          </a:p>
+          <a:p>
+            <a:r>
+              <a:rPr lang="en-US" altLang="zh-TW" dirty="0" smtClean="0"/>
+              <a:t>AJAX</a:t>
+            </a:r>
+            <a:r>
+              <a:rPr lang="zh-TW" altLang="en-US" dirty="0"/>
+              <a:t>速記</a:t>
+            </a:r>
+            <a:endParaRPr lang="en-US" altLang="zh-TW" dirty="0" smtClean="0"/>
+          </a:p>
+          <a:p>
+            <a:r>
+              <a:rPr lang="zh-TW" altLang="en-US" dirty="0" smtClean="0"/>
+              <a:t>非同步事件管理</a:t>
+            </a:r>
+            <a:r>
+              <a:rPr lang="en-US" altLang="zh-TW" dirty="0" smtClean="0"/>
+              <a:t>(</a:t>
+            </a:r>
+            <a:r>
+              <a:rPr lang="zh-TW" altLang="en-US" dirty="0" smtClean="0"/>
+              <a:t>並行、串列</a:t>
+            </a:r>
+            <a:r>
+              <a:rPr lang="en-US" altLang="zh-TW" dirty="0" smtClean="0"/>
+              <a:t>)</a:t>
+            </a:r>
+            <a:endParaRPr lang="zh-TW" altLang="en-US" dirty="0"/>
+          </a:p>
+        </p:txBody>
+      </p:sp>
+    </p:spTree>
+    <p:extLst>
+      <p:ext uri="{BB962C8B-B14F-4D97-AF65-F5344CB8AC3E}">
+        <p14:creationId xmlns:p14="http://schemas.microsoft.com/office/powerpoint/2010/main" val="2453025245"/>
+      </p:ext>
+    </p:extLst>
+  </p:cSld>
+  <p:clrMapOvr>
+    <a:masterClrMapping/>
+  </p:clrMapOvr>
+  <p:timing>
+    <p:tnLst>
+      <p:par>
+        <p:cTn id="1" dur="indefinite" restart="never" nodeType="tmRoot"/>
+      </p:par>
+    </p:tnLst>
+  </p:timing>
+</p:sld>
+</file>
+
+<file path=ppt/slides/slide74.xml><?xml version="1.0" encoding="utf-8"?>
+<p:sld xmlns:a="http://schemas.openxmlformats.org/drawingml/2006/main" xmlns:r="http://schemas.openxmlformats.org/officeDocument/2006/relationships" xmlns:p="http://schemas.openxmlformats.org/presentationml/2006/main">
+  <p:cSld>
+    <p:spTree>
+      <p:nvGrpSpPr>
+        <p:cNvPr id="1" name=""/>
+        <p:cNvGrpSpPr/>
+        <p:nvPr/>
+      </p:nvGrpSpPr>
+      <p:grpSpPr>
+        <a:xfrm>
+          <a:off x="0" y="0"/>
+          <a:ext cx="0" cy="0"/>
+          <a:chOff x="0" y="0"/>
+          <a:chExt cx="0" cy="0"/>
+        </a:xfrm>
+      </p:grpSpPr>
+      <p:sp>
+        <p:nvSpPr>
+          <p:cNvPr id="4" name="標題 3"/>
+          <p:cNvSpPr>
+            <a:spLocks noGrp="1"/>
+          </p:cNvSpPr>
+          <p:nvPr>
+            <p:ph type="title"/>
+          </p:nvPr>
+        </p:nvSpPr>
+        <p:spPr/>
+        <p:txBody>
+          <a:bodyPr/>
+          <a:lstStyle/>
+          <a:p>
+            <a:r>
+              <a:rPr lang="en-US" altLang="zh-TW" dirty="0"/>
+              <a:t>AJAX </a:t>
+            </a:r>
+            <a:r>
+              <a:rPr lang="zh-TW" altLang="en-US" dirty="0"/>
+              <a:t>基礎事件</a:t>
+            </a:r>
+            <a:endParaRPr lang="en-US" altLang="zh-TW" dirty="0"/>
+          </a:p>
+        </p:txBody>
+      </p:sp>
+      <p:sp>
+        <p:nvSpPr>
+          <p:cNvPr id="5" name="內容版面配置區 4"/>
+          <p:cNvSpPr>
+            <a:spLocks noGrp="1"/>
+          </p:cNvSpPr>
+          <p:nvPr>
+            <p:ph idx="1"/>
+          </p:nvPr>
+        </p:nvSpPr>
+        <p:spPr>
+          <a:xfrm>
+            <a:off x="1176865" y="2490136"/>
+            <a:ext cx="6798736" cy="549156"/>
+          </a:xfrm>
+        </p:spPr>
+        <p:txBody>
+          <a:bodyPr/>
+          <a:lstStyle/>
+          <a:p>
+            <a:r>
+              <a:rPr lang="en-US" altLang="zh-TW" dirty="0" err="1" smtClean="0"/>
+              <a:t>jQuery.ajax</a:t>
+            </a:r>
+            <a:r>
+              <a:rPr lang="en-US" altLang="zh-TW" dirty="0" smtClean="0"/>
+              <a:t>(</a:t>
+            </a:r>
+            <a:r>
+              <a:rPr lang="en-US" altLang="zh-TW" b="1" dirty="0" smtClean="0"/>
+              <a:t>String</a:t>
+            </a:r>
+            <a:r>
+              <a:rPr lang="zh-TW" altLang="en-US" dirty="0" smtClean="0"/>
+              <a:t> </a:t>
+            </a:r>
+            <a:r>
+              <a:rPr lang="en-US" altLang="zh-TW" dirty="0" err="1" smtClean="0"/>
+              <a:t>url</a:t>
+            </a:r>
+            <a:r>
+              <a:rPr lang="en-US" altLang="zh-TW" dirty="0" smtClean="0"/>
+              <a:t> </a:t>
+            </a:r>
+            <a:r>
+              <a:rPr lang="en-US" altLang="zh-TW" dirty="0"/>
+              <a:t>[, </a:t>
+            </a:r>
+            <a:r>
+              <a:rPr lang="en-US" altLang="zh-TW" b="1" dirty="0" err="1" smtClean="0"/>
+              <a:t>PlainObject</a:t>
+            </a:r>
+            <a:r>
+              <a:rPr lang="zh-TW" altLang="en-US" dirty="0" smtClean="0"/>
+              <a:t> </a:t>
+            </a:r>
+            <a:r>
+              <a:rPr lang="en-US" altLang="zh-TW" dirty="0" smtClean="0"/>
+              <a:t>settings </a:t>
+            </a:r>
+            <a:r>
+              <a:rPr lang="en-US" altLang="zh-TW" dirty="0"/>
+              <a:t>] )</a:t>
+            </a:r>
+            <a:endParaRPr lang="zh-TW" altLang="en-US" dirty="0"/>
+          </a:p>
+        </p:txBody>
+      </p:sp>
+      <p:graphicFrame>
+        <p:nvGraphicFramePr>
+          <p:cNvPr id="6" name="表格 5"/>
+          <p:cNvGraphicFramePr>
+            <a:graphicFrameLocks noGrp="1"/>
+          </p:cNvGraphicFramePr>
+          <p:nvPr>
+            <p:extLst>
+              <p:ext uri="{D42A27DB-BD31-4B8C-83A1-F6EECF244321}">
+                <p14:modId xmlns:p14="http://schemas.microsoft.com/office/powerpoint/2010/main" val="3140290179"/>
+              </p:ext>
+            </p:extLst>
+          </p:nvPr>
+        </p:nvGraphicFramePr>
+        <p:xfrm>
+          <a:off x="809897" y="3039292"/>
+          <a:ext cx="7524205" cy="2926080"/>
+        </p:xfrm>
+        <a:graphic>
+          <a:graphicData uri="http://schemas.openxmlformats.org/drawingml/2006/table">
+            <a:tbl>
+              <a:tblPr firstRow="1" bandRow="1">
+                <a:tableStyleId>{5C22544A-7EE6-4342-B048-85BDC9FD1C3A}</a:tableStyleId>
+              </a:tblPr>
+              <a:tblGrid>
+                <a:gridCol w="2281646"/>
+                <a:gridCol w="5242559"/>
+              </a:tblGrid>
+              <a:tr h="365268">
+                <a:tc>
+                  <a:txBody>
+                    <a:bodyPr/>
+                    <a:lstStyle/>
+                    <a:p>
+                      <a:pPr algn="ctr"/>
+                      <a:r>
+                        <a:rPr lang="zh-TW" altLang="en-US" dirty="0" smtClean="0"/>
+                        <a:t>設定值</a:t>
+                      </a:r>
+                      <a:endParaRPr lang="zh-TW" altLang="en-US" dirty="0"/>
+                    </a:p>
+                  </a:txBody>
+                  <a:tcPr/>
+                </a:tc>
+                <a:tc>
+                  <a:txBody>
+                    <a:bodyPr/>
+                    <a:lstStyle/>
+                    <a:p>
+                      <a:pPr algn="ctr"/>
+                      <a:r>
+                        <a:rPr lang="zh-TW" altLang="en-US" dirty="0" smtClean="0"/>
+                        <a:t>說明</a:t>
+                      </a:r>
+                      <a:endParaRPr lang="zh-TW" altLang="en-US" dirty="0"/>
+                    </a:p>
+                  </a:txBody>
+                  <a:tcPr/>
+                </a:tc>
+              </a:tr>
+              <a:tr h="365268">
+                <a:tc>
+                  <a:txBody>
+                    <a:bodyPr/>
+                    <a:lstStyle/>
+                    <a:p>
+                      <a:r>
+                        <a:rPr lang="en-US" altLang="zh-TW" sz="1800" b="1" i="0" kern="1200" dirty="0" err="1" smtClean="0">
+                          <a:solidFill>
+                            <a:schemeClr val="dk1"/>
+                          </a:solidFill>
+                          <a:effectLst/>
+                          <a:latin typeface="+mn-lt"/>
+                          <a:ea typeface="+mn-ea"/>
+                          <a:cs typeface="+mn-cs"/>
+                        </a:rPr>
+                        <a:t>async</a:t>
+                      </a:r>
+                      <a:endParaRPr lang="zh-TW" altLang="en-US" dirty="0"/>
+                    </a:p>
+                  </a:txBody>
+                  <a:tcPr/>
+                </a:tc>
+                <a:tc>
+                  <a:txBody>
+                    <a:bodyPr/>
+                    <a:lstStyle/>
+                    <a:p>
+                      <a:r>
+                        <a:rPr lang="en-US" altLang="zh-TW" sz="1800" b="0" i="0" kern="1200" dirty="0" smtClean="0">
+                          <a:solidFill>
+                            <a:schemeClr val="dk1"/>
+                          </a:solidFill>
+                          <a:effectLst/>
+                          <a:latin typeface="+mn-lt"/>
+                          <a:ea typeface="+mn-ea"/>
+                          <a:cs typeface="+mn-cs"/>
+                        </a:rPr>
+                        <a:t>default: </a:t>
+                      </a:r>
+                      <a:r>
+                        <a:rPr lang="en-US" altLang="zh-TW" dirty="0" smtClean="0"/>
+                        <a:t>true</a:t>
+                      </a:r>
+                      <a:r>
+                        <a:rPr lang="zh-TW" altLang="en-US" dirty="0" smtClean="0"/>
+                        <a:t>，如果設為</a:t>
+                      </a:r>
+                      <a:r>
+                        <a:rPr lang="en-US" altLang="zh-TW" dirty="0" smtClean="0"/>
+                        <a:t>false</a:t>
+                      </a:r>
+                      <a:r>
+                        <a:rPr lang="zh-TW" altLang="en-US" dirty="0" smtClean="0"/>
+                        <a:t>，會變成同步。</a:t>
+                      </a:r>
+                      <a:endParaRPr lang="zh-TW" altLang="en-US" dirty="0"/>
+                    </a:p>
+                  </a:txBody>
+                  <a:tcPr/>
+                </a:tc>
+              </a:tr>
+              <a:tr h="365268">
+                <a:tc>
+                  <a:txBody>
+                    <a:bodyPr/>
+                    <a:lstStyle/>
+                    <a:p>
+                      <a:r>
+                        <a:rPr lang="en-US" altLang="zh-TW" sz="1800" b="1" i="0" kern="1200" dirty="0" err="1" smtClean="0">
+                          <a:solidFill>
+                            <a:schemeClr val="dk1"/>
+                          </a:solidFill>
+                          <a:effectLst/>
+                          <a:latin typeface="+mn-lt"/>
+                          <a:ea typeface="+mn-ea"/>
+                          <a:cs typeface="+mn-cs"/>
+                        </a:rPr>
+                        <a:t>crossDomain</a:t>
+                      </a:r>
+                      <a:r>
+                        <a:rPr lang="en-US" altLang="zh-TW" sz="1800" b="0" i="0" kern="1200" dirty="0" smtClean="0">
+                          <a:solidFill>
+                            <a:schemeClr val="dk1"/>
+                          </a:solidFill>
+                          <a:effectLst/>
+                          <a:latin typeface="+mn-lt"/>
+                          <a:ea typeface="+mn-ea"/>
+                          <a:cs typeface="+mn-cs"/>
+                        </a:rPr>
+                        <a:t> </a:t>
+                      </a:r>
+                      <a:endParaRPr lang="zh-TW" altLang="en-US" dirty="0"/>
+                    </a:p>
+                  </a:txBody>
+                  <a:tcPr/>
+                </a:tc>
+                <a:tc>
+                  <a:txBody>
+                    <a:bodyPr/>
+                    <a:lstStyle/>
+                    <a:p>
+                      <a:r>
+                        <a:rPr lang="zh-TW" altLang="en-US" dirty="0" smtClean="0"/>
+                        <a:t>設定是否跨</a:t>
+                      </a:r>
+                      <a:r>
+                        <a:rPr lang="en-US" altLang="zh-TW" dirty="0" smtClean="0"/>
+                        <a:t>Domain</a:t>
+                      </a:r>
+                      <a:endParaRPr lang="zh-TW" altLang="en-US" dirty="0"/>
+                    </a:p>
+                  </a:txBody>
+                  <a:tcPr/>
+                </a:tc>
+              </a:tr>
+              <a:tr h="365268">
+                <a:tc>
+                  <a:txBody>
+                    <a:bodyPr/>
+                    <a:lstStyle/>
+                    <a:p>
+                      <a:r>
+                        <a:rPr lang="en-US" altLang="zh-TW" sz="1800" b="1" i="0" kern="1200" dirty="0" smtClean="0">
+                          <a:solidFill>
+                            <a:schemeClr val="dk1"/>
+                          </a:solidFill>
+                          <a:effectLst/>
+                          <a:latin typeface="+mn-lt"/>
+                          <a:ea typeface="+mn-ea"/>
+                          <a:cs typeface="+mn-cs"/>
+                        </a:rPr>
+                        <a:t>data</a:t>
+                      </a:r>
+                      <a:endParaRPr lang="zh-TW" altLang="en-US" dirty="0"/>
+                    </a:p>
+                  </a:txBody>
+                  <a:tcPr/>
+                </a:tc>
+                <a:tc>
+                  <a:txBody>
+                    <a:bodyPr/>
+                    <a:lstStyle/>
+                    <a:p>
+                      <a:r>
+                        <a:rPr lang="zh-TW" altLang="en-US" dirty="0" smtClean="0"/>
+                        <a:t>傳給</a:t>
+                      </a:r>
+                      <a:r>
+                        <a:rPr lang="en-US" altLang="zh-TW" dirty="0" err="1" smtClean="0"/>
+                        <a:t>url</a:t>
+                      </a:r>
+                      <a:r>
+                        <a:rPr lang="zh-TW" altLang="en-US" dirty="0" smtClean="0"/>
+                        <a:t>的值，一般都是表單值或</a:t>
+                      </a:r>
+                      <a:r>
+                        <a:rPr lang="en-US" altLang="zh-TW" dirty="0" smtClean="0"/>
+                        <a:t>JSON</a:t>
+                      </a:r>
+                      <a:r>
+                        <a:rPr lang="zh-TW" altLang="en-US" dirty="0" smtClean="0"/>
+                        <a:t>物件。</a:t>
+                      </a:r>
+                      <a:endParaRPr lang="en-US" altLang="zh-TW" dirty="0" smtClean="0"/>
+                    </a:p>
+                  </a:txBody>
+                  <a:tcPr/>
+                </a:tc>
+              </a:tr>
+              <a:tr h="365268">
+                <a:tc>
+                  <a:txBody>
+                    <a:bodyPr/>
+                    <a:lstStyle/>
+                    <a:p>
+                      <a:r>
+                        <a:rPr lang="en-US" altLang="zh-TW" sz="1800" b="1" i="0" kern="1200" dirty="0" err="1" smtClean="0">
+                          <a:solidFill>
+                            <a:schemeClr val="dk1"/>
+                          </a:solidFill>
+                          <a:effectLst/>
+                          <a:latin typeface="+mn-lt"/>
+                          <a:ea typeface="+mn-ea"/>
+                          <a:cs typeface="+mn-cs"/>
+                        </a:rPr>
+                        <a:t>dataType</a:t>
+                      </a:r>
+                      <a:r>
+                        <a:rPr lang="en-US" altLang="zh-TW" sz="1800" b="0" i="0" kern="1200" dirty="0" smtClean="0">
+                          <a:solidFill>
+                            <a:schemeClr val="dk1"/>
+                          </a:solidFill>
+                          <a:effectLst/>
+                          <a:latin typeface="+mn-lt"/>
+                          <a:ea typeface="+mn-ea"/>
+                          <a:cs typeface="+mn-cs"/>
+                        </a:rPr>
+                        <a:t> </a:t>
+                      </a:r>
+                      <a:endParaRPr lang="zh-TW" altLang="en-US" dirty="0"/>
+                    </a:p>
+                  </a:txBody>
+                  <a:tcPr/>
+                </a:tc>
+                <a:tc>
+                  <a:txBody>
+                    <a:bodyPr/>
+                    <a:lstStyle/>
+                    <a:p>
+                      <a:r>
+                        <a:rPr lang="zh-TW" altLang="en-US" sz="1800" b="0" i="0" kern="1200" dirty="0" smtClean="0">
+                          <a:solidFill>
+                            <a:schemeClr val="dk1"/>
+                          </a:solidFill>
+                          <a:effectLst/>
+                          <a:latin typeface="+mn-lt"/>
+                          <a:ea typeface="+mn-ea"/>
+                          <a:cs typeface="+mn-cs"/>
+                        </a:rPr>
+                        <a:t>預計會回傳的資料類型</a:t>
+                      </a:r>
+                      <a:r>
+                        <a:rPr lang="en-US" altLang="zh-TW" sz="1800" b="0" i="0" kern="1200" dirty="0" smtClean="0">
+                          <a:solidFill>
+                            <a:schemeClr val="dk1"/>
+                          </a:solidFill>
+                          <a:effectLst/>
+                          <a:latin typeface="+mn-lt"/>
+                          <a:ea typeface="+mn-ea"/>
+                          <a:cs typeface="+mn-cs"/>
+                        </a:rPr>
+                        <a:t>xml, </a:t>
+                      </a:r>
+                      <a:r>
+                        <a:rPr lang="en-US" altLang="zh-TW" sz="1800" b="0" i="0" kern="1200" dirty="0" err="1" smtClean="0">
+                          <a:solidFill>
+                            <a:schemeClr val="dk1"/>
+                          </a:solidFill>
+                          <a:effectLst/>
+                          <a:latin typeface="+mn-lt"/>
+                          <a:ea typeface="+mn-ea"/>
+                          <a:cs typeface="+mn-cs"/>
+                        </a:rPr>
+                        <a:t>json</a:t>
+                      </a:r>
+                      <a:r>
+                        <a:rPr lang="en-US" altLang="zh-TW" sz="1800" b="0" i="0" kern="1200" dirty="0" smtClean="0">
+                          <a:solidFill>
+                            <a:schemeClr val="dk1"/>
+                          </a:solidFill>
+                          <a:effectLst/>
+                          <a:latin typeface="+mn-lt"/>
+                          <a:ea typeface="+mn-ea"/>
+                          <a:cs typeface="+mn-cs"/>
+                        </a:rPr>
+                        <a:t>, </a:t>
+                      </a:r>
+                      <a:r>
+                        <a:rPr lang="en-US" altLang="zh-TW" sz="1800" b="0" i="0" kern="1200" dirty="0" err="1" smtClean="0">
+                          <a:solidFill>
+                            <a:schemeClr val="dk1"/>
+                          </a:solidFill>
+                          <a:effectLst/>
+                          <a:latin typeface="+mn-lt"/>
+                          <a:ea typeface="+mn-ea"/>
+                          <a:cs typeface="+mn-cs"/>
+                        </a:rPr>
+                        <a:t>jsonp</a:t>
+                      </a:r>
+                      <a:r>
+                        <a:rPr lang="en-US" altLang="zh-TW" sz="1800" b="0" i="0" kern="1200" dirty="0" smtClean="0">
+                          <a:solidFill>
+                            <a:schemeClr val="dk1"/>
+                          </a:solidFill>
+                          <a:effectLst/>
+                          <a:latin typeface="+mn-lt"/>
+                          <a:ea typeface="+mn-ea"/>
+                          <a:cs typeface="+mn-cs"/>
+                        </a:rPr>
+                        <a:t>, script, or html</a:t>
+                      </a:r>
+                      <a:endParaRPr lang="zh-TW" altLang="en-US" dirty="0"/>
+                    </a:p>
+                  </a:txBody>
+                  <a:tcPr/>
+                </a:tc>
+              </a:tr>
+              <a:tr h="365268">
+                <a:tc>
+                  <a:txBody>
+                    <a:bodyPr/>
+                    <a:lstStyle/>
+                    <a:p>
+                      <a:r>
+                        <a:rPr lang="en-US" altLang="zh-TW" sz="1800" b="1" i="0" kern="1200" dirty="0" smtClean="0">
+                          <a:solidFill>
+                            <a:schemeClr val="dk1"/>
+                          </a:solidFill>
+                          <a:effectLst/>
+                          <a:latin typeface="+mn-lt"/>
+                          <a:ea typeface="+mn-ea"/>
+                          <a:cs typeface="+mn-cs"/>
+                        </a:rPr>
+                        <a:t>method</a:t>
+                      </a:r>
+                      <a:r>
+                        <a:rPr lang="en-US" altLang="zh-TW" sz="1800" b="0" i="0" kern="1200" dirty="0" smtClean="0">
+                          <a:solidFill>
+                            <a:schemeClr val="dk1"/>
+                          </a:solidFill>
+                          <a:effectLst/>
+                          <a:latin typeface="+mn-lt"/>
+                          <a:ea typeface="+mn-ea"/>
+                          <a:cs typeface="+mn-cs"/>
+                        </a:rPr>
+                        <a:t> </a:t>
+                      </a:r>
+                      <a:endParaRPr lang="zh-TW" altLang="en-US" dirty="0"/>
+                    </a:p>
+                  </a:txBody>
+                  <a:tcPr/>
+                </a:tc>
+                <a:tc>
+                  <a:txBody>
+                    <a:bodyPr/>
+                    <a:lstStyle/>
+                    <a:p>
+                      <a:pPr marL="0" marR="0" indent="0" algn="l" defTabSz="457200" rtl="0" eaLnBrk="1" fontAlgn="auto" latinLnBrk="0" hangingPunct="1">
+                        <a:lnSpc>
+                          <a:spcPct val="100000"/>
+                        </a:lnSpc>
+                        <a:spcBef>
+                          <a:spcPts val="0"/>
+                        </a:spcBef>
+                        <a:spcAft>
+                          <a:spcPts val="0"/>
+                        </a:spcAft>
+                        <a:buClrTx/>
+                        <a:buSzTx/>
+                        <a:buFontTx/>
+                        <a:buNone/>
+                        <a:tabLst/>
+                        <a:defRPr/>
+                      </a:pPr>
+                      <a:r>
+                        <a:rPr lang="en-US" altLang="zh-TW" sz="1800" b="0" i="0" kern="1200" dirty="0" smtClean="0">
+                          <a:solidFill>
+                            <a:schemeClr val="dk1"/>
+                          </a:solidFill>
+                          <a:effectLst/>
+                          <a:latin typeface="+mn-lt"/>
+                          <a:ea typeface="+mn-ea"/>
+                          <a:cs typeface="+mn-cs"/>
+                        </a:rPr>
+                        <a:t>default: </a:t>
+                      </a:r>
+                      <a:r>
+                        <a:rPr lang="en-US" altLang="zh-TW" dirty="0" smtClean="0"/>
+                        <a:t>'GET‘[</a:t>
+                      </a:r>
+                      <a:r>
+                        <a:rPr lang="en-US" altLang="zh-TW" dirty="0" smtClean="0"/>
+                        <a:t>"POST"</a:t>
+                      </a:r>
+                      <a:r>
+                        <a:rPr lang="en-US" altLang="zh-TW" sz="1800" b="0" i="0" kern="1200" dirty="0" smtClean="0">
+                          <a:solidFill>
+                            <a:schemeClr val="dk1"/>
+                          </a:solidFill>
+                          <a:effectLst/>
+                          <a:latin typeface="+mn-lt"/>
+                          <a:ea typeface="+mn-ea"/>
+                          <a:cs typeface="+mn-cs"/>
+                        </a:rPr>
+                        <a:t>, </a:t>
+                      </a:r>
+                      <a:r>
+                        <a:rPr lang="en-US" altLang="zh-TW" dirty="0" smtClean="0"/>
+                        <a:t>"GET"</a:t>
+                      </a:r>
+                      <a:r>
+                        <a:rPr lang="en-US" altLang="zh-TW" sz="1800" b="0" i="0" kern="1200" dirty="0" smtClean="0">
+                          <a:solidFill>
+                            <a:schemeClr val="dk1"/>
+                          </a:solidFill>
+                          <a:effectLst/>
+                          <a:latin typeface="+mn-lt"/>
+                          <a:ea typeface="+mn-ea"/>
+                          <a:cs typeface="+mn-cs"/>
+                        </a:rPr>
+                        <a:t>, </a:t>
+                      </a:r>
+                      <a:r>
+                        <a:rPr lang="en-US" altLang="zh-TW" dirty="0" smtClean="0"/>
+                        <a:t>"PUT“,”DELETE”]</a:t>
+                      </a:r>
+                      <a:endParaRPr lang="zh-TW" altLang="en-US" dirty="0" smtClean="0"/>
+                    </a:p>
+                  </a:txBody>
+                  <a:tcPr/>
+                </a:tc>
+              </a:tr>
+              <a:tr h="165462">
+                <a:tc>
+                  <a:txBody>
+                    <a:bodyPr/>
+                    <a:lstStyle/>
+                    <a:p>
+                      <a:r>
+                        <a:rPr lang="en-US" altLang="zh-TW" sz="1800" b="1" i="0" kern="1200" dirty="0" smtClean="0">
+                          <a:solidFill>
+                            <a:schemeClr val="dk1"/>
+                          </a:solidFill>
+                          <a:effectLst/>
+                          <a:latin typeface="+mn-lt"/>
+                          <a:ea typeface="+mn-ea"/>
+                          <a:cs typeface="+mn-cs"/>
+                        </a:rPr>
+                        <a:t>Username/password</a:t>
+                      </a:r>
+                      <a:endParaRPr lang="zh-TW" altLang="en-US" dirty="0"/>
+                    </a:p>
+                  </a:txBody>
+                  <a:tcPr/>
+                </a:tc>
+                <a:tc>
+                  <a:txBody>
+                    <a:bodyPr/>
+                    <a:lstStyle/>
+                    <a:p>
+                      <a:r>
+                        <a:rPr lang="zh-TW" altLang="en-US" dirty="0" smtClean="0"/>
+                        <a:t>有一些服務需要傳入帳號密碼，才可以存取。</a:t>
+                      </a:r>
+                      <a:endParaRPr lang="zh-TW" altLang="en-US" dirty="0"/>
+                    </a:p>
+                  </a:txBody>
+                  <a:tcPr/>
+                </a:tc>
+              </a:tr>
+              <a:tr h="365268">
+                <a:tc>
+                  <a:txBody>
+                    <a:bodyPr/>
+                    <a:lstStyle/>
+                    <a:p>
+                      <a:r>
+                        <a:rPr lang="en-US" altLang="zh-TW" sz="1800" b="1" i="0" kern="1200" dirty="0" smtClean="0">
+                          <a:solidFill>
+                            <a:schemeClr val="dk1"/>
+                          </a:solidFill>
+                          <a:effectLst/>
+                          <a:latin typeface="+mn-lt"/>
+                          <a:ea typeface="+mn-ea"/>
+                          <a:cs typeface="+mn-cs"/>
+                        </a:rPr>
+                        <a:t>timeout</a:t>
+                      </a:r>
+                      <a:endParaRPr lang="zh-TW" altLang="en-US" dirty="0"/>
+                    </a:p>
+                  </a:txBody>
+                  <a:tcPr/>
+                </a:tc>
+                <a:tc>
+                  <a:txBody>
+                    <a:bodyPr/>
+                    <a:lstStyle/>
+                    <a:p>
+                      <a:r>
+                        <a:rPr lang="zh-TW" altLang="en-US" dirty="0" smtClean="0"/>
+                        <a:t>設定多久逾時</a:t>
+                      </a:r>
+                      <a:endParaRPr lang="zh-TW" altLang="en-US" dirty="0"/>
+                    </a:p>
+                  </a:txBody>
+                  <a:tcPr/>
+                </a:tc>
+              </a:tr>
+            </a:tbl>
+          </a:graphicData>
+        </a:graphic>
+      </p:graphicFrame>
+    </p:spTree>
+    <p:extLst>
+      <p:ext uri="{BB962C8B-B14F-4D97-AF65-F5344CB8AC3E}">
+        <p14:creationId xmlns:p14="http://schemas.microsoft.com/office/powerpoint/2010/main" val="4065644842"/>
+      </p:ext>
+    </p:extLst>
+  </p:cSld>
+  <p:clrMapOvr>
+    <a:masterClrMapping/>
+  </p:clrMapOvr>
+  <p:timing>
+    <p:tnLst>
+      <p:par>
+        <p:cTn id="1" dur="indefinite" restart="never" nodeType="tmRoot"/>
+      </p:par>
+    </p:tnLst>
+  </p:timing>
+</p:sld>
+</file>
+
+<file path=ppt/slides/slide75.xml><?xml version="1.0" encoding="utf-8"?>
+<p:sld xmlns:a="http://schemas.openxmlformats.org/drawingml/2006/main" xmlns:r="http://schemas.openxmlformats.org/officeDocument/2006/relationships" xmlns:p="http://schemas.openxmlformats.org/presentationml/2006/main">
+  <p:cSld>
+    <p:spTree>
+      <p:nvGrpSpPr>
+        <p:cNvPr id="1" name=""/>
+        <p:cNvGrpSpPr/>
+        <p:nvPr/>
+      </p:nvGrpSpPr>
+      <p:grpSpPr>
+        <a:xfrm>
+          <a:off x="0" y="0"/>
+          <a:ext cx="0" cy="0"/>
+          <a:chOff x="0" y="0"/>
+          <a:chExt cx="0" cy="0"/>
+        </a:xfrm>
+      </p:grpSpPr>
+      <p:sp>
+        <p:nvSpPr>
+          <p:cNvPr id="4" name="標題 3"/>
+          <p:cNvSpPr>
+            <a:spLocks noGrp="1"/>
+          </p:cNvSpPr>
+          <p:nvPr>
+            <p:ph type="title"/>
+          </p:nvPr>
+        </p:nvSpPr>
+        <p:spPr/>
+        <p:txBody>
+          <a:bodyPr>
+            <a:normAutofit/>
+          </a:bodyPr>
+          <a:lstStyle/>
+          <a:p>
+            <a:r>
+              <a:rPr lang="en-US" altLang="zh-TW" dirty="0"/>
+              <a:t>AJAX</a:t>
+            </a:r>
+            <a:r>
+              <a:rPr lang="zh-TW" altLang="en-US" dirty="0"/>
+              <a:t> </a:t>
+            </a:r>
+            <a:r>
+              <a:rPr lang="zh-TW" altLang="en-US" dirty="0" smtClean="0"/>
+              <a:t>生命週期</a:t>
+            </a:r>
+            <a:endParaRPr lang="zh-TW" altLang="en-US" dirty="0"/>
+          </a:p>
+        </p:txBody>
+      </p:sp>
+      <p:graphicFrame>
+        <p:nvGraphicFramePr>
+          <p:cNvPr id="6" name="內容版面配置區 5"/>
+          <p:cNvGraphicFramePr>
+            <a:graphicFrameLocks noGrp="1"/>
+          </p:cNvGraphicFramePr>
+          <p:nvPr>
+            <p:ph idx="1"/>
+            <p:extLst>
+              <p:ext uri="{D42A27DB-BD31-4B8C-83A1-F6EECF244321}">
+                <p14:modId xmlns:p14="http://schemas.microsoft.com/office/powerpoint/2010/main" val="313081507"/>
+              </p:ext>
+            </p:extLst>
+          </p:nvPr>
+        </p:nvGraphicFramePr>
+        <p:xfrm>
+          <a:off x="618309" y="2490788"/>
+          <a:ext cx="7950925" cy="3822926"/>
+        </p:xfrm>
+        <a:graphic>
+          <a:graphicData uri="http://schemas.openxmlformats.org/drawingml/2006/diagram">
+            <dgm:relIds xmlns:dgm="http://schemas.openxmlformats.org/drawingml/2006/diagram" xmlns:r="http://schemas.openxmlformats.org/officeDocument/2006/relationships" r:dm="rId2" r:lo="rId3" r:qs="rId4" r:cs="rId5"/>
+          </a:graphicData>
+        </a:graphic>
+      </p:graphicFrame>
+    </p:spTree>
+    <p:extLst>
+      <p:ext uri="{BB962C8B-B14F-4D97-AF65-F5344CB8AC3E}">
+        <p14:creationId xmlns:p14="http://schemas.microsoft.com/office/powerpoint/2010/main" val="635494550"/>
+      </p:ext>
+    </p:extLst>
+  </p:cSld>
+  <p:clrMapOvr>
+    <a:masterClrMapping/>
+  </p:clrMapOvr>
+  <p:timing>
+    <p:tnLst>
+      <p:par>
+        <p:cTn id="1" dur="indefinite" restart="never" nodeType="tmRoot"/>
+      </p:par>
+    </p:tnLst>
+  </p:timing>
+</p:sld>
+</file>
+
+<file path=ppt/slides/slide76.xml><?xml version="1.0" encoding="utf-8"?>
+<p:sld xmlns:a="http://schemas.openxmlformats.org/drawingml/2006/main" xmlns:r="http://schemas.openxmlformats.org/officeDocument/2006/relationships" xmlns:p="http://schemas.openxmlformats.org/presentationml/2006/main">
+  <p:cSld>
+    <p:spTree>
+      <p:nvGrpSpPr>
+        <p:cNvPr id="1" name=""/>
+        <p:cNvGrpSpPr/>
+        <p:nvPr/>
+      </p:nvGrpSpPr>
+      <p:grpSpPr>
+        <a:xfrm>
+          <a:off x="0" y="0"/>
+          <a:ext cx="0" cy="0"/>
+          <a:chOff x="0" y="0"/>
+          <a:chExt cx="0" cy="0"/>
+        </a:xfrm>
+      </p:grpSpPr>
+      <p:sp>
+        <p:nvSpPr>
+          <p:cNvPr id="4" name="標題 3"/>
+          <p:cNvSpPr>
+            <a:spLocks noGrp="1"/>
+          </p:cNvSpPr>
+          <p:nvPr>
+            <p:ph type="title"/>
+          </p:nvPr>
+        </p:nvSpPr>
+        <p:spPr/>
+        <p:txBody>
+          <a:bodyPr>
+            <a:normAutofit/>
+          </a:bodyPr>
+          <a:lstStyle/>
+          <a:p>
+            <a:r>
+              <a:rPr lang="en-US" altLang="zh-TW" dirty="0" smtClean="0"/>
+              <a:t>AJAX-</a:t>
+            </a:r>
+            <a:r>
+              <a:rPr lang="zh-TW" altLang="en-US" dirty="0" smtClean="0"/>
+              <a:t>速記</a:t>
+            </a:r>
+            <a:endParaRPr lang="zh-TW" altLang="en-US" dirty="0"/>
+          </a:p>
+        </p:txBody>
+      </p:sp>
+      <p:sp>
+        <p:nvSpPr>
+          <p:cNvPr id="5" name="內容版面配置區 4"/>
+          <p:cNvSpPr>
+            <a:spLocks noGrp="1"/>
+          </p:cNvSpPr>
+          <p:nvPr>
+            <p:ph idx="1"/>
+          </p:nvPr>
+        </p:nvSpPr>
+        <p:spPr/>
+        <p:txBody>
+          <a:bodyPr/>
+          <a:lstStyle/>
+          <a:p>
+            <a:r>
+              <a:rPr lang="en-US" altLang="zh-TW" dirty="0" err="1"/>
+              <a:t>jQuery.get</a:t>
+            </a:r>
+            <a:r>
+              <a:rPr lang="en-US" altLang="zh-TW" dirty="0"/>
+              <a:t>( </a:t>
+            </a:r>
+            <a:r>
+              <a:rPr lang="en-US" altLang="zh-TW" dirty="0" err="1"/>
+              <a:t>url</a:t>
+            </a:r>
+            <a:r>
+              <a:rPr lang="en-US" altLang="zh-TW" dirty="0"/>
+              <a:t> [, data ] [, success ] [, </a:t>
+            </a:r>
+            <a:r>
+              <a:rPr lang="en-US" altLang="zh-TW" dirty="0" err="1"/>
+              <a:t>dataType</a:t>
+            </a:r>
+            <a:r>
+              <a:rPr lang="en-US" altLang="zh-TW" dirty="0"/>
+              <a:t> ] )</a:t>
+            </a:r>
+          </a:p>
+          <a:p>
+            <a:r>
+              <a:rPr lang="en-US" altLang="zh-TW" dirty="0" err="1" smtClean="0"/>
+              <a:t>jQuery.post</a:t>
+            </a:r>
+            <a:r>
+              <a:rPr lang="en-US" altLang="zh-TW" dirty="0"/>
+              <a:t>( </a:t>
+            </a:r>
+            <a:r>
+              <a:rPr lang="en-US" altLang="zh-TW" dirty="0" err="1"/>
+              <a:t>url</a:t>
+            </a:r>
+            <a:r>
+              <a:rPr lang="en-US" altLang="zh-TW" dirty="0"/>
+              <a:t> [, data ] [, success ] [, </a:t>
+            </a:r>
+            <a:r>
+              <a:rPr lang="en-US" altLang="zh-TW" dirty="0" err="1"/>
+              <a:t>dataType</a:t>
+            </a:r>
+            <a:r>
+              <a:rPr lang="en-US" altLang="zh-TW" dirty="0"/>
+              <a:t> ] </a:t>
+            </a:r>
+            <a:r>
+              <a:rPr lang="en-US" altLang="zh-TW" dirty="0" smtClean="0"/>
+              <a:t>)</a:t>
+            </a:r>
+          </a:p>
+          <a:p>
+            <a:r>
+              <a:rPr lang="en-US" altLang="zh-TW" dirty="0" err="1"/>
+              <a:t>jQuery.getJSON</a:t>
+            </a:r>
+            <a:r>
+              <a:rPr lang="en-US" altLang="zh-TW" dirty="0"/>
+              <a:t>( </a:t>
+            </a:r>
+            <a:r>
+              <a:rPr lang="en-US" altLang="zh-TW" dirty="0" err="1"/>
+              <a:t>url</a:t>
+            </a:r>
+            <a:r>
+              <a:rPr lang="en-US" altLang="zh-TW" dirty="0"/>
+              <a:t> [, data ] [, success ] </a:t>
+            </a:r>
+            <a:r>
+              <a:rPr lang="en-US" altLang="zh-TW" dirty="0" smtClean="0"/>
+              <a:t>)</a:t>
+            </a:r>
+          </a:p>
+          <a:p>
+            <a:r>
+              <a:rPr lang="en-US" altLang="zh-TW" dirty="0" err="1"/>
+              <a:t>jQuery.getScript</a:t>
+            </a:r>
+            <a:r>
+              <a:rPr lang="en-US" altLang="zh-TW" dirty="0" smtClean="0"/>
+              <a:t>()</a:t>
+            </a:r>
+          </a:p>
+          <a:p>
+            <a:r>
+              <a:rPr lang="en-US" altLang="zh-TW" dirty="0"/>
+              <a:t>.load( </a:t>
+            </a:r>
+            <a:r>
+              <a:rPr lang="en-US" altLang="zh-TW" dirty="0" err="1"/>
+              <a:t>url</a:t>
+            </a:r>
+            <a:r>
+              <a:rPr lang="en-US" altLang="zh-TW" dirty="0"/>
+              <a:t> [, data ] [, complete ] )</a:t>
+            </a:r>
+            <a:endParaRPr lang="en-US" altLang="zh-TW" dirty="0" smtClean="0"/>
+          </a:p>
+          <a:p>
+            <a:endParaRPr lang="zh-TW" altLang="en-US" dirty="0"/>
+          </a:p>
+        </p:txBody>
+      </p:sp>
+    </p:spTree>
+    <p:extLst>
+      <p:ext uri="{BB962C8B-B14F-4D97-AF65-F5344CB8AC3E}">
+        <p14:creationId xmlns:p14="http://schemas.microsoft.com/office/powerpoint/2010/main" val="2132174776"/>
+      </p:ext>
+    </p:extLst>
+  </p:cSld>
+  <p:clrMapOvr>
+    <a:masterClrMapping/>
+  </p:clrMapOvr>
+  <p:timing>
+    <p:tnLst>
+      <p:par>
+        <p:cTn id="1" dur="indefinite" restart="never" nodeType="tmRoot"/>
+      </p:par>
+    </p:tnLst>
+  </p:timing>
+</p:sld>
+</file>
+
+<file path=ppt/slides/slide77.xml><?xml version="1.0" encoding="utf-8"?>
+<p:sld xmlns:a="http://schemas.openxmlformats.org/drawingml/2006/main" xmlns:r="http://schemas.openxmlformats.org/officeDocument/2006/relationships" xmlns:p="http://schemas.openxmlformats.org/presentationml/2006/main">
+  <p:cSld>
+    <p:spTree>
+      <p:nvGrpSpPr>
+        <p:cNvPr id="1" name=""/>
+        <p:cNvGrpSpPr/>
+        <p:nvPr/>
+      </p:nvGrpSpPr>
+      <p:grpSpPr>
+        <a:xfrm>
+          <a:off x="0" y="0"/>
+          <a:ext cx="0" cy="0"/>
+          <a:chOff x="0" y="0"/>
+          <a:chExt cx="0" cy="0"/>
+        </a:xfrm>
+      </p:grpSpPr>
+      <p:sp>
+        <p:nvSpPr>
+          <p:cNvPr id="4" name="標題 3"/>
+          <p:cNvSpPr>
+            <a:spLocks noGrp="1"/>
+          </p:cNvSpPr>
+          <p:nvPr>
+            <p:ph type="title"/>
+          </p:nvPr>
+        </p:nvSpPr>
+        <p:spPr/>
+        <p:txBody>
+          <a:bodyPr>
+            <a:normAutofit/>
+          </a:bodyPr>
+          <a:lstStyle/>
+          <a:p>
+            <a:r>
+              <a:rPr lang="zh-TW" altLang="en-US" dirty="0"/>
+              <a:t>非同步事件管理</a:t>
+            </a:r>
+            <a:r>
+              <a:rPr lang="en-US" altLang="zh-TW" dirty="0"/>
+              <a:t>(</a:t>
+            </a:r>
+            <a:r>
+              <a:rPr lang="zh-TW" altLang="en-US" dirty="0"/>
+              <a:t>並行、串列</a:t>
+            </a:r>
+            <a:r>
+              <a:rPr lang="en-US" altLang="zh-TW" dirty="0" smtClean="0"/>
+              <a:t>)</a:t>
+            </a:r>
+            <a:endParaRPr lang="zh-TW" altLang="en-US" dirty="0"/>
+          </a:p>
+        </p:txBody>
+      </p:sp>
+      <p:sp>
+        <p:nvSpPr>
+          <p:cNvPr id="5" name="內容版面配置區 4"/>
+          <p:cNvSpPr>
+            <a:spLocks noGrp="1"/>
+          </p:cNvSpPr>
+          <p:nvPr>
+            <p:ph idx="1"/>
+          </p:nvPr>
+        </p:nvSpPr>
+        <p:spPr>
+          <a:xfrm>
+            <a:off x="1176865" y="2490135"/>
+            <a:ext cx="6798736" cy="2299579"/>
+          </a:xfrm>
+        </p:spPr>
+        <p:txBody>
+          <a:bodyPr>
+            <a:normAutofit/>
+          </a:bodyPr>
+          <a:lstStyle/>
+          <a:p>
+            <a:r>
+              <a:rPr lang="en-US" altLang="zh-TW" dirty="0" smtClean="0"/>
+              <a:t>Deferred/Promise : </a:t>
+            </a:r>
+            <a:r>
+              <a:rPr lang="en-US" altLang="zh-TW" dirty="0" err="1" smtClean="0"/>
+              <a:t>Deffered</a:t>
+            </a:r>
+            <a:r>
+              <a:rPr lang="en-US" altLang="zh-TW" dirty="0" smtClean="0"/>
+              <a:t> </a:t>
+            </a:r>
+            <a:r>
+              <a:rPr lang="zh-TW" altLang="en-US" dirty="0" smtClean="0"/>
+              <a:t>物件可以操作改變狀態，</a:t>
+            </a:r>
+            <a:r>
+              <a:rPr lang="en-US" altLang="zh-TW" dirty="0" smtClean="0"/>
+              <a:t>Promise</a:t>
+            </a:r>
+            <a:r>
+              <a:rPr lang="zh-TW" altLang="en-US" dirty="0" smtClean="0"/>
+              <a:t>只有狀態的顯示。</a:t>
+            </a:r>
+            <a:endParaRPr lang="en-US" altLang="zh-TW" dirty="0" smtClean="0"/>
+          </a:p>
+          <a:p>
+            <a:r>
+              <a:rPr lang="en-US" altLang="zh-TW" dirty="0" smtClean="0"/>
+              <a:t>Deferred </a:t>
+            </a:r>
+            <a:r>
+              <a:rPr lang="zh-TW" altLang="en-US" dirty="0" smtClean="0"/>
+              <a:t>物件由 </a:t>
+            </a:r>
+            <a:r>
+              <a:rPr lang="en-US" altLang="zh-TW" dirty="0" smtClean="0"/>
+              <a:t>jQuery().Deferred()</a:t>
+            </a:r>
+            <a:r>
+              <a:rPr lang="zh-TW" altLang="en-US" dirty="0" smtClean="0"/>
+              <a:t>取得，</a:t>
+            </a:r>
+            <a:r>
+              <a:rPr lang="en-US" altLang="zh-TW" dirty="0" smtClean="0"/>
+              <a:t>Promise</a:t>
+            </a:r>
+            <a:r>
+              <a:rPr lang="zh-TW" altLang="en-US" dirty="0" smtClean="0"/>
+              <a:t>由</a:t>
+            </a:r>
+            <a:r>
+              <a:rPr lang="en-US" altLang="zh-TW" dirty="0" err="1"/>
+              <a:t>deferred.promise</a:t>
+            </a:r>
+            <a:r>
+              <a:rPr lang="en-US" altLang="zh-TW" dirty="0" smtClean="0"/>
+              <a:t>()</a:t>
+            </a:r>
+            <a:r>
+              <a:rPr lang="zh-TW" altLang="en-US" dirty="0" smtClean="0"/>
+              <a:t>取得。</a:t>
+            </a:r>
+            <a:endParaRPr lang="en-US" altLang="zh-TW" dirty="0" smtClean="0"/>
+          </a:p>
+          <a:p>
+            <a:r>
+              <a:rPr lang="en-US" altLang="zh-TW" dirty="0" smtClean="0"/>
+              <a:t>Deferred</a:t>
+            </a:r>
+            <a:r>
+              <a:rPr lang="zh-TW" altLang="en-US" dirty="0" smtClean="0"/>
+              <a:t> 物件方法</a:t>
+            </a:r>
+            <a:endParaRPr lang="en-US" altLang="zh-TW" dirty="0" smtClean="0"/>
+          </a:p>
+        </p:txBody>
+      </p:sp>
+      <p:sp>
+        <p:nvSpPr>
+          <p:cNvPr id="6" name="文字方塊 5"/>
+          <p:cNvSpPr txBox="1"/>
+          <p:nvPr/>
+        </p:nvSpPr>
+        <p:spPr>
+          <a:xfrm>
+            <a:off x="976567" y="4763579"/>
+            <a:ext cx="2280437" cy="923330"/>
+          </a:xfrm>
+          <a:prstGeom prst="rect">
+            <a:avLst/>
+          </a:prstGeom>
+          <a:noFill/>
+        </p:spPr>
+        <p:txBody>
+          <a:bodyPr wrap="square" rtlCol="0">
+            <a:spAutoFit/>
+          </a:bodyPr>
+          <a:lstStyle/>
+          <a:p>
+            <a:r>
+              <a:rPr lang="zh-TW" altLang="en-US" dirty="0"/>
+              <a:t>改變狀態 </a:t>
+            </a:r>
+            <a:r>
+              <a:rPr lang="en-US" altLang="zh-TW" dirty="0"/>
+              <a:t>:</a:t>
+            </a:r>
+          </a:p>
+          <a:p>
+            <a:pPr lvl="1"/>
+            <a:r>
+              <a:rPr lang="en-US" altLang="zh-TW" dirty="0" err="1"/>
+              <a:t>deferred.resolve</a:t>
+            </a:r>
+            <a:r>
+              <a:rPr lang="en-US" altLang="zh-TW" dirty="0"/>
+              <a:t>()</a:t>
+            </a:r>
+          </a:p>
+          <a:p>
+            <a:pPr lvl="1"/>
+            <a:r>
+              <a:rPr lang="en-US" altLang="zh-TW" dirty="0" err="1"/>
+              <a:t>deferred.reject</a:t>
+            </a:r>
+            <a:r>
+              <a:rPr lang="en-US" altLang="zh-TW" dirty="0"/>
+              <a:t>()</a:t>
+            </a:r>
+            <a:endParaRPr lang="zh-TW" altLang="en-US" dirty="0"/>
+          </a:p>
+        </p:txBody>
+      </p:sp>
+      <p:sp>
+        <p:nvSpPr>
+          <p:cNvPr id="7" name="文字方塊 6"/>
+          <p:cNvSpPr txBox="1"/>
+          <p:nvPr/>
+        </p:nvSpPr>
+        <p:spPr>
+          <a:xfrm>
+            <a:off x="3361509" y="4763579"/>
+            <a:ext cx="5181599" cy="1200329"/>
+          </a:xfrm>
+          <a:prstGeom prst="rect">
+            <a:avLst/>
+          </a:prstGeom>
+          <a:noFill/>
+        </p:spPr>
+        <p:txBody>
+          <a:bodyPr wrap="square" rtlCol="0">
+            <a:spAutoFit/>
+          </a:bodyPr>
+          <a:lstStyle/>
+          <a:p>
+            <a:r>
+              <a:rPr lang="zh-TW" altLang="en-US" dirty="0" smtClean="0"/>
+              <a:t>設定成功或失敗或無論如何得要執行的</a:t>
+            </a:r>
+            <a:r>
+              <a:rPr lang="en-US" altLang="zh-TW" dirty="0" smtClean="0"/>
+              <a:t>callback:</a:t>
+            </a:r>
+            <a:endParaRPr lang="en-US" altLang="zh-TW" dirty="0"/>
+          </a:p>
+          <a:p>
+            <a:pPr lvl="1"/>
+            <a:r>
+              <a:rPr lang="en-US" altLang="zh-TW" dirty="0" err="1"/>
+              <a:t>deferred.done</a:t>
+            </a:r>
+            <a:r>
+              <a:rPr lang="en-US" altLang="zh-TW" dirty="0" smtClean="0"/>
+              <a:t>()</a:t>
+            </a:r>
+          </a:p>
+          <a:p>
+            <a:pPr lvl="1"/>
+            <a:r>
+              <a:rPr lang="en-US" altLang="zh-TW" dirty="0" err="1" smtClean="0"/>
+              <a:t>deferred.reject</a:t>
+            </a:r>
+            <a:r>
+              <a:rPr lang="en-US" altLang="zh-TW" dirty="0" smtClean="0"/>
+              <a:t>()</a:t>
+            </a:r>
+          </a:p>
+          <a:p>
+            <a:pPr lvl="1"/>
+            <a:r>
+              <a:rPr lang="en-US" altLang="zh-TW" dirty="0" err="1"/>
+              <a:t>deferred.always</a:t>
+            </a:r>
+            <a:r>
+              <a:rPr lang="en-US" altLang="zh-TW" dirty="0"/>
+              <a:t>()</a:t>
+            </a:r>
+            <a:endParaRPr lang="zh-TW" altLang="en-US" dirty="0"/>
+          </a:p>
+        </p:txBody>
+      </p:sp>
+    </p:spTree>
+    <p:extLst>
+      <p:ext uri="{BB962C8B-B14F-4D97-AF65-F5344CB8AC3E}">
+        <p14:creationId xmlns:p14="http://schemas.microsoft.com/office/powerpoint/2010/main" val="3520286523"/>
+      </p:ext>
+    </p:extLst>
+  </p:cSld>
+  <p:clrMapOvr>
+    <a:masterClrMapping/>
+  </p:clrMapOvr>
+  <p:timing>
+    <p:tnLst>
+      <p:par>
+        <p:cTn id="1" dur="indefinite" restart="never" nodeType="tmRoot"/>
+      </p:par>
+    </p:tnLst>
+  </p:timing>
+</p:sld>
+</file>
+
+<file path=ppt/slides/slide78.xml><?xml version="1.0" encoding="utf-8"?>
+<p:sld xmlns:a="http://schemas.openxmlformats.org/drawingml/2006/main" xmlns:r="http://schemas.openxmlformats.org/officeDocument/2006/relationships" xmlns:p="http://schemas.openxmlformats.org/presentationml/2006/main">
+  <p:cSld>
+    <p:spTree>
+      <p:nvGrpSpPr>
+        <p:cNvPr id="1" name=""/>
+        <p:cNvGrpSpPr/>
+        <p:nvPr/>
+      </p:nvGrpSpPr>
+      <p:grpSpPr>
+        <a:xfrm>
+          <a:off x="0" y="0"/>
+          <a:ext cx="0" cy="0"/>
+          <a:chOff x="0" y="0"/>
+          <a:chExt cx="0" cy="0"/>
+        </a:xfrm>
+      </p:grpSpPr>
+      <p:sp>
+        <p:nvSpPr>
+          <p:cNvPr id="2" name="標題 1"/>
+          <p:cNvSpPr>
+            <a:spLocks noGrp="1"/>
+          </p:cNvSpPr>
+          <p:nvPr>
+            <p:ph type="title"/>
+          </p:nvPr>
+        </p:nvSpPr>
+        <p:spPr/>
+        <p:txBody>
+          <a:bodyPr>
+            <a:normAutofit/>
+          </a:bodyPr>
+          <a:lstStyle/>
+          <a:p>
+            <a:r>
+              <a:rPr lang="zh-TW" altLang="en-US" dirty="0"/>
+              <a:t>非同步事件</a:t>
+            </a:r>
+            <a:r>
+              <a:rPr lang="zh-TW" altLang="en-US" dirty="0" smtClean="0"/>
+              <a:t>管理</a:t>
+            </a:r>
+            <a:r>
+              <a:rPr lang="en-US" altLang="zh-TW" dirty="0" smtClean="0"/>
+              <a:t>-</a:t>
+            </a:r>
+            <a:r>
+              <a:rPr lang="zh-TW" altLang="en-US" dirty="0" smtClean="0"/>
+              <a:t>並行</a:t>
+            </a:r>
+            <a:endParaRPr lang="zh-TW" altLang="en-US" dirty="0"/>
+          </a:p>
+        </p:txBody>
+      </p:sp>
+      <p:sp>
+        <p:nvSpPr>
+          <p:cNvPr id="3" name="內容版面配置區 2"/>
+          <p:cNvSpPr>
+            <a:spLocks noGrp="1"/>
+          </p:cNvSpPr>
+          <p:nvPr>
+            <p:ph idx="1"/>
+          </p:nvPr>
+        </p:nvSpPr>
+        <p:spPr/>
+        <p:txBody>
+          <a:bodyPr>
+            <a:normAutofit fontScale="47500" lnSpcReduction="20000"/>
+          </a:bodyPr>
+          <a:lstStyle/>
+          <a:p>
+            <a:pPr marL="0" indent="0">
+              <a:buNone/>
+            </a:pPr>
+            <a:r>
+              <a:rPr lang="en-US" altLang="zh-TW" dirty="0" err="1"/>
+              <a:t>var</a:t>
+            </a:r>
+            <a:r>
+              <a:rPr lang="en-US" altLang="zh-TW" dirty="0"/>
+              <a:t> d1 = $.Deferred();</a:t>
+            </a:r>
+          </a:p>
+          <a:p>
+            <a:pPr marL="0" indent="0">
+              <a:buNone/>
+            </a:pPr>
+            <a:r>
+              <a:rPr lang="en-US" altLang="zh-TW" dirty="0" err="1"/>
+              <a:t>var</a:t>
+            </a:r>
+            <a:r>
+              <a:rPr lang="en-US" altLang="zh-TW" dirty="0"/>
+              <a:t> d2 = $.Deferred();</a:t>
+            </a:r>
+          </a:p>
+          <a:p>
+            <a:pPr marL="0" indent="0">
+              <a:buNone/>
+            </a:pPr>
+            <a:r>
+              <a:rPr lang="en-US" altLang="zh-TW" dirty="0" err="1"/>
+              <a:t>var</a:t>
+            </a:r>
+            <a:r>
+              <a:rPr lang="en-US" altLang="zh-TW" dirty="0"/>
+              <a:t> d3 = $.Deferred();</a:t>
+            </a:r>
+          </a:p>
+          <a:p>
+            <a:pPr marL="0" indent="0">
+              <a:buNone/>
+            </a:pPr>
+            <a:r>
+              <a:rPr lang="en-US" altLang="zh-TW" dirty="0"/>
+              <a:t> </a:t>
+            </a:r>
+          </a:p>
+          <a:p>
+            <a:pPr marL="0" indent="0">
+              <a:buNone/>
+            </a:pPr>
+            <a:r>
+              <a:rPr lang="en-US" altLang="zh-TW" dirty="0"/>
+              <a:t>$.when( d1, d2, d3 ).done(function ( v1, v2, v3 ) {</a:t>
+            </a:r>
+          </a:p>
+          <a:p>
+            <a:pPr marL="0" indent="0">
+              <a:buNone/>
+            </a:pPr>
+            <a:r>
+              <a:rPr lang="en-US" altLang="zh-TW" dirty="0"/>
+              <a:t>    console.log( v1 ); // v1 is undefined</a:t>
+            </a:r>
+          </a:p>
+          <a:p>
+            <a:pPr marL="0" indent="0">
+              <a:buNone/>
+            </a:pPr>
+            <a:r>
+              <a:rPr lang="en-US" altLang="zh-TW" dirty="0"/>
+              <a:t>    console.log( v2 ); // v2 is "</a:t>
+            </a:r>
+            <a:r>
+              <a:rPr lang="en-US" altLang="zh-TW" dirty="0" err="1"/>
+              <a:t>abc</a:t>
+            </a:r>
+            <a:r>
+              <a:rPr lang="en-US" altLang="zh-TW" dirty="0"/>
+              <a:t>"</a:t>
+            </a:r>
+          </a:p>
+          <a:p>
+            <a:pPr marL="0" indent="0">
+              <a:buNone/>
+            </a:pPr>
+            <a:r>
+              <a:rPr lang="en-US" altLang="zh-TW" dirty="0"/>
+              <a:t>    console.log( v3 ); // v3 is an array [ 1, 2, 3, 4, 5 ]</a:t>
+            </a:r>
+          </a:p>
+          <a:p>
+            <a:pPr marL="0" indent="0">
+              <a:buNone/>
+            </a:pPr>
+            <a:r>
+              <a:rPr lang="en-US" altLang="zh-TW" dirty="0"/>
+              <a:t>});</a:t>
+            </a:r>
+          </a:p>
+          <a:p>
+            <a:pPr marL="0" indent="0">
+              <a:buNone/>
+            </a:pPr>
+            <a:r>
+              <a:rPr lang="en-US" altLang="zh-TW" dirty="0"/>
+              <a:t> </a:t>
+            </a:r>
+          </a:p>
+          <a:p>
+            <a:pPr marL="0" indent="0">
+              <a:buNone/>
+            </a:pPr>
+            <a:r>
+              <a:rPr lang="en-US" altLang="zh-TW" dirty="0"/>
+              <a:t>d1.resolve();</a:t>
+            </a:r>
+          </a:p>
+          <a:p>
+            <a:pPr marL="0" indent="0">
+              <a:buNone/>
+            </a:pPr>
+            <a:r>
+              <a:rPr lang="en-US" altLang="zh-TW" dirty="0"/>
+              <a:t>d2.resolve( "</a:t>
+            </a:r>
+            <a:r>
+              <a:rPr lang="en-US" altLang="zh-TW" dirty="0" err="1"/>
+              <a:t>abc</a:t>
+            </a:r>
+            <a:r>
+              <a:rPr lang="en-US" altLang="zh-TW" dirty="0"/>
+              <a:t>" );</a:t>
+            </a:r>
+          </a:p>
+          <a:p>
+            <a:pPr marL="0" indent="0">
+              <a:buNone/>
+            </a:pPr>
+            <a:r>
+              <a:rPr lang="en-US" altLang="zh-TW" dirty="0"/>
+              <a:t>d3.resolve( 1, 2, 3, 4, 5 );</a:t>
+            </a:r>
+            <a:endParaRPr lang="zh-TW" altLang="en-US" dirty="0"/>
+          </a:p>
+        </p:txBody>
+      </p:sp>
+    </p:spTree>
+    <p:extLst>
+      <p:ext uri="{BB962C8B-B14F-4D97-AF65-F5344CB8AC3E}">
+        <p14:creationId xmlns:p14="http://schemas.microsoft.com/office/powerpoint/2010/main" val="1752620547"/>
+      </p:ext>
+    </p:extLst>
+  </p:cSld>
+  <p:clrMapOvr>
+    <a:masterClrMapping/>
+  </p:clrMapOvr>
+</p:sld>
+</file>
+
+<file path=ppt/slides/slide79.xml><?xml version="1.0" encoding="utf-8"?>
+<p:sld xmlns:a="http://schemas.openxmlformats.org/drawingml/2006/main" xmlns:r="http://schemas.openxmlformats.org/officeDocument/2006/relationships" xmlns:p="http://schemas.openxmlformats.org/presentationml/2006/main">
+  <p:cSld>
+    <p:spTree>
+      <p:nvGrpSpPr>
+        <p:cNvPr id="1" name=""/>
+        <p:cNvGrpSpPr/>
+        <p:nvPr/>
+      </p:nvGrpSpPr>
+      <p:grpSpPr>
+        <a:xfrm>
+          <a:off x="0" y="0"/>
+          <a:ext cx="0" cy="0"/>
+          <a:chOff x="0" y="0"/>
+          <a:chExt cx="0" cy="0"/>
+        </a:xfrm>
+      </p:grpSpPr>
+      <p:sp>
+        <p:nvSpPr>
+          <p:cNvPr id="2" name="標題 1"/>
+          <p:cNvSpPr>
+            <a:spLocks noGrp="1"/>
+          </p:cNvSpPr>
+          <p:nvPr>
+            <p:ph type="title"/>
+          </p:nvPr>
+        </p:nvSpPr>
+        <p:spPr/>
+        <p:txBody>
+          <a:bodyPr/>
+          <a:lstStyle/>
+          <a:p>
+            <a:r>
+              <a:rPr lang="zh-TW" altLang="en-US" dirty="0"/>
+              <a:t>非同步事件管理</a:t>
+            </a:r>
+            <a:r>
+              <a:rPr lang="en-US" altLang="zh-TW" dirty="0" smtClean="0"/>
+              <a:t>-</a:t>
+            </a:r>
+            <a:r>
+              <a:rPr lang="zh-TW" altLang="en-US" dirty="0" smtClean="0"/>
+              <a:t>串列</a:t>
+            </a:r>
+            <a:endParaRPr lang="zh-TW" altLang="en-US" dirty="0"/>
+          </a:p>
+        </p:txBody>
+      </p:sp>
+      <p:sp>
+        <p:nvSpPr>
+          <p:cNvPr id="3" name="內容版面配置區 2"/>
+          <p:cNvSpPr>
+            <a:spLocks noGrp="1"/>
+          </p:cNvSpPr>
+          <p:nvPr>
+            <p:ph idx="1"/>
+          </p:nvPr>
+        </p:nvSpPr>
+        <p:spPr>
+          <a:xfrm>
+            <a:off x="1176865" y="2490136"/>
+            <a:ext cx="6798736" cy="3701658"/>
+          </a:xfrm>
+        </p:spPr>
+        <p:txBody>
+          <a:bodyPr>
+            <a:normAutofit fontScale="92500" lnSpcReduction="20000"/>
+          </a:bodyPr>
+          <a:lstStyle/>
+          <a:p>
+            <a:r>
+              <a:rPr lang="en-US" altLang="zh-TW" dirty="0" err="1"/>
+              <a:t>deferred.then</a:t>
+            </a:r>
+            <a:r>
+              <a:rPr lang="en-US" altLang="zh-TW" dirty="0"/>
+              <a:t>( </a:t>
+            </a:r>
+            <a:r>
+              <a:rPr lang="en-US" altLang="zh-TW" dirty="0" err="1"/>
+              <a:t>doneCallbacks</a:t>
+            </a:r>
+            <a:r>
+              <a:rPr lang="en-US" altLang="zh-TW" dirty="0"/>
+              <a:t>, </a:t>
+            </a:r>
+            <a:r>
+              <a:rPr lang="en-US" altLang="zh-TW" dirty="0" err="1"/>
+              <a:t>failCallbacks</a:t>
+            </a:r>
+            <a:r>
+              <a:rPr lang="en-US" altLang="zh-TW" dirty="0"/>
+              <a:t> [, </a:t>
+            </a:r>
+            <a:r>
+              <a:rPr lang="en-US" altLang="zh-TW" dirty="0" err="1"/>
+              <a:t>progressCallbacks</a:t>
+            </a:r>
+            <a:r>
+              <a:rPr lang="en-US" altLang="zh-TW" dirty="0"/>
+              <a:t> ] </a:t>
+            </a:r>
+            <a:r>
+              <a:rPr lang="en-US" altLang="zh-TW" dirty="0" smtClean="0"/>
+              <a:t>)</a:t>
+            </a:r>
+          </a:p>
+          <a:p>
+            <a:pPr marL="0" indent="0">
+              <a:buNone/>
+            </a:pPr>
+            <a:r>
+              <a:rPr lang="en-US" altLang="zh-TW" dirty="0"/>
+              <a:t>$.get( "</a:t>
+            </a:r>
+            <a:r>
+              <a:rPr lang="en-US" altLang="zh-TW" dirty="0" err="1"/>
+              <a:t>test.php</a:t>
+            </a:r>
+            <a:r>
+              <a:rPr lang="en-US" altLang="zh-TW" dirty="0"/>
+              <a:t>" ).then(</a:t>
+            </a:r>
+          </a:p>
+          <a:p>
+            <a:pPr marL="0" indent="0">
+              <a:buNone/>
+            </a:pPr>
+            <a:r>
+              <a:rPr lang="en-US" altLang="zh-TW" dirty="0"/>
+              <a:t>  function() {</a:t>
+            </a:r>
+          </a:p>
+          <a:p>
+            <a:pPr marL="0" indent="0">
+              <a:buNone/>
+            </a:pPr>
+            <a:r>
+              <a:rPr lang="en-US" altLang="zh-TW" dirty="0"/>
+              <a:t>    alert( "$.get succeeded" );</a:t>
+            </a:r>
+          </a:p>
+          <a:p>
+            <a:pPr marL="0" indent="0">
+              <a:buNone/>
+            </a:pPr>
+            <a:r>
+              <a:rPr lang="en-US" altLang="zh-TW" dirty="0"/>
+              <a:t>  }, function() {</a:t>
+            </a:r>
+          </a:p>
+          <a:p>
+            <a:pPr marL="0" indent="0">
+              <a:buNone/>
+            </a:pPr>
+            <a:r>
+              <a:rPr lang="en-US" altLang="zh-TW" dirty="0"/>
+              <a:t>    alert( "$.get failed!" );</a:t>
+            </a:r>
+          </a:p>
+          <a:p>
+            <a:pPr marL="0" indent="0">
+              <a:buNone/>
+            </a:pPr>
+            <a:r>
+              <a:rPr lang="en-US" altLang="zh-TW" dirty="0"/>
+              <a:t>  }</a:t>
+            </a:r>
+          </a:p>
+          <a:p>
+            <a:pPr marL="0" indent="0">
+              <a:buNone/>
+            </a:pPr>
+            <a:r>
+              <a:rPr lang="en-US" altLang="zh-TW" dirty="0"/>
+              <a:t>);</a:t>
+            </a:r>
+            <a:endParaRPr lang="zh-TW" altLang="en-US" dirty="0"/>
+          </a:p>
+        </p:txBody>
+      </p:sp>
+    </p:spTree>
+    <p:extLst>
+      <p:ext uri="{BB962C8B-B14F-4D97-AF65-F5344CB8AC3E}">
+        <p14:creationId xmlns:p14="http://schemas.microsoft.com/office/powerpoint/2010/main" val="4095642579"/>
+      </p:ext>
+    </p:extLst>
+  </p:cSld>
+  <p:clrMapOvr>
+    <a:masterClrMapping/>
+  </p:clrMapOvr>
+</p:sld>
+</file>
+
 <file path=ppt/slides/slide8.xml><?xml version="1.0" encoding="utf-8"?>
 <p:sld xmlns:a="http://schemas.openxmlformats.org/drawingml/2006/main" xmlns:r="http://schemas.openxmlformats.org/officeDocument/2006/relationships" xmlns:p="http://schemas.openxmlformats.org/presentationml/2006/main">
   <p:cSld>
@@ -19044,6 +26771,201 @@
     <p:extLst>
       <p:ext uri="{BB962C8B-B14F-4D97-AF65-F5344CB8AC3E}">
         <p14:creationId xmlns:p14="http://schemas.microsoft.com/office/powerpoint/2010/main" val="2076779899"/>
+      </p:ext>
+    </p:extLst>
+  </p:cSld>
+  <p:clrMapOvr>
+    <a:masterClrMapping/>
+  </p:clrMapOvr>
+  <p:timing>
+    <p:tnLst>
+      <p:par>
+        <p:cTn id="1" dur="indefinite" restart="never" nodeType="tmRoot"/>
+      </p:par>
+    </p:tnLst>
+  </p:timing>
+</p:sld>
+</file>
+
+<file path=ppt/slides/slide80.xml><?xml version="1.0" encoding="utf-8"?>
+<p:sld xmlns:a="http://schemas.openxmlformats.org/drawingml/2006/main" xmlns:r="http://schemas.openxmlformats.org/officeDocument/2006/relationships" xmlns:p="http://schemas.openxmlformats.org/presentationml/2006/main">
+  <p:cSld>
+    <p:spTree>
+      <p:nvGrpSpPr>
+        <p:cNvPr id="1" name=""/>
+        <p:cNvGrpSpPr/>
+        <p:nvPr/>
+      </p:nvGrpSpPr>
+      <p:grpSpPr>
+        <a:xfrm>
+          <a:off x="0" y="0"/>
+          <a:ext cx="0" cy="0"/>
+          <a:chOff x="0" y="0"/>
+          <a:chExt cx="0" cy="0"/>
+        </a:xfrm>
+      </p:grpSpPr>
+      <p:sp>
+        <p:nvSpPr>
+          <p:cNvPr id="2" name="標題 1"/>
+          <p:cNvSpPr>
+            <a:spLocks noGrp="1"/>
+          </p:cNvSpPr>
+          <p:nvPr>
+            <p:ph type="title"/>
+          </p:nvPr>
+        </p:nvSpPr>
+        <p:spPr/>
+        <p:txBody>
+          <a:bodyPr/>
+          <a:lstStyle/>
+          <a:p>
+            <a:r>
+              <a:rPr lang="en-US" altLang="zh-TW" dirty="0" smtClean="0"/>
+              <a:t>$</a:t>
+            </a:r>
+            <a:r>
+              <a:rPr lang="zh-TW" altLang="en-US" dirty="0" smtClean="0"/>
+              <a:t>工具箱</a:t>
+            </a:r>
+            <a:endParaRPr lang="zh-TW" altLang="en-US" dirty="0"/>
+          </a:p>
+        </p:txBody>
+      </p:sp>
+      <p:sp>
+        <p:nvSpPr>
+          <p:cNvPr id="3" name="文字版面配置區 2"/>
+          <p:cNvSpPr>
+            <a:spLocks noGrp="1"/>
+          </p:cNvSpPr>
+          <p:nvPr>
+            <p:ph type="body" idx="1"/>
+          </p:nvPr>
+        </p:nvSpPr>
+        <p:spPr/>
+        <p:txBody>
+          <a:bodyPr/>
+          <a:lstStyle/>
+          <a:p>
+            <a:endParaRPr lang="zh-TW" altLang="en-US"/>
+          </a:p>
+        </p:txBody>
+      </p:sp>
+    </p:spTree>
+    <p:extLst>
+      <p:ext uri="{BB962C8B-B14F-4D97-AF65-F5344CB8AC3E}">
+        <p14:creationId xmlns:p14="http://schemas.microsoft.com/office/powerpoint/2010/main" val="2219662060"/>
+      </p:ext>
+    </p:extLst>
+  </p:cSld>
+  <p:clrMapOvr>
+    <a:masterClrMapping/>
+  </p:clrMapOvr>
+  <p:timing>
+    <p:tnLst>
+      <p:par>
+        <p:cTn id="1" dur="indefinite" restart="never" nodeType="tmRoot"/>
+      </p:par>
+    </p:tnLst>
+  </p:timing>
+</p:sld>
+</file>
+
+<file path=ppt/slides/slide81.xml><?xml version="1.0" encoding="utf-8"?>
+<p:sld xmlns:a="http://schemas.openxmlformats.org/drawingml/2006/main" xmlns:r="http://schemas.openxmlformats.org/officeDocument/2006/relationships" xmlns:p="http://schemas.openxmlformats.org/presentationml/2006/main">
+  <p:cSld>
+    <p:spTree>
+      <p:nvGrpSpPr>
+        <p:cNvPr id="1" name=""/>
+        <p:cNvGrpSpPr/>
+        <p:nvPr/>
+      </p:nvGrpSpPr>
+      <p:grpSpPr>
+        <a:xfrm>
+          <a:off x="0" y="0"/>
+          <a:ext cx="0" cy="0"/>
+          <a:chOff x="0" y="0"/>
+          <a:chExt cx="0" cy="0"/>
+        </a:xfrm>
+      </p:grpSpPr>
+      <p:sp>
+        <p:nvSpPr>
+          <p:cNvPr id="2" name="標題 1"/>
+          <p:cNvSpPr>
+            <a:spLocks noGrp="1"/>
+          </p:cNvSpPr>
+          <p:nvPr>
+            <p:ph type="title"/>
+          </p:nvPr>
+        </p:nvSpPr>
+        <p:spPr/>
+        <p:txBody>
+          <a:bodyPr/>
+          <a:lstStyle/>
+          <a:p>
+            <a:r>
+              <a:rPr lang="en-US" altLang="zh-TW" b="1" dirty="0" err="1"/>
+              <a:t>jQuery.each</a:t>
+            </a:r>
+            <a:r>
+              <a:rPr lang="en-US" altLang="zh-TW" b="1" dirty="0"/>
+              <a:t>()</a:t>
+            </a:r>
+          </a:p>
+        </p:txBody>
+      </p:sp>
+      <p:sp>
+        <p:nvSpPr>
+          <p:cNvPr id="3" name="內容版面配置區 2"/>
+          <p:cNvSpPr>
+            <a:spLocks noGrp="1"/>
+          </p:cNvSpPr>
+          <p:nvPr>
+            <p:ph idx="1"/>
+          </p:nvPr>
+        </p:nvSpPr>
+        <p:spPr/>
+        <p:txBody>
+          <a:bodyPr/>
+          <a:lstStyle/>
+          <a:p>
+            <a:r>
+              <a:rPr lang="en-US" altLang="zh-TW" b="1" dirty="0" err="1">
+                <a:hlinkClick r:id="rId2"/>
+              </a:rPr>
+              <a:t>jQuery.each</a:t>
+            </a:r>
+            <a:r>
+              <a:rPr lang="en-US" altLang="zh-TW" b="1" dirty="0">
+                <a:hlinkClick r:id="rId2"/>
+              </a:rPr>
+              <a:t>( array, callback )</a:t>
+            </a:r>
+            <a:endParaRPr lang="en-US" altLang="zh-TW" b="1" dirty="0"/>
+          </a:p>
+          <a:p>
+            <a:r>
+              <a:rPr lang="en-US" altLang="zh-TW" b="1" dirty="0" err="1">
+                <a:hlinkClick r:id="rId3"/>
+              </a:rPr>
+              <a:t>jQuery.each</a:t>
+            </a:r>
+            <a:r>
+              <a:rPr lang="en-US" altLang="zh-TW" b="1" dirty="0">
+                <a:hlinkClick r:id="rId3"/>
+              </a:rPr>
+              <a:t>( object, callback )</a:t>
+            </a:r>
+            <a:endParaRPr lang="en-US" altLang="zh-TW" b="1" dirty="0"/>
+          </a:p>
+          <a:p>
+            <a:endParaRPr lang="zh-TW" altLang="en-US" dirty="0"/>
+          </a:p>
+        </p:txBody>
+      </p:sp>
+    </p:spTree>
+    <p:extLst>
+      <p:ext uri="{BB962C8B-B14F-4D97-AF65-F5344CB8AC3E}">
+        <p14:creationId xmlns:p14="http://schemas.microsoft.com/office/powerpoint/2010/main" val="1734939621"/>
       </p:ext>
     </p:extLst>
   </p:cSld>
@@ -19457,4 +27379,265 @@
     </a:ext>
   </a:extLst>
 </a:theme>
+</file>
+
+<file path=ppt/theme/theme2.xml><?xml version="1.0" encoding="utf-8"?>
+<a:theme xmlns:a="http://schemas.openxmlformats.org/drawingml/2006/main" name="Office 佈景主題">
+  <a:themeElements>
+    <a:clrScheme name="Office">
+      <a:dk1>
+        <a:sysClr val="windowText" lastClr="000000"/>
+      </a:dk1>
+      <a:lt1>
+        <a:sysClr val="window" lastClr="FFFFFF"/>
+      </a:lt1>
+      <a:dk2>
+        <a:srgbClr val="44546A"/>
+      </a:dk2>
+      <a:lt2>
+        <a:srgbClr val="E7E6E6"/>
+      </a:lt2>
+      <a:accent1>
+        <a:srgbClr val="5B9BD5"/>
+      </a:accent1>
+      <a:accent2>
+        <a:srgbClr val="ED7D31"/>
+      </a:accent2>
+      <a:accent3>
+        <a:srgbClr val="A5A5A5"/>
+      </a:accent3>
+      <a:accent4>
+        <a:srgbClr val="FFC000"/>
+      </a:accent4>
+      <a:accent5>
+        <a:srgbClr val="4472C4"/>
+      </a:accent5>
+      <a:accent6>
+        <a:srgbClr val="70AD47"/>
+      </a:accent6>
+      <a:hlink>
+        <a:srgbClr val="0563C1"/>
+      </a:hlink>
+      <a:folHlink>
+        <a:srgbClr val="954F72"/>
+      </a:folHlink>
+    </a:clrScheme>
+    <a:fontScheme name="Office">
+      <a:majorFont>
+        <a:latin typeface="Calibri Light" panose="020F0302020204030204"/>
+        <a:ea typeface=""/>
+        <a:cs typeface=""/>
+        <a:font script="Jpan" typeface="ＭＳ Ｐゴシック"/>
+        <a:font script="Hang" typeface="맑은 고딕"/>
+        <a:font script="Hans" typeface="宋体"/>
+        <a:font script="Hant" typeface="新細明體"/>
+        <a:font script="Arab" typeface="Times New Roman"/>
+        <a:font script="Hebr" typeface="Times New Roman"/>
+        <a:font script="Thai" typeface="Angsana New"/>
+        <a:font script="Ethi" typeface="Nyala"/>
+        <a:font script="Beng" typeface="Vrinda"/>
+        <a:font script="Gujr" typeface="Shruti"/>
+        <a:font script="Khmr" typeface="MoolBoran"/>
+        <a:font script="Knda" typeface="Tunga"/>
+        <a:font script="Guru" typeface="Raavi"/>
+        <a:font script="Cans" typeface="Euphemia"/>
+        <a:font script="Cher" typeface="Plantagenet Cherokee"/>
+        <a:font script="Yiii" typeface="Microsoft Yi Baiti"/>
+        <a:font script="Tibt" typeface="Microsoft Himalaya"/>
+        <a:font script="Thaa" typeface="MV Boli"/>
+        <a:font script="Deva" typeface="Mangal"/>
+        <a:font script="Telu" typeface="Gautami"/>
+        <a:font script="Taml" typeface="Latha"/>
+        <a:font script="Syrc" typeface="Estrangelo Edessa"/>
+        <a:font script="Orya" typeface="Kalinga"/>
+        <a:font script="Mlym" typeface="Kartika"/>
+        <a:font script="Laoo" typeface="DokChampa"/>
+        <a:font script="Sinh" typeface="Iskoola Pota"/>
+        <a:font script="Mong" typeface="Mongolian Baiti"/>
+        <a:font script="Viet" typeface="Times New Roman"/>
+        <a:font script="Uigh" typeface="Microsoft Uighur"/>
+        <a:font script="Geor" typeface="Sylfaen"/>
+      </a:majorFont>
+      <a:minorFont>
+        <a:latin typeface="Calibri" panose="020F0502020204030204"/>
+        <a:ea typeface=""/>
+        <a:cs typeface=""/>
+        <a:font script="Jpan" typeface="ＭＳ Ｐゴシック"/>
+        <a:font script="Hang" typeface="맑은 고딕"/>
+        <a:font script="Hans" typeface="宋体"/>
+        <a:font script="Hant" typeface="新細明體"/>
+        <a:font script="Arab" typeface="Arial"/>
+        <a:font script="Hebr" typeface="Arial"/>
+        <a:font script="Thai" typeface="Cordia New"/>
+        <a:font script="Ethi" typeface="Nyala"/>
+        <a:font script="Beng" typeface="Vrinda"/>
+        <a:font script="Gujr" typeface="Shruti"/>
+        <a:font script="Khmr" typeface="DaunPenh"/>
+        <a:font script="Knda" typeface="Tunga"/>
+        <a:font script="Guru" typeface="Raavi"/>
+        <a:font script="Cans" typeface="Euphemia"/>
+        <a:font script="Cher" typeface="Plantagenet Cherokee"/>
+        <a:font script="Yiii" typeface="Microsoft Yi Baiti"/>
+        <a:font script="Tibt" typeface="Microsoft Himalaya"/>
+        <a:font script="Thaa" typeface="MV Boli"/>
+        <a:font script="Deva" typeface="Mangal"/>
+        <a:font script="Telu" typeface="Gautami"/>
+        <a:font script="Taml" typeface="Latha"/>
+        <a:font script="Syrc" typeface="Estrangelo Edessa"/>
+        <a:font script="Orya" typeface="Kalinga"/>
+        <a:font script="Mlym" typeface="Kartika"/>
+        <a:font script="Laoo" typeface="DokChampa"/>
+        <a:font script="Sinh" typeface="Iskoola Pota"/>
+        <a:font script="Mong" typeface="Mongolian Baiti"/>
+        <a:font script="Viet" typeface="Arial"/>
+        <a:font script="Uigh" typeface="Microsoft Uighur"/>
+        <a:font script="Geor" typeface="Sylfaen"/>
+      </a:minorFont>
+    </a:fontScheme>
+    <a:fmtScheme name="Office">
+      <a:fillStyleLst>
+        <a:solidFill>
+          <a:schemeClr val="phClr"/>
+        </a:solidFill>
+        <a:gradFill rotWithShape="1">
+          <a:gsLst>
+            <a:gs pos="0">
+              <a:schemeClr val="phClr">
+                <a:lumMod val="110000"/>
+                <a:satMod val="105000"/>
+                <a:tint val="67000"/>
+              </a:schemeClr>
+            </a:gs>
+            <a:gs pos="50000">
+              <a:schemeClr val="phClr">
+                <a:lumMod val="105000"/>
+                <a:satMod val="103000"/>
+                <a:tint val="73000"/>
+              </a:schemeClr>
+            </a:gs>
+            <a:gs pos="100000">
+              <a:schemeClr val="phClr">
+                <a:lumMod val="105000"/>
+                <a:satMod val="109000"/>
+                <a:tint val="81000"/>
+              </a:schemeClr>
+            </a:gs>
+          </a:gsLst>
+          <a:lin ang="5400000" scaled="0"/>
+        </a:gradFill>
+        <a:gradFill rotWithShape="1">
+          <a:gsLst>
+            <a:gs pos="0">
+              <a:schemeClr val="phClr">
+                <a:satMod val="103000"/>
+                <a:lumMod val="102000"/>
+                <a:tint val="94000"/>
+              </a:schemeClr>
+            </a:gs>
+            <a:gs pos="50000">
+              <a:schemeClr val="phClr">
+                <a:satMod val="110000"/>
+                <a:lumMod val="100000"/>
+                <a:shade val="100000"/>
+              </a:schemeClr>
+            </a:gs>
+            <a:gs pos="100000">
+              <a:schemeClr val="phClr">
+                <a:lumMod val="99000"/>
+                <a:satMod val="120000"/>
+                <a:shade val="78000"/>
+              </a:schemeClr>
+            </a:gs>
+          </a:gsLst>
+          <a:lin ang="5400000" scaled="0"/>
+        </a:gradFill>
+      </a:fillStyleLst>
+      <a:lnStyleLst>
+        <a:ln w="6350" cap="flat" cmpd="sng" algn="ctr">
+          <a:solidFill>
+            <a:schemeClr val="phClr"/>
+          </a:solidFill>
+          <a:prstDash val="solid"/>
+          <a:miter lim="800000"/>
+        </a:ln>
+        <a:ln w="12700" cap="flat" cmpd="sng" algn="ctr">
+          <a:solidFill>
+            <a:schemeClr val="phClr"/>
+          </a:solidFill>
+          <a:prstDash val="solid"/>
+          <a:miter lim="800000"/>
+        </a:ln>
+        <a:ln w="19050" cap="flat" cmpd="sng" algn="ctr">
+          <a:solidFill>
+            <a:schemeClr val="phClr"/>
+          </a:solidFill>
+          <a:prstDash val="solid"/>
+          <a:miter lim="800000"/>
+        </a:ln>
+      </a:lnStyleLst>
+      <a:effectStyleLst>
+        <a:effectStyle>
+          <a:effectLst/>
+        </a:effectStyle>
+        <a:effectStyle>
+          <a:effectLst/>
+        </a:effectStyle>
+        <a:effectStyle>
+          <a:effectLst>
+            <a:outerShdw blurRad="57150" dist="19050" dir="5400000" algn="ctr" rotWithShape="0">
+              <a:srgbClr val="000000">
+                <a:alpha val="63000"/>
+              </a:srgbClr>
+            </a:outerShdw>
+          </a:effectLst>
+        </a:effectStyle>
+      </a:effectStyleLst>
+      <a:bgFillStyleLst>
+        <a:solidFill>
+          <a:schemeClr val="phClr"/>
+        </a:solidFill>
+        <a:solidFill>
+          <a:schemeClr val="phClr">
+            <a:tint val="95000"/>
+            <a:satMod val="170000"/>
+          </a:schemeClr>
+        </a:solidFill>
+        <a:gradFill rotWithShape="1">
+          <a:gsLst>
+            <a:gs pos="0">
+              <a:schemeClr val="phClr">
+                <a:tint val="93000"/>
+                <a:satMod val="150000"/>
+                <a:shade val="98000"/>
+                <a:lumMod val="102000"/>
+              </a:schemeClr>
+            </a:gs>
+            <a:gs pos="50000">
+              <a:schemeClr val="phClr">
+                <a:tint val="98000"/>
+                <a:satMod val="130000"/>
+                <a:shade val="90000"/>
+                <a:lumMod val="103000"/>
+              </a:schemeClr>
+            </a:gs>
+            <a:gs pos="100000">
+              <a:schemeClr val="phClr">
+                <a:shade val="63000"/>
+                <a:satMod val="120000"/>
+              </a:schemeClr>
+            </a:gs>
+          </a:gsLst>
+          <a:lin ang="5400000" scaled="0"/>
+        </a:gradFill>
+      </a:bgFillStyleLst>
+    </a:fmtScheme>
+  </a:themeElements>
+  <a:objectDefaults/>
+  <a:extraClrSchemeLst/>
+  <a:extLst>
+    <a:ext uri="{05A4C25C-085E-4340-85A3-A5531E510DB2}">
+      <thm15:themeFamily xmlns:thm15="http://schemas.microsoft.com/office/thememl/2012/main" name="Office Theme" id="{62F939B6-93AF-4DB8-9C6B-D6C7DFDC589F}" vid="{4A3C46E8-61CC-4603-A589-7422A47A8E4A}"/>
+    </a:ext>
+  </a:extLst>
+</a:theme>
 </file>
--- a/4_Jquery.pptx
+++ b/4_Jquery.pptx
@@ -1937,30 +1937,30 @@
     </dgm:pt>
   </dgm:ptLst>
   <dgm:cxnLst>
-    <dgm:cxn modelId="{01706C71-7234-4459-97F5-0120C4B775C6}" type="presOf" srcId="{D2BC07BA-039B-4DBA-8DF6-47A8C1A99412}" destId="{EDD16DFC-A762-4AAC-BF39-070B632F8E3E}" srcOrd="0" destOrd="0" presId="urn:microsoft.com/office/officeart/2005/8/layout/process4"/>
-    <dgm:cxn modelId="{1C21195E-61A6-40C7-8472-72E3A85AF05F}" srcId="{29970F8A-0C52-4196-A3DE-ADE4AF8596E4}" destId="{9AECA9C6-7A8B-4B06-B3EC-AF79F2F1D515}" srcOrd="0" destOrd="0" parTransId="{2EDABFBC-71AD-4E8C-BC09-FC865A4EEABD}" sibTransId="{AEDD72F7-290A-4639-AF6D-25EAED8B2A44}"/>
-    <dgm:cxn modelId="{2C36DC13-2EF8-4A2D-BA73-5DA1D76068FF}" type="presOf" srcId="{29970F8A-0C52-4196-A3DE-ADE4AF8596E4}" destId="{932D4569-B469-4EFD-BD4A-F6E9C5D8E760}" srcOrd="1" destOrd="0" presId="urn:microsoft.com/office/officeart/2005/8/layout/process4"/>
     <dgm:cxn modelId="{4B8C8EC8-F4F8-4F5B-B972-818C6235A0B7}" type="presOf" srcId="{A281B389-1667-4A55-BD58-092071C5FE09}" destId="{F9E43528-B754-43B5-8649-76FC1188A4DE}" srcOrd="0" destOrd="0" presId="urn:microsoft.com/office/officeart/2005/8/layout/process4"/>
-    <dgm:cxn modelId="{F2CB0D6B-C40D-472C-B221-CB6DBD39B4BB}" srcId="{76E5DFB0-E730-42BA-A01F-F0BFEF3C2D8C}" destId="{469CF4A4-63CE-4612-B08E-ED0AC63C5DCE}" srcOrd="3" destOrd="0" parTransId="{6F6F7819-1123-4348-B07E-A54AA6CD1A6B}" sibTransId="{D1ED5E32-0A3B-4A79-8ED5-DA9D4BF2763A}"/>
+    <dgm:cxn modelId="{AB908C1F-0E1C-4AD6-9670-37D9C9F85783}" type="presOf" srcId="{C19DA738-A88F-4512-9D43-5BE441214BF2}" destId="{E5AFF95B-2E9F-4958-84AA-9C2BA26C582D}" srcOrd="0" destOrd="0" presId="urn:microsoft.com/office/officeart/2005/8/layout/process4"/>
+    <dgm:cxn modelId="{659DEB6D-AB8D-4074-A4A4-4CCD498517DA}" type="presOf" srcId="{29970F8A-0C52-4196-A3DE-ADE4AF8596E4}" destId="{D535D68E-9AFB-4103-8D6F-14A63C0860A8}" srcOrd="0" destOrd="0" presId="urn:microsoft.com/office/officeart/2005/8/layout/process4"/>
+    <dgm:cxn modelId="{AEDCFDEE-A813-48D5-85E7-B55FCEBB645C}" srcId="{C19DA738-A88F-4512-9D43-5BE441214BF2}" destId="{D2BC07BA-039B-4DBA-8DF6-47A8C1A99412}" srcOrd="3" destOrd="0" parTransId="{61EB159E-3BCC-48CF-8D56-9FA8255B8E45}" sibTransId="{44649CB2-D576-4086-ACAF-A97220E76FEF}"/>
+    <dgm:cxn modelId="{C4239A0D-A046-4596-B9EA-095914DB4BA2}" srcId="{76E5DFB0-E730-42BA-A01F-F0BFEF3C2D8C}" destId="{8CB669FB-6BB8-49EF-A56A-8A16A35C6842}" srcOrd="2" destOrd="0" parTransId="{9C057A80-ABE1-4976-8AF8-0CBEA00BA182}" sibTransId="{8AF4534D-FD94-4FB5-9F53-175533B3D717}"/>
+    <dgm:cxn modelId="{B8636AF0-308C-481C-8B70-72FB23F0A5D3}" type="presOf" srcId="{E8352088-9995-4DA8-8752-A146C982808C}" destId="{5D7BB0EB-7A31-48CD-81F0-EE0515B1FE63}" srcOrd="0" destOrd="0" presId="urn:microsoft.com/office/officeart/2005/8/layout/process4"/>
+    <dgm:cxn modelId="{CDBBEF48-C9A4-4EEB-B2E1-59EE12C1B089}" type="presOf" srcId="{469CF4A4-63CE-4612-B08E-ED0AC63C5DCE}" destId="{02DB1174-BE16-4CEF-A381-A48B96E4D08B}" srcOrd="0" destOrd="0" presId="urn:microsoft.com/office/officeart/2005/8/layout/process4"/>
+    <dgm:cxn modelId="{3B8F91E6-E153-4202-9E80-70ED09C0CA4F}" type="presOf" srcId="{C19DA738-A88F-4512-9D43-5BE441214BF2}" destId="{33722230-82AD-4E8E-8334-18E6611A88E9}" srcOrd="1" destOrd="0" presId="urn:microsoft.com/office/officeart/2005/8/layout/process4"/>
     <dgm:cxn modelId="{49C581E8-D912-480B-86FE-39FFDF9DDF73}" srcId="{76E5DFB0-E730-42BA-A01F-F0BFEF3C2D8C}" destId="{29970F8A-0C52-4196-A3DE-ADE4AF8596E4}" srcOrd="0" destOrd="0" parTransId="{E6C88775-4284-4328-8A88-10F39A9C25A3}" sibTransId="{2B0C33F2-D544-4848-BED9-943DECE3E49A}"/>
     <dgm:cxn modelId="{371EF19D-7B7D-4FE4-B961-B4518DAA96A0}" srcId="{C19DA738-A88F-4512-9D43-5BE441214BF2}" destId="{A281B389-1667-4A55-BD58-092071C5FE09}" srcOrd="1" destOrd="0" parTransId="{611A890A-7FC5-4A78-8173-78A146564008}" sibTransId="{95BD7FAB-AB1E-44CF-B670-795C410A9B2A}"/>
-    <dgm:cxn modelId="{B8636AF0-308C-481C-8B70-72FB23F0A5D3}" type="presOf" srcId="{E8352088-9995-4DA8-8752-A146C982808C}" destId="{5D7BB0EB-7A31-48CD-81F0-EE0515B1FE63}" srcOrd="0" destOrd="0" presId="urn:microsoft.com/office/officeart/2005/8/layout/process4"/>
-    <dgm:cxn modelId="{AEDCFDEE-A813-48D5-85E7-B55FCEBB645C}" srcId="{C19DA738-A88F-4512-9D43-5BE441214BF2}" destId="{D2BC07BA-039B-4DBA-8DF6-47A8C1A99412}" srcOrd="3" destOrd="0" parTransId="{61EB159E-3BCC-48CF-8D56-9FA8255B8E45}" sibTransId="{44649CB2-D576-4086-ACAF-A97220E76FEF}"/>
+    <dgm:cxn modelId="{6E12574B-A114-4806-B9E8-A96441EA8308}" type="presOf" srcId="{8CB669FB-6BB8-49EF-A56A-8A16A35C6842}" destId="{EAC51551-D9E4-4BDD-8208-AD9035674C33}" srcOrd="0" destOrd="0" presId="urn:microsoft.com/office/officeart/2005/8/layout/process4"/>
+    <dgm:cxn modelId="{7BAE7EE7-3D94-4A80-BA33-FA81E6FACA8D}" srcId="{C19DA738-A88F-4512-9D43-5BE441214BF2}" destId="{E8352088-9995-4DA8-8752-A146C982808C}" srcOrd="2" destOrd="0" parTransId="{E026AA32-E98D-4305-AB4E-9525F63358A7}" sibTransId="{FEA62B55-B628-4BF9-ABD0-3E80060D2A0E}"/>
+    <dgm:cxn modelId="{6EFAF7F5-795D-4A3F-B4D1-52594BCCE436}" type="presOf" srcId="{8CB669FB-6BB8-49EF-A56A-8A16A35C6842}" destId="{71B381FF-7479-4BFC-96C6-D8623DCE6FB1}" srcOrd="1" destOrd="0" presId="urn:microsoft.com/office/officeart/2005/8/layout/process4"/>
+    <dgm:cxn modelId="{41ECEE18-F6CE-4E32-A3A6-31AB912B9FC8}" type="presOf" srcId="{9AECA9C6-7A8B-4B06-B3EC-AF79F2F1D515}" destId="{C689D0F2-F118-42A4-9086-904093CFC0A7}" srcOrd="0" destOrd="0" presId="urn:microsoft.com/office/officeart/2005/8/layout/process4"/>
+    <dgm:cxn modelId="{01706C71-7234-4459-97F5-0120C4B775C6}" type="presOf" srcId="{D2BC07BA-039B-4DBA-8DF6-47A8C1A99412}" destId="{EDD16DFC-A762-4AAC-BF39-070B632F8E3E}" srcOrd="0" destOrd="0" presId="urn:microsoft.com/office/officeart/2005/8/layout/process4"/>
+    <dgm:cxn modelId="{02411187-793E-4339-8F62-2724AD13A059}" srcId="{76E5DFB0-E730-42BA-A01F-F0BFEF3C2D8C}" destId="{C19DA738-A88F-4512-9D43-5BE441214BF2}" srcOrd="1" destOrd="0" parTransId="{0308B4F8-68C9-4EB9-BE17-0C8F5F36C81A}" sibTransId="{3014AF09-0DB7-4615-B17D-C4E22608BBA6}"/>
+    <dgm:cxn modelId="{74744671-BC7A-4052-9E61-34B4822B5105}" type="presOf" srcId="{76E5DFB0-E730-42BA-A01F-F0BFEF3C2D8C}" destId="{E1BE5AC6-1D76-418E-8871-54BBD115283E}" srcOrd="0" destOrd="0" presId="urn:microsoft.com/office/officeart/2005/8/layout/process4"/>
+    <dgm:cxn modelId="{F2CB0D6B-C40D-472C-B221-CB6DBD39B4BB}" srcId="{76E5DFB0-E730-42BA-A01F-F0BFEF3C2D8C}" destId="{469CF4A4-63CE-4612-B08E-ED0AC63C5DCE}" srcOrd="3" destOrd="0" parTransId="{6F6F7819-1123-4348-B07E-A54AA6CD1A6B}" sibTransId="{D1ED5E32-0A3B-4A79-8ED5-DA9D4BF2763A}"/>
+    <dgm:cxn modelId="{2C36DC13-2EF8-4A2D-BA73-5DA1D76068FF}" type="presOf" srcId="{29970F8A-0C52-4196-A3DE-ADE4AF8596E4}" destId="{932D4569-B469-4EFD-BD4A-F6E9C5D8E760}" srcOrd="1" destOrd="0" presId="urn:microsoft.com/office/officeart/2005/8/layout/process4"/>
+    <dgm:cxn modelId="{1C21195E-61A6-40C7-8472-72E3A85AF05F}" srcId="{29970F8A-0C52-4196-A3DE-ADE4AF8596E4}" destId="{9AECA9C6-7A8B-4B06-B3EC-AF79F2F1D515}" srcOrd="0" destOrd="0" parTransId="{2EDABFBC-71AD-4E8C-BC09-FC865A4EEABD}" sibTransId="{AEDD72F7-290A-4639-AF6D-25EAED8B2A44}"/>
+    <dgm:cxn modelId="{3B39FF7C-24CB-46D8-8386-5F7F27EE41EC}" srcId="{C19DA738-A88F-4512-9D43-5BE441214BF2}" destId="{6D7F98BA-D801-4F60-ADA7-4B1CB3135AED}" srcOrd="0" destOrd="0" parTransId="{AB4B1943-0DD8-49B1-95B7-0AB07EF2833E}" sibTransId="{56A331EF-EC78-4E1B-8593-150A1178C80D}"/>
     <dgm:cxn modelId="{3CC15BFD-7DAF-493B-A822-AF58BE9685FA}" srcId="{8CB669FB-6BB8-49EF-A56A-8A16A35C6842}" destId="{E8F98DD9-5067-4C7C-A873-85F1F12B1BF6}" srcOrd="0" destOrd="0" parTransId="{A5DB4336-D746-4E8E-B9C9-596BAB5A9423}" sibTransId="{32C4C8AC-839F-443A-AA3C-6706D8EFFCA8}"/>
-    <dgm:cxn modelId="{C4239A0D-A046-4596-B9EA-095914DB4BA2}" srcId="{76E5DFB0-E730-42BA-A01F-F0BFEF3C2D8C}" destId="{8CB669FB-6BB8-49EF-A56A-8A16A35C6842}" srcOrd="2" destOrd="0" parTransId="{9C057A80-ABE1-4976-8AF8-0CBEA00BA182}" sibTransId="{8AF4534D-FD94-4FB5-9F53-175533B3D717}"/>
-    <dgm:cxn modelId="{6EFAF7F5-795D-4A3F-B4D1-52594BCCE436}" type="presOf" srcId="{8CB669FB-6BB8-49EF-A56A-8A16A35C6842}" destId="{71B381FF-7479-4BFC-96C6-D8623DCE6FB1}" srcOrd="1" destOrd="0" presId="urn:microsoft.com/office/officeart/2005/8/layout/process4"/>
-    <dgm:cxn modelId="{659DEB6D-AB8D-4074-A4A4-4CCD498517DA}" type="presOf" srcId="{29970F8A-0C52-4196-A3DE-ADE4AF8596E4}" destId="{D535D68E-9AFB-4103-8D6F-14A63C0860A8}" srcOrd="0" destOrd="0" presId="urn:microsoft.com/office/officeart/2005/8/layout/process4"/>
-    <dgm:cxn modelId="{41ECEE18-F6CE-4E32-A3A6-31AB912B9FC8}" type="presOf" srcId="{9AECA9C6-7A8B-4B06-B3EC-AF79F2F1D515}" destId="{C689D0F2-F118-42A4-9086-904093CFC0A7}" srcOrd="0" destOrd="0" presId="urn:microsoft.com/office/officeart/2005/8/layout/process4"/>
-    <dgm:cxn modelId="{02411187-793E-4339-8F62-2724AD13A059}" srcId="{76E5DFB0-E730-42BA-A01F-F0BFEF3C2D8C}" destId="{C19DA738-A88F-4512-9D43-5BE441214BF2}" srcOrd="1" destOrd="0" parTransId="{0308B4F8-68C9-4EB9-BE17-0C8F5F36C81A}" sibTransId="{3014AF09-0DB7-4615-B17D-C4E22608BBA6}"/>
-    <dgm:cxn modelId="{7BAE7EE7-3D94-4A80-BA33-FA81E6FACA8D}" srcId="{C19DA738-A88F-4512-9D43-5BE441214BF2}" destId="{E8352088-9995-4DA8-8752-A146C982808C}" srcOrd="2" destOrd="0" parTransId="{E026AA32-E98D-4305-AB4E-9525F63358A7}" sibTransId="{FEA62B55-B628-4BF9-ABD0-3E80060D2A0E}"/>
-    <dgm:cxn modelId="{CDBBEF48-C9A4-4EEB-B2E1-59EE12C1B089}" type="presOf" srcId="{469CF4A4-63CE-4612-B08E-ED0AC63C5DCE}" destId="{02DB1174-BE16-4CEF-A381-A48B96E4D08B}" srcOrd="0" destOrd="0" presId="urn:microsoft.com/office/officeart/2005/8/layout/process4"/>
-    <dgm:cxn modelId="{6E12574B-A114-4806-B9E8-A96441EA8308}" type="presOf" srcId="{8CB669FB-6BB8-49EF-A56A-8A16A35C6842}" destId="{EAC51551-D9E4-4BDD-8208-AD9035674C33}" srcOrd="0" destOrd="0" presId="urn:microsoft.com/office/officeart/2005/8/layout/process4"/>
     <dgm:cxn modelId="{6B34D678-99FF-49CB-8B0E-49AC9BA6520A}" type="presOf" srcId="{E8F98DD9-5067-4C7C-A873-85F1F12B1BF6}" destId="{D0302168-AB7B-4969-92B3-F457CBA68CA7}" srcOrd="0" destOrd="0" presId="urn:microsoft.com/office/officeart/2005/8/layout/process4"/>
     <dgm:cxn modelId="{C2DF7B2A-5D95-47CB-B719-9AA3BCCEB3F7}" type="presOf" srcId="{6D7F98BA-D801-4F60-ADA7-4B1CB3135AED}" destId="{5C6306A4-C4A9-40C5-87DD-05B75172C466}" srcOrd="0" destOrd="0" presId="urn:microsoft.com/office/officeart/2005/8/layout/process4"/>
-    <dgm:cxn modelId="{3B8F91E6-E153-4202-9E80-70ED09C0CA4F}" type="presOf" srcId="{C19DA738-A88F-4512-9D43-5BE441214BF2}" destId="{33722230-82AD-4E8E-8334-18E6611A88E9}" srcOrd="1" destOrd="0" presId="urn:microsoft.com/office/officeart/2005/8/layout/process4"/>
-    <dgm:cxn modelId="{74744671-BC7A-4052-9E61-34B4822B5105}" type="presOf" srcId="{76E5DFB0-E730-42BA-A01F-F0BFEF3C2D8C}" destId="{E1BE5AC6-1D76-418E-8871-54BBD115283E}" srcOrd="0" destOrd="0" presId="urn:microsoft.com/office/officeart/2005/8/layout/process4"/>
-    <dgm:cxn modelId="{AB908C1F-0E1C-4AD6-9670-37D9C9F85783}" type="presOf" srcId="{C19DA738-A88F-4512-9D43-5BE441214BF2}" destId="{E5AFF95B-2E9F-4958-84AA-9C2BA26C582D}" srcOrd="0" destOrd="0" presId="urn:microsoft.com/office/officeart/2005/8/layout/process4"/>
-    <dgm:cxn modelId="{3B39FF7C-24CB-46D8-8386-5F7F27EE41EC}" srcId="{C19DA738-A88F-4512-9D43-5BE441214BF2}" destId="{6D7F98BA-D801-4F60-ADA7-4B1CB3135AED}" srcOrd="0" destOrd="0" parTransId="{AB4B1943-0DD8-49B1-95B7-0AB07EF2833E}" sibTransId="{56A331EF-EC78-4E1B-8593-150A1178C80D}"/>
     <dgm:cxn modelId="{307F6F0C-D64B-4DF7-BDF7-74A6443F54F2}" type="presParOf" srcId="{E1BE5AC6-1D76-418E-8871-54BBD115283E}" destId="{110B3954-BEEE-4687-9A15-A2DE8E6C9DDF}" srcOrd="0" destOrd="0" presId="urn:microsoft.com/office/officeart/2005/8/layout/process4"/>
     <dgm:cxn modelId="{5D32350C-0738-4452-A24A-102469CB909E}" type="presParOf" srcId="{110B3954-BEEE-4687-9A15-A2DE8E6C9DDF}" destId="{02DB1174-BE16-4CEF-A381-A48B96E4D08B}" srcOrd="0" destOrd="0" presId="urn:microsoft.com/office/officeart/2005/8/layout/process4"/>
     <dgm:cxn modelId="{46A28C0C-FB67-46BD-BF4B-527B189FF1F7}" type="presParOf" srcId="{E1BE5AC6-1D76-418E-8871-54BBD115283E}" destId="{898696CE-928E-41B6-AB07-A1AA7B71F1C7}" srcOrd="1" destOrd="0" presId="urn:microsoft.com/office/officeart/2005/8/layout/process4"/>
@@ -2003,828 +2003,6 @@
       <dsp:cNvGrpSpPr/>
     </dsp:nvGrpSpPr>
     <dsp:grpSpPr/>
-    <dsp:sp modelId="{02DB1174-BE16-4CEF-A381-A48B96E4D08B}">
-      <dsp:nvSpPr>
-        <dsp:cNvPr id="0" name=""/>
-        <dsp:cNvSpPr/>
-      </dsp:nvSpPr>
-      <dsp:spPr>
-        <a:xfrm>
-          <a:off x="0" y="3135627"/>
-          <a:ext cx="7950925" cy="685998"/>
-        </a:xfrm>
-        <a:prstGeom prst="rect">
-          <a:avLst/>
-        </a:prstGeom>
-        <a:solidFill>
-          <a:schemeClr val="accent2">
-            <a:hueOff val="0"/>
-            <a:satOff val="0"/>
-            <a:lumOff val="0"/>
-            <a:alphaOff val="0"/>
-          </a:schemeClr>
-        </a:solidFill>
-        <a:ln w="15875" cap="rnd" cmpd="sng" algn="ctr">
-          <a:solidFill>
-            <a:schemeClr val="lt1">
-              <a:hueOff val="0"/>
-              <a:satOff val="0"/>
-              <a:lumOff val="0"/>
-              <a:alphaOff val="0"/>
-            </a:schemeClr>
-          </a:solidFill>
-          <a:prstDash val="solid"/>
-        </a:ln>
-        <a:effectLst/>
-      </dsp:spPr>
-      <dsp:style>
-        <a:lnRef idx="2">
-          <a:scrgbClr r="0" g="0" b="0"/>
-        </a:lnRef>
-        <a:fillRef idx="1">
-          <a:scrgbClr r="0" g="0" b="0"/>
-        </a:fillRef>
-        <a:effectRef idx="0">
-          <a:scrgbClr r="0" g="0" b="0"/>
-        </a:effectRef>
-        <a:fontRef idx="minor">
-          <a:schemeClr val="lt1"/>
-        </a:fontRef>
-      </dsp:style>
-      <dsp:txBody>
-        <a:bodyPr spcFirstLastPara="0" vert="horz" wrap="square" lIns="142240" tIns="142240" rIns="142240" bIns="142240" numCol="1" spcCol="1270" anchor="ctr" anchorCtr="0">
-          <a:noAutofit/>
-        </a:bodyPr>
-        <a:lstStyle/>
-        <a:p>
-          <a:pPr lvl="0" algn="ctr" defTabSz="889000">
-            <a:lnSpc>
-              <a:spcPct val="90000"/>
-            </a:lnSpc>
-            <a:spcBef>
-              <a:spcPct val="0"/>
-            </a:spcBef>
-            <a:spcAft>
-              <a:spcPct val="35000"/>
-            </a:spcAft>
-          </a:pPr>
-          <a:r>
-            <a:rPr lang="en-US" sz="2000" b="1" i="0" kern="1200" dirty="0" err="1" smtClean="0"/>
-            <a:t>ajaxStop</a:t>
-          </a:r>
-          <a:r>
-            <a:rPr lang="en-US" sz="2000" b="0" i="0" kern="1200" dirty="0" smtClean="0"/>
-            <a:t> (Global Event)</a:t>
-          </a:r>
-          <a:endParaRPr lang="zh-TW" altLang="en-US" sz="2000" kern="1200" dirty="0"/>
-        </a:p>
-      </dsp:txBody>
-      <dsp:txXfrm>
-        <a:off x="0" y="3135627"/>
-        <a:ext cx="7950925" cy="685998"/>
-      </dsp:txXfrm>
-    </dsp:sp>
-    <dsp:sp modelId="{71B381FF-7479-4BFC-96C6-D8623DCE6FB1}">
-      <dsp:nvSpPr>
-        <dsp:cNvPr id="0" name=""/>
-        <dsp:cNvSpPr/>
-      </dsp:nvSpPr>
-      <dsp:spPr>
-        <a:xfrm rot="10800000">
-          <a:off x="0" y="2090851"/>
-          <a:ext cx="7950925" cy="1055065"/>
-        </a:xfrm>
-        <a:prstGeom prst="upArrowCallout">
-          <a:avLst/>
-        </a:prstGeom>
-        <a:solidFill>
-          <a:schemeClr val="accent3">
-            <a:hueOff val="0"/>
-            <a:satOff val="0"/>
-            <a:lumOff val="0"/>
-            <a:alphaOff val="0"/>
-          </a:schemeClr>
-        </a:solidFill>
-        <a:ln w="15875" cap="rnd" cmpd="sng" algn="ctr">
-          <a:solidFill>
-            <a:schemeClr val="lt1">
-              <a:hueOff val="0"/>
-              <a:satOff val="0"/>
-              <a:lumOff val="0"/>
-              <a:alphaOff val="0"/>
-            </a:schemeClr>
-          </a:solidFill>
-          <a:prstDash val="solid"/>
-        </a:ln>
-        <a:effectLst/>
-      </dsp:spPr>
-      <dsp:style>
-        <a:lnRef idx="2">
-          <a:scrgbClr r="0" g="0" b="0"/>
-        </a:lnRef>
-        <a:fillRef idx="1">
-          <a:scrgbClr r="0" g="0" b="0"/>
-        </a:fillRef>
-        <a:effectRef idx="0">
-          <a:scrgbClr r="0" g="0" b="0"/>
-        </a:effectRef>
-        <a:fontRef idx="minor">
-          <a:schemeClr val="lt1"/>
-        </a:fontRef>
-      </dsp:style>
-      <dsp:txBody>
-        <a:bodyPr spcFirstLastPara="0" vert="horz" wrap="square" lIns="142240" tIns="142240" rIns="142240" bIns="142240" numCol="1" spcCol="1270" anchor="ctr" anchorCtr="0">
-          <a:noAutofit/>
-        </a:bodyPr>
-        <a:lstStyle/>
-        <a:p>
-          <a:pPr lvl="0" algn="ctr" defTabSz="889000">
-            <a:lnSpc>
-              <a:spcPct val="90000"/>
-            </a:lnSpc>
-            <a:spcBef>
-              <a:spcPct val="0"/>
-            </a:spcBef>
-            <a:spcAft>
-              <a:spcPct val="35000"/>
-            </a:spcAft>
-          </a:pPr>
-          <a:r>
-            <a:rPr lang="en-US" sz="2000" b="1" i="0" kern="1200" dirty="0" smtClean="0"/>
-            <a:t>complete</a:t>
-          </a:r>
-          <a:r>
-            <a:rPr lang="en-US" sz="2000" b="0" i="0" kern="1200" dirty="0" smtClean="0"/>
-            <a:t> (Local Event)</a:t>
-          </a:r>
-          <a:endParaRPr lang="zh-TW" altLang="en-US" sz="2000" kern="1200" dirty="0"/>
-        </a:p>
-      </dsp:txBody>
-      <dsp:txXfrm rot="-10800000">
-        <a:off x="0" y="2090851"/>
-        <a:ext cx="7950925" cy="370328"/>
-      </dsp:txXfrm>
-    </dsp:sp>
-    <dsp:sp modelId="{D0302168-AB7B-4969-92B3-F457CBA68CA7}">
-      <dsp:nvSpPr>
-        <dsp:cNvPr id="0" name=""/>
-        <dsp:cNvSpPr/>
-      </dsp:nvSpPr>
-      <dsp:spPr>
-        <a:xfrm>
-          <a:off x="0" y="2461179"/>
-          <a:ext cx="7950925" cy="315464"/>
-        </a:xfrm>
-        <a:prstGeom prst="rect">
-          <a:avLst/>
-        </a:prstGeom>
-        <a:solidFill>
-          <a:schemeClr val="accent2">
-            <a:tint val="40000"/>
-            <a:alpha val="90000"/>
-            <a:hueOff val="0"/>
-            <a:satOff val="0"/>
-            <a:lumOff val="0"/>
-            <a:alphaOff val="0"/>
-          </a:schemeClr>
-        </a:solidFill>
-        <a:ln w="15875" cap="rnd" cmpd="sng" algn="ctr">
-          <a:solidFill>
-            <a:schemeClr val="accent2">
-              <a:tint val="40000"/>
-              <a:alpha val="90000"/>
-              <a:hueOff val="0"/>
-              <a:satOff val="0"/>
-              <a:lumOff val="0"/>
-              <a:alphaOff val="0"/>
-            </a:schemeClr>
-          </a:solidFill>
-          <a:prstDash val="solid"/>
-        </a:ln>
-        <a:effectLst/>
-      </dsp:spPr>
-      <dsp:style>
-        <a:lnRef idx="2">
-          <a:scrgbClr r="0" g="0" b="0"/>
-        </a:lnRef>
-        <a:fillRef idx="1">
-          <a:scrgbClr r="0" g="0" b="0"/>
-        </a:fillRef>
-        <a:effectRef idx="0">
-          <a:scrgbClr r="0" g="0" b="0"/>
-        </a:effectRef>
-        <a:fontRef idx="minor"/>
-      </dsp:style>
-      <dsp:txBody>
-        <a:bodyPr spcFirstLastPara="0" vert="horz" wrap="square" lIns="142240" tIns="25400" rIns="142240" bIns="25400" numCol="1" spcCol="1270" anchor="ctr" anchorCtr="0">
-          <a:noAutofit/>
-        </a:bodyPr>
-        <a:lstStyle/>
-        <a:p>
-          <a:pPr lvl="0" algn="ctr" defTabSz="889000">
-            <a:lnSpc>
-              <a:spcPct val="90000"/>
-            </a:lnSpc>
-            <a:spcBef>
-              <a:spcPct val="0"/>
-            </a:spcBef>
-            <a:spcAft>
-              <a:spcPct val="35000"/>
-            </a:spcAft>
-          </a:pPr>
-          <a:r>
-            <a:rPr lang="en-US" sz="2000" b="1" i="0" kern="1200" dirty="0" err="1" smtClean="0"/>
-            <a:t>ajaxComplete</a:t>
-          </a:r>
-          <a:r>
-            <a:rPr lang="en-US" sz="2000" b="0" i="0" kern="1200" dirty="0" smtClean="0"/>
-            <a:t> (Global Event)</a:t>
-          </a:r>
-          <a:endParaRPr lang="zh-TW" altLang="en-US" sz="2000" kern="1200" dirty="0"/>
-        </a:p>
-      </dsp:txBody>
-      <dsp:txXfrm>
-        <a:off x="0" y="2461179"/>
-        <a:ext cx="7950925" cy="315464"/>
-      </dsp:txXfrm>
-    </dsp:sp>
-    <dsp:sp modelId="{33722230-82AD-4E8E-8334-18E6611A88E9}">
-      <dsp:nvSpPr>
-        <dsp:cNvPr id="0" name=""/>
-        <dsp:cNvSpPr/>
-      </dsp:nvSpPr>
-      <dsp:spPr>
-        <a:xfrm rot="10800000">
-          <a:off x="0" y="1046075"/>
-          <a:ext cx="7950925" cy="1055065"/>
-        </a:xfrm>
-        <a:prstGeom prst="upArrowCallout">
-          <a:avLst/>
-        </a:prstGeom>
-        <a:solidFill>
-          <a:schemeClr val="accent4">
-            <a:hueOff val="0"/>
-            <a:satOff val="0"/>
-            <a:lumOff val="0"/>
-            <a:alphaOff val="0"/>
-          </a:schemeClr>
-        </a:solidFill>
-        <a:ln w="15875" cap="rnd" cmpd="sng" algn="ctr">
-          <a:solidFill>
-            <a:schemeClr val="lt1">
-              <a:hueOff val="0"/>
-              <a:satOff val="0"/>
-              <a:lumOff val="0"/>
-              <a:alphaOff val="0"/>
-            </a:schemeClr>
-          </a:solidFill>
-          <a:prstDash val="solid"/>
-        </a:ln>
-        <a:effectLst/>
-      </dsp:spPr>
-      <dsp:style>
-        <a:lnRef idx="2">
-          <a:scrgbClr r="0" g="0" b="0"/>
-        </a:lnRef>
-        <a:fillRef idx="1">
-          <a:scrgbClr r="0" g="0" b="0"/>
-        </a:fillRef>
-        <a:effectRef idx="0">
-          <a:scrgbClr r="0" g="0" b="0"/>
-        </a:effectRef>
-        <a:fontRef idx="minor">
-          <a:schemeClr val="lt1"/>
-        </a:fontRef>
-      </dsp:style>
-      <dsp:txBody>
-        <a:bodyPr spcFirstLastPara="0" vert="horz" wrap="square" lIns="142240" tIns="142240" rIns="142240" bIns="142240" numCol="1" spcCol="1270" anchor="ctr" anchorCtr="0">
-          <a:noAutofit/>
-        </a:bodyPr>
-        <a:lstStyle/>
-        <a:p>
-          <a:pPr lvl="0" algn="ctr" defTabSz="889000">
-            <a:lnSpc>
-              <a:spcPct val="90000"/>
-            </a:lnSpc>
-            <a:spcBef>
-              <a:spcPct val="0"/>
-            </a:spcBef>
-            <a:spcAft>
-              <a:spcPct val="35000"/>
-            </a:spcAft>
-          </a:pPr>
-          <a:r>
-            <a:rPr lang="en-US" sz="2000" b="1" i="0" kern="1200" dirty="0" err="1" smtClean="0"/>
-            <a:t>ajaxSend</a:t>
-          </a:r>
-          <a:r>
-            <a:rPr lang="en-US" sz="2000" b="0" i="0" kern="1200" dirty="0" smtClean="0"/>
-            <a:t> (Global Event) </a:t>
-          </a:r>
-          <a:endParaRPr lang="zh-TW" altLang="en-US" sz="2000" kern="1200" dirty="0"/>
-        </a:p>
-      </dsp:txBody>
-      <dsp:txXfrm rot="-10800000">
-        <a:off x="0" y="1046075"/>
-        <a:ext cx="7950925" cy="370328"/>
-      </dsp:txXfrm>
-    </dsp:sp>
-    <dsp:sp modelId="{5C6306A4-C4A9-40C5-87DD-05B75172C466}">
-      <dsp:nvSpPr>
-        <dsp:cNvPr id="0" name=""/>
-        <dsp:cNvSpPr/>
-      </dsp:nvSpPr>
-      <dsp:spPr>
-        <a:xfrm>
-          <a:off x="0" y="1416403"/>
-          <a:ext cx="1987731" cy="315464"/>
-        </a:xfrm>
-        <a:prstGeom prst="rect">
-          <a:avLst/>
-        </a:prstGeom>
-        <a:solidFill>
-          <a:schemeClr val="accent3">
-            <a:tint val="40000"/>
-            <a:alpha val="90000"/>
-            <a:hueOff val="0"/>
-            <a:satOff val="0"/>
-            <a:lumOff val="0"/>
-            <a:alphaOff val="0"/>
-          </a:schemeClr>
-        </a:solidFill>
-        <a:ln w="15875" cap="rnd" cmpd="sng" algn="ctr">
-          <a:solidFill>
-            <a:schemeClr val="accent3">
-              <a:tint val="40000"/>
-              <a:alpha val="90000"/>
-              <a:hueOff val="0"/>
-              <a:satOff val="0"/>
-              <a:lumOff val="0"/>
-              <a:alphaOff val="0"/>
-            </a:schemeClr>
-          </a:solidFill>
-          <a:prstDash val="solid"/>
-        </a:ln>
-        <a:effectLst/>
-      </dsp:spPr>
-      <dsp:style>
-        <a:lnRef idx="2">
-          <a:scrgbClr r="0" g="0" b="0"/>
-        </a:lnRef>
-        <a:fillRef idx="1">
-          <a:scrgbClr r="0" g="0" b="0"/>
-        </a:fillRef>
-        <a:effectRef idx="0">
-          <a:scrgbClr r="0" g="0" b="0"/>
-        </a:effectRef>
-        <a:fontRef idx="minor"/>
-      </dsp:style>
-      <dsp:txBody>
-        <a:bodyPr spcFirstLastPara="0" vert="horz" wrap="square" lIns="85344" tIns="15240" rIns="85344" bIns="15240" numCol="1" spcCol="1270" anchor="ctr" anchorCtr="0">
-          <a:noAutofit/>
-        </a:bodyPr>
-        <a:lstStyle/>
-        <a:p>
-          <a:pPr lvl="0" algn="ctr" defTabSz="533400">
-            <a:lnSpc>
-              <a:spcPct val="90000"/>
-            </a:lnSpc>
-            <a:spcBef>
-              <a:spcPct val="0"/>
-            </a:spcBef>
-            <a:spcAft>
-              <a:spcPct val="35000"/>
-            </a:spcAft>
-          </a:pPr>
-          <a:r>
-            <a:rPr lang="en-US" sz="1200" b="1" i="0" kern="1200" dirty="0" smtClean="0"/>
-            <a:t>success</a:t>
-          </a:r>
-          <a:r>
-            <a:rPr lang="en-US" sz="1200" b="0" i="0" kern="1200" dirty="0" smtClean="0"/>
-            <a:t> (Local Event)</a:t>
-          </a:r>
-          <a:endParaRPr lang="zh-TW" altLang="en-US" sz="1200" kern="1200" dirty="0"/>
-        </a:p>
-      </dsp:txBody>
-      <dsp:txXfrm>
-        <a:off x="0" y="1416403"/>
-        <a:ext cx="1987731" cy="315464"/>
-      </dsp:txXfrm>
-    </dsp:sp>
-    <dsp:sp modelId="{F9E43528-B754-43B5-8649-76FC1188A4DE}">
-      <dsp:nvSpPr>
-        <dsp:cNvPr id="0" name=""/>
-        <dsp:cNvSpPr/>
-      </dsp:nvSpPr>
-      <dsp:spPr>
-        <a:xfrm>
-          <a:off x="1987731" y="1416403"/>
-          <a:ext cx="1987731" cy="315464"/>
-        </a:xfrm>
-        <a:prstGeom prst="rect">
-          <a:avLst/>
-        </a:prstGeom>
-        <a:solidFill>
-          <a:schemeClr val="accent4">
-            <a:tint val="40000"/>
-            <a:alpha val="90000"/>
-            <a:hueOff val="0"/>
-            <a:satOff val="0"/>
-            <a:lumOff val="0"/>
-            <a:alphaOff val="0"/>
-          </a:schemeClr>
-        </a:solidFill>
-        <a:ln w="15875" cap="rnd" cmpd="sng" algn="ctr">
-          <a:solidFill>
-            <a:schemeClr val="accent4">
-              <a:tint val="40000"/>
-              <a:alpha val="90000"/>
-              <a:hueOff val="0"/>
-              <a:satOff val="0"/>
-              <a:lumOff val="0"/>
-              <a:alphaOff val="0"/>
-            </a:schemeClr>
-          </a:solidFill>
-          <a:prstDash val="solid"/>
-        </a:ln>
-        <a:effectLst/>
-      </dsp:spPr>
-      <dsp:style>
-        <a:lnRef idx="2">
-          <a:scrgbClr r="0" g="0" b="0"/>
-        </a:lnRef>
-        <a:fillRef idx="1">
-          <a:scrgbClr r="0" g="0" b="0"/>
-        </a:fillRef>
-        <a:effectRef idx="0">
-          <a:scrgbClr r="0" g="0" b="0"/>
-        </a:effectRef>
-        <a:fontRef idx="minor"/>
-      </dsp:style>
-      <dsp:txBody>
-        <a:bodyPr spcFirstLastPara="0" vert="horz" wrap="square" lIns="85344" tIns="15240" rIns="85344" bIns="15240" numCol="1" spcCol="1270" anchor="ctr" anchorCtr="0">
-          <a:noAutofit/>
-        </a:bodyPr>
-        <a:lstStyle/>
-        <a:p>
-          <a:pPr lvl="0" algn="ctr" defTabSz="533400">
-            <a:lnSpc>
-              <a:spcPct val="90000"/>
-            </a:lnSpc>
-            <a:spcBef>
-              <a:spcPct val="0"/>
-            </a:spcBef>
-            <a:spcAft>
-              <a:spcPct val="35000"/>
-            </a:spcAft>
-          </a:pPr>
-          <a:r>
-            <a:rPr lang="en-US" sz="1200" b="1" i="0" kern="1200" dirty="0" err="1" smtClean="0"/>
-            <a:t>ajaxSuccess</a:t>
-          </a:r>
-          <a:r>
-            <a:rPr lang="en-US" sz="1200" b="0" i="0" kern="1200" dirty="0" smtClean="0"/>
-            <a:t> (Global Event)</a:t>
-          </a:r>
-          <a:endParaRPr lang="zh-TW" altLang="en-US" sz="1200" kern="1200" dirty="0"/>
-        </a:p>
-      </dsp:txBody>
-      <dsp:txXfrm>
-        <a:off x="1987731" y="1416403"/>
-        <a:ext cx="1987731" cy="315464"/>
-      </dsp:txXfrm>
-    </dsp:sp>
-    <dsp:sp modelId="{5D7BB0EB-7A31-48CD-81F0-EE0515B1FE63}">
-      <dsp:nvSpPr>
-        <dsp:cNvPr id="0" name=""/>
-        <dsp:cNvSpPr/>
-      </dsp:nvSpPr>
-      <dsp:spPr>
-        <a:xfrm>
-          <a:off x="3975462" y="1416403"/>
-          <a:ext cx="1987731" cy="315464"/>
-        </a:xfrm>
-        <a:prstGeom prst="rect">
-          <a:avLst/>
-        </a:prstGeom>
-        <a:solidFill>
-          <a:schemeClr val="accent5">
-            <a:tint val="40000"/>
-            <a:alpha val="90000"/>
-            <a:hueOff val="0"/>
-            <a:satOff val="0"/>
-            <a:lumOff val="0"/>
-            <a:alphaOff val="0"/>
-          </a:schemeClr>
-        </a:solidFill>
-        <a:ln w="15875" cap="rnd" cmpd="sng" algn="ctr">
-          <a:solidFill>
-            <a:schemeClr val="accent5">
-              <a:tint val="40000"/>
-              <a:alpha val="90000"/>
-              <a:hueOff val="0"/>
-              <a:satOff val="0"/>
-              <a:lumOff val="0"/>
-              <a:alphaOff val="0"/>
-            </a:schemeClr>
-          </a:solidFill>
-          <a:prstDash val="solid"/>
-        </a:ln>
-        <a:effectLst/>
-      </dsp:spPr>
-      <dsp:style>
-        <a:lnRef idx="2">
-          <a:scrgbClr r="0" g="0" b="0"/>
-        </a:lnRef>
-        <a:fillRef idx="1">
-          <a:scrgbClr r="0" g="0" b="0"/>
-        </a:fillRef>
-        <a:effectRef idx="0">
-          <a:scrgbClr r="0" g="0" b="0"/>
-        </a:effectRef>
-        <a:fontRef idx="minor"/>
-      </dsp:style>
-      <dsp:txBody>
-        <a:bodyPr spcFirstLastPara="0" vert="horz" wrap="square" lIns="85344" tIns="15240" rIns="85344" bIns="15240" numCol="1" spcCol="1270" anchor="ctr" anchorCtr="0">
-          <a:noAutofit/>
-        </a:bodyPr>
-        <a:lstStyle/>
-        <a:p>
-          <a:pPr lvl="0" algn="ctr" defTabSz="533400">
-            <a:lnSpc>
-              <a:spcPct val="90000"/>
-            </a:lnSpc>
-            <a:spcBef>
-              <a:spcPct val="0"/>
-            </a:spcBef>
-            <a:spcAft>
-              <a:spcPct val="35000"/>
-            </a:spcAft>
-          </a:pPr>
-          <a:r>
-            <a:rPr lang="en-US" sz="1200" b="1" i="0" kern="1200" dirty="0" smtClean="0"/>
-            <a:t>error</a:t>
-          </a:r>
-          <a:r>
-            <a:rPr lang="en-US" sz="1200" b="0" i="0" kern="1200" dirty="0" smtClean="0"/>
-            <a:t> (Local Event)</a:t>
-          </a:r>
-          <a:endParaRPr lang="zh-TW" altLang="en-US" sz="1200" kern="1200" dirty="0"/>
-        </a:p>
-      </dsp:txBody>
-      <dsp:txXfrm>
-        <a:off x="3975462" y="1416403"/>
-        <a:ext cx="1987731" cy="315464"/>
-      </dsp:txXfrm>
-    </dsp:sp>
-    <dsp:sp modelId="{EDD16DFC-A762-4AAC-BF39-070B632F8E3E}">
-      <dsp:nvSpPr>
-        <dsp:cNvPr id="0" name=""/>
-        <dsp:cNvSpPr/>
-      </dsp:nvSpPr>
-      <dsp:spPr>
-        <a:xfrm>
-          <a:off x="5963193" y="1416403"/>
-          <a:ext cx="1987731" cy="315464"/>
-        </a:xfrm>
-        <a:prstGeom prst="rect">
-          <a:avLst/>
-        </a:prstGeom>
-        <a:solidFill>
-          <a:schemeClr val="accent6">
-            <a:tint val="40000"/>
-            <a:alpha val="90000"/>
-            <a:hueOff val="0"/>
-            <a:satOff val="0"/>
-            <a:lumOff val="0"/>
-            <a:alphaOff val="0"/>
-          </a:schemeClr>
-        </a:solidFill>
-        <a:ln w="15875" cap="rnd" cmpd="sng" algn="ctr">
-          <a:solidFill>
-            <a:schemeClr val="accent6">
-              <a:tint val="40000"/>
-              <a:alpha val="90000"/>
-              <a:hueOff val="0"/>
-              <a:satOff val="0"/>
-              <a:lumOff val="0"/>
-              <a:alphaOff val="0"/>
-            </a:schemeClr>
-          </a:solidFill>
-          <a:prstDash val="solid"/>
-        </a:ln>
-        <a:effectLst/>
-      </dsp:spPr>
-      <dsp:style>
-        <a:lnRef idx="2">
-          <a:scrgbClr r="0" g="0" b="0"/>
-        </a:lnRef>
-        <a:fillRef idx="1">
-          <a:scrgbClr r="0" g="0" b="0"/>
-        </a:fillRef>
-        <a:effectRef idx="0">
-          <a:scrgbClr r="0" g="0" b="0"/>
-        </a:effectRef>
-        <a:fontRef idx="minor"/>
-      </dsp:style>
-      <dsp:txBody>
-        <a:bodyPr spcFirstLastPara="0" vert="horz" wrap="square" lIns="85344" tIns="15240" rIns="85344" bIns="15240" numCol="1" spcCol="1270" anchor="ctr" anchorCtr="0">
-          <a:noAutofit/>
-        </a:bodyPr>
-        <a:lstStyle/>
-        <a:p>
-          <a:pPr lvl="0" algn="ctr" defTabSz="533400">
-            <a:lnSpc>
-              <a:spcPct val="90000"/>
-            </a:lnSpc>
-            <a:spcBef>
-              <a:spcPct val="0"/>
-            </a:spcBef>
-            <a:spcAft>
-              <a:spcPct val="35000"/>
-            </a:spcAft>
-          </a:pPr>
-          <a:r>
-            <a:rPr lang="en-US" sz="1200" b="1" i="0" kern="1200" dirty="0" err="1" smtClean="0"/>
-            <a:t>ajaxError</a:t>
-          </a:r>
-          <a:r>
-            <a:rPr lang="en-US" sz="1200" b="0" i="0" kern="1200" dirty="0" smtClean="0"/>
-            <a:t> (Global Event)</a:t>
-          </a:r>
-          <a:endParaRPr lang="zh-TW" altLang="en-US" sz="1200" kern="1200" dirty="0"/>
-        </a:p>
-      </dsp:txBody>
-      <dsp:txXfrm>
-        <a:off x="5963193" y="1416403"/>
-        <a:ext cx="1987731" cy="315464"/>
-      </dsp:txXfrm>
-    </dsp:sp>
-    <dsp:sp modelId="{932D4569-B469-4EFD-BD4A-F6E9C5D8E760}">
-      <dsp:nvSpPr>
-        <dsp:cNvPr id="0" name=""/>
-        <dsp:cNvSpPr/>
-      </dsp:nvSpPr>
-      <dsp:spPr>
-        <a:xfrm rot="10800000">
-          <a:off x="0" y="1299"/>
-          <a:ext cx="7950925" cy="1055065"/>
-        </a:xfrm>
-        <a:prstGeom prst="upArrowCallout">
-          <a:avLst/>
-        </a:prstGeom>
-        <a:solidFill>
-          <a:schemeClr val="accent5">
-            <a:hueOff val="0"/>
-            <a:satOff val="0"/>
-            <a:lumOff val="0"/>
-            <a:alphaOff val="0"/>
-          </a:schemeClr>
-        </a:solidFill>
-        <a:ln w="15875" cap="rnd" cmpd="sng" algn="ctr">
-          <a:solidFill>
-            <a:schemeClr val="lt1">
-              <a:hueOff val="0"/>
-              <a:satOff val="0"/>
-              <a:lumOff val="0"/>
-              <a:alphaOff val="0"/>
-            </a:schemeClr>
-          </a:solidFill>
-          <a:prstDash val="solid"/>
-        </a:ln>
-        <a:effectLst/>
-      </dsp:spPr>
-      <dsp:style>
-        <a:lnRef idx="2">
-          <a:scrgbClr r="0" g="0" b="0"/>
-        </a:lnRef>
-        <a:fillRef idx="1">
-          <a:scrgbClr r="0" g="0" b="0"/>
-        </a:fillRef>
-        <a:effectRef idx="0">
-          <a:scrgbClr r="0" g="0" b="0"/>
-        </a:effectRef>
-        <a:fontRef idx="minor">
-          <a:schemeClr val="lt1"/>
-        </a:fontRef>
-      </dsp:style>
-      <dsp:txBody>
-        <a:bodyPr spcFirstLastPara="0" vert="horz" wrap="square" lIns="142240" tIns="142240" rIns="142240" bIns="142240" numCol="1" spcCol="1270" anchor="ctr" anchorCtr="0">
-          <a:noAutofit/>
-        </a:bodyPr>
-        <a:lstStyle/>
-        <a:p>
-          <a:pPr lvl="0" algn="ctr" defTabSz="889000">
-            <a:lnSpc>
-              <a:spcPct val="90000"/>
-            </a:lnSpc>
-            <a:spcBef>
-              <a:spcPct val="0"/>
-            </a:spcBef>
-            <a:spcAft>
-              <a:spcPct val="35000"/>
-            </a:spcAft>
-          </a:pPr>
-          <a:r>
-            <a:rPr lang="en-US" sz="2000" b="1" i="0" kern="1200" dirty="0" err="1" smtClean="0"/>
-            <a:t>ajaxStart</a:t>
-          </a:r>
-          <a:r>
-            <a:rPr lang="en-US" sz="2000" b="0" i="0" kern="1200" dirty="0" smtClean="0"/>
-            <a:t> (Global Event)</a:t>
-          </a:r>
-          <a:endParaRPr lang="zh-TW" altLang="en-US" sz="2000" kern="1200" dirty="0"/>
-        </a:p>
-      </dsp:txBody>
-      <dsp:txXfrm rot="-10800000">
-        <a:off x="0" y="1299"/>
-        <a:ext cx="7950925" cy="370328"/>
-      </dsp:txXfrm>
-    </dsp:sp>
-    <dsp:sp modelId="{C689D0F2-F118-42A4-9086-904093CFC0A7}">
-      <dsp:nvSpPr>
-        <dsp:cNvPr id="0" name=""/>
-        <dsp:cNvSpPr/>
-      </dsp:nvSpPr>
-      <dsp:spPr>
-        <a:xfrm>
-          <a:off x="0" y="371627"/>
-          <a:ext cx="7950925" cy="315464"/>
-        </a:xfrm>
-        <a:prstGeom prst="rect">
-          <a:avLst/>
-        </a:prstGeom>
-        <a:solidFill>
-          <a:schemeClr val="accent2">
-            <a:tint val="40000"/>
-            <a:alpha val="90000"/>
-            <a:hueOff val="0"/>
-            <a:satOff val="0"/>
-            <a:lumOff val="0"/>
-            <a:alphaOff val="0"/>
-          </a:schemeClr>
-        </a:solidFill>
-        <a:ln w="15875" cap="rnd" cmpd="sng" algn="ctr">
-          <a:solidFill>
-            <a:schemeClr val="accent2">
-              <a:tint val="40000"/>
-              <a:alpha val="90000"/>
-              <a:hueOff val="0"/>
-              <a:satOff val="0"/>
-              <a:lumOff val="0"/>
-              <a:alphaOff val="0"/>
-            </a:schemeClr>
-          </a:solidFill>
-          <a:prstDash val="solid"/>
-        </a:ln>
-        <a:effectLst/>
-      </dsp:spPr>
-      <dsp:style>
-        <a:lnRef idx="2">
-          <a:scrgbClr r="0" g="0" b="0"/>
-        </a:lnRef>
-        <a:fillRef idx="1">
-          <a:scrgbClr r="0" g="0" b="0"/>
-        </a:fillRef>
-        <a:effectRef idx="0">
-          <a:scrgbClr r="0" g="0" b="0"/>
-        </a:effectRef>
-        <a:fontRef idx="minor"/>
-      </dsp:style>
-      <dsp:txBody>
-        <a:bodyPr spcFirstLastPara="0" vert="horz" wrap="square" lIns="142240" tIns="25400" rIns="142240" bIns="25400" numCol="1" spcCol="1270" anchor="ctr" anchorCtr="0">
-          <a:noAutofit/>
-        </a:bodyPr>
-        <a:lstStyle/>
-        <a:p>
-          <a:pPr lvl="0" algn="ctr" defTabSz="889000">
-            <a:lnSpc>
-              <a:spcPct val="90000"/>
-            </a:lnSpc>
-            <a:spcBef>
-              <a:spcPct val="0"/>
-            </a:spcBef>
-            <a:spcAft>
-              <a:spcPct val="35000"/>
-            </a:spcAft>
-          </a:pPr>
-          <a:r>
-            <a:rPr lang="en-US" sz="2000" b="1" i="0" kern="1200" dirty="0" err="1" smtClean="0"/>
-            <a:t>beforeSend</a:t>
-          </a:r>
-          <a:r>
-            <a:rPr lang="en-US" sz="2000" b="0" i="0" kern="1200" dirty="0" smtClean="0"/>
-            <a:t> (Local Event)</a:t>
-          </a:r>
-          <a:endParaRPr lang="zh-TW" altLang="en-US" sz="2000" kern="1200" dirty="0"/>
-        </a:p>
-      </dsp:txBody>
-      <dsp:txXfrm>
-        <a:off x="0" y="371627"/>
-        <a:ext cx="7950925" cy="315464"/>
-      </dsp:txXfrm>
-    </dsp:sp>
   </dsp:spTree>
 </dsp:drawing>
 </file>
@@ -5104,7 +4282,7 @@
           <a:p>
             <a:r>
               <a:rPr lang="en-US" altLang="zh-TW" dirty="0" smtClean="0"/>
-              <a:t>            &lt;form role="form"&gt;</a:t>
+              <a:t>            &lt;form role="form" id="form"&gt;</a:t>
             </a:r>
           </a:p>
           <a:p>
@@ -5412,7 +4590,7 @@
             </a:r>
             <a:r>
               <a:rPr lang="zh-TW" altLang="en-US" dirty="0" smtClean="0"/>
-              <a:t>送出</a:t>
+              <a:t>清空</a:t>
             </a:r>
             <a:r>
               <a:rPr lang="en-US" altLang="zh-TW" dirty="0" smtClean="0"/>
@@ -6274,7 +5452,7 @@
           </a:p>
           <a:p>
             <a:r>
-              <a:rPr lang="en-US" altLang="zh-TW" dirty="0" smtClean="0"/>
+              <a:rPr lang="en-US" altLang="zh-TW" smtClean="0"/>
               <a:t>&lt;/html&gt;</a:t>
             </a:r>
             <a:endParaRPr lang="zh-TW" altLang="en-US" dirty="0"/>
@@ -35535,11 +34713,7 @@
           <a:p>
             <a:r>
               <a:rPr lang="zh-TW" altLang="en-US" dirty="0" smtClean="0"/>
-              <a:t>非同步</a:t>
-            </a:r>
-            <a:r>
-              <a:rPr lang="zh-TW" altLang="en-US" dirty="0" smtClean="0"/>
-              <a:t>事件管理</a:t>
+              <a:t>非同步事件管理</a:t>
             </a:r>
             <a:r>
               <a:rPr lang="en-US" altLang="zh-TW" dirty="0" smtClean="0"/>
